--- a/05 - Durable Functions/Durable Functions.pptx
+++ b/05 - Durable Functions/Durable Functions.pptx
@@ -5,34 +5,55 @@
     <p:sldMasterId id="2147483648" r:id="rId4"/>
   </p:sldMasterIdLst>
   <p:notesMasterIdLst>
-    <p:notesMasterId r:id="rId27"/>
+    <p:notesMasterId r:id="rId48"/>
   </p:notesMasterIdLst>
   <p:handoutMasterIdLst>
-    <p:handoutMasterId r:id="rId28"/>
+    <p:handoutMasterId r:id="rId49"/>
   </p:handoutMasterIdLst>
   <p:sldIdLst>
     <p:sldId id="260" r:id="rId5"/>
     <p:sldId id="398" r:id="rId6"/>
     <p:sldId id="353" r:id="rId7"/>
-    <p:sldId id="485" r:id="rId8"/>
-    <p:sldId id="478" r:id="rId9"/>
-    <p:sldId id="479" r:id="rId10"/>
-    <p:sldId id="480" r:id="rId11"/>
-    <p:sldId id="481" r:id="rId12"/>
-    <p:sldId id="482" r:id="rId13"/>
-    <p:sldId id="483" r:id="rId14"/>
-    <p:sldId id="484" r:id="rId15"/>
-    <p:sldId id="486" r:id="rId16"/>
-    <p:sldId id="487" r:id="rId17"/>
-    <p:sldId id="488" r:id="rId18"/>
-    <p:sldId id="489" r:id="rId19"/>
-    <p:sldId id="490" r:id="rId20"/>
-    <p:sldId id="491" r:id="rId21"/>
-    <p:sldId id="492" r:id="rId22"/>
-    <p:sldId id="493" r:id="rId23"/>
-    <p:sldId id="289" r:id="rId24"/>
-    <p:sldId id="290" r:id="rId25"/>
-    <p:sldId id="303" r:id="rId26"/>
+    <p:sldId id="494" r:id="rId8"/>
+    <p:sldId id="485" r:id="rId9"/>
+    <p:sldId id="478" r:id="rId10"/>
+    <p:sldId id="501" r:id="rId11"/>
+    <p:sldId id="479" r:id="rId12"/>
+    <p:sldId id="502" r:id="rId13"/>
+    <p:sldId id="480" r:id="rId14"/>
+    <p:sldId id="481" r:id="rId15"/>
+    <p:sldId id="482" r:id="rId16"/>
+    <p:sldId id="483" r:id="rId17"/>
+    <p:sldId id="505" r:id="rId18"/>
+    <p:sldId id="499" r:id="rId19"/>
+    <p:sldId id="484" r:id="rId20"/>
+    <p:sldId id="500" r:id="rId21"/>
+    <p:sldId id="486" r:id="rId22"/>
+    <p:sldId id="487" r:id="rId23"/>
+    <p:sldId id="488" r:id="rId24"/>
+    <p:sldId id="489" r:id="rId25"/>
+    <p:sldId id="490" r:id="rId26"/>
+    <p:sldId id="491" r:id="rId27"/>
+    <p:sldId id="506" r:id="rId28"/>
+    <p:sldId id="507" r:id="rId29"/>
+    <p:sldId id="510" r:id="rId30"/>
+    <p:sldId id="511" r:id="rId31"/>
+    <p:sldId id="512" r:id="rId32"/>
+    <p:sldId id="513" r:id="rId33"/>
+    <p:sldId id="514" r:id="rId34"/>
+    <p:sldId id="515" r:id="rId35"/>
+    <p:sldId id="516" r:id="rId36"/>
+    <p:sldId id="517" r:id="rId37"/>
+    <p:sldId id="492" r:id="rId38"/>
+    <p:sldId id="493" r:id="rId39"/>
+    <p:sldId id="495" r:id="rId40"/>
+    <p:sldId id="496" r:id="rId41"/>
+    <p:sldId id="497" r:id="rId42"/>
+    <p:sldId id="498" r:id="rId43"/>
+    <p:sldId id="503" r:id="rId44"/>
+    <p:sldId id="289" r:id="rId45"/>
+    <p:sldId id="290" r:id="rId46"/>
+    <p:sldId id="303" r:id="rId47"/>
   </p:sldIdLst>
   <p:sldSz cx="12192000" cy="6858000"/>
   <p:notesSz cx="6858000" cy="9144000"/>
@@ -226,7 +247,7 @@
             <a:pPr rtl="0"/>
             <a:fld id="{268207A6-7ADA-45B8-951F-34576C3577BD}" type="datetime1">
               <a:rPr lang="sk-SK" smtClean="0"/>
-              <a:t>6. 4. 2022</a:t>
+              <a:t>8. 4. 2022</a:t>
             </a:fld>
             <a:endParaRPr lang="sk-SK" dirty="0"/>
           </a:p>
@@ -396,7 +417,7 @@
             <a:pPr rtl="0"/>
             <a:fld id="{591A0293-3DCA-4153-B68A-A2DB651509C0}" type="datetime1">
               <a:rPr lang="sk-SK" noProof="0" smtClean="0"/>
-              <a:t>6. 4. 2022</a:t>
+              <a:t>8. 4. 2022</a:t>
             </a:fld>
             <a:endParaRPr lang="sk-SK" noProof="0" dirty="0"/>
           </a:p>
@@ -1258,7 +1279,7 @@
             <a:pPr rtl="0"/>
             <a:fld id="{900FA921-B42C-4118-B7D5-0895D3550D77}" type="datetime1">
               <a:rPr lang="sk-SK" noProof="0" smtClean="0"/>
-              <a:t>6. 4. 2022</a:t>
+              <a:t>8. 4. 2022</a:t>
             </a:fld>
             <a:endParaRPr lang="sk-SK" noProof="0" dirty="0"/>
           </a:p>
@@ -1555,7 +1576,7 @@
             <a:pPr rtl="0"/>
             <a:fld id="{4BEE775C-7769-4983-973F-31EBB41A2D12}" type="datetime1">
               <a:rPr lang="sk-SK" noProof="0" smtClean="0"/>
-              <a:t>6. 4. 2022</a:t>
+              <a:t>8. 4. 2022</a:t>
             </a:fld>
             <a:endParaRPr lang="sk-SK" noProof="0" dirty="0"/>
           </a:p>
@@ -1803,7 +1824,7 @@
             <a:pPr rtl="0"/>
             <a:fld id="{C932E5DF-018E-49DA-B38A-5E65209E32B5}" type="datetime1">
               <a:rPr lang="sk-SK" noProof="0" smtClean="0"/>
-              <a:t>6. 4. 2022</a:t>
+              <a:t>8. 4. 2022</a:t>
             </a:fld>
             <a:endParaRPr lang="sk-SK" noProof="0" dirty="0"/>
           </a:p>
@@ -2343,7 +2364,7 @@
             <a:pPr rtl="0"/>
             <a:fld id="{5109D02C-C2F0-42B1-AF2A-7F22B5DC25B0}" type="datetime1">
               <a:rPr lang="sk-SK" noProof="0" smtClean="0"/>
-              <a:t>6. 4. 2022</a:t>
+              <a:t>8. 4. 2022</a:t>
             </a:fld>
             <a:endParaRPr lang="sk-SK" noProof="0" dirty="0"/>
           </a:p>
@@ -2591,7 +2612,7 @@
             <a:pPr rtl="0"/>
             <a:fld id="{27313ED6-7DF5-4EA8-A15A-56106F4AB1A8}" type="datetime1">
               <a:rPr lang="sk-SK" noProof="0" smtClean="0"/>
-              <a:t>6. 4. 2022</a:t>
+              <a:t>8. 4. 2022</a:t>
             </a:fld>
             <a:endParaRPr lang="sk-SK" noProof="0" dirty="0"/>
           </a:p>
@@ -3123,7 +3144,7 @@
             <a:pPr rtl="0"/>
             <a:fld id="{460B05BE-B82C-4836-BEE3-86B662C73967}" type="datetime1">
               <a:rPr lang="sk-SK" noProof="0" smtClean="0"/>
-              <a:t>6. 4. 2022</a:t>
+              <a:t>8. 4. 2022</a:t>
             </a:fld>
             <a:endParaRPr lang="sk-SK" noProof="0" dirty="0"/>
           </a:p>
@@ -3419,7 +3440,7 @@
             <a:pPr rtl="0"/>
             <a:fld id="{B6D80D0C-15C1-4232-BBBA-C081C283B074}" type="datetime1">
               <a:rPr lang="sk-SK" noProof="0" smtClean="0"/>
-              <a:t>6. 4. 2022</a:t>
+              <a:t>8. 4. 2022</a:t>
             </a:fld>
             <a:endParaRPr lang="sk-SK" noProof="0" dirty="0"/>
           </a:p>
@@ -3593,7 +3614,7 @@
             <a:pPr rtl="0"/>
             <a:fld id="{9C092629-6D55-437C-89A0-31B0B55C4A73}" type="datetime1">
               <a:rPr lang="sk-SK" noProof="0" smtClean="0"/>
-              <a:t>6. 4. 2022</a:t>
+              <a:t>8. 4. 2022</a:t>
             </a:fld>
             <a:endParaRPr lang="sk-SK" noProof="0" dirty="0"/>
           </a:p>
@@ -3773,7 +3794,7 @@
             <a:pPr rtl="0"/>
             <a:fld id="{45F7A265-AC1F-4DE6-B2E7-EDDEC1CB13AE}" type="datetime1">
               <a:rPr lang="sk-SK" noProof="0" smtClean="0"/>
-              <a:t>6. 4. 2022</a:t>
+              <a:t>8. 4. 2022</a:t>
             </a:fld>
             <a:endParaRPr lang="sk-SK" noProof="0" dirty="0"/>
           </a:p>
@@ -3943,7 +3964,7 @@
             <a:pPr rtl="0"/>
             <a:fld id="{556A154B-A35F-4191-B844-7C2621556C5A}" type="datetime1">
               <a:rPr lang="sk-SK" noProof="0" smtClean="0"/>
-              <a:t>6. 4. 2022</a:t>
+              <a:t>8. 4. 2022</a:t>
             </a:fld>
             <a:endParaRPr lang="sk-SK" noProof="0" dirty="0"/>
           </a:p>
@@ -4194,7 +4215,7 @@
             <a:pPr rtl="0"/>
             <a:fld id="{ECC8ABC4-B50E-4AED-80D0-A4EA425A67F1}" type="datetime1">
               <a:rPr lang="sk-SK" noProof="0" smtClean="0"/>
-              <a:t>6. 4. 2022</a:t>
+              <a:t>8. 4. 2022</a:t>
             </a:fld>
             <a:endParaRPr lang="sk-SK" noProof="0" dirty="0"/>
           </a:p>
@@ -4491,7 +4512,7 @@
             <a:pPr rtl="0"/>
             <a:fld id="{79846675-4AE1-4AA6-90BD-F0C34E95FD01}" type="datetime1">
               <a:rPr lang="sk-SK" noProof="0" smtClean="0"/>
-              <a:t>6. 4. 2022</a:t>
+              <a:t>8. 4. 2022</a:t>
             </a:fld>
             <a:endParaRPr lang="sk-SK" noProof="0" dirty="0"/>
           </a:p>
@@ -4933,7 +4954,7 @@
             <a:pPr rtl="0"/>
             <a:fld id="{7378032B-3EDA-4C05-BE29-4965CEDCD681}" type="datetime1">
               <a:rPr lang="sk-SK" noProof="0" smtClean="0"/>
-              <a:t>6. 4. 2022</a:t>
+              <a:t>8. 4. 2022</a:t>
             </a:fld>
             <a:endParaRPr lang="sk-SK" noProof="0" dirty="0"/>
           </a:p>
@@ -5051,7 +5072,7 @@
             <a:pPr rtl="0"/>
             <a:fld id="{8E1C420E-D5B6-4085-8589-6BD6C0D15322}" type="datetime1">
               <a:rPr lang="sk-SK" noProof="0" smtClean="0"/>
-              <a:t>6. 4. 2022</a:t>
+              <a:t>8. 4. 2022</a:t>
             </a:fld>
             <a:endParaRPr lang="sk-SK" noProof="0" dirty="0"/>
           </a:p>
@@ -5145,7 +5166,7 @@
             <a:pPr rtl="0"/>
             <a:fld id="{EE61EFEC-06A5-463A-84CB-3AC23AB02C2D}" type="datetime1">
               <a:rPr lang="sk-SK" noProof="0" smtClean="0"/>
-              <a:t>6. 4. 2022</a:t>
+              <a:t>8. 4. 2022</a:t>
             </a:fld>
             <a:endParaRPr lang="sk-SK" noProof="0" dirty="0"/>
           </a:p>
@@ -5428,7 +5449,7 @@
             <a:pPr rtl="0"/>
             <a:fld id="{2EB672FB-3028-4C4A-9E46-B78FDE73405B}" type="datetime1">
               <a:rPr lang="sk-SK" noProof="0" smtClean="0"/>
-              <a:t>6. 4. 2022</a:t>
+              <a:t>8. 4. 2022</a:t>
             </a:fld>
             <a:endParaRPr lang="sk-SK" noProof="0" dirty="0"/>
           </a:p>
@@ -5720,7 +5741,7 @@
             <a:pPr rtl="0"/>
             <a:fld id="{60367B1A-8B56-4DB3-9D45-FDEF93DAB338}" type="datetime1">
               <a:rPr lang="sk-SK" noProof="0" smtClean="0"/>
-              <a:t>6. 4. 2022</a:t>
+              <a:t>8. 4. 2022</a:t>
             </a:fld>
             <a:endParaRPr lang="sk-SK" noProof="0" dirty="0"/>
           </a:p>
@@ -6248,7 +6269,7 @@
             <a:pPr rtl="0"/>
             <a:fld id="{34C29ED1-23D1-4646-81FC-DC0A2419921B}" type="datetime1">
               <a:rPr lang="sk-SK" noProof="0" smtClean="0"/>
-              <a:t>6. 4. 2022</a:t>
+              <a:t>8. 4. 2022</a:t>
             </a:fld>
             <a:endParaRPr lang="sk-SK" noProof="0" dirty="0"/>
           </a:p>
@@ -7385,7 +7406,7 @@
           <p:cNvPr id="2" name="Nadpis 1">
             <a:extLst>
               <a:ext uri="{FF2B5EF4-FFF2-40B4-BE49-F238E27FC236}">
-                <a16:creationId xmlns:a16="http://schemas.microsoft.com/office/drawing/2014/main" id="{3AC4A731-2471-4293-881F-87472905BC73}"/>
+                <a16:creationId xmlns:a16="http://schemas.microsoft.com/office/drawing/2014/main" id="{D9E15FAE-D201-4FC6-AFFD-7126FDFE1566}"/>
               </a:ext>
             </a:extLst>
           </p:cNvPr>
@@ -7403,12 +7424,8 @@
           <a:p>
             <a:pPr algn="l"/>
             <a:r>
-              <a:rPr lang="sk-SK" dirty="0"/>
-              <a:t>Obmedzenia pre </a:t>
-            </a:r>
-            <a:r>
               <a:rPr lang="sk-SK" dirty="0" err="1"/>
-              <a:t>orchestrator</a:t>
+              <a:t>Activity</a:t>
             </a:r>
             <a:r>
               <a:rPr lang="sk-SK" dirty="0"/>
@@ -7416,9 +7433,12 @@
             </a:r>
             <a:r>
               <a:rPr lang="sk-SK" dirty="0" err="1"/>
-              <a:t>functions</a:t>
-            </a:r>
-            <a:endParaRPr lang="sk-SK" dirty="0"/>
+              <a:t>function</a:t>
+            </a:r>
+            <a:r>
+              <a:rPr lang="sk-SK" dirty="0"/>
+              <a:t> (AF)</a:t>
+            </a:r>
           </a:p>
         </p:txBody>
       </p:sp>
@@ -7427,7 +7447,7 @@
           <p:cNvPr id="3" name="Zástupný objekt pre obsah 2">
             <a:extLst>
               <a:ext uri="{FF2B5EF4-FFF2-40B4-BE49-F238E27FC236}">
-                <a16:creationId xmlns:a16="http://schemas.microsoft.com/office/drawing/2014/main" id="{14C4BB2B-CF84-4566-AFF6-2A7957733495}"/>
+                <a16:creationId xmlns:a16="http://schemas.microsoft.com/office/drawing/2014/main" id="{9F1CDBDF-C7F2-4E41-82FB-49839D8DE517}"/>
               </a:ext>
             </a:extLst>
           </p:cNvPr>
@@ -7445,7 +7465,41 @@
           <a:p>
             <a:r>
               <a:rPr lang="sk-SK" dirty="0"/>
-              <a:t>https://docs.microsoft.com/en-us/azure/azure-functions/durable/durable-functions-code-constraints</a:t>
+              <a:t>Základná jednotka práce v DF („jeden krok v pracovnom postupe“)</a:t>
+            </a:r>
+          </a:p>
+          <a:p>
+            <a:r>
+              <a:rPr lang="sk-SK" dirty="0"/>
+              <a:t>Všetky náročné operácie by mali byť v nich a nie v OF</a:t>
+            </a:r>
+          </a:p>
+          <a:p>
+            <a:r>
+              <a:rPr lang="sk-SK" dirty="0"/>
+              <a:t>Iba jeden vstupný parameter</a:t>
+            </a:r>
+          </a:p>
+          <a:p>
+            <a:r>
+              <a:rPr lang="sk-SK" dirty="0"/>
+              <a:t>Môžu bežať na inej inštancii </a:t>
+            </a:r>
+            <a:r>
+              <a:rPr lang="sk-SK" dirty="0" err="1"/>
+              <a:t>Function</a:t>
+            </a:r>
+            <a:r>
+              <a:rPr lang="sk-SK" dirty="0"/>
+              <a:t> </a:t>
+            </a:r>
+            <a:r>
+              <a:rPr lang="sk-SK" dirty="0" err="1"/>
+              <a:t>App</a:t>
+            </a:r>
+            <a:r>
+              <a:rPr lang="sk-SK" dirty="0"/>
+              <a:t>/inej VM</a:t>
             </a:r>
           </a:p>
         </p:txBody>
@@ -7453,7 +7507,7 @@
     </p:spTree>
     <p:extLst>
       <p:ext uri="{BB962C8B-B14F-4D97-AF65-F5344CB8AC3E}">
-        <p14:creationId xmlns:p14="http://schemas.microsoft.com/office/powerpoint/2010/main" val="957963088"/>
+        <p14:creationId xmlns:p14="http://schemas.microsoft.com/office/powerpoint/2010/main" val="1564021561"/>
       </p:ext>
     </p:extLst>
   </p:cSld>
@@ -7485,6 +7539,1226 @@
           <p:cNvPr id="2" name="Nadpis 1">
             <a:extLst>
               <a:ext uri="{FF2B5EF4-FFF2-40B4-BE49-F238E27FC236}">
+                <a16:creationId xmlns:a16="http://schemas.microsoft.com/office/drawing/2014/main" id="{467A4BE7-C868-44A8-BC54-A3101B577779}"/>
+              </a:ext>
+            </a:extLst>
+          </p:cNvPr>
+          <p:cNvSpPr>
+            <a:spLocks noGrp="1"/>
+          </p:cNvSpPr>
+          <p:nvPr>
+            <p:ph type="title"/>
+          </p:nvPr>
+        </p:nvSpPr>
+        <p:spPr/>
+        <p:txBody>
+          <a:bodyPr/>
+          <a:lstStyle/>
+          <a:p>
+            <a:pPr algn="l"/>
+            <a:r>
+              <a:rPr lang="sk-SK" dirty="0"/>
+              <a:t>Entity </a:t>
+            </a:r>
+            <a:r>
+              <a:rPr lang="sk-SK" dirty="0" err="1"/>
+              <a:t>function</a:t>
+            </a:r>
+            <a:r>
+              <a:rPr lang="sk-SK" dirty="0"/>
+              <a:t> (</a:t>
+            </a:r>
+            <a:r>
+              <a:rPr lang="sk-SK" dirty="0" err="1"/>
+              <a:t>durable</a:t>
+            </a:r>
+            <a:r>
+              <a:rPr lang="sk-SK" dirty="0"/>
+              <a:t> entity)</a:t>
+            </a:r>
+          </a:p>
+        </p:txBody>
+      </p:sp>
+      <p:sp>
+        <p:nvSpPr>
+          <p:cNvPr id="3" name="Zástupný objekt pre obsah 2">
+            <a:extLst>
+              <a:ext uri="{FF2B5EF4-FFF2-40B4-BE49-F238E27FC236}">
+                <a16:creationId xmlns:a16="http://schemas.microsoft.com/office/drawing/2014/main" id="{16140D17-465A-4E3A-BF0B-B8D5D80804D5}"/>
+              </a:ext>
+            </a:extLst>
+          </p:cNvPr>
+          <p:cNvSpPr>
+            <a:spLocks noGrp="1"/>
+          </p:cNvSpPr>
+          <p:nvPr>
+            <p:ph idx="1"/>
+          </p:nvPr>
+        </p:nvSpPr>
+        <p:spPr/>
+        <p:txBody>
+          <a:bodyPr/>
+          <a:lstStyle/>
+          <a:p>
+            <a:r>
+              <a:rPr lang="sk-SK" dirty="0"/>
+              <a:t>Obsahujú operácie na čítanie a aktualizáciu časti stavu</a:t>
+            </a:r>
+          </a:p>
+          <a:p>
+            <a:r>
+              <a:rPr lang="sk-SK" dirty="0"/>
+              <a:t>Spúšťajú sa cez </a:t>
+            </a:r>
+            <a:r>
+              <a:rPr lang="sk-SK" i="1" dirty="0"/>
+              <a:t>entity </a:t>
+            </a:r>
+            <a:r>
+              <a:rPr lang="sk-SK" i="1" dirty="0" err="1"/>
+              <a:t>trigger</a:t>
+            </a:r>
+            <a:r>
+              <a:rPr lang="sk-SK" i="1" dirty="0"/>
+              <a:t> </a:t>
+            </a:r>
+            <a:r>
+              <a:rPr lang="sk-SK" dirty="0"/>
+              <a:t>z OF, </a:t>
+            </a:r>
+            <a:r>
+              <a:rPr lang="sk-SK" dirty="0" err="1"/>
+              <a:t>client</a:t>
+            </a:r>
+            <a:r>
+              <a:rPr lang="sk-SK" dirty="0"/>
+              <a:t> </a:t>
+            </a:r>
+            <a:r>
+              <a:rPr lang="sk-SK" dirty="0" err="1"/>
+              <a:t>function</a:t>
+            </a:r>
+            <a:r>
+              <a:rPr lang="sk-SK" dirty="0"/>
+              <a:t> alebo inej entity</a:t>
+            </a:r>
+          </a:p>
+          <a:p>
+            <a:r>
+              <a:rPr lang="sk-SK" dirty="0"/>
+              <a:t>Fungujú ako malé služby, ktoré komunikujú prostredníctvom správ</a:t>
+            </a:r>
+          </a:p>
+          <a:p>
+            <a:r>
+              <a:rPr lang="sk-SK" dirty="0"/>
+              <a:t>Majú unikátne ID (názov funkcie + GUID), interný stav a vykonávajú operácie</a:t>
+            </a:r>
+          </a:p>
+          <a:p>
+            <a:r>
+              <a:rPr lang="sk-SK" dirty="0"/>
+              <a:t>Môžu byť definované ako funkcia alebo ako trieda (len v .NET)</a:t>
+            </a:r>
+          </a:p>
+          <a:p>
+            <a:r>
+              <a:rPr lang="sk-SK" dirty="0"/>
+              <a:t>Všetky operácie jednej entity sa vykonávajú sériovo</a:t>
+            </a:r>
+          </a:p>
+        </p:txBody>
+      </p:sp>
+    </p:spTree>
+    <p:extLst>
+      <p:ext uri="{BB962C8B-B14F-4D97-AF65-F5344CB8AC3E}">
+        <p14:creationId xmlns:p14="http://schemas.microsoft.com/office/powerpoint/2010/main" val="553249958"/>
+      </p:ext>
+    </p:extLst>
+  </p:cSld>
+  <p:clrMapOvr>
+    <a:masterClrMapping/>
+  </p:clrMapOvr>
+</p:sld>
+</file>
+
+<file path=ppt/slides/slide12.xml><?xml version="1.0" encoding="utf-8"?>
+<p:sld xmlns:a="http://schemas.openxmlformats.org/drawingml/2006/main" xmlns:r="http://schemas.openxmlformats.org/officeDocument/2006/relationships" xmlns:p="http://schemas.openxmlformats.org/presentationml/2006/main">
+  <p:cSld>
+    <p:spTree>
+      <p:nvGrpSpPr>
+        <p:cNvPr id="1" name=""/>
+        <p:cNvGrpSpPr/>
+        <p:nvPr/>
+      </p:nvGrpSpPr>
+      <p:grpSpPr>
+        <a:xfrm>
+          <a:off x="0" y="0"/>
+          <a:ext cx="0" cy="0"/>
+          <a:chOff x="0" y="0"/>
+          <a:chExt cx="0" cy="0"/>
+        </a:xfrm>
+      </p:grpSpPr>
+      <p:sp>
+        <p:nvSpPr>
+          <p:cNvPr id="2" name="Nadpis 1">
+            <a:extLst>
+              <a:ext uri="{FF2B5EF4-FFF2-40B4-BE49-F238E27FC236}">
+                <a16:creationId xmlns:a16="http://schemas.microsoft.com/office/drawing/2014/main" id="{9AF331C0-333F-45D8-B8A4-93CFD5DD821F}"/>
+              </a:ext>
+            </a:extLst>
+          </p:cNvPr>
+          <p:cNvSpPr>
+            <a:spLocks noGrp="1"/>
+          </p:cNvSpPr>
+          <p:nvPr>
+            <p:ph type="title"/>
+          </p:nvPr>
+        </p:nvSpPr>
+        <p:spPr/>
+        <p:txBody>
+          <a:bodyPr/>
+          <a:lstStyle/>
+          <a:p>
+            <a:pPr algn="l"/>
+            <a:r>
+              <a:rPr lang="sk-SK" dirty="0" err="1"/>
+              <a:t>Client</a:t>
+            </a:r>
+            <a:r>
+              <a:rPr lang="sk-SK" dirty="0"/>
+              <a:t> </a:t>
+            </a:r>
+            <a:r>
+              <a:rPr lang="sk-SK" dirty="0" err="1"/>
+              <a:t>function</a:t>
+            </a:r>
+            <a:r>
+              <a:rPr lang="sk-SK" dirty="0"/>
+              <a:t> (CF)</a:t>
+            </a:r>
+          </a:p>
+        </p:txBody>
+      </p:sp>
+      <p:sp>
+        <p:nvSpPr>
+          <p:cNvPr id="3" name="Zástupný objekt pre obsah 2">
+            <a:extLst>
+              <a:ext uri="{FF2B5EF4-FFF2-40B4-BE49-F238E27FC236}">
+                <a16:creationId xmlns:a16="http://schemas.microsoft.com/office/drawing/2014/main" id="{BC3A5E93-0B4E-4743-92FD-1655FB85B67A}"/>
+              </a:ext>
+            </a:extLst>
+          </p:cNvPr>
+          <p:cNvSpPr>
+            <a:spLocks noGrp="1"/>
+          </p:cNvSpPr>
+          <p:nvPr>
+            <p:ph idx="1"/>
+          </p:nvPr>
+        </p:nvSpPr>
+        <p:spPr/>
+        <p:txBody>
+          <a:bodyPr/>
+          <a:lstStyle/>
+          <a:p>
+            <a:pPr algn="just"/>
+            <a:r>
+              <a:rPr lang="sk-SK" dirty="0"/>
+              <a:t>Vstupný bod do DF</a:t>
+            </a:r>
+          </a:p>
+          <a:p>
+            <a:pPr algn="just"/>
+            <a:r>
+              <a:rPr lang="sk-SK" dirty="0"/>
+              <a:t>Dokáže spustiť OF (cez </a:t>
+            </a:r>
+            <a:r>
+              <a:rPr lang="sk-SK" i="1" dirty="0" err="1"/>
+              <a:t>orchestration</a:t>
+            </a:r>
+            <a:r>
+              <a:rPr lang="sk-SK" i="1" dirty="0"/>
+              <a:t> </a:t>
+            </a:r>
+            <a:r>
+              <a:rPr lang="sk-SK" i="1" dirty="0" err="1"/>
+              <a:t>trigger</a:t>
+            </a:r>
+            <a:r>
+              <a:rPr lang="sk-SK" dirty="0"/>
+              <a:t>) aj entity </a:t>
+            </a:r>
+            <a:r>
+              <a:rPr lang="sk-SK" dirty="0" err="1"/>
+              <a:t>function</a:t>
+            </a:r>
+            <a:r>
+              <a:rPr lang="sk-SK" dirty="0"/>
+              <a:t> (cez </a:t>
+            </a:r>
+            <a:r>
+              <a:rPr lang="sk-SK" i="1" dirty="0"/>
+              <a:t>entity </a:t>
+            </a:r>
+            <a:r>
+              <a:rPr lang="sk-SK" i="1" dirty="0" err="1"/>
+              <a:t>trigger</a:t>
+            </a:r>
+            <a:r>
+              <a:rPr lang="sk-SK" dirty="0"/>
+              <a:t>). Tie nie je možné spustiť priamo cez portál.</a:t>
+            </a:r>
+          </a:p>
+          <a:p>
+            <a:pPr algn="just"/>
+            <a:r>
+              <a:rPr lang="sk-SK" dirty="0"/>
+              <a:t>Ako </a:t>
+            </a:r>
+            <a:r>
+              <a:rPr lang="sk-SK" dirty="0" err="1"/>
+              <a:t>client</a:t>
+            </a:r>
+            <a:r>
+              <a:rPr lang="sk-SK" dirty="0"/>
+              <a:t> </a:t>
+            </a:r>
+            <a:r>
+              <a:rPr lang="sk-SK" dirty="0" err="1"/>
+              <a:t>function</a:t>
+            </a:r>
+            <a:r>
+              <a:rPr lang="sk-SK" dirty="0"/>
+              <a:t> je možné využiť ľubovoľnú </a:t>
+            </a:r>
+            <a:r>
+              <a:rPr lang="sk-SK" dirty="0" err="1"/>
+              <a:t>Azure</a:t>
+            </a:r>
+            <a:r>
+              <a:rPr lang="sk-SK" dirty="0"/>
+              <a:t> </a:t>
+            </a:r>
+            <a:r>
+              <a:rPr lang="sk-SK" dirty="0" err="1"/>
+              <a:t>Function</a:t>
+            </a:r>
+            <a:r>
+              <a:rPr lang="sk-SK" dirty="0"/>
+              <a:t>, ktorá nie je OF.</a:t>
+            </a:r>
+          </a:p>
+        </p:txBody>
+      </p:sp>
+    </p:spTree>
+    <p:extLst>
+      <p:ext uri="{BB962C8B-B14F-4D97-AF65-F5344CB8AC3E}">
+        <p14:creationId xmlns:p14="http://schemas.microsoft.com/office/powerpoint/2010/main" val="2138216935"/>
+      </p:ext>
+    </p:extLst>
+  </p:cSld>
+  <p:clrMapOvr>
+    <a:masterClrMapping/>
+  </p:clrMapOvr>
+</p:sld>
+</file>
+
+<file path=ppt/slides/slide13.xml><?xml version="1.0" encoding="utf-8"?>
+<p:sld xmlns:a="http://schemas.openxmlformats.org/drawingml/2006/main" xmlns:r="http://schemas.openxmlformats.org/officeDocument/2006/relationships" xmlns:p="http://schemas.openxmlformats.org/presentationml/2006/main">
+  <p:cSld>
+    <p:spTree>
+      <p:nvGrpSpPr>
+        <p:cNvPr id="1" name=""/>
+        <p:cNvGrpSpPr/>
+        <p:nvPr/>
+      </p:nvGrpSpPr>
+      <p:grpSpPr>
+        <a:xfrm>
+          <a:off x="0" y="0"/>
+          <a:ext cx="0" cy="0"/>
+          <a:chOff x="0" y="0"/>
+          <a:chExt cx="0" cy="0"/>
+        </a:xfrm>
+      </p:grpSpPr>
+      <p:sp>
+        <p:nvSpPr>
+          <p:cNvPr id="2" name="Nadpis 1">
+            <a:extLst>
+              <a:ext uri="{FF2B5EF4-FFF2-40B4-BE49-F238E27FC236}">
+                <a16:creationId xmlns:a16="http://schemas.microsoft.com/office/drawing/2014/main" id="{3AC4A731-2471-4293-881F-87472905BC73}"/>
+              </a:ext>
+            </a:extLst>
+          </p:cNvPr>
+          <p:cNvSpPr>
+            <a:spLocks noGrp="1"/>
+          </p:cNvSpPr>
+          <p:nvPr>
+            <p:ph type="title"/>
+          </p:nvPr>
+        </p:nvSpPr>
+        <p:spPr/>
+        <p:txBody>
+          <a:bodyPr/>
+          <a:lstStyle/>
+          <a:p>
+            <a:pPr algn="l"/>
+            <a:r>
+              <a:rPr lang="sk-SK" dirty="0"/>
+              <a:t>Obmedzenia pre OF</a:t>
+            </a:r>
+          </a:p>
+        </p:txBody>
+      </p:sp>
+      <p:sp>
+        <p:nvSpPr>
+          <p:cNvPr id="3" name="Zástupný objekt pre obsah 2">
+            <a:extLst>
+              <a:ext uri="{FF2B5EF4-FFF2-40B4-BE49-F238E27FC236}">
+                <a16:creationId xmlns:a16="http://schemas.microsoft.com/office/drawing/2014/main" id="{14C4BB2B-CF84-4566-AFF6-2A7957733495}"/>
+              </a:ext>
+            </a:extLst>
+          </p:cNvPr>
+          <p:cNvSpPr>
+            <a:spLocks noGrp="1"/>
+          </p:cNvSpPr>
+          <p:nvPr>
+            <p:ph idx="1"/>
+          </p:nvPr>
+        </p:nvSpPr>
+        <p:spPr/>
+        <p:txBody>
+          <a:bodyPr>
+            <a:normAutofit/>
+          </a:bodyPr>
+          <a:lstStyle/>
+          <a:p>
+            <a:pPr algn="just"/>
+            <a:r>
+              <a:rPr lang="sk-SK" dirty="0"/>
+              <a:t>Pri rehydratácii sa volá celý kód v OF nanovo, aby sa obnovili všetky lokálne premenné</a:t>
+            </a:r>
+          </a:p>
+          <a:p>
+            <a:pPr algn="just"/>
+            <a:r>
+              <a:rPr lang="sk-SK" dirty="0"/>
+              <a:t>Už vykonané funkcie sa znova nevolajú, používa sa ich zapamätaný výstup</a:t>
+            </a:r>
+          </a:p>
+          <a:p>
+            <a:pPr algn="just"/>
+            <a:r>
+              <a:rPr lang="sk-SK" dirty="0"/>
+              <a:t>Vzhľadom na tento tzv. „</a:t>
+            </a:r>
+            <a:r>
+              <a:rPr lang="sk-SK" dirty="0" err="1"/>
+              <a:t>replaying</a:t>
+            </a:r>
+            <a:r>
+              <a:rPr lang="sk-SK" dirty="0"/>
+              <a:t>“ platí, že kód v OF musí byť </a:t>
+            </a:r>
+            <a:r>
+              <a:rPr lang="sk-SK" b="1" dirty="0"/>
+              <a:t>deterministický </a:t>
+            </a:r>
+            <a:r>
+              <a:rPr lang="sk-SK" dirty="0"/>
+              <a:t>(t. j. že pri rovnakých vstupoch dá vždy rovnaký výstup)</a:t>
+            </a:r>
+          </a:p>
+          <a:p>
+            <a:pPr algn="just"/>
+            <a:r>
+              <a:rPr lang="sk-SK" dirty="0"/>
+              <a:t>Preto by mali byť všetky rozhrania volané z OF deterministické</a:t>
+            </a:r>
+          </a:p>
+        </p:txBody>
+      </p:sp>
+    </p:spTree>
+    <p:extLst>
+      <p:ext uri="{BB962C8B-B14F-4D97-AF65-F5344CB8AC3E}">
+        <p14:creationId xmlns:p14="http://schemas.microsoft.com/office/powerpoint/2010/main" val="957963088"/>
+      </p:ext>
+    </p:extLst>
+  </p:cSld>
+  <p:clrMapOvr>
+    <a:masterClrMapping/>
+  </p:clrMapOvr>
+</p:sld>
+</file>
+
+<file path=ppt/slides/slide14.xml><?xml version="1.0" encoding="utf-8"?>
+<p:sld xmlns:a="http://schemas.openxmlformats.org/drawingml/2006/main" xmlns:r="http://schemas.openxmlformats.org/officeDocument/2006/relationships" xmlns:p="http://schemas.openxmlformats.org/presentationml/2006/main">
+  <p:cSld>
+    <p:spTree>
+      <p:nvGrpSpPr>
+        <p:cNvPr id="1" name=""/>
+        <p:cNvGrpSpPr/>
+        <p:nvPr/>
+      </p:nvGrpSpPr>
+      <p:grpSpPr>
+        <a:xfrm>
+          <a:off x="0" y="0"/>
+          <a:ext cx="0" cy="0"/>
+          <a:chOff x="0" y="0"/>
+          <a:chExt cx="0" cy="0"/>
+        </a:xfrm>
+      </p:grpSpPr>
+      <p:sp>
+        <p:nvSpPr>
+          <p:cNvPr id="2" name="Nadpis 1">
+            <a:extLst>
+              <a:ext uri="{FF2B5EF4-FFF2-40B4-BE49-F238E27FC236}">
+                <a16:creationId xmlns:a16="http://schemas.microsoft.com/office/drawing/2014/main" id="{3AC4A731-2471-4293-881F-87472905BC73}"/>
+              </a:ext>
+            </a:extLst>
+          </p:cNvPr>
+          <p:cNvSpPr>
+            <a:spLocks noGrp="1"/>
+          </p:cNvSpPr>
+          <p:nvPr>
+            <p:ph type="title"/>
+          </p:nvPr>
+        </p:nvSpPr>
+        <p:spPr/>
+        <p:txBody>
+          <a:bodyPr/>
+          <a:lstStyle/>
+          <a:p>
+            <a:pPr algn="l"/>
+            <a:r>
+              <a:rPr lang="sk-SK" dirty="0"/>
+              <a:t>Čo nepoužívať v OF</a:t>
+            </a:r>
+          </a:p>
+        </p:txBody>
+      </p:sp>
+      <p:graphicFrame>
+        <p:nvGraphicFramePr>
+          <p:cNvPr id="4" name="Tabuľka 4">
+            <a:extLst>
+              <a:ext uri="{FF2B5EF4-FFF2-40B4-BE49-F238E27FC236}">
+                <a16:creationId xmlns:a16="http://schemas.microsoft.com/office/drawing/2014/main" id="{D7C02CE6-8593-49A3-8A3A-BE431FB249C6}"/>
+              </a:ext>
+            </a:extLst>
+          </p:cNvPr>
+          <p:cNvGraphicFramePr>
+            <a:graphicFrameLocks noGrp="1"/>
+          </p:cNvGraphicFramePr>
+          <p:nvPr>
+            <p:ph idx="1"/>
+            <p:extLst>
+              <p:ext uri="{D42A27DB-BD31-4B8C-83A1-F6EECF244321}">
+                <p14:modId xmlns:p14="http://schemas.microsoft.com/office/powerpoint/2010/main" val="2249647735"/>
+              </p:ext>
+            </p:extLst>
+          </p:nvPr>
+        </p:nvGraphicFramePr>
+        <p:xfrm>
+          <a:off x="1484311" y="2092960"/>
+          <a:ext cx="10018712" cy="4079240"/>
+        </p:xfrm>
+        <a:graphic>
+          <a:graphicData uri="http://schemas.openxmlformats.org/drawingml/2006/table">
+            <a:tbl>
+              <a:tblPr firstRow="1" bandRow="1">
+                <a:tableStyleId>{5C22544A-7EE6-4342-B048-85BDC9FD1C3A}</a:tableStyleId>
+              </a:tblPr>
+              <a:tblGrid>
+                <a:gridCol w="2645963">
+                  <a:extLst>
+                    <a:ext uri="{9D8B030D-6E8A-4147-A177-3AD203B41FA5}">
+                      <a16:colId xmlns:a16="http://schemas.microsoft.com/office/drawing/2014/main" val="515266982"/>
+                    </a:ext>
+                  </a:extLst>
+                </a:gridCol>
+                <a:gridCol w="7372749">
+                  <a:extLst>
+                    <a:ext uri="{9D8B030D-6E8A-4147-A177-3AD203B41FA5}">
+                      <a16:colId xmlns:a16="http://schemas.microsoft.com/office/drawing/2014/main" val="397053570"/>
+                    </a:ext>
+                  </a:extLst>
+                </a:gridCol>
+              </a:tblGrid>
+              <a:tr h="370840">
+                <a:tc>
+                  <a:txBody>
+                    <a:bodyPr/>
+                    <a:lstStyle/>
+                    <a:p>
+                      <a:r>
+                        <a:rPr lang="sk-SK" dirty="0"/>
+                        <a:t>Rozhranie</a:t>
+                      </a:r>
+                    </a:p>
+                  </a:txBody>
+                  <a:tcPr/>
+                </a:tc>
+                <a:tc>
+                  <a:txBody>
+                    <a:bodyPr/>
+                    <a:lstStyle/>
+                    <a:p>
+                      <a:r>
+                        <a:rPr lang="sk-SK" dirty="0"/>
+                        <a:t>Ako to urobiť správne</a:t>
+                      </a:r>
+                    </a:p>
+                  </a:txBody>
+                  <a:tcPr/>
+                </a:tc>
+                <a:extLst>
+                  <a:ext uri="{0D108BD9-81ED-4DB2-BD59-A6C34878D82A}">
+                    <a16:rowId xmlns:a16="http://schemas.microsoft.com/office/drawing/2014/main" val="1177116697"/>
+                  </a:ext>
+                </a:extLst>
+              </a:tr>
+              <a:tr h="370840">
+                <a:tc>
+                  <a:txBody>
+                    <a:bodyPr/>
+                    <a:lstStyle/>
+                    <a:p>
+                      <a:r>
+                        <a:rPr lang="sk-SK" dirty="0"/>
+                        <a:t>Dátumy a časy</a:t>
+                      </a:r>
+                    </a:p>
+                  </a:txBody>
+                  <a:tcPr/>
+                </a:tc>
+                <a:tc>
+                  <a:txBody>
+                    <a:bodyPr/>
+                    <a:lstStyle/>
+                    <a:p>
+                      <a:r>
+                        <a:rPr lang="sk-SK" dirty="0"/>
+                        <a:t>Metóda </a:t>
+                      </a:r>
+                      <a:r>
+                        <a:rPr lang="sk-SK" b="1" i="1" dirty="0" err="1"/>
+                        <a:t>CurrentUtcDateTime</a:t>
+                      </a:r>
+                      <a:r>
+                        <a:rPr lang="sk-SK" dirty="0"/>
+                        <a:t> z kontextu DF.</a:t>
+                      </a:r>
+                    </a:p>
+                  </a:txBody>
+                  <a:tcPr/>
+                </a:tc>
+                <a:extLst>
+                  <a:ext uri="{0D108BD9-81ED-4DB2-BD59-A6C34878D82A}">
+                    <a16:rowId xmlns:a16="http://schemas.microsoft.com/office/drawing/2014/main" val="3529914573"/>
+                  </a:ext>
+                </a:extLst>
+              </a:tr>
+              <a:tr h="370840">
+                <a:tc>
+                  <a:txBody>
+                    <a:bodyPr/>
+                    <a:lstStyle/>
+                    <a:p>
+                      <a:r>
+                        <a:rPr lang="sk-SK" dirty="0"/>
+                        <a:t>GUID, UUID</a:t>
+                      </a:r>
+                    </a:p>
+                  </a:txBody>
+                  <a:tcPr/>
+                </a:tc>
+                <a:tc>
+                  <a:txBody>
+                    <a:bodyPr/>
+                    <a:lstStyle/>
+                    <a:p>
+                      <a:r>
+                        <a:rPr lang="sk-SK" dirty="0"/>
+                        <a:t>Metóda </a:t>
+                      </a:r>
+                      <a:r>
+                        <a:rPr lang="sk-SK" b="1" i="1" dirty="0" err="1"/>
+                        <a:t>NewGuid</a:t>
+                      </a:r>
+                      <a:r>
+                        <a:rPr lang="sk-SK" dirty="0"/>
+                        <a:t> z kontextu DF.</a:t>
+                      </a:r>
+                    </a:p>
+                  </a:txBody>
+                  <a:tcPr/>
+                </a:tc>
+                <a:extLst>
+                  <a:ext uri="{0D108BD9-81ED-4DB2-BD59-A6C34878D82A}">
+                    <a16:rowId xmlns:a16="http://schemas.microsoft.com/office/drawing/2014/main" val="1531025078"/>
+                  </a:ext>
+                </a:extLst>
+              </a:tr>
+              <a:tr h="370840">
+                <a:tc>
+                  <a:txBody>
+                    <a:bodyPr/>
+                    <a:lstStyle/>
+                    <a:p>
+                      <a:r>
+                        <a:rPr lang="sk-SK" dirty="0"/>
+                        <a:t>Náhodné čísla</a:t>
+                      </a:r>
+                    </a:p>
+                  </a:txBody>
+                  <a:tcPr/>
+                </a:tc>
+                <a:tc>
+                  <a:txBody>
+                    <a:bodyPr/>
+                    <a:lstStyle/>
+                    <a:p>
+                      <a:r>
+                        <a:rPr lang="sk-SK" dirty="0"/>
+                        <a:t>Generovať náhodné čísla v AF.</a:t>
+                      </a:r>
+                    </a:p>
+                  </a:txBody>
+                  <a:tcPr/>
+                </a:tc>
+                <a:extLst>
+                  <a:ext uri="{0D108BD9-81ED-4DB2-BD59-A6C34878D82A}">
+                    <a16:rowId xmlns:a16="http://schemas.microsoft.com/office/drawing/2014/main" val="3595679418"/>
+                  </a:ext>
+                </a:extLst>
+              </a:tr>
+              <a:tr h="370840">
+                <a:tc>
+                  <a:txBody>
+                    <a:bodyPr/>
+                    <a:lstStyle/>
+                    <a:p>
+                      <a:r>
+                        <a:rPr lang="sk-SK" dirty="0" err="1"/>
+                        <a:t>Binding</a:t>
+                      </a:r>
+                      <a:r>
+                        <a:rPr lang="sk-SK" dirty="0"/>
+                        <a:t> (I/O)</a:t>
+                      </a:r>
+                    </a:p>
+                  </a:txBody>
+                  <a:tcPr/>
+                </a:tc>
+                <a:tc>
+                  <a:txBody>
+                    <a:bodyPr/>
+                    <a:lstStyle/>
+                    <a:p>
+                      <a:r>
+                        <a:rPr lang="sk-SK" dirty="0"/>
+                        <a:t>Využívať </a:t>
+                      </a:r>
+                      <a:r>
+                        <a:rPr lang="sk-SK" dirty="0" err="1"/>
+                        <a:t>binding</a:t>
+                      </a:r>
+                      <a:r>
+                        <a:rPr lang="sk-SK" dirty="0"/>
+                        <a:t> v CF alebo AF.</a:t>
+                      </a:r>
+                    </a:p>
+                  </a:txBody>
+                  <a:tcPr/>
+                </a:tc>
+                <a:extLst>
+                  <a:ext uri="{0D108BD9-81ED-4DB2-BD59-A6C34878D82A}">
+                    <a16:rowId xmlns:a16="http://schemas.microsoft.com/office/drawing/2014/main" val="2651466383"/>
+                  </a:ext>
+                </a:extLst>
+              </a:tr>
+              <a:tr h="370840">
+                <a:tc>
+                  <a:txBody>
+                    <a:bodyPr/>
+                    <a:lstStyle/>
+                    <a:p>
+                      <a:r>
+                        <a:rPr lang="sk-SK" dirty="0"/>
+                        <a:t>Blokovanie (</a:t>
+                      </a:r>
+                      <a:r>
+                        <a:rPr lang="sk-SK" dirty="0" err="1"/>
+                        <a:t>Sleep</a:t>
+                      </a:r>
+                      <a:r>
+                        <a:rPr lang="sk-SK" dirty="0"/>
+                        <a:t>, </a:t>
+                      </a:r>
+                      <a:r>
+                        <a:rPr lang="sk-SK" dirty="0" err="1"/>
+                        <a:t>Delay</a:t>
+                      </a:r>
+                      <a:r>
+                        <a:rPr lang="sk-SK" dirty="0"/>
+                        <a:t>)</a:t>
+                      </a:r>
+                    </a:p>
+                  </a:txBody>
+                  <a:tcPr/>
+                </a:tc>
+                <a:tc>
+                  <a:txBody>
+                    <a:bodyPr/>
+                    <a:lstStyle/>
+                    <a:p>
+                      <a:r>
+                        <a:rPr lang="sk-SK" dirty="0" err="1"/>
+                        <a:t>Durable</a:t>
+                      </a:r>
+                      <a:r>
+                        <a:rPr lang="sk-SK" dirty="0"/>
+                        <a:t> </a:t>
+                      </a:r>
+                      <a:r>
+                        <a:rPr lang="sk-SK" dirty="0" err="1"/>
+                        <a:t>timer</a:t>
+                      </a:r>
+                      <a:r>
+                        <a:rPr lang="sk-SK" dirty="0"/>
+                        <a:t>.</a:t>
+                      </a:r>
+                    </a:p>
+                  </a:txBody>
+                  <a:tcPr/>
+                </a:tc>
+                <a:extLst>
+                  <a:ext uri="{0D108BD9-81ED-4DB2-BD59-A6C34878D82A}">
+                    <a16:rowId xmlns:a16="http://schemas.microsoft.com/office/drawing/2014/main" val="3226654314"/>
+                  </a:ext>
+                </a:extLst>
+              </a:tr>
+              <a:tr h="370840">
+                <a:tc>
+                  <a:txBody>
+                    <a:bodyPr/>
+                    <a:lstStyle/>
+                    <a:p>
+                      <a:r>
+                        <a:rPr lang="sk-SK" dirty="0"/>
+                        <a:t>Asynchrónne API</a:t>
+                      </a:r>
+                    </a:p>
+                  </a:txBody>
+                  <a:tcPr/>
+                </a:tc>
+                <a:tc>
+                  <a:txBody>
+                    <a:bodyPr/>
+                    <a:lstStyle/>
+                    <a:p>
+                      <a:r>
+                        <a:rPr lang="sk-SK" dirty="0"/>
+                        <a:t>Volať z OF iba </a:t>
+                      </a:r>
+                      <a:r>
+                        <a:rPr lang="sk-SK" dirty="0" err="1"/>
+                        <a:t>durable</a:t>
+                      </a:r>
+                      <a:r>
+                        <a:rPr lang="sk-SK" dirty="0"/>
+                        <a:t> </a:t>
+                      </a:r>
+                      <a:r>
+                        <a:rPr lang="sk-SK" dirty="0" err="1"/>
+                        <a:t>async</a:t>
+                      </a:r>
+                      <a:r>
+                        <a:rPr lang="sk-SK" dirty="0"/>
+                        <a:t> volania. Ostatné API by mala volať AF.</a:t>
+                      </a:r>
+                    </a:p>
+                  </a:txBody>
+                  <a:tcPr/>
+                </a:tc>
+                <a:extLst>
+                  <a:ext uri="{0D108BD9-81ED-4DB2-BD59-A6C34878D82A}">
+                    <a16:rowId xmlns:a16="http://schemas.microsoft.com/office/drawing/2014/main" val="1818553542"/>
+                  </a:ext>
+                </a:extLst>
+              </a:tr>
+              <a:tr h="370840">
+                <a:tc>
+                  <a:txBody>
+                    <a:bodyPr/>
+                    <a:lstStyle/>
+                    <a:p>
+                      <a:r>
+                        <a:rPr lang="sk-SK" dirty="0"/>
+                        <a:t>Vlákna</a:t>
+                      </a:r>
+                    </a:p>
+                  </a:txBody>
+                  <a:tcPr/>
+                </a:tc>
+                <a:tc>
+                  <a:txBody>
+                    <a:bodyPr/>
+                    <a:lstStyle/>
+                    <a:p>
+                      <a:r>
+                        <a:rPr lang="sk-SK" dirty="0"/>
+                        <a:t>Nepoužívať </a:t>
+                      </a:r>
+                      <a:r>
+                        <a:rPr lang="sk-SK" dirty="0">
+                          <a:sym typeface="Wingdings" panose="05000000000000000000" pitchFamily="2" charset="2"/>
+                        </a:rPr>
+                        <a:t></a:t>
+                      </a:r>
+                      <a:endParaRPr lang="sk-SK" dirty="0"/>
+                    </a:p>
+                  </a:txBody>
+                  <a:tcPr/>
+                </a:tc>
+                <a:extLst>
+                  <a:ext uri="{0D108BD9-81ED-4DB2-BD59-A6C34878D82A}">
+                    <a16:rowId xmlns:a16="http://schemas.microsoft.com/office/drawing/2014/main" val="255000295"/>
+                  </a:ext>
+                </a:extLst>
+              </a:tr>
+              <a:tr h="370840">
+                <a:tc>
+                  <a:txBody>
+                    <a:bodyPr/>
+                    <a:lstStyle/>
+                    <a:p>
+                      <a:r>
+                        <a:rPr lang="sk-SK" dirty="0"/>
+                        <a:t>Statické premenné</a:t>
+                      </a:r>
+                    </a:p>
+                  </a:txBody>
+                  <a:tcPr/>
+                </a:tc>
+                <a:tc>
+                  <a:txBody>
+                    <a:bodyPr/>
+                    <a:lstStyle/>
+                    <a:p>
+                      <a:r>
+                        <a:rPr lang="sk-SK" dirty="0"/>
+                        <a:t>Konštanty alebo statické premenné v AF.</a:t>
+                      </a:r>
+                    </a:p>
+                  </a:txBody>
+                  <a:tcPr/>
+                </a:tc>
+                <a:extLst>
+                  <a:ext uri="{0D108BD9-81ED-4DB2-BD59-A6C34878D82A}">
+                    <a16:rowId xmlns:a16="http://schemas.microsoft.com/office/drawing/2014/main" val="1127085732"/>
+                  </a:ext>
+                </a:extLst>
+              </a:tr>
+              <a:tr h="370840">
+                <a:tc>
+                  <a:txBody>
+                    <a:bodyPr/>
+                    <a:lstStyle/>
+                    <a:p>
+                      <a:r>
+                        <a:rPr lang="sk-SK" dirty="0"/>
+                        <a:t>Premenné prostredia</a:t>
+                      </a:r>
+                    </a:p>
+                  </a:txBody>
+                  <a:tcPr/>
+                </a:tc>
+                <a:tc>
+                  <a:txBody>
+                    <a:bodyPr/>
+                    <a:lstStyle/>
+                    <a:p>
+                      <a:r>
+                        <a:rPr lang="sk-SK" dirty="0"/>
+                        <a:t>Zisťovať ich hodnotu len z CF alebo AF.</a:t>
+                      </a:r>
+                    </a:p>
+                  </a:txBody>
+                  <a:tcPr/>
+                </a:tc>
+                <a:extLst>
+                  <a:ext uri="{0D108BD9-81ED-4DB2-BD59-A6C34878D82A}">
+                    <a16:rowId xmlns:a16="http://schemas.microsoft.com/office/drawing/2014/main" val="1941065300"/>
+                  </a:ext>
+                </a:extLst>
+              </a:tr>
+              <a:tr h="370840">
+                <a:tc>
+                  <a:txBody>
+                    <a:bodyPr/>
+                    <a:lstStyle/>
+                    <a:p>
+                      <a:r>
+                        <a:rPr lang="sk-SK" dirty="0"/>
+                        <a:t>Nekonečné cykly</a:t>
+                      </a:r>
+                    </a:p>
+                  </a:txBody>
+                  <a:tcPr/>
+                </a:tc>
+                <a:tc>
+                  <a:txBody>
+                    <a:bodyPr/>
+                    <a:lstStyle/>
+                    <a:p>
+                      <a:r>
+                        <a:rPr lang="sk-SK" dirty="0"/>
+                        <a:t>Metóda </a:t>
+                      </a:r>
+                      <a:r>
+                        <a:rPr lang="sk-SK" b="1" i="1" dirty="0" err="1"/>
+                        <a:t>ContinueAsNew</a:t>
+                      </a:r>
+                      <a:r>
+                        <a:rPr lang="sk-SK" dirty="0"/>
+                        <a:t> z kontextu DF (reštartuje OF a zmaže stav).</a:t>
+                      </a:r>
+                    </a:p>
+                  </a:txBody>
+                  <a:tcPr/>
+                </a:tc>
+                <a:extLst>
+                  <a:ext uri="{0D108BD9-81ED-4DB2-BD59-A6C34878D82A}">
+                    <a16:rowId xmlns:a16="http://schemas.microsoft.com/office/drawing/2014/main" val="3600039146"/>
+                  </a:ext>
+                </a:extLst>
+              </a:tr>
+            </a:tbl>
+          </a:graphicData>
+        </a:graphic>
+      </p:graphicFrame>
+    </p:spTree>
+    <p:extLst>
+      <p:ext uri="{BB962C8B-B14F-4D97-AF65-F5344CB8AC3E}">
+        <p14:creationId xmlns:p14="http://schemas.microsoft.com/office/powerpoint/2010/main" val="576405759"/>
+      </p:ext>
+    </p:extLst>
+  </p:cSld>
+  <p:clrMapOvr>
+    <a:masterClrMapping/>
+  </p:clrMapOvr>
+</p:sld>
+</file>
+
+<file path=ppt/slides/slide15.xml><?xml version="1.0" encoding="utf-8"?>
+<p:sld xmlns:a="http://schemas.openxmlformats.org/drawingml/2006/main" xmlns:r="http://schemas.openxmlformats.org/officeDocument/2006/relationships" xmlns:p="http://schemas.openxmlformats.org/presentationml/2006/main">
+  <p:cSld>
+    <p:spTree>
+      <p:nvGrpSpPr>
+        <p:cNvPr id="1" name=""/>
+        <p:cNvGrpSpPr/>
+        <p:nvPr/>
+      </p:nvGrpSpPr>
+      <p:grpSpPr>
+        <a:xfrm>
+          <a:off x="0" y="0"/>
+          <a:ext cx="0" cy="0"/>
+          <a:chOff x="0" y="0"/>
+          <a:chExt cx="0" cy="0"/>
+        </a:xfrm>
+      </p:grpSpPr>
+      <p:sp>
+        <p:nvSpPr>
+          <p:cNvPr id="2" name="Nadpis 1">
+            <a:extLst>
+              <a:ext uri="{FF2B5EF4-FFF2-40B4-BE49-F238E27FC236}">
+                <a16:creationId xmlns:a16="http://schemas.microsoft.com/office/drawing/2014/main" id="{D40BF9D3-A174-4B71-B612-0EE6EAF17C65}"/>
+              </a:ext>
+            </a:extLst>
+          </p:cNvPr>
+          <p:cNvSpPr>
+            <a:spLocks noGrp="1"/>
+          </p:cNvSpPr>
+          <p:nvPr>
+            <p:ph type="title"/>
+          </p:nvPr>
+        </p:nvSpPr>
+        <p:spPr/>
+        <p:txBody>
+          <a:bodyPr/>
+          <a:lstStyle/>
+          <a:p>
+            <a:pPr algn="l"/>
+            <a:r>
+              <a:rPr lang="sk-SK" dirty="0"/>
+              <a:t>Spoplatnenie</a:t>
+            </a:r>
+          </a:p>
+        </p:txBody>
+      </p:sp>
+      <p:sp>
+        <p:nvSpPr>
+          <p:cNvPr id="3" name="Zástupný objekt pre obsah 2">
+            <a:extLst>
+              <a:ext uri="{FF2B5EF4-FFF2-40B4-BE49-F238E27FC236}">
+                <a16:creationId xmlns:a16="http://schemas.microsoft.com/office/drawing/2014/main" id="{4DBCB796-F4F7-4307-AB55-0BB9278F7DFD}"/>
+              </a:ext>
+            </a:extLst>
+          </p:cNvPr>
+          <p:cNvSpPr>
+            <a:spLocks noGrp="1"/>
+          </p:cNvSpPr>
+          <p:nvPr>
+            <p:ph idx="1"/>
+          </p:nvPr>
+        </p:nvSpPr>
+        <p:spPr/>
+        <p:txBody>
+          <a:bodyPr>
+            <a:normAutofit lnSpcReduction="10000"/>
+          </a:bodyPr>
+          <a:lstStyle/>
+          <a:p>
+            <a:pPr algn="just"/>
+            <a:r>
+              <a:rPr lang="sk-SK" dirty="0"/>
+              <a:t>Rovnaké ako pri AF</a:t>
+            </a:r>
+          </a:p>
+          <a:p>
+            <a:pPr algn="just"/>
+            <a:r>
+              <a:rPr lang="sk-SK" dirty="0"/>
+              <a:t>Pri </a:t>
+            </a:r>
+            <a:r>
+              <a:rPr lang="sk-SK" i="1" dirty="0" err="1"/>
+              <a:t>Consumption</a:t>
+            </a:r>
+            <a:r>
+              <a:rPr lang="sk-SK" dirty="0"/>
+              <a:t> pláne sa platí </a:t>
+            </a:r>
+            <a:r>
+              <a:rPr lang="sk-SK" b="1" dirty="0"/>
+              <a:t>za každé prehratie OF</a:t>
+            </a:r>
+          </a:p>
+          <a:p>
+            <a:pPr algn="just"/>
+            <a:r>
+              <a:rPr lang="sk-SK" dirty="0"/>
+              <a:t>OF končí pri prvom </a:t>
+            </a:r>
+            <a:r>
+              <a:rPr lang="sk-SK" i="1" dirty="0" err="1"/>
+              <a:t>await</a:t>
+            </a:r>
+            <a:r>
+              <a:rPr lang="sk-SK" dirty="0"/>
+              <a:t> (v JS </a:t>
+            </a:r>
+            <a:r>
+              <a:rPr lang="sk-SK" i="1" dirty="0" err="1"/>
+              <a:t>yield</a:t>
+            </a:r>
+            <a:r>
+              <a:rPr lang="sk-SK" dirty="0"/>
+              <a:t>), počas čakania sa za OF neplatí. To zabraňuje dvojitému spoplatneniu (tzv. „</a:t>
+            </a:r>
+            <a:r>
+              <a:rPr lang="sk-SK" dirty="0" err="1"/>
+              <a:t>double</a:t>
+            </a:r>
+            <a:r>
+              <a:rPr lang="sk-SK" dirty="0"/>
+              <a:t> </a:t>
+            </a:r>
+            <a:r>
+              <a:rPr lang="sk-SK" dirty="0" err="1"/>
+              <a:t>billing</a:t>
+            </a:r>
+            <a:r>
+              <a:rPr lang="sk-SK" dirty="0"/>
+              <a:t>“), ktoré môže nastať, keď funkcia volá inú funkciu.</a:t>
+            </a:r>
+          </a:p>
+          <a:p>
+            <a:pPr algn="just"/>
+            <a:r>
+              <a:rPr lang="sk-SK" dirty="0"/>
+              <a:t>Za interné </a:t>
+            </a:r>
+            <a:r>
+              <a:rPr lang="sk-SK" dirty="0" err="1"/>
+              <a:t>dotazovanie</a:t>
+            </a:r>
+            <a:r>
+              <a:rPr lang="sk-SK" dirty="0"/>
+              <a:t> sa neplatí (kontrola stavu asynchrónnej funkcie)</a:t>
+            </a:r>
+          </a:p>
+          <a:p>
+            <a:pPr algn="just"/>
+            <a:r>
+              <a:rPr lang="sk-SK" dirty="0"/>
+              <a:t>Platí sa za operácie s </a:t>
+            </a:r>
+            <a:r>
+              <a:rPr lang="sk-SK" dirty="0" err="1"/>
+              <a:t>Azure</a:t>
+            </a:r>
+            <a:r>
+              <a:rPr lang="sk-SK" dirty="0"/>
+              <a:t> </a:t>
+            </a:r>
+            <a:r>
+              <a:rPr lang="sk-SK" dirty="0" err="1"/>
+              <a:t>Storage</a:t>
+            </a:r>
+            <a:r>
+              <a:rPr lang="sk-SK" dirty="0"/>
+              <a:t> súvisiace s ukladaním stavu</a:t>
+            </a:r>
+          </a:p>
+        </p:txBody>
+      </p:sp>
+    </p:spTree>
+    <p:extLst>
+      <p:ext uri="{BB962C8B-B14F-4D97-AF65-F5344CB8AC3E}">
+        <p14:creationId xmlns:p14="http://schemas.microsoft.com/office/powerpoint/2010/main" val="3061368313"/>
+      </p:ext>
+    </p:extLst>
+  </p:cSld>
+  <p:clrMapOvr>
+    <a:masterClrMapping/>
+  </p:clrMapOvr>
+</p:sld>
+</file>
+
+<file path=ppt/slides/slide16.xml><?xml version="1.0" encoding="utf-8"?>
+<p:sld xmlns:a="http://schemas.openxmlformats.org/drawingml/2006/main" xmlns:r="http://schemas.openxmlformats.org/officeDocument/2006/relationships" xmlns:p="http://schemas.openxmlformats.org/presentationml/2006/main">
+  <p:cSld>
+    <p:spTree>
+      <p:nvGrpSpPr>
+        <p:cNvPr id="1" name=""/>
+        <p:cNvGrpSpPr/>
+        <p:nvPr/>
+      </p:nvGrpSpPr>
+      <p:grpSpPr>
+        <a:xfrm>
+          <a:off x="0" y="0"/>
+          <a:ext cx="0" cy="0"/>
+          <a:chOff x="0" y="0"/>
+          <a:chExt cx="0" cy="0"/>
+        </a:xfrm>
+      </p:grpSpPr>
+      <p:sp>
+        <p:nvSpPr>
+          <p:cNvPr id="2" name="Nadpis 1">
+            <a:extLst>
+              <a:ext uri="{FF2B5EF4-FFF2-40B4-BE49-F238E27FC236}">
                 <a16:creationId xmlns:a16="http://schemas.microsoft.com/office/drawing/2014/main" id="{583A813B-CD72-451C-B9EC-34D7FEBB6FEA}"/>
               </a:ext>
             </a:extLst>
@@ -7580,7 +8854,90 @@
 </p:sld>
 </file>
 
-<file path=ppt/slides/slide12.xml><?xml version="1.0" encoding="utf-8"?>
+<file path=ppt/slides/slide17.xml><?xml version="1.0" encoding="utf-8"?>
+<p:sld xmlns:a="http://schemas.openxmlformats.org/drawingml/2006/main" xmlns:r="http://schemas.openxmlformats.org/officeDocument/2006/relationships" xmlns:p="http://schemas.openxmlformats.org/presentationml/2006/main">
+  <p:cSld>
+    <p:spTree>
+      <p:nvGrpSpPr>
+        <p:cNvPr id="1" name=""/>
+        <p:cNvGrpSpPr/>
+        <p:nvPr/>
+      </p:nvGrpSpPr>
+      <p:grpSpPr>
+        <a:xfrm>
+          <a:off x="0" y="0"/>
+          <a:ext cx="0" cy="0"/>
+          <a:chOff x="0" y="0"/>
+          <a:chExt cx="0" cy="0"/>
+        </a:xfrm>
+      </p:grpSpPr>
+      <p:sp>
+        <p:nvSpPr>
+          <p:cNvPr id="2" name="Nadpis 1">
+            <a:extLst>
+              <a:ext uri="{FF2B5EF4-FFF2-40B4-BE49-F238E27FC236}">
+                <a16:creationId xmlns:a16="http://schemas.microsoft.com/office/drawing/2014/main" id="{816E25A5-195A-4A74-81C4-AA4B795F00FC}"/>
+              </a:ext>
+            </a:extLst>
+          </p:cNvPr>
+          <p:cNvSpPr>
+            <a:spLocks noGrp="1"/>
+          </p:cNvSpPr>
+          <p:nvPr>
+            <p:ph type="title"/>
+          </p:nvPr>
+        </p:nvSpPr>
+        <p:spPr/>
+        <p:txBody>
+          <a:bodyPr/>
+          <a:lstStyle/>
+          <a:p>
+            <a:endParaRPr lang="sk-SK"/>
+          </a:p>
+        </p:txBody>
+      </p:sp>
+      <p:sp>
+        <p:nvSpPr>
+          <p:cNvPr id="3" name="Zástupný objekt pre obsah 2">
+            <a:extLst>
+              <a:ext uri="{FF2B5EF4-FFF2-40B4-BE49-F238E27FC236}">
+                <a16:creationId xmlns:a16="http://schemas.microsoft.com/office/drawing/2014/main" id="{4FBF5924-0090-4B92-AE01-04584B36F37A}"/>
+              </a:ext>
+            </a:extLst>
+          </p:cNvPr>
+          <p:cNvSpPr>
+            <a:spLocks noGrp="1"/>
+          </p:cNvSpPr>
+          <p:nvPr>
+            <p:ph idx="1"/>
+          </p:nvPr>
+        </p:nvSpPr>
+        <p:spPr/>
+        <p:txBody>
+          <a:bodyPr/>
+          <a:lstStyle/>
+          <a:p>
+            <a:r>
+              <a:rPr lang="sk-SK" dirty="0"/>
+              <a:t>https://docs.microsoft.com/en-us/azure/azure-functions/durable/durable-functions-sequence?tabs=csharp</a:t>
+            </a:r>
+          </a:p>
+        </p:txBody>
+      </p:sp>
+    </p:spTree>
+    <p:extLst>
+      <p:ext uri="{BB962C8B-B14F-4D97-AF65-F5344CB8AC3E}">
+        <p14:creationId xmlns:p14="http://schemas.microsoft.com/office/powerpoint/2010/main" val="1861287205"/>
+      </p:ext>
+    </p:extLst>
+  </p:cSld>
+  <p:clrMapOvr>
+    <a:masterClrMapping/>
+  </p:clrMapOvr>
+</p:sld>
+</file>
+
+<file path=ppt/slides/slide18.xml><?xml version="1.0" encoding="utf-8"?>
 <p:sld xmlns:a="http://schemas.openxmlformats.org/drawingml/2006/main" xmlns:r="http://schemas.openxmlformats.org/officeDocument/2006/relationships" xmlns:p="http://schemas.openxmlformats.org/presentationml/2006/main">
   <p:cSld>
     <p:spTree>
@@ -7701,7 +9058,7 @@
 </p:sld>
 </file>
 
-<file path=ppt/slides/slide13.xml><?xml version="1.0" encoding="utf-8"?>
+<file path=ppt/slides/slide19.xml><?xml version="1.0" encoding="utf-8"?>
 <p:sld xmlns:a="http://schemas.openxmlformats.org/drawingml/2006/main" xmlns:r="http://schemas.openxmlformats.org/officeDocument/2006/relationships" xmlns:p="http://schemas.openxmlformats.org/presentationml/2006/main">
   <p:cSld>
     <p:spTree>
@@ -7818,7 +9175,171 @@
 </p:sld>
 </file>
 
-<file path=ppt/slides/slide14.xml><?xml version="1.0" encoding="utf-8"?>
+<file path=ppt/slides/slide2.xml><?xml version="1.0" encoding="utf-8"?>
+<p:sld xmlns:a="http://schemas.openxmlformats.org/drawingml/2006/main" xmlns:r="http://schemas.openxmlformats.org/officeDocument/2006/relationships" xmlns:p="http://schemas.openxmlformats.org/presentationml/2006/main">
+  <p:cSld>
+    <p:spTree>
+      <p:nvGrpSpPr>
+        <p:cNvPr id="1" name=""/>
+        <p:cNvGrpSpPr/>
+        <p:nvPr/>
+      </p:nvGrpSpPr>
+      <p:grpSpPr>
+        <a:xfrm>
+          <a:off x="0" y="0"/>
+          <a:ext cx="0" cy="0"/>
+          <a:chOff x="0" y="0"/>
+          <a:chExt cx="0" cy="0"/>
+        </a:xfrm>
+      </p:grpSpPr>
+      <p:sp>
+        <p:nvSpPr>
+          <p:cNvPr id="2" name="Nadpis 1">
+            <a:extLst>
+              <a:ext uri="{FF2B5EF4-FFF2-40B4-BE49-F238E27FC236}">
+                <a16:creationId xmlns:a16="http://schemas.microsoft.com/office/drawing/2014/main" id="{57EDEBDC-183A-4CB4-9450-D1BAD74BD718}"/>
+              </a:ext>
+            </a:extLst>
+          </p:cNvPr>
+          <p:cNvSpPr>
+            <a:spLocks noGrp="1"/>
+          </p:cNvSpPr>
+          <p:nvPr>
+            <p:ph type="title"/>
+          </p:nvPr>
+        </p:nvSpPr>
+        <p:spPr/>
+        <p:txBody>
+          <a:bodyPr/>
+          <a:lstStyle/>
+          <a:p>
+            <a:pPr algn="l"/>
+            <a:r>
+              <a:rPr lang="sk-SK" dirty="0" err="1"/>
+              <a:t>Azure</a:t>
+            </a:r>
+            <a:r>
+              <a:rPr lang="sk-SK" dirty="0"/>
+              <a:t> </a:t>
+            </a:r>
+            <a:r>
+              <a:rPr lang="sk-SK" dirty="0" err="1"/>
+              <a:t>Functions</a:t>
+            </a:r>
+            <a:endParaRPr lang="sk-SK" dirty="0"/>
+          </a:p>
+        </p:txBody>
+      </p:sp>
+      <p:sp>
+        <p:nvSpPr>
+          <p:cNvPr id="3" name="Zástupný objekt pre obsah 2">
+            <a:extLst>
+              <a:ext uri="{FF2B5EF4-FFF2-40B4-BE49-F238E27FC236}">
+                <a16:creationId xmlns:a16="http://schemas.microsoft.com/office/drawing/2014/main" id="{9C497529-3427-4A45-80B1-1F00BFA76DE6}"/>
+              </a:ext>
+            </a:extLst>
+          </p:cNvPr>
+          <p:cNvSpPr>
+            <a:spLocks noGrp="1"/>
+          </p:cNvSpPr>
+          <p:nvPr>
+            <p:ph idx="1"/>
+          </p:nvPr>
+        </p:nvSpPr>
+        <p:spPr/>
+        <p:txBody>
+          <a:bodyPr>
+            <a:normAutofit/>
+          </a:bodyPr>
+          <a:lstStyle/>
+          <a:p>
+            <a:pPr algn="just"/>
+            <a:r>
+              <a:rPr lang="sk-SK" dirty="0"/>
+              <a:t>Event-</a:t>
+            </a:r>
+            <a:r>
+              <a:rPr lang="sk-SK" dirty="0" err="1"/>
+              <a:t>driven</a:t>
+            </a:r>
+            <a:r>
+              <a:rPr lang="sk-SK" dirty="0"/>
+              <a:t> – kód beží ako reakcia na nejakú udalosť (spúšťač)</a:t>
+            </a:r>
+          </a:p>
+          <a:p>
+            <a:pPr algn="just"/>
+            <a:r>
+              <a:rPr lang="sk-SK" dirty="0" err="1"/>
+              <a:t>Serverless</a:t>
+            </a:r>
+            <a:r>
+              <a:rPr lang="sk-SK" dirty="0"/>
+              <a:t> – o infraštruktúru sa stará </a:t>
+            </a:r>
+            <a:r>
+              <a:rPr lang="sk-SK" dirty="0" err="1"/>
+              <a:t>Azure</a:t>
+            </a:r>
+            <a:r>
+              <a:rPr lang="sk-SK" dirty="0"/>
+              <a:t>, programátor sa môže sústrediť na kód</a:t>
+            </a:r>
+          </a:p>
+          <a:p>
+            <a:pPr algn="just"/>
+            <a:r>
+              <a:rPr lang="sk-SK" dirty="0"/>
+              <a:t>Automatické a flexibilné škálovanie podľa aktuálnej záťaže</a:t>
+            </a:r>
+          </a:p>
+          <a:p>
+            <a:pPr algn="just"/>
+            <a:r>
+              <a:rPr lang="sk-SK" dirty="0"/>
+              <a:t>Jednoduché pripájanie na iné </a:t>
+            </a:r>
+            <a:r>
+              <a:rPr lang="sk-SK" dirty="0" err="1"/>
+              <a:t>Azure</a:t>
+            </a:r>
+            <a:r>
+              <a:rPr lang="sk-SK" dirty="0"/>
+              <a:t> služby bez potreby písania kódu</a:t>
+            </a:r>
+          </a:p>
+          <a:p>
+            <a:pPr algn="just"/>
+            <a:r>
+              <a:rPr lang="sk-SK" dirty="0"/>
+              <a:t>Podpora viacerých programovacích jazykov a </a:t>
+            </a:r>
+            <a:r>
+              <a:rPr lang="en-US" dirty="0"/>
+              <a:t>pl</a:t>
+            </a:r>
+            <a:r>
+              <a:rPr lang="sk-SK" dirty="0" err="1"/>
+              <a:t>ánov</a:t>
+            </a:r>
+            <a:endParaRPr lang="sk-SK" dirty="0"/>
+          </a:p>
+        </p:txBody>
+      </p:sp>
+    </p:spTree>
+    <p:extLst>
+      <p:ext uri="{BB962C8B-B14F-4D97-AF65-F5344CB8AC3E}">
+        <p14:creationId xmlns:p14="http://schemas.microsoft.com/office/powerpoint/2010/main" val="2532229223"/>
+      </p:ext>
+    </p:extLst>
+  </p:cSld>
+  <p:clrMapOvr>
+    <a:masterClrMapping/>
+  </p:clrMapOvr>
+</p:sld>
+</file>
+
+<file path=ppt/slides/slide20.xml><?xml version="1.0" encoding="utf-8"?>
 <p:sld xmlns:a="http://schemas.openxmlformats.org/drawingml/2006/main" xmlns:r="http://schemas.openxmlformats.org/officeDocument/2006/relationships" xmlns:p="http://schemas.openxmlformats.org/presentationml/2006/main">
   <p:cSld>
     <p:spTree>
@@ -7950,7 +9471,7 @@
 </p:sld>
 </file>
 
-<file path=ppt/slides/slide15.xml><?xml version="1.0" encoding="utf-8"?>
+<file path=ppt/slides/slide21.xml><?xml version="1.0" encoding="utf-8"?>
 <p:sld xmlns:a="http://schemas.openxmlformats.org/drawingml/2006/main" xmlns:r="http://schemas.openxmlformats.org/officeDocument/2006/relationships" xmlns:p="http://schemas.openxmlformats.org/presentationml/2006/main">
   <p:cSld>
     <p:spTree>
@@ -8085,7 +9606,7 @@
 </p:sld>
 </file>
 
-<file path=ppt/slides/slide16.xml><?xml version="1.0" encoding="utf-8"?>
+<file path=ppt/slides/slide22.xml><?xml version="1.0" encoding="utf-8"?>
 <p:sld xmlns:a="http://schemas.openxmlformats.org/drawingml/2006/main" xmlns:r="http://schemas.openxmlformats.org/officeDocument/2006/relationships" xmlns:p="http://schemas.openxmlformats.org/presentationml/2006/main">
   <p:cSld>
     <p:spTree>
@@ -8193,7 +9714,7 @@
 </p:sld>
 </file>
 
-<file path=ppt/slides/slide17.xml><?xml version="1.0" encoding="utf-8"?>
+<file path=ppt/slides/slide23.xml><?xml version="1.0" encoding="utf-8"?>
 <p:sld xmlns:a="http://schemas.openxmlformats.org/drawingml/2006/main" xmlns:r="http://schemas.openxmlformats.org/officeDocument/2006/relationships" xmlns:p="http://schemas.openxmlformats.org/presentationml/2006/main">
   <p:cSld>
     <p:spTree>
@@ -8231,10 +9752,24 @@
           <a:bodyPr/>
           <a:lstStyle/>
           <a:p>
-            <a:r>
-              <a:rPr lang="sk-SK" dirty="0"/>
-              <a:t>HTTP</a:t>
-            </a:r>
+            <a:pPr algn="l"/>
+            <a:r>
+              <a:rPr lang="sk-SK" dirty="0"/>
+              <a:t>HTTP API pre </a:t>
+            </a:r>
+            <a:r>
+              <a:rPr lang="sk-SK" dirty="0" err="1"/>
+              <a:t>Durable</a:t>
+            </a:r>
+            <a:r>
+              <a:rPr lang="sk-SK" dirty="0"/>
+              <a:t> </a:t>
+            </a:r>
+            <a:r>
+              <a:rPr lang="sk-SK" dirty="0" err="1"/>
+              <a:t>functions</a:t>
+            </a:r>
+            <a:endParaRPr lang="sk-SK" dirty="0"/>
           </a:p>
         </p:txBody>
       </p:sp>
@@ -8260,8 +9795,78 @@
           <a:lstStyle/>
           <a:p>
             <a:r>
-              <a:rPr lang="sk-SK" dirty="0"/>
-              <a:t>https://docs.microsoft.com/en-us/azure/azure-functions/durable/durable-functions-http-features?tabs=csharp</a:t>
+              <a:rPr lang="en-US" b="1" dirty="0" err="1"/>
+              <a:t>baseUrl</a:t>
+            </a:r>
+            <a:r>
+              <a:rPr lang="en-US" dirty="0"/>
+              <a:t> = URL pre Function App</a:t>
+            </a:r>
+          </a:p>
+          <a:p>
+            <a:r>
+              <a:rPr lang="sk-SK" dirty="0" err="1"/>
+              <a:t>Query</a:t>
+            </a:r>
+            <a:r>
+              <a:rPr lang="sk-SK" dirty="0"/>
+              <a:t> p</a:t>
+            </a:r>
+            <a:r>
+              <a:rPr lang="en-US" dirty="0" err="1"/>
+              <a:t>arametre</a:t>
+            </a:r>
+            <a:r>
+              <a:rPr lang="en-US" dirty="0"/>
+              <a:t> v ka</a:t>
+            </a:r>
+            <a:r>
+              <a:rPr lang="sk-SK" dirty="0" err="1"/>
+              <a:t>ždom</a:t>
+            </a:r>
+            <a:r>
+              <a:rPr lang="sk-SK" dirty="0"/>
+              <a:t> dotaze:</a:t>
+            </a:r>
+            <a:endParaRPr lang="en-US" dirty="0"/>
+          </a:p>
+          <a:p>
+            <a:pPr lvl="1"/>
+            <a:r>
+              <a:rPr lang="en-US" b="1" dirty="0"/>
+              <a:t>task</a:t>
+            </a:r>
+            <a:r>
+              <a:rPr lang="sk-SK" b="1" dirty="0"/>
+              <a:t>H</a:t>
+            </a:r>
+            <a:r>
+              <a:rPr lang="en-US" b="1" dirty="0" err="1"/>
+              <a:t>ub</a:t>
+            </a:r>
+            <a:endParaRPr lang="sk-SK" dirty="0"/>
+          </a:p>
+          <a:p>
+            <a:pPr lvl="1"/>
+            <a:r>
+              <a:rPr lang="sk-SK" b="1" dirty="0" err="1"/>
+              <a:t>connection</a:t>
+            </a:r>
+            <a:endParaRPr lang="sk-SK" b="1" dirty="0"/>
+          </a:p>
+          <a:p>
+            <a:pPr lvl="1"/>
+            <a:r>
+              <a:rPr lang="sk-SK" b="1" dirty="0" err="1"/>
+              <a:t>code</a:t>
+            </a:r>
+            <a:r>
+              <a:rPr lang="sk-SK" b="1" dirty="0"/>
+              <a:t> </a:t>
+            </a:r>
+            <a:r>
+              <a:rPr lang="sk-SK" dirty="0"/>
+              <a:t>– autorizačný kľúč potrebný na použitie API</a:t>
             </a:r>
           </a:p>
         </p:txBody>
@@ -8279,7 +9884,7 @@
 </p:sld>
 </file>
 
-<file path=ppt/slides/slide18.xml><?xml version="1.0" encoding="utf-8"?>
+<file path=ppt/slides/slide24.xml><?xml version="1.0" encoding="utf-8"?>
 <p:sld xmlns:a="http://schemas.openxmlformats.org/drawingml/2006/main" xmlns:r="http://schemas.openxmlformats.org/officeDocument/2006/relationships" xmlns:p="http://schemas.openxmlformats.org/presentationml/2006/main">
   <p:cSld>
     <p:spTree>
@@ -8301,6 +9906,2502 @@
           <p:cNvPr id="2" name="Nadpis 1">
             <a:extLst>
               <a:ext uri="{FF2B5EF4-FFF2-40B4-BE49-F238E27FC236}">
+                <a16:creationId xmlns:a16="http://schemas.microsoft.com/office/drawing/2014/main" id="{1029C316-F235-4104-A82C-A822DBC6F569}"/>
+              </a:ext>
+            </a:extLst>
+          </p:cNvPr>
+          <p:cNvSpPr>
+            <a:spLocks noGrp="1"/>
+          </p:cNvSpPr>
+          <p:nvPr>
+            <p:ph type="title"/>
+          </p:nvPr>
+        </p:nvSpPr>
+        <p:spPr/>
+        <p:txBody>
+          <a:bodyPr/>
+          <a:lstStyle/>
+          <a:p>
+            <a:pPr algn="l"/>
+            <a:r>
+              <a:rPr lang="sk-SK" dirty="0"/>
+              <a:t>Spustenie orchestrácie</a:t>
+            </a:r>
+          </a:p>
+        </p:txBody>
+      </p:sp>
+      <p:sp>
+        <p:nvSpPr>
+          <p:cNvPr id="3" name="Zástupný objekt pre obsah 2">
+            <a:extLst>
+              <a:ext uri="{FF2B5EF4-FFF2-40B4-BE49-F238E27FC236}">
+                <a16:creationId xmlns:a16="http://schemas.microsoft.com/office/drawing/2014/main" id="{1B311E6E-C010-487B-9B6E-ADF82C240954}"/>
+              </a:ext>
+            </a:extLst>
+          </p:cNvPr>
+          <p:cNvSpPr>
+            <a:spLocks noGrp="1"/>
+          </p:cNvSpPr>
+          <p:nvPr>
+            <p:ph idx="1"/>
+          </p:nvPr>
+        </p:nvSpPr>
+        <p:spPr/>
+        <p:txBody>
+          <a:bodyPr>
+            <a:normAutofit fontScale="85000" lnSpcReduction="10000"/>
+          </a:bodyPr>
+          <a:lstStyle/>
+          <a:p>
+            <a:r>
+              <a:rPr lang="sk-SK" b="1" dirty="0"/>
+              <a:t>POST </a:t>
+            </a:r>
+            <a:r>
+              <a:rPr lang="sk-SK" b="1" i="1" dirty="0"/>
+              <a:t>/</a:t>
+            </a:r>
+            <a:r>
+              <a:rPr lang="sk-SK" b="1" i="1" dirty="0" err="1"/>
+              <a:t>runtime</a:t>
+            </a:r>
+            <a:r>
+              <a:rPr lang="sk-SK" b="1" i="1" dirty="0"/>
+              <a:t>/</a:t>
+            </a:r>
+            <a:r>
+              <a:rPr lang="sk-SK" b="1" i="1" dirty="0" err="1"/>
+              <a:t>webhooks</a:t>
+            </a:r>
+            <a:r>
+              <a:rPr lang="sk-SK" b="1" i="1" dirty="0"/>
+              <a:t>/</a:t>
+            </a:r>
+            <a:r>
+              <a:rPr lang="sk-SK" b="1" i="1" dirty="0" err="1"/>
+              <a:t>durabletask</a:t>
+            </a:r>
+            <a:r>
+              <a:rPr lang="sk-SK" b="1" i="1" dirty="0"/>
+              <a:t>/</a:t>
+            </a:r>
+            <a:r>
+              <a:rPr lang="sk-SK" b="1" i="1" dirty="0" err="1"/>
+              <a:t>orchestrators</a:t>
+            </a:r>
+            <a:r>
+              <a:rPr lang="sk-SK" b="1" i="1" dirty="0"/>
+              <a:t>/{</a:t>
+            </a:r>
+            <a:r>
+              <a:rPr lang="sk-SK" b="1" i="1" dirty="0" err="1"/>
+              <a:t>functionName</a:t>
+            </a:r>
+            <a:r>
+              <a:rPr lang="sk-SK" b="1" i="1" dirty="0"/>
+              <a:t>}/{</a:t>
+            </a:r>
+            <a:r>
+              <a:rPr lang="sk-SK" b="1" i="1" dirty="0" err="1"/>
+              <a:t>instanceId</a:t>
+            </a:r>
+            <a:r>
+              <a:rPr lang="sk-SK" b="1" i="1" dirty="0"/>
+              <a:t>?}</a:t>
+            </a:r>
+          </a:p>
+          <a:p>
+            <a:r>
+              <a:rPr lang="sk-SK" dirty="0"/>
+              <a:t>URL parametre:</a:t>
+            </a:r>
+          </a:p>
+          <a:p>
+            <a:pPr lvl="1"/>
+            <a:r>
+              <a:rPr lang="sk-SK" b="1" i="1" dirty="0" err="1"/>
+              <a:t>functionName</a:t>
+            </a:r>
+            <a:r>
+              <a:rPr lang="sk-SK" dirty="0"/>
+              <a:t> – názov OF</a:t>
+            </a:r>
+          </a:p>
+          <a:p>
+            <a:pPr lvl="1"/>
+            <a:r>
+              <a:rPr lang="sk-SK" b="1" i="1" dirty="0" err="1"/>
+              <a:t>instanceId</a:t>
+            </a:r>
+            <a:r>
+              <a:rPr lang="sk-SK" dirty="0"/>
+              <a:t> – ID pre novú inštanciu (ak nie je zadané, vygeneruje sa náhodne)</a:t>
+            </a:r>
+          </a:p>
+          <a:p>
+            <a:r>
+              <a:rPr lang="sk-SK" dirty="0"/>
+              <a:t>Telo (JSON): vstup pre OF</a:t>
+            </a:r>
+          </a:p>
+          <a:p>
+            <a:r>
+              <a:rPr lang="sk-SK" dirty="0"/>
+              <a:t>Odpovede:</a:t>
+            </a:r>
+          </a:p>
+          <a:p>
+            <a:pPr lvl="1"/>
+            <a:r>
+              <a:rPr lang="sk-SK" b="1" i="1" dirty="0"/>
+              <a:t>HTTP 202 </a:t>
+            </a:r>
+            <a:r>
+              <a:rPr lang="sk-SK" dirty="0"/>
+              <a:t>– bolo naplánované spustenie OF</a:t>
+            </a:r>
+          </a:p>
+          <a:p>
+            <a:pPr lvl="1"/>
+            <a:r>
+              <a:rPr lang="sk-SK" b="1" i="1" dirty="0"/>
+              <a:t>HTTP 400 </a:t>
+            </a:r>
+            <a:r>
+              <a:rPr lang="sk-SK" dirty="0"/>
+              <a:t>– OF neexistuje / </a:t>
+            </a:r>
+            <a:r>
+              <a:rPr lang="sk-SK" i="1" dirty="0" err="1"/>
+              <a:t>instanceId</a:t>
+            </a:r>
+            <a:r>
+              <a:rPr lang="sk-SK" dirty="0"/>
+              <a:t> nie je </a:t>
+            </a:r>
+            <a:r>
+              <a:rPr lang="sk-SK" dirty="0" err="1"/>
+              <a:t>validné</a:t>
+            </a:r>
+            <a:r>
+              <a:rPr lang="sk-SK" dirty="0"/>
+              <a:t> / telo správy nie je </a:t>
+            </a:r>
+            <a:r>
+              <a:rPr lang="sk-SK" dirty="0" err="1"/>
+              <a:t>validné</a:t>
+            </a:r>
+            <a:endParaRPr lang="sk-SK" dirty="0"/>
+          </a:p>
+        </p:txBody>
+      </p:sp>
+    </p:spTree>
+    <p:extLst>
+      <p:ext uri="{BB962C8B-B14F-4D97-AF65-F5344CB8AC3E}">
+        <p14:creationId xmlns:p14="http://schemas.microsoft.com/office/powerpoint/2010/main" val="2282699721"/>
+      </p:ext>
+    </p:extLst>
+  </p:cSld>
+  <p:clrMapOvr>
+    <a:masterClrMapping/>
+  </p:clrMapOvr>
+</p:sld>
+</file>
+
+<file path=ppt/slides/slide25.xml><?xml version="1.0" encoding="utf-8"?>
+<p:sld xmlns:a="http://schemas.openxmlformats.org/drawingml/2006/main" xmlns:r="http://schemas.openxmlformats.org/officeDocument/2006/relationships" xmlns:p="http://schemas.openxmlformats.org/presentationml/2006/main">
+  <p:cSld>
+    <p:spTree>
+      <p:nvGrpSpPr>
+        <p:cNvPr id="1" name=""/>
+        <p:cNvGrpSpPr/>
+        <p:nvPr/>
+      </p:nvGrpSpPr>
+      <p:grpSpPr>
+        <a:xfrm>
+          <a:off x="0" y="0"/>
+          <a:ext cx="0" cy="0"/>
+          <a:chOff x="0" y="0"/>
+          <a:chExt cx="0" cy="0"/>
+        </a:xfrm>
+      </p:grpSpPr>
+      <p:sp>
+        <p:nvSpPr>
+          <p:cNvPr id="2" name="Nadpis 1">
+            <a:extLst>
+              <a:ext uri="{FF2B5EF4-FFF2-40B4-BE49-F238E27FC236}">
+                <a16:creationId xmlns:a16="http://schemas.microsoft.com/office/drawing/2014/main" id="{1029C316-F235-4104-A82C-A822DBC6F569}"/>
+              </a:ext>
+            </a:extLst>
+          </p:cNvPr>
+          <p:cNvSpPr>
+            <a:spLocks noGrp="1"/>
+          </p:cNvSpPr>
+          <p:nvPr>
+            <p:ph type="title"/>
+          </p:nvPr>
+        </p:nvSpPr>
+        <p:spPr/>
+        <p:txBody>
+          <a:bodyPr/>
+          <a:lstStyle/>
+          <a:p>
+            <a:pPr algn="l"/>
+            <a:r>
+              <a:rPr lang="sk-SK" dirty="0"/>
+              <a:t>Zistenie stavu inštancie OF</a:t>
+            </a:r>
+          </a:p>
+        </p:txBody>
+      </p:sp>
+      <p:sp>
+        <p:nvSpPr>
+          <p:cNvPr id="3" name="Zástupný objekt pre obsah 2">
+            <a:extLst>
+              <a:ext uri="{FF2B5EF4-FFF2-40B4-BE49-F238E27FC236}">
+                <a16:creationId xmlns:a16="http://schemas.microsoft.com/office/drawing/2014/main" id="{1B311E6E-C010-487B-9B6E-ADF82C240954}"/>
+              </a:ext>
+            </a:extLst>
+          </p:cNvPr>
+          <p:cNvSpPr>
+            <a:spLocks noGrp="1"/>
+          </p:cNvSpPr>
+          <p:nvPr>
+            <p:ph idx="1"/>
+          </p:nvPr>
+        </p:nvSpPr>
+        <p:spPr/>
+        <p:txBody>
+          <a:bodyPr>
+            <a:normAutofit fontScale="55000" lnSpcReduction="20000"/>
+          </a:bodyPr>
+          <a:lstStyle/>
+          <a:p>
+            <a:r>
+              <a:rPr lang="sk-SK" b="1" dirty="0"/>
+              <a:t>GET </a:t>
+            </a:r>
+            <a:r>
+              <a:rPr lang="sk-SK" b="1" i="1" dirty="0"/>
+              <a:t>/</a:t>
+            </a:r>
+            <a:r>
+              <a:rPr lang="sk-SK" b="1" i="1" dirty="0" err="1"/>
+              <a:t>runtime</a:t>
+            </a:r>
+            <a:r>
+              <a:rPr lang="sk-SK" b="1" i="1" dirty="0"/>
+              <a:t>/</a:t>
+            </a:r>
+            <a:r>
+              <a:rPr lang="sk-SK" b="1" i="1" dirty="0" err="1"/>
+              <a:t>webhooks</a:t>
+            </a:r>
+            <a:r>
+              <a:rPr lang="sk-SK" b="1" i="1" dirty="0"/>
+              <a:t>/</a:t>
+            </a:r>
+            <a:r>
+              <a:rPr lang="sk-SK" b="1" i="1" dirty="0" err="1"/>
+              <a:t>durabletask</a:t>
+            </a:r>
+            <a:r>
+              <a:rPr lang="sk-SK" b="1" i="1" dirty="0"/>
+              <a:t>/</a:t>
+            </a:r>
+            <a:r>
+              <a:rPr lang="sk-SK" b="1" i="1" dirty="0" err="1"/>
+              <a:t>instances</a:t>
+            </a:r>
+            <a:r>
+              <a:rPr lang="sk-SK" b="1" i="1" dirty="0"/>
+              <a:t>/{</a:t>
+            </a:r>
+            <a:r>
+              <a:rPr lang="sk-SK" b="1" i="1" dirty="0" err="1"/>
+              <a:t>instanceId</a:t>
+            </a:r>
+            <a:r>
+              <a:rPr lang="sk-SK" b="1" i="1" dirty="0"/>
+              <a:t>}</a:t>
+            </a:r>
+          </a:p>
+          <a:p>
+            <a:r>
+              <a:rPr lang="sk-SK" dirty="0" err="1"/>
+              <a:t>Query</a:t>
+            </a:r>
+            <a:r>
+              <a:rPr lang="sk-SK" dirty="0"/>
+              <a:t> parametre (všetky sú voliteľné):</a:t>
+            </a:r>
+          </a:p>
+          <a:p>
+            <a:pPr lvl="1"/>
+            <a:r>
+              <a:rPr lang="sk-SK" b="1" i="1" dirty="0" err="1"/>
+              <a:t>showInput</a:t>
+            </a:r>
+            <a:r>
+              <a:rPr lang="sk-SK" dirty="0"/>
+              <a:t> – či má odpoveď obsahovať vstup do OF (</a:t>
+            </a:r>
+            <a:r>
+              <a:rPr lang="sk-SK" b="1" dirty="0" err="1"/>
+              <a:t>true</a:t>
+            </a:r>
+            <a:r>
+              <a:rPr lang="sk-SK" dirty="0"/>
+              <a:t>/</a:t>
+            </a:r>
+            <a:r>
+              <a:rPr lang="sk-SK" dirty="0" err="1"/>
+              <a:t>false</a:t>
+            </a:r>
+            <a:r>
+              <a:rPr lang="sk-SK" dirty="0"/>
+              <a:t>)</a:t>
+            </a:r>
+          </a:p>
+          <a:p>
+            <a:pPr lvl="1"/>
+            <a:r>
+              <a:rPr lang="sk-SK" b="1" i="1" dirty="0" err="1"/>
+              <a:t>showHistory</a:t>
+            </a:r>
+            <a:r>
+              <a:rPr lang="sk-SK" dirty="0"/>
+              <a:t> – či má odpoveď obsahovať históriu spustení OF (</a:t>
+            </a:r>
+            <a:r>
+              <a:rPr lang="sk-SK" dirty="0" err="1"/>
+              <a:t>true</a:t>
+            </a:r>
+            <a:r>
+              <a:rPr lang="sk-SK" dirty="0"/>
+              <a:t>/</a:t>
+            </a:r>
+            <a:r>
+              <a:rPr lang="sk-SK" b="1" dirty="0" err="1"/>
+              <a:t>false</a:t>
+            </a:r>
+            <a:r>
+              <a:rPr lang="sk-SK" dirty="0"/>
+              <a:t>)</a:t>
+            </a:r>
+          </a:p>
+          <a:p>
+            <a:pPr lvl="1"/>
+            <a:r>
+              <a:rPr lang="sk-SK" b="1" i="1" dirty="0" err="1"/>
+              <a:t>showHistoryOutput</a:t>
+            </a:r>
+            <a:r>
+              <a:rPr lang="sk-SK" dirty="0"/>
+              <a:t> – či má história obsahovať aj výstupy z OF (</a:t>
+            </a:r>
+            <a:r>
+              <a:rPr lang="sk-SK" dirty="0" err="1"/>
+              <a:t>true</a:t>
+            </a:r>
+            <a:r>
+              <a:rPr lang="sk-SK" dirty="0"/>
+              <a:t>/</a:t>
+            </a:r>
+            <a:r>
+              <a:rPr lang="sk-SK" b="1" dirty="0" err="1"/>
+              <a:t>false</a:t>
+            </a:r>
+            <a:r>
+              <a:rPr lang="sk-SK" dirty="0"/>
+              <a:t>)</a:t>
+            </a:r>
+          </a:p>
+          <a:p>
+            <a:pPr lvl="1"/>
+            <a:r>
+              <a:rPr lang="sk-SK" b="1" i="1" dirty="0" err="1"/>
+              <a:t>returnInternalServerErrorOnFailure</a:t>
+            </a:r>
+            <a:r>
+              <a:rPr lang="sk-SK" dirty="0"/>
+              <a:t> – umožňuje vrátiť HTTP 500, ak OF zlyhala (</a:t>
+            </a:r>
+            <a:r>
+              <a:rPr lang="sk-SK" dirty="0" err="1"/>
+              <a:t>true</a:t>
+            </a:r>
+            <a:r>
+              <a:rPr lang="sk-SK" dirty="0"/>
+              <a:t>/</a:t>
+            </a:r>
+            <a:r>
+              <a:rPr lang="sk-SK" b="1" dirty="0" err="1"/>
+              <a:t>false</a:t>
+            </a:r>
+            <a:r>
+              <a:rPr lang="sk-SK" dirty="0"/>
+              <a:t>), bežne vracia HTTP 200</a:t>
+            </a:r>
+          </a:p>
+          <a:p>
+            <a:r>
+              <a:rPr lang="sk-SK" dirty="0"/>
+              <a:t>Odpovede:</a:t>
+            </a:r>
+          </a:p>
+          <a:p>
+            <a:pPr lvl="1"/>
+            <a:r>
+              <a:rPr lang="sk-SK" b="1" i="1" dirty="0"/>
+              <a:t>HTTP 200 – </a:t>
+            </a:r>
+            <a:r>
+              <a:rPr lang="sk-SK" dirty="0"/>
+              <a:t>inštancia OF dobehla</a:t>
+            </a:r>
+            <a:endParaRPr lang="sk-SK" b="1" dirty="0"/>
+          </a:p>
+          <a:p>
+            <a:pPr lvl="1"/>
+            <a:r>
+              <a:rPr lang="sk-SK" b="1" i="1" dirty="0"/>
+              <a:t>HTTP 202 </a:t>
+            </a:r>
+            <a:r>
+              <a:rPr lang="sk-SK" dirty="0"/>
+              <a:t>– inštancia OF beží</a:t>
+            </a:r>
+          </a:p>
+          <a:p>
+            <a:pPr lvl="1"/>
+            <a:r>
+              <a:rPr lang="sk-SK" b="1" i="1" dirty="0"/>
+              <a:t>HTTP 400 </a:t>
+            </a:r>
+            <a:r>
+              <a:rPr lang="sk-SK" dirty="0"/>
+              <a:t>– inštancia OF zlyhala alebo bola zrušená</a:t>
+            </a:r>
+          </a:p>
+          <a:p>
+            <a:pPr lvl="1"/>
+            <a:r>
+              <a:rPr lang="sk-SK" b="1" i="1" dirty="0"/>
+              <a:t>HTTP 404</a:t>
+            </a:r>
+            <a:r>
+              <a:rPr lang="sk-SK" dirty="0"/>
+              <a:t> – inštancia OF neexistuje alebo ešte nezačala</a:t>
+            </a:r>
+            <a:endParaRPr lang="sk-SK" b="1" i="1" dirty="0"/>
+          </a:p>
+          <a:p>
+            <a:pPr lvl="1"/>
+            <a:r>
+              <a:rPr lang="sk-SK" b="1" i="1" dirty="0"/>
+              <a:t>HTTP 500</a:t>
+            </a:r>
+            <a:r>
+              <a:rPr lang="sk-SK" dirty="0"/>
+              <a:t> – inštancia OF zlyhala a je zapnutá možnosť </a:t>
+            </a:r>
+            <a:r>
+              <a:rPr lang="sk-SK" dirty="0" err="1"/>
+              <a:t>returnServerErrorOnFailure</a:t>
+            </a:r>
+            <a:endParaRPr lang="sk-SK" b="1" i="1" dirty="0"/>
+          </a:p>
+        </p:txBody>
+      </p:sp>
+    </p:spTree>
+    <p:extLst>
+      <p:ext uri="{BB962C8B-B14F-4D97-AF65-F5344CB8AC3E}">
+        <p14:creationId xmlns:p14="http://schemas.microsoft.com/office/powerpoint/2010/main" val="701024382"/>
+      </p:ext>
+    </p:extLst>
+  </p:cSld>
+  <p:clrMapOvr>
+    <a:masterClrMapping/>
+  </p:clrMapOvr>
+</p:sld>
+</file>
+
+<file path=ppt/slides/slide26.xml><?xml version="1.0" encoding="utf-8"?>
+<p:sld xmlns:a="http://schemas.openxmlformats.org/drawingml/2006/main" xmlns:r="http://schemas.openxmlformats.org/officeDocument/2006/relationships" xmlns:p="http://schemas.openxmlformats.org/presentationml/2006/main">
+  <p:cSld>
+    <p:spTree>
+      <p:nvGrpSpPr>
+        <p:cNvPr id="1" name=""/>
+        <p:cNvGrpSpPr/>
+        <p:nvPr/>
+      </p:nvGrpSpPr>
+      <p:grpSpPr>
+        <a:xfrm>
+          <a:off x="0" y="0"/>
+          <a:ext cx="0" cy="0"/>
+          <a:chOff x="0" y="0"/>
+          <a:chExt cx="0" cy="0"/>
+        </a:xfrm>
+      </p:grpSpPr>
+      <p:sp>
+        <p:nvSpPr>
+          <p:cNvPr id="2" name="Nadpis 1">
+            <a:extLst>
+              <a:ext uri="{FF2B5EF4-FFF2-40B4-BE49-F238E27FC236}">
+                <a16:creationId xmlns:a16="http://schemas.microsoft.com/office/drawing/2014/main" id="{1029C316-F235-4104-A82C-A822DBC6F569}"/>
+              </a:ext>
+            </a:extLst>
+          </p:cNvPr>
+          <p:cNvSpPr>
+            <a:spLocks noGrp="1"/>
+          </p:cNvSpPr>
+          <p:nvPr>
+            <p:ph type="title"/>
+          </p:nvPr>
+        </p:nvSpPr>
+        <p:spPr/>
+        <p:txBody>
+          <a:bodyPr/>
+          <a:lstStyle/>
+          <a:p>
+            <a:pPr algn="l"/>
+            <a:r>
+              <a:rPr lang="sk-SK" dirty="0"/>
+              <a:t>Zistenie stavu všetkých inštancií OF</a:t>
+            </a:r>
+          </a:p>
+        </p:txBody>
+      </p:sp>
+      <p:sp>
+        <p:nvSpPr>
+          <p:cNvPr id="3" name="Zástupný objekt pre obsah 2">
+            <a:extLst>
+              <a:ext uri="{FF2B5EF4-FFF2-40B4-BE49-F238E27FC236}">
+                <a16:creationId xmlns:a16="http://schemas.microsoft.com/office/drawing/2014/main" id="{1B311E6E-C010-487B-9B6E-ADF82C240954}"/>
+              </a:ext>
+            </a:extLst>
+          </p:cNvPr>
+          <p:cNvSpPr>
+            <a:spLocks noGrp="1"/>
+          </p:cNvSpPr>
+          <p:nvPr>
+            <p:ph idx="1"/>
+          </p:nvPr>
+        </p:nvSpPr>
+        <p:spPr/>
+        <p:txBody>
+          <a:bodyPr>
+            <a:normAutofit fontScale="92500"/>
+          </a:bodyPr>
+          <a:lstStyle/>
+          <a:p>
+            <a:r>
+              <a:rPr lang="sk-SK" b="1" dirty="0"/>
+              <a:t>GET </a:t>
+            </a:r>
+            <a:r>
+              <a:rPr lang="sk-SK" b="1" i="1" dirty="0"/>
+              <a:t>/</a:t>
+            </a:r>
+            <a:r>
+              <a:rPr lang="sk-SK" b="1" i="1" dirty="0" err="1"/>
+              <a:t>runtime</a:t>
+            </a:r>
+            <a:r>
+              <a:rPr lang="sk-SK" b="1" i="1" dirty="0"/>
+              <a:t>/</a:t>
+            </a:r>
+            <a:r>
+              <a:rPr lang="sk-SK" b="1" i="1" dirty="0" err="1"/>
+              <a:t>webhooks</a:t>
+            </a:r>
+            <a:r>
+              <a:rPr lang="sk-SK" b="1" i="1" dirty="0"/>
+              <a:t>/</a:t>
+            </a:r>
+            <a:r>
+              <a:rPr lang="sk-SK" b="1" i="1" dirty="0" err="1"/>
+              <a:t>durabletask</a:t>
+            </a:r>
+            <a:r>
+              <a:rPr lang="sk-SK" b="1" i="1" dirty="0"/>
+              <a:t>/</a:t>
+            </a:r>
+            <a:r>
+              <a:rPr lang="sk-SK" b="1" i="1" dirty="0" err="1"/>
+              <a:t>instances</a:t>
+            </a:r>
+            <a:endParaRPr lang="sk-SK" b="1" i="1" dirty="0"/>
+          </a:p>
+          <a:p>
+            <a:r>
+              <a:rPr lang="sk-SK" dirty="0" err="1"/>
+              <a:t>Query</a:t>
+            </a:r>
+            <a:r>
+              <a:rPr lang="sk-SK" dirty="0"/>
+              <a:t> parametre (všetky sú voliteľné):</a:t>
+            </a:r>
+          </a:p>
+          <a:p>
+            <a:pPr lvl="1"/>
+            <a:r>
+              <a:rPr lang="sk-SK" b="1" i="1" dirty="0" err="1"/>
+              <a:t>showInput</a:t>
+            </a:r>
+            <a:r>
+              <a:rPr lang="sk-SK" dirty="0"/>
+              <a:t>, </a:t>
+            </a:r>
+            <a:r>
+              <a:rPr lang="sk-SK" b="1" i="1" dirty="0" err="1"/>
+              <a:t>showHistory</a:t>
+            </a:r>
+            <a:r>
+              <a:rPr lang="sk-SK" dirty="0"/>
+              <a:t>, </a:t>
+            </a:r>
+            <a:r>
+              <a:rPr lang="sk-SK" b="1" i="1" dirty="0" err="1"/>
+              <a:t>showHistoryOutput</a:t>
+            </a:r>
+            <a:endParaRPr lang="sk-SK" dirty="0"/>
+          </a:p>
+          <a:p>
+            <a:pPr lvl="1"/>
+            <a:r>
+              <a:rPr lang="sk-SK" b="1" i="1" dirty="0" err="1"/>
+              <a:t>createdTimeFrom</a:t>
+            </a:r>
+            <a:r>
+              <a:rPr lang="sk-SK" dirty="0"/>
+              <a:t>, </a:t>
+            </a:r>
+            <a:r>
+              <a:rPr lang="sk-SK" b="1" i="1" dirty="0" err="1"/>
+              <a:t>createdTimeTo</a:t>
+            </a:r>
+            <a:r>
+              <a:rPr lang="sk-SK" dirty="0"/>
+              <a:t> – možnosť filtrovať podľa dátumu vytvorenia</a:t>
+            </a:r>
+          </a:p>
+          <a:p>
+            <a:pPr lvl="1"/>
+            <a:r>
+              <a:rPr lang="sk-SK" b="1" i="1" dirty="0" err="1"/>
+              <a:t>runtimeStatus</a:t>
+            </a:r>
+            <a:r>
+              <a:rPr lang="sk-SK" dirty="0"/>
+              <a:t> – možnosť filtrovať podľa stavu inštancie (</a:t>
+            </a:r>
+            <a:r>
+              <a:rPr lang="sk-SK" dirty="0" err="1"/>
+              <a:t>Pending</a:t>
+            </a:r>
+            <a:r>
+              <a:rPr lang="sk-SK" dirty="0"/>
+              <a:t>, </a:t>
+            </a:r>
+            <a:r>
+              <a:rPr lang="sk-SK" dirty="0" err="1"/>
+              <a:t>Running</a:t>
+            </a:r>
+            <a:r>
+              <a:rPr lang="sk-SK" dirty="0"/>
+              <a:t>, ...)</a:t>
+            </a:r>
+          </a:p>
+          <a:p>
+            <a:pPr lvl="1"/>
+            <a:r>
+              <a:rPr lang="sk-SK" b="1" i="1" dirty="0"/>
+              <a:t>top</a:t>
+            </a:r>
+            <a:r>
+              <a:rPr lang="sk-SK" dirty="0"/>
+              <a:t> – obmedzenie na počet vrátených inštancií</a:t>
+            </a:r>
+          </a:p>
+          <a:p>
+            <a:r>
+              <a:rPr lang="sk-SK" dirty="0"/>
+              <a:t>Stránkovanie je zabezpečené prostredníctvom hlavičky </a:t>
+            </a:r>
+            <a:r>
+              <a:rPr lang="sk-SK" b="1" dirty="0"/>
+              <a:t>x-ms-</a:t>
+            </a:r>
+            <a:r>
+              <a:rPr lang="sk-SK" b="1" dirty="0" err="1"/>
+              <a:t>continuation</a:t>
+            </a:r>
+            <a:r>
+              <a:rPr lang="sk-SK" b="1" dirty="0"/>
+              <a:t>-token</a:t>
+            </a:r>
+          </a:p>
+        </p:txBody>
+      </p:sp>
+    </p:spTree>
+    <p:extLst>
+      <p:ext uri="{BB962C8B-B14F-4D97-AF65-F5344CB8AC3E}">
+        <p14:creationId xmlns:p14="http://schemas.microsoft.com/office/powerpoint/2010/main" val="3730192518"/>
+      </p:ext>
+    </p:extLst>
+  </p:cSld>
+  <p:clrMapOvr>
+    <a:masterClrMapping/>
+  </p:clrMapOvr>
+</p:sld>
+</file>
+
+<file path=ppt/slides/slide27.xml><?xml version="1.0" encoding="utf-8"?>
+<p:sld xmlns:a="http://schemas.openxmlformats.org/drawingml/2006/main" xmlns:r="http://schemas.openxmlformats.org/officeDocument/2006/relationships" xmlns:p="http://schemas.openxmlformats.org/presentationml/2006/main">
+  <p:cSld>
+    <p:spTree>
+      <p:nvGrpSpPr>
+        <p:cNvPr id="1" name=""/>
+        <p:cNvGrpSpPr/>
+        <p:nvPr/>
+      </p:nvGrpSpPr>
+      <p:grpSpPr>
+        <a:xfrm>
+          <a:off x="0" y="0"/>
+          <a:ext cx="0" cy="0"/>
+          <a:chOff x="0" y="0"/>
+          <a:chExt cx="0" cy="0"/>
+        </a:xfrm>
+      </p:grpSpPr>
+      <p:sp>
+        <p:nvSpPr>
+          <p:cNvPr id="2" name="Nadpis 1">
+            <a:extLst>
+              <a:ext uri="{FF2B5EF4-FFF2-40B4-BE49-F238E27FC236}">
+                <a16:creationId xmlns:a16="http://schemas.microsoft.com/office/drawing/2014/main" id="{1029C316-F235-4104-A82C-A822DBC6F569}"/>
+              </a:ext>
+            </a:extLst>
+          </p:cNvPr>
+          <p:cNvSpPr>
+            <a:spLocks noGrp="1"/>
+          </p:cNvSpPr>
+          <p:nvPr>
+            <p:ph type="title"/>
+          </p:nvPr>
+        </p:nvSpPr>
+        <p:spPr/>
+        <p:txBody>
+          <a:bodyPr/>
+          <a:lstStyle/>
+          <a:p>
+            <a:pPr algn="l"/>
+            <a:r>
+              <a:rPr lang="sk-SK" dirty="0"/>
+              <a:t>Vymazanie histórie pre jednu inštanciu OF</a:t>
+            </a:r>
+          </a:p>
+        </p:txBody>
+      </p:sp>
+      <p:sp>
+        <p:nvSpPr>
+          <p:cNvPr id="3" name="Zástupný objekt pre obsah 2">
+            <a:extLst>
+              <a:ext uri="{FF2B5EF4-FFF2-40B4-BE49-F238E27FC236}">
+                <a16:creationId xmlns:a16="http://schemas.microsoft.com/office/drawing/2014/main" id="{1B311E6E-C010-487B-9B6E-ADF82C240954}"/>
+              </a:ext>
+            </a:extLst>
+          </p:cNvPr>
+          <p:cNvSpPr>
+            <a:spLocks noGrp="1"/>
+          </p:cNvSpPr>
+          <p:nvPr>
+            <p:ph idx="1"/>
+          </p:nvPr>
+        </p:nvSpPr>
+        <p:spPr/>
+        <p:txBody>
+          <a:bodyPr>
+            <a:normAutofit/>
+          </a:bodyPr>
+          <a:lstStyle/>
+          <a:p>
+            <a:r>
+              <a:rPr lang="sk-SK" b="1" dirty="0"/>
+              <a:t>DELETE </a:t>
+            </a:r>
+            <a:r>
+              <a:rPr lang="sk-SK" b="1" i="1" dirty="0"/>
+              <a:t>/</a:t>
+            </a:r>
+            <a:r>
+              <a:rPr lang="sk-SK" b="1" i="1" dirty="0" err="1"/>
+              <a:t>runtime</a:t>
+            </a:r>
+            <a:r>
+              <a:rPr lang="sk-SK" b="1" i="1" dirty="0"/>
+              <a:t>/</a:t>
+            </a:r>
+            <a:r>
+              <a:rPr lang="sk-SK" b="1" i="1" dirty="0" err="1"/>
+              <a:t>webhooks</a:t>
+            </a:r>
+            <a:r>
+              <a:rPr lang="sk-SK" b="1" i="1" dirty="0"/>
+              <a:t>/</a:t>
+            </a:r>
+            <a:r>
+              <a:rPr lang="sk-SK" b="1" i="1" dirty="0" err="1"/>
+              <a:t>durabletask</a:t>
+            </a:r>
+            <a:r>
+              <a:rPr lang="sk-SK" b="1" i="1" dirty="0"/>
+              <a:t>/</a:t>
+            </a:r>
+            <a:r>
+              <a:rPr lang="sk-SK" b="1" i="1" dirty="0" err="1"/>
+              <a:t>instances</a:t>
+            </a:r>
+            <a:r>
+              <a:rPr lang="sk-SK" b="1" i="1" dirty="0"/>
+              <a:t>/</a:t>
+            </a:r>
+            <a:r>
+              <a:rPr lang="en-US" b="1" i="1" dirty="0"/>
+              <a:t>{</a:t>
+            </a:r>
+            <a:r>
+              <a:rPr lang="en-US" b="1" i="1" dirty="0" err="1"/>
+              <a:t>instanceId</a:t>
+            </a:r>
+            <a:r>
+              <a:rPr lang="en-US" b="1" i="1" dirty="0"/>
+              <a:t>}</a:t>
+            </a:r>
+            <a:endParaRPr lang="sk-SK" b="1" i="1" dirty="0"/>
+          </a:p>
+          <a:p>
+            <a:r>
+              <a:rPr lang="sk-SK" dirty="0"/>
+              <a:t>Odpovede:</a:t>
+            </a:r>
+          </a:p>
+          <a:p>
+            <a:pPr lvl="1"/>
+            <a:r>
+              <a:rPr lang="sk-SK" b="1" i="1" dirty="0"/>
+              <a:t>HTTP 200 </a:t>
+            </a:r>
+            <a:r>
+              <a:rPr lang="sk-SK" dirty="0"/>
+              <a:t>– história úspešne vymazaná</a:t>
+            </a:r>
+          </a:p>
+          <a:p>
+            <a:pPr lvl="1"/>
+            <a:r>
+              <a:rPr lang="sk-SK" b="1" i="1" dirty="0"/>
+              <a:t>HTTP 404</a:t>
+            </a:r>
+            <a:r>
+              <a:rPr lang="sk-SK" dirty="0"/>
+              <a:t> – inštancia OF neexistuje</a:t>
+            </a:r>
+          </a:p>
+          <a:p>
+            <a:r>
+              <a:rPr lang="sk-SK" dirty="0"/>
+              <a:t>Návratová hodnota (JSON):</a:t>
+            </a:r>
+          </a:p>
+          <a:p>
+            <a:pPr lvl="1"/>
+            <a:r>
+              <a:rPr lang="sk-SK" b="1" i="1" dirty="0" err="1"/>
+              <a:t>instancesDeleted</a:t>
+            </a:r>
+            <a:r>
+              <a:rPr lang="sk-SK" dirty="0"/>
+              <a:t> – počet zmazaných inštancií, tu vždy 1</a:t>
+            </a:r>
+          </a:p>
+        </p:txBody>
+      </p:sp>
+    </p:spTree>
+    <p:extLst>
+      <p:ext uri="{BB962C8B-B14F-4D97-AF65-F5344CB8AC3E}">
+        <p14:creationId xmlns:p14="http://schemas.microsoft.com/office/powerpoint/2010/main" val="2953258924"/>
+      </p:ext>
+    </p:extLst>
+  </p:cSld>
+  <p:clrMapOvr>
+    <a:masterClrMapping/>
+  </p:clrMapOvr>
+</p:sld>
+</file>
+
+<file path=ppt/slides/slide28.xml><?xml version="1.0" encoding="utf-8"?>
+<p:sld xmlns:a="http://schemas.openxmlformats.org/drawingml/2006/main" xmlns:r="http://schemas.openxmlformats.org/officeDocument/2006/relationships" xmlns:p="http://schemas.openxmlformats.org/presentationml/2006/main">
+  <p:cSld>
+    <p:spTree>
+      <p:nvGrpSpPr>
+        <p:cNvPr id="1" name=""/>
+        <p:cNvGrpSpPr/>
+        <p:nvPr/>
+      </p:nvGrpSpPr>
+      <p:grpSpPr>
+        <a:xfrm>
+          <a:off x="0" y="0"/>
+          <a:ext cx="0" cy="0"/>
+          <a:chOff x="0" y="0"/>
+          <a:chExt cx="0" cy="0"/>
+        </a:xfrm>
+      </p:grpSpPr>
+      <p:sp>
+        <p:nvSpPr>
+          <p:cNvPr id="2" name="Nadpis 1">
+            <a:extLst>
+              <a:ext uri="{FF2B5EF4-FFF2-40B4-BE49-F238E27FC236}">
+                <a16:creationId xmlns:a16="http://schemas.microsoft.com/office/drawing/2014/main" id="{1029C316-F235-4104-A82C-A822DBC6F569}"/>
+              </a:ext>
+            </a:extLst>
+          </p:cNvPr>
+          <p:cNvSpPr>
+            <a:spLocks noGrp="1"/>
+          </p:cNvSpPr>
+          <p:nvPr>
+            <p:ph type="title"/>
+          </p:nvPr>
+        </p:nvSpPr>
+        <p:spPr/>
+        <p:txBody>
+          <a:bodyPr/>
+          <a:lstStyle/>
+          <a:p>
+            <a:pPr algn="l"/>
+            <a:r>
+              <a:rPr lang="sk-SK" dirty="0"/>
+              <a:t>Vymazanie histórie pre viacero inštancií OF</a:t>
+            </a:r>
+          </a:p>
+        </p:txBody>
+      </p:sp>
+      <p:sp>
+        <p:nvSpPr>
+          <p:cNvPr id="3" name="Zástupný objekt pre obsah 2">
+            <a:extLst>
+              <a:ext uri="{FF2B5EF4-FFF2-40B4-BE49-F238E27FC236}">
+                <a16:creationId xmlns:a16="http://schemas.microsoft.com/office/drawing/2014/main" id="{1B311E6E-C010-487B-9B6E-ADF82C240954}"/>
+              </a:ext>
+            </a:extLst>
+          </p:cNvPr>
+          <p:cNvSpPr>
+            <a:spLocks noGrp="1"/>
+          </p:cNvSpPr>
+          <p:nvPr>
+            <p:ph idx="1"/>
+          </p:nvPr>
+        </p:nvSpPr>
+        <p:spPr/>
+        <p:txBody>
+          <a:bodyPr>
+            <a:normAutofit fontScale="77500" lnSpcReduction="20000"/>
+          </a:bodyPr>
+          <a:lstStyle/>
+          <a:p>
+            <a:r>
+              <a:rPr lang="sk-SK" b="1" dirty="0"/>
+              <a:t>DELETE </a:t>
+            </a:r>
+            <a:r>
+              <a:rPr lang="sk-SK" b="1" i="1" dirty="0"/>
+              <a:t>/</a:t>
+            </a:r>
+            <a:r>
+              <a:rPr lang="sk-SK" b="1" i="1" dirty="0" err="1"/>
+              <a:t>runtime</a:t>
+            </a:r>
+            <a:r>
+              <a:rPr lang="sk-SK" b="1" i="1" dirty="0"/>
+              <a:t>/</a:t>
+            </a:r>
+            <a:r>
+              <a:rPr lang="sk-SK" b="1" i="1" dirty="0" err="1"/>
+              <a:t>webhooks</a:t>
+            </a:r>
+            <a:r>
+              <a:rPr lang="sk-SK" b="1" i="1" dirty="0"/>
+              <a:t>/</a:t>
+            </a:r>
+            <a:r>
+              <a:rPr lang="sk-SK" b="1" i="1" dirty="0" err="1"/>
+              <a:t>durabletask</a:t>
+            </a:r>
+            <a:r>
+              <a:rPr lang="sk-SK" b="1" i="1" dirty="0"/>
+              <a:t>/</a:t>
+            </a:r>
+            <a:r>
+              <a:rPr lang="sk-SK" b="1" i="1" dirty="0" err="1"/>
+              <a:t>instances</a:t>
+            </a:r>
+            <a:endParaRPr lang="sk-SK" b="1" i="1" dirty="0"/>
+          </a:p>
+          <a:p>
+            <a:r>
+              <a:rPr lang="sk-SK" dirty="0" err="1"/>
+              <a:t>Query</a:t>
+            </a:r>
+            <a:r>
+              <a:rPr lang="sk-SK" dirty="0"/>
+              <a:t> parametre (všetky sú voliteľné):</a:t>
+            </a:r>
+          </a:p>
+          <a:p>
+            <a:pPr lvl="1"/>
+            <a:r>
+              <a:rPr lang="sk-SK" b="1" i="1" dirty="0" err="1"/>
+              <a:t>createdTimeFrom</a:t>
+            </a:r>
+            <a:r>
+              <a:rPr lang="sk-SK" dirty="0"/>
+              <a:t>, </a:t>
+            </a:r>
+            <a:r>
+              <a:rPr lang="sk-SK" b="1" i="1" dirty="0" err="1"/>
+              <a:t>createdTimeTo</a:t>
+            </a:r>
+            <a:r>
+              <a:rPr lang="sk-SK" dirty="0"/>
+              <a:t> – možnosť filtrovať podľa dátumu vytvorenia</a:t>
+            </a:r>
+          </a:p>
+          <a:p>
+            <a:pPr lvl="1"/>
+            <a:r>
+              <a:rPr lang="sk-SK" b="1" i="1" dirty="0" err="1"/>
+              <a:t>runtimeStatus</a:t>
+            </a:r>
+            <a:r>
+              <a:rPr lang="sk-SK" dirty="0"/>
+              <a:t> – možnosť filtrovať podľa stavu inštancie (</a:t>
+            </a:r>
+            <a:r>
+              <a:rPr lang="sk-SK" dirty="0" err="1"/>
+              <a:t>Pending</a:t>
+            </a:r>
+            <a:r>
+              <a:rPr lang="sk-SK" dirty="0"/>
+              <a:t>, </a:t>
+            </a:r>
+            <a:r>
+              <a:rPr lang="sk-SK" dirty="0" err="1"/>
+              <a:t>Running</a:t>
+            </a:r>
+            <a:r>
+              <a:rPr lang="sk-SK" dirty="0"/>
+              <a:t>, ...)</a:t>
+            </a:r>
+          </a:p>
+          <a:p>
+            <a:r>
+              <a:rPr lang="sk-SK" dirty="0"/>
+              <a:t>Odpovede:</a:t>
+            </a:r>
+          </a:p>
+          <a:p>
+            <a:pPr lvl="1"/>
+            <a:r>
+              <a:rPr lang="sk-SK" b="1" i="1" dirty="0"/>
+              <a:t>HTTP 200 </a:t>
+            </a:r>
+            <a:r>
+              <a:rPr lang="sk-SK" dirty="0"/>
+              <a:t>– história úspešne vymazaná</a:t>
+            </a:r>
+          </a:p>
+          <a:p>
+            <a:pPr lvl="1"/>
+            <a:r>
+              <a:rPr lang="sk-SK" b="1" i="1" dirty="0"/>
+              <a:t>HTTP 404</a:t>
+            </a:r>
+            <a:r>
+              <a:rPr lang="sk-SK" dirty="0"/>
+              <a:t> – neboli žiadne inštancie, ktoré spĺňajú zadané podmienky</a:t>
+            </a:r>
+          </a:p>
+          <a:p>
+            <a:r>
+              <a:rPr lang="sk-SK" dirty="0"/>
+              <a:t>Návratová hodnota (JSON):</a:t>
+            </a:r>
+          </a:p>
+          <a:p>
+            <a:pPr lvl="1"/>
+            <a:r>
+              <a:rPr lang="sk-SK" b="1" i="1" dirty="0" err="1"/>
+              <a:t>instancesDeleted</a:t>
+            </a:r>
+            <a:r>
+              <a:rPr lang="sk-SK" dirty="0"/>
+              <a:t> – počet zmazaných inštancií</a:t>
+            </a:r>
+          </a:p>
+        </p:txBody>
+      </p:sp>
+    </p:spTree>
+    <p:extLst>
+      <p:ext uri="{BB962C8B-B14F-4D97-AF65-F5344CB8AC3E}">
+        <p14:creationId xmlns:p14="http://schemas.microsoft.com/office/powerpoint/2010/main" val="3185018271"/>
+      </p:ext>
+    </p:extLst>
+  </p:cSld>
+  <p:clrMapOvr>
+    <a:masterClrMapping/>
+  </p:clrMapOvr>
+</p:sld>
+</file>
+
+<file path=ppt/slides/slide29.xml><?xml version="1.0" encoding="utf-8"?>
+<p:sld xmlns:a="http://schemas.openxmlformats.org/drawingml/2006/main" xmlns:r="http://schemas.openxmlformats.org/officeDocument/2006/relationships" xmlns:p="http://schemas.openxmlformats.org/presentationml/2006/main">
+  <p:cSld>
+    <p:spTree>
+      <p:nvGrpSpPr>
+        <p:cNvPr id="1" name=""/>
+        <p:cNvGrpSpPr/>
+        <p:nvPr/>
+      </p:nvGrpSpPr>
+      <p:grpSpPr>
+        <a:xfrm>
+          <a:off x="0" y="0"/>
+          <a:ext cx="0" cy="0"/>
+          <a:chOff x="0" y="0"/>
+          <a:chExt cx="0" cy="0"/>
+        </a:xfrm>
+      </p:grpSpPr>
+      <p:sp>
+        <p:nvSpPr>
+          <p:cNvPr id="2" name="Nadpis 1">
+            <a:extLst>
+              <a:ext uri="{FF2B5EF4-FFF2-40B4-BE49-F238E27FC236}">
+                <a16:creationId xmlns:a16="http://schemas.microsoft.com/office/drawing/2014/main" id="{1029C316-F235-4104-A82C-A822DBC6F569}"/>
+              </a:ext>
+            </a:extLst>
+          </p:cNvPr>
+          <p:cNvSpPr>
+            <a:spLocks noGrp="1"/>
+          </p:cNvSpPr>
+          <p:nvPr>
+            <p:ph type="title"/>
+          </p:nvPr>
+        </p:nvSpPr>
+        <p:spPr/>
+        <p:txBody>
+          <a:bodyPr/>
+          <a:lstStyle/>
+          <a:p>
+            <a:pPr algn="l"/>
+            <a:r>
+              <a:rPr lang="sk-SK" dirty="0"/>
+              <a:t>Vyvolanie udalosti</a:t>
+            </a:r>
+          </a:p>
+        </p:txBody>
+      </p:sp>
+      <p:sp>
+        <p:nvSpPr>
+          <p:cNvPr id="3" name="Zástupný objekt pre obsah 2">
+            <a:extLst>
+              <a:ext uri="{FF2B5EF4-FFF2-40B4-BE49-F238E27FC236}">
+                <a16:creationId xmlns:a16="http://schemas.microsoft.com/office/drawing/2014/main" id="{1B311E6E-C010-487B-9B6E-ADF82C240954}"/>
+              </a:ext>
+            </a:extLst>
+          </p:cNvPr>
+          <p:cNvSpPr>
+            <a:spLocks noGrp="1"/>
+          </p:cNvSpPr>
+          <p:nvPr>
+            <p:ph idx="1"/>
+          </p:nvPr>
+        </p:nvSpPr>
+        <p:spPr/>
+        <p:txBody>
+          <a:bodyPr>
+            <a:normAutofit fontScale="77500" lnSpcReduction="20000"/>
+          </a:bodyPr>
+          <a:lstStyle/>
+          <a:p>
+            <a:r>
+              <a:rPr lang="sk-SK" b="1" dirty="0"/>
+              <a:t>POST </a:t>
+            </a:r>
+            <a:r>
+              <a:rPr lang="sk-SK" b="1" i="1" dirty="0"/>
+              <a:t>/</a:t>
+            </a:r>
+            <a:r>
+              <a:rPr lang="sk-SK" b="1" i="1" dirty="0" err="1"/>
+              <a:t>runtime</a:t>
+            </a:r>
+            <a:r>
+              <a:rPr lang="sk-SK" b="1" i="1" dirty="0"/>
+              <a:t>/</a:t>
+            </a:r>
+            <a:r>
+              <a:rPr lang="sk-SK" b="1" i="1" dirty="0" err="1"/>
+              <a:t>webhooks</a:t>
+            </a:r>
+            <a:r>
+              <a:rPr lang="sk-SK" b="1" i="1" dirty="0"/>
+              <a:t>/</a:t>
+            </a:r>
+            <a:r>
+              <a:rPr lang="sk-SK" b="1" i="1" dirty="0" err="1"/>
+              <a:t>durabletask</a:t>
+            </a:r>
+            <a:r>
+              <a:rPr lang="sk-SK" b="1" i="1" dirty="0"/>
+              <a:t>/</a:t>
+            </a:r>
+            <a:r>
+              <a:rPr lang="sk-SK" b="1" i="1" dirty="0" err="1"/>
+              <a:t>instances</a:t>
+            </a:r>
+            <a:r>
+              <a:rPr lang="sk-SK" b="1" i="1" dirty="0"/>
+              <a:t>/</a:t>
+            </a:r>
+            <a:r>
+              <a:rPr lang="en-US" b="1" i="1" dirty="0"/>
+              <a:t>{</a:t>
+            </a:r>
+            <a:r>
+              <a:rPr lang="en-US" b="1" i="1" dirty="0" err="1"/>
+              <a:t>instanceId</a:t>
+            </a:r>
+            <a:r>
+              <a:rPr lang="en-US" b="1" i="1" dirty="0"/>
+              <a:t>}</a:t>
+            </a:r>
+            <a:r>
+              <a:rPr lang="sk-SK" b="1" i="1" dirty="0"/>
+              <a:t>/</a:t>
+            </a:r>
+            <a:r>
+              <a:rPr lang="sk-SK" b="1" i="1" dirty="0" err="1"/>
+              <a:t>raiseEvent</a:t>
+            </a:r>
+            <a:r>
+              <a:rPr lang="sk-SK" b="1" i="1" dirty="0"/>
+              <a:t>/</a:t>
+            </a:r>
+            <a:r>
+              <a:rPr lang="en-US" b="1" i="1" dirty="0"/>
+              <a:t>{</a:t>
+            </a:r>
+            <a:r>
+              <a:rPr lang="en-US" b="1" i="1" dirty="0" err="1"/>
+              <a:t>eventName</a:t>
+            </a:r>
+            <a:r>
+              <a:rPr lang="en-US" b="1" i="1" dirty="0"/>
+              <a:t>}</a:t>
+            </a:r>
+            <a:endParaRPr lang="sk-SK" b="1" i="1" dirty="0"/>
+          </a:p>
+          <a:p>
+            <a:r>
+              <a:rPr lang="sk-SK" dirty="0"/>
+              <a:t>URL parametre:</a:t>
+            </a:r>
+          </a:p>
+          <a:p>
+            <a:pPr lvl="1"/>
+            <a:r>
+              <a:rPr lang="sk-SK" b="1" i="1" dirty="0" err="1"/>
+              <a:t>eventName</a:t>
+            </a:r>
+            <a:r>
+              <a:rPr lang="sk-SK" dirty="0"/>
+              <a:t> – názov udalosti</a:t>
+            </a:r>
+          </a:p>
+          <a:p>
+            <a:r>
+              <a:rPr lang="sk-SK" dirty="0"/>
+              <a:t>Telo (JSON): </a:t>
+            </a:r>
+            <a:r>
+              <a:rPr lang="sk-SK" dirty="0" err="1"/>
+              <a:t>payload</a:t>
+            </a:r>
+            <a:r>
+              <a:rPr lang="sk-SK" dirty="0"/>
+              <a:t> pre udalosť</a:t>
+            </a:r>
+          </a:p>
+          <a:p>
+            <a:r>
+              <a:rPr lang="sk-SK" dirty="0"/>
+              <a:t>Odpovede:</a:t>
+            </a:r>
+          </a:p>
+          <a:p>
+            <a:pPr lvl="1"/>
+            <a:r>
+              <a:rPr lang="sk-SK" b="1" i="1" dirty="0"/>
+              <a:t>HTTP 200 </a:t>
+            </a:r>
+            <a:r>
+              <a:rPr lang="sk-SK" dirty="0"/>
+              <a:t>– udalosť úspešne vyvolaná</a:t>
+            </a:r>
+          </a:p>
+          <a:p>
+            <a:pPr lvl="1"/>
+            <a:r>
+              <a:rPr lang="sk-SK" b="1" i="1" dirty="0"/>
+              <a:t>HTTP 400</a:t>
+            </a:r>
+            <a:r>
+              <a:rPr lang="sk-SK" dirty="0"/>
+              <a:t> – </a:t>
+            </a:r>
+            <a:r>
+              <a:rPr lang="sk-SK" dirty="0" err="1"/>
+              <a:t>payload</a:t>
+            </a:r>
+            <a:r>
+              <a:rPr lang="sk-SK" dirty="0"/>
+              <a:t> nie je </a:t>
+            </a:r>
+            <a:r>
+              <a:rPr lang="sk-SK" dirty="0" err="1"/>
+              <a:t>validný</a:t>
+            </a:r>
+            <a:endParaRPr lang="sk-SK" b="1" i="1" dirty="0"/>
+          </a:p>
+          <a:p>
+            <a:pPr lvl="1"/>
+            <a:r>
+              <a:rPr lang="sk-SK" b="1" i="1" dirty="0"/>
+              <a:t>HTTP 404</a:t>
+            </a:r>
+            <a:r>
+              <a:rPr lang="sk-SK" dirty="0"/>
+              <a:t> – inštancia OF neexistuje</a:t>
+            </a:r>
+          </a:p>
+          <a:p>
+            <a:pPr lvl="1"/>
+            <a:r>
+              <a:rPr lang="sk-SK" b="1" i="1" dirty="0"/>
+              <a:t>HTTP 410</a:t>
+            </a:r>
+            <a:r>
+              <a:rPr lang="sk-SK" dirty="0"/>
+              <a:t> – inštancia OF už dobehla a nemôže prijímať udalosti</a:t>
+            </a:r>
+            <a:endParaRPr lang="sk-SK" b="1" i="1" dirty="0"/>
+          </a:p>
+        </p:txBody>
+      </p:sp>
+    </p:spTree>
+    <p:extLst>
+      <p:ext uri="{BB962C8B-B14F-4D97-AF65-F5344CB8AC3E}">
+        <p14:creationId xmlns:p14="http://schemas.microsoft.com/office/powerpoint/2010/main" val="2478865667"/>
+      </p:ext>
+    </p:extLst>
+  </p:cSld>
+  <p:clrMapOvr>
+    <a:masterClrMapping/>
+  </p:clrMapOvr>
+</p:sld>
+</file>
+
+<file path=ppt/slides/slide3.xml><?xml version="1.0" encoding="utf-8"?>
+<p:sld xmlns:a="http://schemas.openxmlformats.org/drawingml/2006/main" xmlns:r="http://schemas.openxmlformats.org/officeDocument/2006/relationships" xmlns:p="http://schemas.openxmlformats.org/presentationml/2006/main">
+  <p:cSld>
+    <p:spTree>
+      <p:nvGrpSpPr>
+        <p:cNvPr id="1" name=""/>
+        <p:cNvGrpSpPr/>
+        <p:nvPr/>
+      </p:nvGrpSpPr>
+      <p:grpSpPr>
+        <a:xfrm>
+          <a:off x="0" y="0"/>
+          <a:ext cx="0" cy="0"/>
+          <a:chOff x="0" y="0"/>
+          <a:chExt cx="0" cy="0"/>
+        </a:xfrm>
+      </p:grpSpPr>
+      <p:sp>
+        <p:nvSpPr>
+          <p:cNvPr id="2" name="Nadpis 1">
+            <a:extLst>
+              <a:ext uri="{FF2B5EF4-FFF2-40B4-BE49-F238E27FC236}">
+                <a16:creationId xmlns:a16="http://schemas.microsoft.com/office/drawing/2014/main" id="{57EDEBDC-183A-4CB4-9450-D1BAD74BD718}"/>
+              </a:ext>
+            </a:extLst>
+          </p:cNvPr>
+          <p:cNvSpPr>
+            <a:spLocks noGrp="1"/>
+          </p:cNvSpPr>
+          <p:nvPr>
+            <p:ph type="title"/>
+          </p:nvPr>
+        </p:nvSpPr>
+        <p:spPr/>
+        <p:txBody>
+          <a:bodyPr/>
+          <a:lstStyle/>
+          <a:p>
+            <a:pPr algn="l"/>
+            <a:r>
+              <a:rPr lang="sk-SK" dirty="0" err="1"/>
+              <a:t>Durable</a:t>
+            </a:r>
+            <a:r>
+              <a:rPr lang="sk-SK" dirty="0"/>
+              <a:t> </a:t>
+            </a:r>
+            <a:r>
+              <a:rPr lang="sk-SK" dirty="0" err="1"/>
+              <a:t>Functions</a:t>
+            </a:r>
+            <a:endParaRPr lang="sk-SK" dirty="0"/>
+          </a:p>
+        </p:txBody>
+      </p:sp>
+      <p:sp>
+        <p:nvSpPr>
+          <p:cNvPr id="3" name="Zástupný objekt pre obsah 2">
+            <a:extLst>
+              <a:ext uri="{FF2B5EF4-FFF2-40B4-BE49-F238E27FC236}">
+                <a16:creationId xmlns:a16="http://schemas.microsoft.com/office/drawing/2014/main" id="{9C497529-3427-4A45-80B1-1F00BFA76DE6}"/>
+              </a:ext>
+            </a:extLst>
+          </p:cNvPr>
+          <p:cNvSpPr>
+            <a:spLocks noGrp="1"/>
+          </p:cNvSpPr>
+          <p:nvPr>
+            <p:ph idx="1"/>
+          </p:nvPr>
+        </p:nvSpPr>
+        <p:spPr/>
+        <p:txBody>
+          <a:bodyPr>
+            <a:normAutofit/>
+          </a:bodyPr>
+          <a:lstStyle/>
+          <a:p>
+            <a:pPr algn="just"/>
+            <a:r>
+              <a:rPr lang="en-US" dirty="0"/>
+              <a:t>Roz</a:t>
+            </a:r>
+            <a:r>
+              <a:rPr lang="sk-SK" dirty="0"/>
+              <a:t>šírenie </a:t>
+            </a:r>
+            <a:r>
+              <a:rPr lang="sk-SK" dirty="0" err="1"/>
+              <a:t>Azure</a:t>
+            </a:r>
+            <a:r>
+              <a:rPr lang="sk-SK" dirty="0"/>
+              <a:t> </a:t>
+            </a:r>
+            <a:r>
+              <a:rPr lang="sk-SK" dirty="0" err="1"/>
+              <a:t>Functions</a:t>
+            </a:r>
+            <a:endParaRPr lang="sk-SK" dirty="0"/>
+          </a:p>
+          <a:p>
+            <a:pPr algn="just"/>
+            <a:r>
+              <a:rPr lang="sk-SK" dirty="0"/>
+              <a:t>Umožňujú písať pracovné postupy („</a:t>
+            </a:r>
+            <a:r>
+              <a:rPr lang="sk-SK" dirty="0" err="1"/>
+              <a:t>workflow</a:t>
+            </a:r>
+            <a:r>
+              <a:rPr lang="sk-SK" dirty="0"/>
+              <a:t>“), ktoré si držia stav („</a:t>
+            </a:r>
+            <a:r>
+              <a:rPr lang="sk-SK" dirty="0" err="1"/>
+              <a:t>stateful</a:t>
+            </a:r>
+            <a:r>
+              <a:rPr lang="sk-SK" dirty="0"/>
+              <a:t>“)</a:t>
+            </a:r>
+          </a:p>
+          <a:p>
+            <a:pPr algn="just"/>
+            <a:r>
+              <a:rPr lang="sk-SK" dirty="0"/>
+              <a:t>Na pozadí sa starajú o stav, </a:t>
+            </a:r>
+            <a:r>
+              <a:rPr lang="sk-SK" dirty="0" err="1"/>
+              <a:t>checkpointy</a:t>
+            </a:r>
+            <a:r>
+              <a:rPr lang="sk-SK" dirty="0"/>
+              <a:t> a reštartovanie</a:t>
+            </a:r>
+          </a:p>
+        </p:txBody>
+      </p:sp>
+    </p:spTree>
+    <p:extLst>
+      <p:ext uri="{BB962C8B-B14F-4D97-AF65-F5344CB8AC3E}">
+        <p14:creationId xmlns:p14="http://schemas.microsoft.com/office/powerpoint/2010/main" val="4008340038"/>
+      </p:ext>
+    </p:extLst>
+  </p:cSld>
+  <p:clrMapOvr>
+    <a:masterClrMapping/>
+  </p:clrMapOvr>
+</p:sld>
+</file>
+
+<file path=ppt/slides/slide30.xml><?xml version="1.0" encoding="utf-8"?>
+<p:sld xmlns:a="http://schemas.openxmlformats.org/drawingml/2006/main" xmlns:r="http://schemas.openxmlformats.org/officeDocument/2006/relationships" xmlns:p="http://schemas.openxmlformats.org/presentationml/2006/main">
+  <p:cSld>
+    <p:spTree>
+      <p:nvGrpSpPr>
+        <p:cNvPr id="1" name=""/>
+        <p:cNvGrpSpPr/>
+        <p:nvPr/>
+      </p:nvGrpSpPr>
+      <p:grpSpPr>
+        <a:xfrm>
+          <a:off x="0" y="0"/>
+          <a:ext cx="0" cy="0"/>
+          <a:chOff x="0" y="0"/>
+          <a:chExt cx="0" cy="0"/>
+        </a:xfrm>
+      </p:grpSpPr>
+      <p:sp>
+        <p:nvSpPr>
+          <p:cNvPr id="2" name="Nadpis 1">
+            <a:extLst>
+              <a:ext uri="{FF2B5EF4-FFF2-40B4-BE49-F238E27FC236}">
+                <a16:creationId xmlns:a16="http://schemas.microsoft.com/office/drawing/2014/main" id="{1029C316-F235-4104-A82C-A822DBC6F569}"/>
+              </a:ext>
+            </a:extLst>
+          </p:cNvPr>
+          <p:cNvSpPr>
+            <a:spLocks noGrp="1"/>
+          </p:cNvSpPr>
+          <p:nvPr>
+            <p:ph type="title"/>
+          </p:nvPr>
+        </p:nvSpPr>
+        <p:spPr/>
+        <p:txBody>
+          <a:bodyPr/>
+          <a:lstStyle/>
+          <a:p>
+            <a:pPr algn="l"/>
+            <a:r>
+              <a:rPr lang="sk-SK" dirty="0"/>
+              <a:t>Ukončenie inštancie</a:t>
+            </a:r>
+          </a:p>
+        </p:txBody>
+      </p:sp>
+      <p:sp>
+        <p:nvSpPr>
+          <p:cNvPr id="3" name="Zástupný objekt pre obsah 2">
+            <a:extLst>
+              <a:ext uri="{FF2B5EF4-FFF2-40B4-BE49-F238E27FC236}">
+                <a16:creationId xmlns:a16="http://schemas.microsoft.com/office/drawing/2014/main" id="{1B311E6E-C010-487B-9B6E-ADF82C240954}"/>
+              </a:ext>
+            </a:extLst>
+          </p:cNvPr>
+          <p:cNvSpPr>
+            <a:spLocks noGrp="1"/>
+          </p:cNvSpPr>
+          <p:nvPr>
+            <p:ph idx="1"/>
+          </p:nvPr>
+        </p:nvSpPr>
+        <p:spPr/>
+        <p:txBody>
+          <a:bodyPr>
+            <a:normAutofit lnSpcReduction="10000"/>
+          </a:bodyPr>
+          <a:lstStyle/>
+          <a:p>
+            <a:r>
+              <a:rPr lang="sk-SK" b="1" dirty="0"/>
+              <a:t>POST </a:t>
+            </a:r>
+            <a:r>
+              <a:rPr lang="sk-SK" b="1" i="1" dirty="0"/>
+              <a:t>/</a:t>
+            </a:r>
+            <a:r>
+              <a:rPr lang="sk-SK" b="1" i="1" dirty="0" err="1"/>
+              <a:t>runtime</a:t>
+            </a:r>
+            <a:r>
+              <a:rPr lang="sk-SK" b="1" i="1" dirty="0"/>
+              <a:t>/</a:t>
+            </a:r>
+            <a:r>
+              <a:rPr lang="sk-SK" b="1" i="1" dirty="0" err="1"/>
+              <a:t>webhooks</a:t>
+            </a:r>
+            <a:r>
+              <a:rPr lang="sk-SK" b="1" i="1" dirty="0"/>
+              <a:t>/</a:t>
+            </a:r>
+            <a:r>
+              <a:rPr lang="sk-SK" b="1" i="1" dirty="0" err="1"/>
+              <a:t>durabletask</a:t>
+            </a:r>
+            <a:r>
+              <a:rPr lang="sk-SK" b="1" i="1" dirty="0"/>
+              <a:t>/</a:t>
+            </a:r>
+            <a:r>
+              <a:rPr lang="sk-SK" b="1" i="1" dirty="0" err="1"/>
+              <a:t>instances</a:t>
+            </a:r>
+            <a:r>
+              <a:rPr lang="sk-SK" b="1" i="1" dirty="0"/>
+              <a:t>/</a:t>
+            </a:r>
+            <a:r>
+              <a:rPr lang="en-US" b="1" i="1" dirty="0"/>
+              <a:t>{</a:t>
+            </a:r>
+            <a:r>
+              <a:rPr lang="en-US" b="1" i="1" dirty="0" err="1"/>
+              <a:t>instanceId</a:t>
+            </a:r>
+            <a:r>
+              <a:rPr lang="en-US" b="1" i="1" dirty="0"/>
+              <a:t>}</a:t>
+            </a:r>
+            <a:r>
+              <a:rPr lang="sk-SK" b="1" i="1" dirty="0"/>
+              <a:t>/</a:t>
+            </a:r>
+            <a:r>
+              <a:rPr lang="sk-SK" b="1" i="1" dirty="0" err="1"/>
+              <a:t>terminate</a:t>
+            </a:r>
+            <a:endParaRPr lang="sk-SK" b="1" i="1" dirty="0"/>
+          </a:p>
+          <a:p>
+            <a:r>
+              <a:rPr lang="sk-SK" dirty="0" err="1"/>
+              <a:t>Query</a:t>
+            </a:r>
+            <a:r>
+              <a:rPr lang="sk-SK" dirty="0"/>
+              <a:t> parametre:</a:t>
+            </a:r>
+          </a:p>
+          <a:p>
+            <a:pPr lvl="1"/>
+            <a:r>
+              <a:rPr lang="sk-SK" b="1" i="1" dirty="0" err="1"/>
+              <a:t>reason</a:t>
+            </a:r>
+            <a:r>
+              <a:rPr lang="sk-SK" dirty="0"/>
+              <a:t> – dôvod na ukončenie, voliteľný</a:t>
+            </a:r>
+          </a:p>
+          <a:p>
+            <a:r>
+              <a:rPr lang="sk-SK" dirty="0"/>
+              <a:t>Odpovede:</a:t>
+            </a:r>
+          </a:p>
+          <a:p>
+            <a:pPr lvl="1"/>
+            <a:r>
+              <a:rPr lang="sk-SK" b="1" i="1" dirty="0"/>
+              <a:t>HTTP 202 </a:t>
+            </a:r>
+            <a:r>
+              <a:rPr lang="sk-SK" dirty="0"/>
+              <a:t>– žiadosť o ukončenie úspešne prijatá</a:t>
+            </a:r>
+          </a:p>
+          <a:p>
+            <a:pPr lvl="1"/>
+            <a:r>
+              <a:rPr lang="sk-SK" b="1" i="1" dirty="0"/>
+              <a:t>HTTP 404</a:t>
+            </a:r>
+            <a:r>
+              <a:rPr lang="sk-SK" dirty="0"/>
+              <a:t> – inštancia OF neexistuje</a:t>
+            </a:r>
+          </a:p>
+          <a:p>
+            <a:pPr lvl="1"/>
+            <a:r>
+              <a:rPr lang="sk-SK" b="1" i="1" dirty="0"/>
+              <a:t>HTTP 410</a:t>
+            </a:r>
+            <a:r>
+              <a:rPr lang="sk-SK" dirty="0"/>
+              <a:t> – inštancia OF už dobehla</a:t>
+            </a:r>
+            <a:endParaRPr lang="sk-SK" b="1" i="1" dirty="0"/>
+          </a:p>
+        </p:txBody>
+      </p:sp>
+    </p:spTree>
+    <p:extLst>
+      <p:ext uri="{BB962C8B-B14F-4D97-AF65-F5344CB8AC3E}">
+        <p14:creationId xmlns:p14="http://schemas.microsoft.com/office/powerpoint/2010/main" val="3684454325"/>
+      </p:ext>
+    </p:extLst>
+  </p:cSld>
+  <p:clrMapOvr>
+    <a:masterClrMapping/>
+  </p:clrMapOvr>
+</p:sld>
+</file>
+
+<file path=ppt/slides/slide31.xml><?xml version="1.0" encoding="utf-8"?>
+<p:sld xmlns:a="http://schemas.openxmlformats.org/drawingml/2006/main" xmlns:r="http://schemas.openxmlformats.org/officeDocument/2006/relationships" xmlns:p="http://schemas.openxmlformats.org/presentationml/2006/main">
+  <p:cSld>
+    <p:spTree>
+      <p:nvGrpSpPr>
+        <p:cNvPr id="1" name=""/>
+        <p:cNvGrpSpPr/>
+        <p:nvPr/>
+      </p:nvGrpSpPr>
+      <p:grpSpPr>
+        <a:xfrm>
+          <a:off x="0" y="0"/>
+          <a:ext cx="0" cy="0"/>
+          <a:chOff x="0" y="0"/>
+          <a:chExt cx="0" cy="0"/>
+        </a:xfrm>
+      </p:grpSpPr>
+      <p:sp>
+        <p:nvSpPr>
+          <p:cNvPr id="2" name="Nadpis 1">
+            <a:extLst>
+              <a:ext uri="{FF2B5EF4-FFF2-40B4-BE49-F238E27FC236}">
+                <a16:creationId xmlns:a16="http://schemas.microsoft.com/office/drawing/2014/main" id="{1029C316-F235-4104-A82C-A822DBC6F569}"/>
+              </a:ext>
+            </a:extLst>
+          </p:cNvPr>
+          <p:cNvSpPr>
+            <a:spLocks noGrp="1"/>
+          </p:cNvSpPr>
+          <p:nvPr>
+            <p:ph type="title"/>
+          </p:nvPr>
+        </p:nvSpPr>
+        <p:spPr/>
+        <p:txBody>
+          <a:bodyPr/>
+          <a:lstStyle/>
+          <a:p>
+            <a:pPr algn="l"/>
+            <a:r>
+              <a:rPr lang="sk-SK" dirty="0"/>
+              <a:t>Poslanie správy pre entitu (</a:t>
+            </a:r>
+            <a:r>
+              <a:rPr lang="sk-SK" dirty="0" err="1"/>
+              <a:t>durable</a:t>
+            </a:r>
+            <a:r>
+              <a:rPr lang="sk-SK" dirty="0"/>
+              <a:t> entity)</a:t>
+            </a:r>
+          </a:p>
+        </p:txBody>
+      </p:sp>
+      <p:sp>
+        <p:nvSpPr>
+          <p:cNvPr id="3" name="Zástupný objekt pre obsah 2">
+            <a:extLst>
+              <a:ext uri="{FF2B5EF4-FFF2-40B4-BE49-F238E27FC236}">
+                <a16:creationId xmlns:a16="http://schemas.microsoft.com/office/drawing/2014/main" id="{1B311E6E-C010-487B-9B6E-ADF82C240954}"/>
+              </a:ext>
+            </a:extLst>
+          </p:cNvPr>
+          <p:cNvSpPr>
+            <a:spLocks noGrp="1"/>
+          </p:cNvSpPr>
+          <p:nvPr>
+            <p:ph idx="1"/>
+          </p:nvPr>
+        </p:nvSpPr>
+        <p:spPr/>
+        <p:txBody>
+          <a:bodyPr>
+            <a:normAutofit fontScale="55000" lnSpcReduction="20000"/>
+          </a:bodyPr>
+          <a:lstStyle/>
+          <a:p>
+            <a:r>
+              <a:rPr lang="sk-SK" b="1" dirty="0"/>
+              <a:t>POST </a:t>
+            </a:r>
+            <a:r>
+              <a:rPr lang="sk-SK" b="1" i="1" dirty="0"/>
+              <a:t>/</a:t>
+            </a:r>
+            <a:r>
+              <a:rPr lang="sk-SK" b="1" i="1" dirty="0" err="1"/>
+              <a:t>runtime</a:t>
+            </a:r>
+            <a:r>
+              <a:rPr lang="sk-SK" b="1" i="1" dirty="0"/>
+              <a:t>/</a:t>
+            </a:r>
+            <a:r>
+              <a:rPr lang="sk-SK" b="1" i="1" dirty="0" err="1"/>
+              <a:t>webhooks</a:t>
+            </a:r>
+            <a:r>
+              <a:rPr lang="sk-SK" b="1" i="1" dirty="0"/>
+              <a:t>/</a:t>
+            </a:r>
+            <a:r>
+              <a:rPr lang="sk-SK" b="1" i="1" dirty="0" err="1"/>
+              <a:t>durabletask</a:t>
+            </a:r>
+            <a:r>
+              <a:rPr lang="sk-SK" b="1" i="1" dirty="0"/>
+              <a:t>/</a:t>
+            </a:r>
+            <a:r>
+              <a:rPr lang="sk-SK" b="1" i="1" dirty="0" err="1"/>
+              <a:t>entities</a:t>
+            </a:r>
+            <a:r>
+              <a:rPr lang="sk-SK" b="1" i="1" dirty="0"/>
+              <a:t>/</a:t>
+            </a:r>
+            <a:r>
+              <a:rPr lang="en-US" b="1" i="1" dirty="0"/>
+              <a:t>{</a:t>
+            </a:r>
+            <a:r>
+              <a:rPr lang="sk-SK" b="1" i="1" dirty="0" err="1"/>
+              <a:t>entityName</a:t>
+            </a:r>
+            <a:r>
+              <a:rPr lang="en-US" b="1" i="1" dirty="0"/>
+              <a:t>}</a:t>
+            </a:r>
+            <a:r>
+              <a:rPr lang="sk-SK" b="1" i="1" dirty="0"/>
+              <a:t>/</a:t>
+            </a:r>
+            <a:r>
+              <a:rPr lang="en-US" b="1" i="1" dirty="0"/>
+              <a:t>{</a:t>
+            </a:r>
+            <a:r>
+              <a:rPr lang="sk-SK" b="1" i="1" dirty="0" err="1"/>
+              <a:t>entityKey</a:t>
+            </a:r>
+            <a:r>
+              <a:rPr lang="en-US" b="1" i="1" dirty="0"/>
+              <a:t>}</a:t>
+            </a:r>
+            <a:endParaRPr lang="sk-SK" b="1" i="1" dirty="0"/>
+          </a:p>
+          <a:p>
+            <a:r>
+              <a:rPr lang="sk-SK" dirty="0" err="1"/>
+              <a:t>Query</a:t>
+            </a:r>
+            <a:r>
+              <a:rPr lang="sk-SK" dirty="0"/>
+              <a:t> parametre:</a:t>
+            </a:r>
+          </a:p>
+          <a:p>
+            <a:pPr lvl="1"/>
+            <a:r>
+              <a:rPr lang="sk-SK" b="1" i="1" dirty="0" err="1"/>
+              <a:t>entityName</a:t>
+            </a:r>
+            <a:r>
+              <a:rPr lang="en-US" dirty="0"/>
+              <a:t> – n</a:t>
+            </a:r>
+            <a:r>
+              <a:rPr lang="sk-SK" dirty="0" err="1"/>
+              <a:t>ázov</a:t>
+            </a:r>
+            <a:r>
+              <a:rPr lang="sk-SK" dirty="0"/>
+              <a:t> (typ) entity</a:t>
+            </a:r>
+          </a:p>
+          <a:p>
+            <a:pPr lvl="1"/>
+            <a:r>
+              <a:rPr lang="sk-SK" b="1" i="1" dirty="0" err="1"/>
+              <a:t>entityKey</a:t>
+            </a:r>
+            <a:r>
+              <a:rPr lang="sk-SK" dirty="0"/>
+              <a:t> – kľúč (ID) entity</a:t>
+            </a:r>
+          </a:p>
+          <a:p>
+            <a:r>
+              <a:rPr lang="sk-SK" dirty="0"/>
+              <a:t>URL parametre:</a:t>
+            </a:r>
+          </a:p>
+          <a:p>
+            <a:pPr lvl="1"/>
+            <a:r>
+              <a:rPr lang="sk-SK" b="1" i="1" dirty="0" err="1"/>
+              <a:t>op</a:t>
+            </a:r>
+            <a:r>
+              <a:rPr lang="sk-SK" dirty="0"/>
+              <a:t> – názov operácie, ktorá sa má vyvolať, voliteľný</a:t>
+            </a:r>
+          </a:p>
+          <a:p>
+            <a:r>
+              <a:rPr lang="sk-SK" dirty="0"/>
+              <a:t>Telo (JSON): </a:t>
+            </a:r>
+            <a:r>
+              <a:rPr lang="sk-SK" dirty="0" err="1"/>
+              <a:t>payload</a:t>
+            </a:r>
+            <a:r>
+              <a:rPr lang="sk-SK" dirty="0"/>
+              <a:t> pre udalosť</a:t>
+            </a:r>
+          </a:p>
+          <a:p>
+            <a:r>
+              <a:rPr lang="sk-SK" dirty="0"/>
+              <a:t>Odpovede:</a:t>
+            </a:r>
+          </a:p>
+          <a:p>
+            <a:pPr lvl="1"/>
+            <a:r>
+              <a:rPr lang="sk-SK" b="1" i="1" dirty="0"/>
+              <a:t>HTTP 200 </a:t>
+            </a:r>
+            <a:r>
+              <a:rPr lang="sk-SK" dirty="0"/>
+              <a:t>– správa úspešne poslaná</a:t>
+            </a:r>
+          </a:p>
+          <a:p>
+            <a:pPr lvl="1"/>
+            <a:r>
+              <a:rPr lang="sk-SK" b="1" i="1" dirty="0"/>
+              <a:t>HTTP 400</a:t>
+            </a:r>
+            <a:r>
+              <a:rPr lang="sk-SK" dirty="0"/>
+              <a:t> – </a:t>
+            </a:r>
+            <a:r>
+              <a:rPr lang="sk-SK" dirty="0" err="1"/>
+              <a:t>payload</a:t>
+            </a:r>
+            <a:r>
+              <a:rPr lang="sk-SK" dirty="0"/>
+              <a:t> nie je </a:t>
+            </a:r>
+            <a:r>
+              <a:rPr lang="sk-SK" dirty="0" err="1"/>
+              <a:t>validný</a:t>
+            </a:r>
+            <a:r>
+              <a:rPr lang="sk-SK" dirty="0"/>
+              <a:t> alebo je kľúč neplatný</a:t>
+            </a:r>
+            <a:endParaRPr lang="sk-SK" b="1" i="1" dirty="0"/>
+          </a:p>
+          <a:p>
+            <a:pPr lvl="1"/>
+            <a:r>
+              <a:rPr lang="sk-SK" b="1" i="1" dirty="0"/>
+              <a:t>HTTP 404</a:t>
+            </a:r>
+            <a:r>
+              <a:rPr lang="sk-SK" dirty="0"/>
+              <a:t> – entita neexistuje</a:t>
+            </a:r>
+            <a:endParaRPr lang="sk-SK" b="1" i="1" dirty="0"/>
+          </a:p>
+        </p:txBody>
+      </p:sp>
+    </p:spTree>
+    <p:extLst>
+      <p:ext uri="{BB962C8B-B14F-4D97-AF65-F5344CB8AC3E}">
+        <p14:creationId xmlns:p14="http://schemas.microsoft.com/office/powerpoint/2010/main" val="4145532351"/>
+      </p:ext>
+    </p:extLst>
+  </p:cSld>
+  <p:clrMapOvr>
+    <a:masterClrMapping/>
+  </p:clrMapOvr>
+</p:sld>
+</file>
+
+<file path=ppt/slides/slide32.xml><?xml version="1.0" encoding="utf-8"?>
+<p:sld xmlns:a="http://schemas.openxmlformats.org/drawingml/2006/main" xmlns:r="http://schemas.openxmlformats.org/officeDocument/2006/relationships" xmlns:p="http://schemas.openxmlformats.org/presentationml/2006/main">
+  <p:cSld>
+    <p:spTree>
+      <p:nvGrpSpPr>
+        <p:cNvPr id="1" name=""/>
+        <p:cNvGrpSpPr/>
+        <p:nvPr/>
+      </p:nvGrpSpPr>
+      <p:grpSpPr>
+        <a:xfrm>
+          <a:off x="0" y="0"/>
+          <a:ext cx="0" cy="0"/>
+          <a:chOff x="0" y="0"/>
+          <a:chExt cx="0" cy="0"/>
+        </a:xfrm>
+      </p:grpSpPr>
+      <p:sp>
+        <p:nvSpPr>
+          <p:cNvPr id="2" name="Nadpis 1">
+            <a:extLst>
+              <a:ext uri="{FF2B5EF4-FFF2-40B4-BE49-F238E27FC236}">
+                <a16:creationId xmlns:a16="http://schemas.microsoft.com/office/drawing/2014/main" id="{1029C316-F235-4104-A82C-A822DBC6F569}"/>
+              </a:ext>
+            </a:extLst>
+          </p:cNvPr>
+          <p:cNvSpPr>
+            <a:spLocks noGrp="1"/>
+          </p:cNvSpPr>
+          <p:nvPr>
+            <p:ph type="title"/>
+          </p:nvPr>
+        </p:nvSpPr>
+        <p:spPr/>
+        <p:txBody>
+          <a:bodyPr/>
+          <a:lstStyle/>
+          <a:p>
+            <a:pPr algn="l"/>
+            <a:r>
+              <a:rPr lang="sk-SK" dirty="0"/>
+              <a:t>Zistenie stavu entity</a:t>
+            </a:r>
+          </a:p>
+        </p:txBody>
+      </p:sp>
+      <p:sp>
+        <p:nvSpPr>
+          <p:cNvPr id="3" name="Zástupný objekt pre obsah 2">
+            <a:extLst>
+              <a:ext uri="{FF2B5EF4-FFF2-40B4-BE49-F238E27FC236}">
+                <a16:creationId xmlns:a16="http://schemas.microsoft.com/office/drawing/2014/main" id="{1B311E6E-C010-487B-9B6E-ADF82C240954}"/>
+              </a:ext>
+            </a:extLst>
+          </p:cNvPr>
+          <p:cNvSpPr>
+            <a:spLocks noGrp="1"/>
+          </p:cNvSpPr>
+          <p:nvPr>
+            <p:ph idx="1"/>
+          </p:nvPr>
+        </p:nvSpPr>
+        <p:spPr/>
+        <p:txBody>
+          <a:bodyPr>
+            <a:normAutofit/>
+          </a:bodyPr>
+          <a:lstStyle/>
+          <a:p>
+            <a:r>
+              <a:rPr lang="sk-SK" b="1" dirty="0"/>
+              <a:t>GET </a:t>
+            </a:r>
+            <a:r>
+              <a:rPr lang="sk-SK" b="1" i="1" dirty="0"/>
+              <a:t>/</a:t>
+            </a:r>
+            <a:r>
+              <a:rPr lang="sk-SK" b="1" i="1" dirty="0" err="1"/>
+              <a:t>runtime</a:t>
+            </a:r>
+            <a:r>
+              <a:rPr lang="sk-SK" b="1" i="1" dirty="0"/>
+              <a:t>/</a:t>
+            </a:r>
+            <a:r>
+              <a:rPr lang="sk-SK" b="1" i="1" dirty="0" err="1"/>
+              <a:t>webhooks</a:t>
+            </a:r>
+            <a:r>
+              <a:rPr lang="sk-SK" b="1" i="1" dirty="0"/>
+              <a:t>/</a:t>
+            </a:r>
+            <a:r>
+              <a:rPr lang="sk-SK" b="1" i="1" dirty="0" err="1"/>
+              <a:t>durabletask</a:t>
+            </a:r>
+            <a:r>
+              <a:rPr lang="sk-SK" b="1" i="1" dirty="0"/>
+              <a:t>/</a:t>
+            </a:r>
+            <a:r>
+              <a:rPr lang="sk-SK" b="1" i="1" dirty="0" err="1"/>
+              <a:t>entities</a:t>
+            </a:r>
+            <a:r>
+              <a:rPr lang="sk-SK" b="1" i="1" dirty="0"/>
+              <a:t>/</a:t>
+            </a:r>
+            <a:r>
+              <a:rPr lang="en-US" b="1" i="1" dirty="0"/>
+              <a:t>{</a:t>
+            </a:r>
+            <a:r>
+              <a:rPr lang="sk-SK" b="1" i="1" dirty="0" err="1"/>
+              <a:t>entityName</a:t>
+            </a:r>
+            <a:r>
+              <a:rPr lang="en-US" b="1" i="1" dirty="0"/>
+              <a:t>}</a:t>
+            </a:r>
+            <a:r>
+              <a:rPr lang="sk-SK" b="1" i="1" dirty="0"/>
+              <a:t>/</a:t>
+            </a:r>
+            <a:r>
+              <a:rPr lang="en-US" b="1" i="1" dirty="0"/>
+              <a:t>{</a:t>
+            </a:r>
+            <a:r>
+              <a:rPr lang="sk-SK" b="1" i="1" dirty="0" err="1"/>
+              <a:t>entityKey</a:t>
+            </a:r>
+            <a:r>
+              <a:rPr lang="en-US" b="1" i="1" dirty="0"/>
+              <a:t>}</a:t>
+            </a:r>
+            <a:endParaRPr lang="sk-SK" b="1" i="1" dirty="0"/>
+          </a:p>
+          <a:p>
+            <a:r>
+              <a:rPr lang="sk-SK" dirty="0"/>
+              <a:t>Odpovede:</a:t>
+            </a:r>
+          </a:p>
+          <a:p>
+            <a:pPr lvl="1"/>
+            <a:r>
+              <a:rPr lang="sk-SK" b="1" i="1" dirty="0"/>
+              <a:t>HTTP 200 </a:t>
+            </a:r>
+            <a:r>
+              <a:rPr lang="sk-SK" dirty="0"/>
+              <a:t>– entita existuje</a:t>
+            </a:r>
+          </a:p>
+          <a:p>
+            <a:pPr lvl="1"/>
+            <a:r>
+              <a:rPr lang="sk-SK" b="1" i="1" dirty="0"/>
+              <a:t>HTTP 404</a:t>
+            </a:r>
+            <a:r>
+              <a:rPr lang="sk-SK" dirty="0"/>
+              <a:t> – entita neexistuje</a:t>
+            </a:r>
+            <a:endParaRPr lang="sk-SK" b="1" i="1" dirty="0"/>
+          </a:p>
+        </p:txBody>
+      </p:sp>
+    </p:spTree>
+    <p:extLst>
+      <p:ext uri="{BB962C8B-B14F-4D97-AF65-F5344CB8AC3E}">
+        <p14:creationId xmlns:p14="http://schemas.microsoft.com/office/powerpoint/2010/main" val="600460309"/>
+      </p:ext>
+    </p:extLst>
+  </p:cSld>
+  <p:clrMapOvr>
+    <a:masterClrMapping/>
+  </p:clrMapOvr>
+</p:sld>
+</file>
+
+<file path=ppt/slides/slide33.xml><?xml version="1.0" encoding="utf-8"?>
+<p:sld xmlns:a="http://schemas.openxmlformats.org/drawingml/2006/main" xmlns:r="http://schemas.openxmlformats.org/officeDocument/2006/relationships" xmlns:p="http://schemas.openxmlformats.org/presentationml/2006/main">
+  <p:cSld>
+    <p:spTree>
+      <p:nvGrpSpPr>
+        <p:cNvPr id="1" name=""/>
+        <p:cNvGrpSpPr/>
+        <p:nvPr/>
+      </p:nvGrpSpPr>
+      <p:grpSpPr>
+        <a:xfrm>
+          <a:off x="0" y="0"/>
+          <a:ext cx="0" cy="0"/>
+          <a:chOff x="0" y="0"/>
+          <a:chExt cx="0" cy="0"/>
+        </a:xfrm>
+      </p:grpSpPr>
+      <p:sp>
+        <p:nvSpPr>
+          <p:cNvPr id="2" name="Nadpis 1">
+            <a:extLst>
+              <a:ext uri="{FF2B5EF4-FFF2-40B4-BE49-F238E27FC236}">
+                <a16:creationId xmlns:a16="http://schemas.microsoft.com/office/drawing/2014/main" id="{1029C316-F235-4104-A82C-A822DBC6F569}"/>
+              </a:ext>
+            </a:extLst>
+          </p:cNvPr>
+          <p:cNvSpPr>
+            <a:spLocks noGrp="1"/>
+          </p:cNvSpPr>
+          <p:nvPr>
+            <p:ph type="title"/>
+          </p:nvPr>
+        </p:nvSpPr>
+        <p:spPr/>
+        <p:txBody>
+          <a:bodyPr/>
+          <a:lstStyle/>
+          <a:p>
+            <a:pPr algn="l"/>
+            <a:r>
+              <a:rPr lang="sk-SK" dirty="0"/>
+              <a:t>Zobrazenie zoznamu entít</a:t>
+            </a:r>
+          </a:p>
+        </p:txBody>
+      </p:sp>
+      <p:sp>
+        <p:nvSpPr>
+          <p:cNvPr id="3" name="Zástupný objekt pre obsah 2">
+            <a:extLst>
+              <a:ext uri="{FF2B5EF4-FFF2-40B4-BE49-F238E27FC236}">
+                <a16:creationId xmlns:a16="http://schemas.microsoft.com/office/drawing/2014/main" id="{1B311E6E-C010-487B-9B6E-ADF82C240954}"/>
+              </a:ext>
+            </a:extLst>
+          </p:cNvPr>
+          <p:cNvSpPr>
+            <a:spLocks noGrp="1"/>
+          </p:cNvSpPr>
+          <p:nvPr>
+            <p:ph idx="1"/>
+          </p:nvPr>
+        </p:nvSpPr>
+        <p:spPr/>
+        <p:txBody>
+          <a:bodyPr>
+            <a:normAutofit fontScale="92500"/>
+          </a:bodyPr>
+          <a:lstStyle/>
+          <a:p>
+            <a:r>
+              <a:rPr lang="sk-SK" b="1" dirty="0"/>
+              <a:t>GET </a:t>
+            </a:r>
+            <a:r>
+              <a:rPr lang="sk-SK" b="1" i="1" dirty="0"/>
+              <a:t>/</a:t>
+            </a:r>
+            <a:r>
+              <a:rPr lang="sk-SK" b="1" i="1" dirty="0" err="1"/>
+              <a:t>runtime</a:t>
+            </a:r>
+            <a:r>
+              <a:rPr lang="sk-SK" b="1" i="1" dirty="0"/>
+              <a:t>/</a:t>
+            </a:r>
+            <a:r>
+              <a:rPr lang="sk-SK" b="1" i="1" dirty="0" err="1"/>
+              <a:t>webhooks</a:t>
+            </a:r>
+            <a:r>
+              <a:rPr lang="sk-SK" b="1" i="1" dirty="0"/>
+              <a:t>/</a:t>
+            </a:r>
+            <a:r>
+              <a:rPr lang="sk-SK" b="1" i="1" dirty="0" err="1"/>
+              <a:t>durabletask</a:t>
+            </a:r>
+            <a:r>
+              <a:rPr lang="sk-SK" b="1" i="1" dirty="0"/>
+              <a:t>/</a:t>
+            </a:r>
+            <a:r>
+              <a:rPr lang="sk-SK" b="1" i="1" dirty="0" err="1"/>
+              <a:t>entities</a:t>
+            </a:r>
+            <a:r>
+              <a:rPr lang="sk-SK" b="1" i="1" dirty="0"/>
+              <a:t>/</a:t>
+            </a:r>
+            <a:r>
+              <a:rPr lang="en-US" b="1" i="1" dirty="0"/>
+              <a:t>{</a:t>
+            </a:r>
+            <a:r>
+              <a:rPr lang="sk-SK" b="1" i="1" dirty="0" err="1"/>
+              <a:t>entityName</a:t>
+            </a:r>
+            <a:r>
+              <a:rPr lang="en-US" b="1" i="1" dirty="0"/>
+              <a:t>}</a:t>
+            </a:r>
+            <a:endParaRPr lang="sk-SK" b="1" i="1" dirty="0"/>
+          </a:p>
+          <a:p>
+            <a:r>
+              <a:rPr lang="sk-SK" dirty="0" err="1"/>
+              <a:t>Query</a:t>
+            </a:r>
+            <a:r>
+              <a:rPr lang="sk-SK" dirty="0"/>
+              <a:t> parametre (všetky voliteľné):</a:t>
+            </a:r>
+          </a:p>
+          <a:p>
+            <a:pPr lvl="1"/>
+            <a:r>
+              <a:rPr lang="sk-SK" b="1" i="1" dirty="0" err="1"/>
+              <a:t>fetchState</a:t>
+            </a:r>
+            <a:r>
+              <a:rPr lang="sk-SK" dirty="0"/>
+              <a:t> – či sa odpoveď obsahovať aj stav entít (</a:t>
+            </a:r>
+            <a:r>
+              <a:rPr lang="sk-SK" dirty="0" err="1"/>
+              <a:t>true</a:t>
+            </a:r>
+            <a:r>
+              <a:rPr lang="sk-SK" dirty="0"/>
+              <a:t>/</a:t>
+            </a:r>
+            <a:r>
+              <a:rPr lang="sk-SK" b="1" dirty="0" err="1"/>
+              <a:t>false</a:t>
+            </a:r>
+            <a:r>
+              <a:rPr lang="sk-SK" dirty="0"/>
+              <a:t>)</a:t>
+            </a:r>
+          </a:p>
+          <a:p>
+            <a:pPr lvl="1"/>
+            <a:r>
+              <a:rPr lang="sk-SK" b="1" i="1" dirty="0" err="1"/>
+              <a:t>lastOperationTimeFrom</a:t>
+            </a:r>
+            <a:r>
+              <a:rPr lang="sk-SK" dirty="0"/>
+              <a:t>, </a:t>
+            </a:r>
+            <a:r>
+              <a:rPr lang="sk-SK" b="1" i="1" dirty="0" err="1"/>
+              <a:t>lastOperationTimeTo</a:t>
+            </a:r>
+            <a:r>
+              <a:rPr lang="sk-SK" dirty="0"/>
+              <a:t> - možnosť filtrovať podľa času vykonania poslednej operácie</a:t>
+            </a:r>
+          </a:p>
+          <a:p>
+            <a:pPr lvl="1"/>
+            <a:r>
+              <a:rPr lang="sk-SK" b="1" i="1" dirty="0"/>
+              <a:t>top</a:t>
+            </a:r>
+            <a:r>
+              <a:rPr lang="sk-SK" dirty="0"/>
+              <a:t> – obmedzenie na počet vrátených entít</a:t>
+            </a:r>
+            <a:endParaRPr lang="sk-SK" b="1" i="1" dirty="0"/>
+          </a:p>
+          <a:p>
+            <a:r>
+              <a:rPr lang="sk-SK" dirty="0"/>
+              <a:t>Stránkovanie je zabezpečené prostredníctvom hlavičky </a:t>
+            </a:r>
+            <a:r>
+              <a:rPr lang="sk-SK" b="1" dirty="0"/>
+              <a:t>x-ms-</a:t>
+            </a:r>
+            <a:r>
+              <a:rPr lang="sk-SK" b="1" dirty="0" err="1"/>
+              <a:t>continuation</a:t>
+            </a:r>
+            <a:r>
+              <a:rPr lang="sk-SK" b="1" dirty="0"/>
+              <a:t>-token</a:t>
+            </a:r>
+            <a:endParaRPr lang="sk-SK" b="1" i="1" dirty="0"/>
+          </a:p>
+        </p:txBody>
+      </p:sp>
+    </p:spTree>
+    <p:extLst>
+      <p:ext uri="{BB962C8B-B14F-4D97-AF65-F5344CB8AC3E}">
+        <p14:creationId xmlns:p14="http://schemas.microsoft.com/office/powerpoint/2010/main" val="2021575959"/>
+      </p:ext>
+    </p:extLst>
+  </p:cSld>
+  <p:clrMapOvr>
+    <a:masterClrMapping/>
+  </p:clrMapOvr>
+</p:sld>
+</file>
+
+<file path=ppt/slides/slide34.xml><?xml version="1.0" encoding="utf-8"?>
+<p:sld xmlns:a="http://schemas.openxmlformats.org/drawingml/2006/main" xmlns:r="http://schemas.openxmlformats.org/officeDocument/2006/relationships" xmlns:p="http://schemas.openxmlformats.org/presentationml/2006/main">
+  <p:cSld>
+    <p:spTree>
+      <p:nvGrpSpPr>
+        <p:cNvPr id="1" name=""/>
+        <p:cNvGrpSpPr/>
+        <p:nvPr/>
+      </p:nvGrpSpPr>
+      <p:grpSpPr>
+        <a:xfrm>
+          <a:off x="0" y="0"/>
+          <a:ext cx="0" cy="0"/>
+          <a:chOff x="0" y="0"/>
+          <a:chExt cx="0" cy="0"/>
+        </a:xfrm>
+      </p:grpSpPr>
+      <p:sp>
+        <p:nvSpPr>
+          <p:cNvPr id="2" name="Nadpis 1">
+            <a:extLst>
+              <a:ext uri="{FF2B5EF4-FFF2-40B4-BE49-F238E27FC236}">
                 <a16:creationId xmlns:a16="http://schemas.microsoft.com/office/drawing/2014/main" id="{5F0FB3F4-3C5F-49BF-9C53-E08AE64577B4}"/>
               </a:ext>
             </a:extLst>
@@ -8365,6 +12466,13 @@
             <a:r>
               <a:rPr lang="sk-SK" dirty="0"/>
               <a:t> a vytvorenie viacerých monitorovacích procesov v jednej orchestrácii</a:t>
+            </a:r>
+          </a:p>
+          <a:p>
+            <a:pPr algn="just"/>
+            <a:r>
+              <a:rPr lang="sk-SK" dirty="0"/>
+              <a:t>TIMER: https://docs.microsoft.com/en-us/azure/azure-functions/durable/durable-functions-timers?tabs=csharp</a:t>
             </a:r>
           </a:p>
         </p:txBody>
@@ -8382,7 +12490,7 @@
 </p:sld>
 </file>
 
-<file path=ppt/slides/slide19.xml><?xml version="1.0" encoding="utf-8"?>
+<file path=ppt/slides/slide35.xml><?xml version="1.0" encoding="utf-8"?>
 <p:sld xmlns:a="http://schemas.openxmlformats.org/drawingml/2006/main" xmlns:r="http://schemas.openxmlformats.org/officeDocument/2006/relationships" xmlns:p="http://schemas.openxmlformats.org/presentationml/2006/main">
   <p:cSld>
     <p:spTree>
@@ -8490,7 +12598,7 @@
 </p:sld>
 </file>
 
-<file path=ppt/slides/slide2.xml><?xml version="1.0" encoding="utf-8"?>
+<file path=ppt/slides/slide36.xml><?xml version="1.0" encoding="utf-8"?>
 <p:sld xmlns:a="http://schemas.openxmlformats.org/drawingml/2006/main" xmlns:r="http://schemas.openxmlformats.org/officeDocument/2006/relationships" xmlns:p="http://schemas.openxmlformats.org/presentationml/2006/main">
   <p:cSld>
     <p:spTree>
@@ -8512,7 +12620,7 @@
           <p:cNvPr id="2" name="Nadpis 1">
             <a:extLst>
               <a:ext uri="{FF2B5EF4-FFF2-40B4-BE49-F238E27FC236}">
-                <a16:creationId xmlns:a16="http://schemas.microsoft.com/office/drawing/2014/main" id="{57EDEBDC-183A-4CB4-9450-D1BAD74BD718}"/>
+                <a16:creationId xmlns:a16="http://schemas.microsoft.com/office/drawing/2014/main" id="{EC443134-9882-453B-9CD2-8A6F4102BE8E}"/>
               </a:ext>
             </a:extLst>
           </p:cNvPr>
@@ -8530,8 +12638,12 @@
           <a:p>
             <a:pPr algn="l"/>
             <a:r>
+              <a:rPr lang="sk-SK" dirty="0"/>
+              <a:t>Vzor 5 – </a:t>
+            </a:r>
+            <a:r>
               <a:rPr lang="sk-SK" dirty="0" err="1"/>
-              <a:t>Azure</a:t>
+              <a:t>Human</a:t>
             </a:r>
             <a:r>
               <a:rPr lang="sk-SK" dirty="0"/>
@@ -8539,7 +12651,7 @@
             </a:r>
             <a:r>
               <a:rPr lang="sk-SK" dirty="0" err="1"/>
-              <a:t>Functions</a:t>
+              <a:t>interaction</a:t>
             </a:r>
             <a:endParaRPr lang="sk-SK" dirty="0"/>
           </a:p>
@@ -8550,7 +12662,7 @@
           <p:cNvPr id="3" name="Zástupný objekt pre obsah 2">
             <a:extLst>
               <a:ext uri="{FF2B5EF4-FFF2-40B4-BE49-F238E27FC236}">
-                <a16:creationId xmlns:a16="http://schemas.microsoft.com/office/drawing/2014/main" id="{9C497529-3427-4A45-80B1-1F00BFA76DE6}"/>
+                <a16:creationId xmlns:a16="http://schemas.microsoft.com/office/drawing/2014/main" id="{BC897D69-A407-4219-8692-F9FD0A9B6A5C}"/>
               </a:ext>
             </a:extLst>
           </p:cNvPr>
@@ -8563,88 +12675,58 @@
         </p:nvSpPr>
         <p:spPr/>
         <p:txBody>
-          <a:bodyPr>
-            <a:normAutofit/>
-          </a:bodyPr>
+          <a:bodyPr/>
           <a:lstStyle/>
           <a:p>
             <a:pPr algn="just"/>
             <a:r>
               <a:rPr lang="sk-SK" dirty="0"/>
-              <a:t>Event-</a:t>
+              <a:t>Mnoho automatizovaných procesov stále vyžaduje ľudskú interakciu</a:t>
+            </a:r>
+          </a:p>
+          <a:p>
+            <a:pPr algn="just"/>
+            <a:r>
+              <a:rPr lang="sk-SK" dirty="0"/>
+              <a:t>To môže byť problém, nakoľko ľudia nemajú takú vysokú dostupnosť ako služby</a:t>
+            </a:r>
+          </a:p>
+          <a:p>
+            <a:pPr algn="just"/>
+            <a:r>
+              <a:rPr lang="sk-SK" dirty="0"/>
+              <a:t>Časovače („</a:t>
             </a:r>
             <a:r>
               <a:rPr lang="sk-SK" dirty="0" err="1"/>
-              <a:t>driven</a:t>
-            </a:r>
-            <a:r>
-              <a:rPr lang="sk-SK" dirty="0"/>
-              <a:t> – kód beží ako reakcia na nejakú udalosť (spúšťač)</a:t>
+              <a:t>durable</a:t>
+            </a:r>
+            <a:r>
+              <a:rPr lang="sk-SK" dirty="0"/>
+              <a:t> </a:t>
+            </a:r>
+            <a:r>
+              <a:rPr lang="sk-SK" dirty="0" err="1"/>
+              <a:t>timer</a:t>
+            </a:r>
+            <a:r>
+              <a:rPr lang="sk-SK" dirty="0"/>
+              <a:t>“) umožňujú čakať na interakciu</a:t>
             </a:r>
           </a:p>
           <a:p>
             <a:pPr algn="just"/>
             <a:r>
-              <a:rPr lang="sk-SK" dirty="0" err="1"/>
-              <a:t>Serverless</a:t>
-            </a:r>
-            <a:r>
-              <a:rPr lang="sk-SK" dirty="0"/>
-              <a:t> – o infraštruktúru sa stará </a:t>
-            </a:r>
-            <a:r>
-              <a:rPr lang="sk-SK" dirty="0" err="1"/>
-              <a:t>Azure</a:t>
-            </a:r>
-            <a:r>
-              <a:rPr lang="sk-SK" dirty="0"/>
-              <a:t>, programátor sa môže sústrediť na kód</a:t>
-            </a:r>
-          </a:p>
-          <a:p>
-            <a:pPr algn="just"/>
-            <a:r>
-              <a:rPr lang="sk-SK" dirty="0"/>
-              <a:t>Automatické a flexibilné škálovanie podľa aktuálnej záťaže</a:t>
-            </a:r>
-          </a:p>
-          <a:p>
-            <a:pPr algn="just"/>
-            <a:r>
-              <a:rPr lang="sk-SK" dirty="0"/>
-              <a:t>Jednoduché pripájanie na iné </a:t>
-            </a:r>
-            <a:r>
-              <a:rPr lang="sk-SK" dirty="0" err="1"/>
-              <a:t>Azure</a:t>
-            </a:r>
-            <a:r>
-              <a:rPr lang="sk-SK" dirty="0"/>
-              <a:t> služby bez potreby písania kódu</a:t>
-            </a:r>
-          </a:p>
-          <a:p>
-            <a:pPr algn="just"/>
-            <a:r>
-              <a:rPr lang="sk-SK" dirty="0"/>
-              <a:t>Podpora viacerých programovacích jazykov a </a:t>
-            </a:r>
-            <a:r>
-              <a:rPr lang="en-US" dirty="0"/>
-              <a:t>pl</a:t>
-            </a:r>
-            <a:r>
-              <a:rPr lang="sk-SK" dirty="0" err="1"/>
-              <a:t>ánov</a:t>
-            </a:r>
-            <a:endParaRPr lang="sk-SK" dirty="0"/>
+              <a:rPr lang="sk-SK" dirty="0"/>
+              <a:t>EVENT: https://docs.microsoft.com/en-us/azure/azure-functions/durable/durable-functions-external-events?tabs=csharp</a:t>
+            </a:r>
           </a:p>
         </p:txBody>
       </p:sp>
     </p:spTree>
     <p:extLst>
       <p:ext uri="{BB962C8B-B14F-4D97-AF65-F5344CB8AC3E}">
-        <p14:creationId xmlns:p14="http://schemas.microsoft.com/office/powerpoint/2010/main" val="2532229223"/>
+        <p14:creationId xmlns:p14="http://schemas.microsoft.com/office/powerpoint/2010/main" val="484499694"/>
       </p:ext>
     </p:extLst>
   </p:cSld>
@@ -8654,7 +12736,7 @@
 </p:sld>
 </file>
 
-<file path=ppt/slides/slide20.xml><?xml version="1.0" encoding="utf-8"?>
+<file path=ppt/slides/slide37.xml><?xml version="1.0" encoding="utf-8"?>
 <p:sld xmlns:a="http://schemas.openxmlformats.org/drawingml/2006/main" xmlns:r="http://schemas.openxmlformats.org/officeDocument/2006/relationships" xmlns:p="http://schemas.openxmlformats.org/presentationml/2006/main">
   <p:cSld>
     <p:spTree>
@@ -8676,7 +12758,7 @@
           <p:cNvPr id="2" name="Nadpis 1">
             <a:extLst>
               <a:ext uri="{FF2B5EF4-FFF2-40B4-BE49-F238E27FC236}">
-                <a16:creationId xmlns:a16="http://schemas.microsoft.com/office/drawing/2014/main" id="{8F9307DC-1ED0-46F3-AC19-8EFC93A4CAE6}"/>
+                <a16:creationId xmlns:a16="http://schemas.microsoft.com/office/drawing/2014/main" id="{851FB5B5-9BA5-4787-BE7D-BE065A934639}"/>
               </a:ext>
             </a:extLst>
           </p:cNvPr>
@@ -8694,60 +12776,78 @@
           <a:p>
             <a:pPr algn="l"/>
             <a:r>
+              <a:rPr lang="sk-SK" dirty="0"/>
+              <a:t>Vzor 5 – </a:t>
+            </a:r>
+            <a:r>
               <a:rPr lang="sk-SK" dirty="0" err="1"/>
-              <a:t>Azure</a:t>
-            </a:r>
-            <a:r>
-              <a:rPr lang="sk-SK" dirty="0"/>
-              <a:t> CLI</a:t>
-            </a:r>
-          </a:p>
-        </p:txBody>
-      </p:sp>
-      <p:sp>
-        <p:nvSpPr>
-          <p:cNvPr id="3" name="Zástupný objekt pre obsah 2">
+              <a:t>Human</a:t>
+            </a:r>
+            <a:r>
+              <a:rPr lang="sk-SK" dirty="0"/>
+              <a:t> </a:t>
+            </a:r>
+            <a:r>
+              <a:rPr lang="sk-SK" dirty="0" err="1"/>
+              <a:t>interaction</a:t>
+            </a:r>
+            <a:endParaRPr lang="sk-SK" dirty="0"/>
+          </a:p>
+        </p:txBody>
+      </p:sp>
+      <p:pic>
+        <p:nvPicPr>
+          <p:cNvPr id="5122" name="Picture 2" descr="A diagram of the human interaction pattern">
             <a:extLst>
               <a:ext uri="{FF2B5EF4-FFF2-40B4-BE49-F238E27FC236}">
-                <a16:creationId xmlns:a16="http://schemas.microsoft.com/office/drawing/2014/main" id="{EF2DBAB7-7F52-4410-A6E7-74AEB8266DC2}"/>
+                <a16:creationId xmlns:a16="http://schemas.microsoft.com/office/drawing/2014/main" id="{E417019E-72A5-4DAF-B412-B98CF69A6B20}"/>
               </a:ext>
             </a:extLst>
           </p:cNvPr>
-          <p:cNvSpPr>
-            <a:spLocks noGrp="1"/>
-          </p:cNvSpPr>
+          <p:cNvPicPr>
+            <a:picLocks noGrp="1" noChangeAspect="1" noChangeArrowheads="1"/>
+          </p:cNvPicPr>
           <p:nvPr>
             <p:ph idx="1"/>
           </p:nvPr>
-        </p:nvSpPr>
-        <p:spPr/>
-        <p:txBody>
-          <a:bodyPr/>
-          <a:lstStyle/>
-          <a:p>
-            <a:r>
-              <a:rPr lang="sk-SK" dirty="0">
-                <a:hlinkClick r:id="rId2"/>
-              </a:rPr>
-              <a:t>https://docs.microsoft.com/en-us/cli/azure/install-azure-cli</a:t>
-            </a:r>
-            <a:endParaRPr lang="en-US" dirty="0"/>
-          </a:p>
-          <a:p>
-            <a:r>
-              <a:rPr lang="sk-SK" dirty="0">
-                <a:hlinkClick r:id="rId3"/>
-              </a:rPr>
-              <a:t>https://docs.microsoft.com/en-us/cli/azure/functionapp</a:t>
-            </a:r>
-            <a:endParaRPr lang="sk-SK" dirty="0"/>
-          </a:p>
-        </p:txBody>
-      </p:sp>
+        </p:nvPicPr>
+        <p:blipFill>
+          <a:blip r:embed="rId2">
+            <a:extLst>
+              <a:ext uri="{28A0092B-C50C-407E-A947-70E740481C1C}">
+                <a14:useLocalDpi xmlns:a14="http://schemas.microsoft.com/office/drawing/2010/main" val="0"/>
+              </a:ext>
+            </a:extLst>
+          </a:blip>
+          <a:srcRect/>
+          <a:stretch>
+            <a:fillRect/>
+          </a:stretch>
+        </p:blipFill>
+        <p:spPr bwMode="auto">
+          <a:xfrm>
+            <a:off x="3988244" y="3176440"/>
+            <a:ext cx="5010849" cy="2105319"/>
+          </a:xfrm>
+          <a:prstGeom prst="rect">
+            <a:avLst/>
+          </a:prstGeom>
+          <a:noFill/>
+          <a:extLst>
+            <a:ext uri="{909E8E84-426E-40DD-AFC4-6F175D3DCCD1}">
+              <a14:hiddenFill xmlns:a14="http://schemas.microsoft.com/office/drawing/2010/main">
+                <a:solidFill>
+                  <a:srgbClr val="FFFFFF"/>
+                </a:solidFill>
+              </a14:hiddenFill>
+            </a:ext>
+          </a:extLst>
+        </p:spPr>
+      </p:pic>
     </p:spTree>
     <p:extLst>
       <p:ext uri="{BB962C8B-B14F-4D97-AF65-F5344CB8AC3E}">
-        <p14:creationId xmlns:p14="http://schemas.microsoft.com/office/powerpoint/2010/main" val="719777903"/>
+        <p14:creationId xmlns:p14="http://schemas.microsoft.com/office/powerpoint/2010/main" val="2613185177"/>
       </p:ext>
     </p:extLst>
   </p:cSld>
@@ -8757,7 +12857,7 @@
 </p:sld>
 </file>
 
-<file path=ppt/slides/slide21.xml><?xml version="1.0" encoding="utf-8"?>
+<file path=ppt/slides/slide38.xml><?xml version="1.0" encoding="utf-8"?>
 <p:sld xmlns:a="http://schemas.openxmlformats.org/drawingml/2006/main" xmlns:r="http://schemas.openxmlformats.org/officeDocument/2006/relationships" xmlns:p="http://schemas.openxmlformats.org/presentationml/2006/main">
   <p:cSld>
     <p:spTree>
@@ -8779,7 +12879,7 @@
           <p:cNvPr id="2" name="Nadpis 1">
             <a:extLst>
               <a:ext uri="{FF2B5EF4-FFF2-40B4-BE49-F238E27FC236}">
-                <a16:creationId xmlns:a16="http://schemas.microsoft.com/office/drawing/2014/main" id="{2A21D5F1-C398-4AE3-A661-C70758BE204D}"/>
+                <a16:creationId xmlns:a16="http://schemas.microsoft.com/office/drawing/2014/main" id="{D50CDC67-5313-4A2C-BAFE-2AE4F05FA751}"/>
               </a:ext>
             </a:extLst>
           </p:cNvPr>
@@ -8797,8 +12897,12 @@
           <a:p>
             <a:pPr algn="l"/>
             <a:r>
+              <a:rPr lang="sk-SK" dirty="0"/>
+              <a:t>Vzor 6 – </a:t>
+            </a:r>
+            <a:r>
               <a:rPr lang="sk-SK" dirty="0" err="1"/>
-              <a:t>PowerShell</a:t>
+              <a:t>Aggregator</a:t>
             </a:r>
             <a:endParaRPr lang="sk-SK" dirty="0"/>
           </a:p>
@@ -8809,7 +12913,7 @@
           <p:cNvPr id="3" name="Zástupný objekt pre obsah 2">
             <a:extLst>
               <a:ext uri="{FF2B5EF4-FFF2-40B4-BE49-F238E27FC236}">
-                <a16:creationId xmlns:a16="http://schemas.microsoft.com/office/drawing/2014/main" id="{E91EC439-80F3-4DAA-A571-A3CC14DF30A6}"/>
+                <a16:creationId xmlns:a16="http://schemas.microsoft.com/office/drawing/2014/main" id="{A86E0846-9011-4900-A786-282117077FB4}"/>
               </a:ext>
             </a:extLst>
           </p:cNvPr>
@@ -8826,34 +12930,22 @@
           <a:lstStyle/>
           <a:p>
             <a:r>
-              <a:rPr lang="sk-SK" dirty="0">
-                <a:hlinkClick r:id="rId2"/>
-              </a:rPr>
-              <a:t>https://docs.microsoft.com/en-us/powershell/azure/install-az-ps</a:t>
-            </a:r>
-            <a:r>
-              <a:rPr lang="en-US" dirty="0">
-                <a:hlinkClick r:id="rId2"/>
-              </a:rPr>
-              <a:t>/</a:t>
-            </a:r>
-            <a:endParaRPr lang="sk-SK" dirty="0"/>
-          </a:p>
-          <a:p>
-            <a:r>
-              <a:rPr lang="en-US" dirty="0">
-                <a:hlinkClick r:id="rId3"/>
-              </a:rPr>
-              <a:t>https://docs.microsoft.com/en-us/powershell/module/az.functions/</a:t>
-            </a:r>
-            <a:endParaRPr lang="en-US" dirty="0"/>
+              <a:rPr lang="sk-SK" dirty="0"/>
+              <a:t>Slúži na agregáciu dát počas nejakého časového intervalu do jednej entity</a:t>
+            </a:r>
+          </a:p>
+          <a:p>
+            <a:r>
+              <a:rPr lang="sk-SK" dirty="0"/>
+              <a:t>Pri využití klasických AF by sme museli riešiť konkurenciu</a:t>
+            </a:r>
           </a:p>
         </p:txBody>
       </p:sp>
     </p:spTree>
     <p:extLst>
       <p:ext uri="{BB962C8B-B14F-4D97-AF65-F5344CB8AC3E}">
-        <p14:creationId xmlns:p14="http://schemas.microsoft.com/office/powerpoint/2010/main" val="2211476582"/>
+        <p14:creationId xmlns:p14="http://schemas.microsoft.com/office/powerpoint/2010/main" val="1265384273"/>
       </p:ext>
     </p:extLst>
   </p:cSld>
@@ -8863,7 +12955,7 @@
 </p:sld>
 </file>
 
-<file path=ppt/slides/slide22.xml><?xml version="1.0" encoding="utf-8"?>
+<file path=ppt/slides/slide39.xml><?xml version="1.0" encoding="utf-8"?>
 <p:sld xmlns:a="http://schemas.openxmlformats.org/drawingml/2006/main" xmlns:r="http://schemas.openxmlformats.org/officeDocument/2006/relationships" xmlns:p="http://schemas.openxmlformats.org/presentationml/2006/main">
   <p:cSld>
     <p:spTree>
@@ -8885,7 +12977,7 @@
           <p:cNvPr id="2" name="Nadpis 1">
             <a:extLst>
               <a:ext uri="{FF2B5EF4-FFF2-40B4-BE49-F238E27FC236}">
-                <a16:creationId xmlns:a16="http://schemas.microsoft.com/office/drawing/2014/main" id="{490D92A6-1AE2-4B81-A10C-B1FE21DB9836}"/>
+                <a16:creationId xmlns:a16="http://schemas.microsoft.com/office/drawing/2014/main" id="{D947FA24-4311-46B4-A502-38E04DFEA397}"/>
               </a:ext>
             </a:extLst>
           </p:cNvPr>
@@ -8901,250 +12993,72 @@
           <a:bodyPr/>
           <a:lstStyle/>
           <a:p>
-            <a:r>
-              <a:rPr lang="sk-SK" dirty="0"/>
-              <a:t>Ďakujem za pozornosť!!!</a:t>
-            </a:r>
-          </a:p>
-        </p:txBody>
-      </p:sp>
-      <p:sp>
-        <p:nvSpPr>
-          <p:cNvPr id="3" name="Zástupný objekt pre obsah 2">
+            <a:pPr algn="l"/>
+            <a:r>
+              <a:rPr lang="sk-SK" dirty="0"/>
+              <a:t>Vzor 6 – </a:t>
+            </a:r>
+            <a:r>
+              <a:rPr lang="sk-SK" dirty="0" err="1"/>
+              <a:t>Aggregator</a:t>
+            </a:r>
+            <a:endParaRPr lang="sk-SK" dirty="0"/>
+          </a:p>
+        </p:txBody>
+      </p:sp>
+      <p:pic>
+        <p:nvPicPr>
+          <p:cNvPr id="6146" name="Picture 2" descr="Aggregator diagram">
             <a:extLst>
               <a:ext uri="{FF2B5EF4-FFF2-40B4-BE49-F238E27FC236}">
-                <a16:creationId xmlns:a16="http://schemas.microsoft.com/office/drawing/2014/main" id="{29BB4202-2492-4A15-B9BC-5C187960A2D6}"/>
+                <a16:creationId xmlns:a16="http://schemas.microsoft.com/office/drawing/2014/main" id="{EB8402B7-2FB5-4160-9EBA-09A907EE0DB6}"/>
               </a:ext>
             </a:extLst>
           </p:cNvPr>
-          <p:cNvSpPr>
-            <a:spLocks noGrp="1"/>
-          </p:cNvSpPr>
+          <p:cNvPicPr>
+            <a:picLocks noGrp="1" noChangeAspect="1" noChangeArrowheads="1"/>
+          </p:cNvPicPr>
           <p:nvPr>
             <p:ph idx="1"/>
           </p:nvPr>
-        </p:nvSpPr>
-        <p:spPr/>
-        <p:txBody>
-          <a:bodyPr/>
-          <a:lstStyle/>
-          <a:p>
-            <a:pPr algn="just"/>
-            <a:r>
-              <a:rPr lang="sk-SK" dirty="0"/>
-              <a:t>Materiály z </a:t>
-            </a:r>
-            <a:r>
-              <a:rPr lang="sk-SK" dirty="0" err="1"/>
-              <a:t>meetupu</a:t>
-            </a:r>
-            <a:r>
-              <a:rPr lang="sk-SK" dirty="0"/>
-              <a:t>:</a:t>
-            </a:r>
-          </a:p>
-          <a:p>
-            <a:pPr lvl="1" algn="just"/>
-            <a:r>
-              <a:rPr lang="sk-SK" dirty="0">
-                <a:hlinkClick r:id="rId2"/>
-              </a:rPr>
-              <a:t>https://github.com/kubinko/Azure-Resources-Overview</a:t>
-            </a:r>
-            <a:endParaRPr lang="sk-SK" dirty="0"/>
-          </a:p>
-          <a:p>
-            <a:pPr algn="just"/>
-            <a:r>
-              <a:rPr lang="sk-SK" dirty="0"/>
-              <a:t>Doplnkové zdroje:</a:t>
-            </a:r>
-          </a:p>
-          <a:p>
-            <a:pPr lvl="1" algn="just"/>
-            <a:r>
-              <a:rPr lang="sk-SK" dirty="0">
-                <a:hlinkClick r:id="rId3"/>
-              </a:rPr>
-              <a:t>https://docs.microsoft.com/en-us/learn/modules/implement-durable-functions/</a:t>
-            </a:r>
-            <a:endParaRPr lang="sk-SK" dirty="0"/>
-          </a:p>
-          <a:p>
-            <a:pPr lvl="1" algn="just"/>
-            <a:r>
-              <a:rPr lang="sk-SK" dirty="0">
-                <a:hlinkClick r:id="rId4"/>
-              </a:rPr>
-              <a:t>https://docs.microsoft.com/en-us/learn/modules/create-long-running-serverless-workflow-with-durable-functions/</a:t>
-            </a:r>
-            <a:endParaRPr lang="sk-SK" dirty="0"/>
-          </a:p>
-        </p:txBody>
-      </p:sp>
+        </p:nvPicPr>
+        <p:blipFill>
+          <a:blip r:embed="rId2">
+            <a:extLst>
+              <a:ext uri="{28A0092B-C50C-407E-A947-70E740481C1C}">
+                <a14:useLocalDpi xmlns:a14="http://schemas.microsoft.com/office/drawing/2010/main" val="0"/>
+              </a:ext>
+            </a:extLst>
+          </a:blip>
+          <a:srcRect/>
+          <a:stretch>
+            <a:fillRect/>
+          </a:stretch>
+        </p:blipFill>
+        <p:spPr bwMode="auto">
+          <a:xfrm>
+            <a:off x="4164481" y="3181204"/>
+            <a:ext cx="4658375" cy="2095792"/>
+          </a:xfrm>
+          <a:prstGeom prst="rect">
+            <a:avLst/>
+          </a:prstGeom>
+          <a:noFill/>
+          <a:extLst>
+            <a:ext uri="{909E8E84-426E-40DD-AFC4-6F175D3DCCD1}">
+              <a14:hiddenFill xmlns:a14="http://schemas.microsoft.com/office/drawing/2010/main">
+                <a:solidFill>
+                  <a:srgbClr val="FFFFFF"/>
+                </a:solidFill>
+              </a14:hiddenFill>
+            </a:ext>
+          </a:extLst>
+        </p:spPr>
+      </p:pic>
     </p:spTree>
     <p:extLst>
       <p:ext uri="{BB962C8B-B14F-4D97-AF65-F5344CB8AC3E}">
-        <p14:creationId xmlns:p14="http://schemas.microsoft.com/office/powerpoint/2010/main" val="1173419657"/>
-      </p:ext>
-    </p:extLst>
-  </p:cSld>
-  <p:clrMapOvr>
-    <a:masterClrMapping/>
-  </p:clrMapOvr>
-</p:sld>
-</file>
-
-<file path=ppt/slides/slide3.xml><?xml version="1.0" encoding="utf-8"?>
-<p:sld xmlns:a="http://schemas.openxmlformats.org/drawingml/2006/main" xmlns:r="http://schemas.openxmlformats.org/officeDocument/2006/relationships" xmlns:p="http://schemas.openxmlformats.org/presentationml/2006/main">
-  <p:cSld>
-    <p:spTree>
-      <p:nvGrpSpPr>
-        <p:cNvPr id="1" name=""/>
-        <p:cNvGrpSpPr/>
-        <p:nvPr/>
-      </p:nvGrpSpPr>
-      <p:grpSpPr>
-        <a:xfrm>
-          <a:off x="0" y="0"/>
-          <a:ext cx="0" cy="0"/>
-          <a:chOff x="0" y="0"/>
-          <a:chExt cx="0" cy="0"/>
-        </a:xfrm>
-      </p:grpSpPr>
-      <p:sp>
-        <p:nvSpPr>
-          <p:cNvPr id="2" name="Nadpis 1">
-            <a:extLst>
-              <a:ext uri="{FF2B5EF4-FFF2-40B4-BE49-F238E27FC236}">
-                <a16:creationId xmlns:a16="http://schemas.microsoft.com/office/drawing/2014/main" id="{57EDEBDC-183A-4CB4-9450-D1BAD74BD718}"/>
-              </a:ext>
-            </a:extLst>
-          </p:cNvPr>
-          <p:cNvSpPr>
-            <a:spLocks noGrp="1"/>
-          </p:cNvSpPr>
-          <p:nvPr>
-            <p:ph type="title"/>
-          </p:nvPr>
-        </p:nvSpPr>
-        <p:spPr/>
-        <p:txBody>
-          <a:bodyPr/>
-          <a:lstStyle/>
-          <a:p>
-            <a:pPr algn="l"/>
-            <a:r>
-              <a:rPr lang="sk-SK" dirty="0" err="1"/>
-              <a:t>Durable</a:t>
-            </a:r>
-            <a:r>
-              <a:rPr lang="sk-SK" dirty="0"/>
-              <a:t> </a:t>
-            </a:r>
-            <a:r>
-              <a:rPr lang="sk-SK" dirty="0" err="1"/>
-              <a:t>Functions</a:t>
-            </a:r>
-            <a:endParaRPr lang="sk-SK" dirty="0"/>
-          </a:p>
-        </p:txBody>
-      </p:sp>
-      <p:sp>
-        <p:nvSpPr>
-          <p:cNvPr id="3" name="Zástupný objekt pre obsah 2">
-            <a:extLst>
-              <a:ext uri="{FF2B5EF4-FFF2-40B4-BE49-F238E27FC236}">
-                <a16:creationId xmlns:a16="http://schemas.microsoft.com/office/drawing/2014/main" id="{9C497529-3427-4A45-80B1-1F00BFA76DE6}"/>
-              </a:ext>
-            </a:extLst>
-          </p:cNvPr>
-          <p:cNvSpPr>
-            <a:spLocks noGrp="1"/>
-          </p:cNvSpPr>
-          <p:nvPr>
-            <p:ph idx="1"/>
-          </p:nvPr>
-        </p:nvSpPr>
-        <p:spPr/>
-        <p:txBody>
-          <a:bodyPr>
-            <a:normAutofit/>
-          </a:bodyPr>
-          <a:lstStyle/>
-          <a:p>
-            <a:pPr algn="just"/>
-            <a:r>
-              <a:rPr lang="en-US" dirty="0"/>
-              <a:t>Roz</a:t>
-            </a:r>
-            <a:r>
-              <a:rPr lang="sk-SK" dirty="0"/>
-              <a:t>šírenie </a:t>
-            </a:r>
-            <a:r>
-              <a:rPr lang="sk-SK" dirty="0" err="1"/>
-              <a:t>Azure</a:t>
-            </a:r>
-            <a:r>
-              <a:rPr lang="sk-SK" dirty="0"/>
-              <a:t> </a:t>
-            </a:r>
-            <a:r>
-              <a:rPr lang="sk-SK" dirty="0" err="1"/>
-              <a:t>Functions</a:t>
-            </a:r>
-            <a:endParaRPr lang="sk-SK" dirty="0"/>
-          </a:p>
-          <a:p>
-            <a:pPr algn="just"/>
-            <a:r>
-              <a:rPr lang="sk-SK" dirty="0"/>
-              <a:t>Umožňuje písať pracovné postupy („</a:t>
-            </a:r>
-            <a:r>
-              <a:rPr lang="sk-SK" dirty="0" err="1"/>
-              <a:t>workflow</a:t>
-            </a:r>
-            <a:r>
-              <a:rPr lang="sk-SK" dirty="0"/>
-              <a:t>“), ktoré si držia stav („</a:t>
-            </a:r>
-            <a:r>
-              <a:rPr lang="sk-SK" dirty="0" err="1"/>
-              <a:t>stateful</a:t>
-            </a:r>
-            <a:r>
-              <a:rPr lang="sk-SK" dirty="0"/>
-              <a:t>“)</a:t>
-            </a:r>
-          </a:p>
-          <a:p>
-            <a:pPr algn="just"/>
-            <a:r>
-              <a:rPr lang="sk-SK" dirty="0"/>
-              <a:t>Na pozadí sa stará o stav, </a:t>
-            </a:r>
-            <a:r>
-              <a:rPr lang="sk-SK" dirty="0" err="1"/>
-              <a:t>checkpointy</a:t>
-            </a:r>
-            <a:r>
-              <a:rPr lang="sk-SK" dirty="0"/>
-              <a:t> a reštartovanie (</a:t>
-            </a:r>
-            <a:r>
-              <a:rPr lang="sk-SK"/>
-              <a:t>v prípade potreby)</a:t>
-            </a:r>
-            <a:endParaRPr lang="sk-SK" dirty="0"/>
-          </a:p>
-        </p:txBody>
-      </p:sp>
-    </p:spTree>
-    <p:extLst>
-      <p:ext uri="{BB962C8B-B14F-4D97-AF65-F5344CB8AC3E}">
-        <p14:creationId xmlns:p14="http://schemas.microsoft.com/office/powerpoint/2010/main" val="4008340038"/>
+        <p14:creationId xmlns:p14="http://schemas.microsoft.com/office/powerpoint/2010/main" val="510071744"/>
       </p:ext>
     </p:extLst>
   </p:cSld>
@@ -9176,7 +13090,7 @@
           <p:cNvPr id="2" name="Nadpis 1">
             <a:extLst>
               <a:ext uri="{FF2B5EF4-FFF2-40B4-BE49-F238E27FC236}">
-                <a16:creationId xmlns:a16="http://schemas.microsoft.com/office/drawing/2014/main" id="{045745E6-645F-4039-8E5B-0FD8963A2D59}"/>
+                <a16:creationId xmlns:a16="http://schemas.microsoft.com/office/drawing/2014/main" id="{86F903E2-A2AA-4BD9-9A51-72C1BF590B22}"/>
               </a:ext>
             </a:extLst>
           </p:cNvPr>
@@ -9194,9 +13108,10 @@
           <a:p>
             <a:pPr algn="l"/>
             <a:r>
-              <a:rPr lang="sk-SK" dirty="0"/>
-              <a:t>Podporované jazyky</a:t>
-            </a:r>
+              <a:rPr lang="sk-SK" dirty="0" err="1"/>
+              <a:t>Workflow</a:t>
+            </a:r>
+            <a:endParaRPr lang="sk-SK" dirty="0"/>
           </a:p>
         </p:txBody>
       </p:sp>
@@ -9205,7 +13120,7 @@
           <p:cNvPr id="3" name="Zástupný objekt pre obsah 2">
             <a:extLst>
               <a:ext uri="{FF2B5EF4-FFF2-40B4-BE49-F238E27FC236}">
-                <a16:creationId xmlns:a16="http://schemas.microsoft.com/office/drawing/2014/main" id="{32D9966A-ECEC-4957-8C6D-9A927937A2E9}"/>
+                <a16:creationId xmlns:a16="http://schemas.microsoft.com/office/drawing/2014/main" id="{63A5833B-D3B8-4E7D-8550-AB78BFC7ED20}"/>
               </a:ext>
             </a:extLst>
           </p:cNvPr>
@@ -9221,20 +13136,54 @@
           <a:bodyPr/>
           <a:lstStyle/>
           <a:p>
-            <a:r>
-              <a:rPr lang="sk-SK" dirty="0"/>
-              <a:t>C</a:t>
-            </a:r>
-            <a:r>
-              <a:rPr lang="en-US" dirty="0"/>
-              <a:t>#</a:t>
-            </a:r>
-            <a:endParaRPr lang="sk-SK" dirty="0"/>
-          </a:p>
-          <a:p>
-            <a:r>
-              <a:rPr lang="sk-SK" dirty="0"/>
-              <a:t>JavaScript (od </a:t>
+            <a:pPr algn="just"/>
+            <a:r>
+              <a:rPr lang="sk-SK" dirty="0"/>
+              <a:t>Definovaný priamo v kóde, nie je potrebná žiadna schéma alebo dizajnér</a:t>
+            </a:r>
+          </a:p>
+          <a:p>
+            <a:pPr algn="just"/>
+            <a:r>
+              <a:rPr lang="sk-SK" dirty="0"/>
+              <a:t>DF môžu volať iné funkcie synchrónne aj asynchrónne</a:t>
+            </a:r>
+          </a:p>
+          <a:p>
+            <a:pPr algn="just"/>
+            <a:r>
+              <a:rPr lang="sk-SK" dirty="0"/>
+              <a:t>Výstup z volaných funkcií sa môže ukladať do lokálnych premenných</a:t>
+            </a:r>
+          </a:p>
+          <a:p>
+            <a:pPr algn="just"/>
+            <a:r>
+              <a:rPr lang="sk-SK" dirty="0"/>
+              <a:t>Postup sa automaticky </a:t>
+            </a:r>
+            <a:r>
+              <a:rPr lang="sk-SK" dirty="0" err="1"/>
+              <a:t>checkpoint</a:t>
+            </a:r>
+            <a:r>
+              <a:rPr lang="sk-SK" dirty="0"/>
+              <a:t>-uje počas čakania (</a:t>
+            </a:r>
+            <a:r>
+              <a:rPr lang="sk-SK" dirty="0" err="1"/>
+              <a:t>await</a:t>
+            </a:r>
+            <a:r>
+              <a:rPr lang="sk-SK" dirty="0"/>
+              <a:t>), vďaka čomu sa lokálny stav zachová aj pri recyklácii procesu</a:t>
+            </a:r>
+          </a:p>
+          <a:p>
+            <a:pPr algn="just"/>
+            <a:r>
+              <a:rPr lang="sk-SK" dirty="0"/>
+              <a:t>Lokálny stav sa ukladá do </a:t>
             </a:r>
             <a:r>
               <a:rPr lang="sk-SK" dirty="0" err="1"/>
@@ -9246,141 +13195,486 @@
             </a:r>
             <a:r>
               <a:rPr lang="sk-SK" dirty="0" err="1"/>
-              <a:t>Functions</a:t>
-            </a:r>
-            <a:r>
-              <a:rPr lang="sk-SK" dirty="0"/>
-              <a:t> 2.x, od </a:t>
-            </a:r>
-            <a:r>
-              <a:rPr lang="sk-SK" dirty="0" err="1"/>
-              <a:t>Durable</a:t>
-            </a:r>
-            <a:r>
-              <a:rPr lang="sk-SK" dirty="0"/>
-              <a:t> </a:t>
-            </a:r>
-            <a:r>
-              <a:rPr lang="sk-SK" dirty="0" err="1"/>
-              <a:t>Functions</a:t>
-            </a:r>
-            <a:r>
-              <a:rPr lang="sk-SK" dirty="0"/>
-              <a:t> 1.7.0)</a:t>
-            </a:r>
-          </a:p>
-          <a:p>
-            <a:r>
-              <a:rPr lang="sk-SK" dirty="0" err="1"/>
-              <a:t>Python</a:t>
-            </a:r>
-            <a:r>
-              <a:rPr lang="sk-SK" dirty="0"/>
-              <a:t> (od </a:t>
-            </a:r>
-            <a:r>
-              <a:rPr lang="sk-SK" dirty="0" err="1"/>
-              <a:t>Durable</a:t>
-            </a:r>
-            <a:r>
-              <a:rPr lang="sk-SK" dirty="0"/>
-              <a:t> </a:t>
-            </a:r>
-            <a:r>
-              <a:rPr lang="sk-SK" dirty="0" err="1"/>
-              <a:t>Functions</a:t>
-            </a:r>
-            <a:r>
-              <a:rPr lang="sk-SK" dirty="0"/>
-              <a:t> 2.3.1)</a:t>
-            </a:r>
-          </a:p>
-          <a:p>
-            <a:r>
-              <a:rPr lang="sk-SK" dirty="0"/>
-              <a:t>F</a:t>
-            </a:r>
-            <a:r>
-              <a:rPr lang="en-US" dirty="0"/>
-              <a:t>#</a:t>
-            </a:r>
-            <a:r>
-              <a:rPr lang="sk-SK" dirty="0"/>
-              <a:t> (iba v </a:t>
-            </a:r>
-            <a:r>
-              <a:rPr lang="sk-SK" dirty="0" err="1"/>
-              <a:t>Azure</a:t>
-            </a:r>
-            <a:r>
-              <a:rPr lang="sk-SK" dirty="0"/>
-              <a:t> </a:t>
-            </a:r>
-            <a:r>
-              <a:rPr lang="sk-SK" dirty="0" err="1"/>
-              <a:t>Functions</a:t>
-            </a:r>
-            <a:r>
-              <a:rPr lang="sk-SK" dirty="0"/>
-              <a:t> 1.x)</a:t>
-            </a:r>
-          </a:p>
-          <a:p>
-            <a:r>
-              <a:rPr lang="sk-SK" dirty="0" err="1"/>
-              <a:t>PowerShell</a:t>
-            </a:r>
-            <a:r>
-              <a:rPr lang="sk-SK" dirty="0"/>
-              <a:t> (od </a:t>
-            </a:r>
-            <a:r>
-              <a:rPr lang="sk-SK" dirty="0" err="1"/>
-              <a:t>Azure</a:t>
-            </a:r>
-            <a:r>
-              <a:rPr lang="sk-SK" dirty="0"/>
-              <a:t> </a:t>
-            </a:r>
-            <a:r>
-              <a:rPr lang="sk-SK" dirty="0" err="1"/>
-              <a:t>Functions</a:t>
-            </a:r>
-            <a:r>
-              <a:rPr lang="sk-SK" dirty="0"/>
-              <a:t> 3.x, od </a:t>
-            </a:r>
-            <a:r>
-              <a:rPr lang="sk-SK" dirty="0" err="1"/>
-              <a:t>Durable</a:t>
-            </a:r>
-            <a:r>
-              <a:rPr lang="sk-SK" dirty="0"/>
-              <a:t> </a:t>
-            </a:r>
-            <a:r>
-              <a:rPr lang="sk-SK" dirty="0" err="1"/>
-              <a:t>Functions</a:t>
-            </a:r>
-            <a:r>
-              <a:rPr lang="sk-SK" dirty="0"/>
-              <a:t> 2.x, </a:t>
-            </a:r>
-            <a:r>
-              <a:rPr lang="sk-SK" dirty="0" err="1"/>
-              <a:t>PowerShell</a:t>
-            </a:r>
-            <a:r>
-              <a:rPr lang="sk-SK" dirty="0"/>
-              <a:t> 7)</a:t>
-            </a:r>
+              <a:t>Storage</a:t>
+            </a:r>
+            <a:endParaRPr lang="sk-SK" dirty="0"/>
           </a:p>
         </p:txBody>
       </p:sp>
     </p:spTree>
     <p:extLst>
       <p:ext uri="{BB962C8B-B14F-4D97-AF65-F5344CB8AC3E}">
-        <p14:creationId xmlns:p14="http://schemas.microsoft.com/office/powerpoint/2010/main" val="2305191127"/>
+        <p14:creationId xmlns:p14="http://schemas.microsoft.com/office/powerpoint/2010/main" val="3225666022"/>
+      </p:ext>
+    </p:extLst>
+  </p:cSld>
+  <p:clrMapOvr>
+    <a:masterClrMapping/>
+  </p:clrMapOvr>
+</p:sld>
+</file>
+
+<file path=ppt/slides/slide40.xml><?xml version="1.0" encoding="utf-8"?>
+<p:sld xmlns:a="http://schemas.openxmlformats.org/drawingml/2006/main" xmlns:r="http://schemas.openxmlformats.org/officeDocument/2006/relationships" xmlns:p="http://schemas.openxmlformats.org/presentationml/2006/main">
+  <p:cSld>
+    <p:spTree>
+      <p:nvGrpSpPr>
+        <p:cNvPr id="1" name=""/>
+        <p:cNvGrpSpPr/>
+        <p:nvPr/>
+      </p:nvGrpSpPr>
+      <p:grpSpPr>
+        <a:xfrm>
+          <a:off x="0" y="0"/>
+          <a:ext cx="0" cy="0"/>
+          <a:chOff x="0" y="0"/>
+          <a:chExt cx="0" cy="0"/>
+        </a:xfrm>
+      </p:grpSpPr>
+      <p:sp>
+        <p:nvSpPr>
+          <p:cNvPr id="2" name="Nadpis 1">
+            <a:extLst>
+              <a:ext uri="{FF2B5EF4-FFF2-40B4-BE49-F238E27FC236}">
+                <a16:creationId xmlns:a16="http://schemas.microsoft.com/office/drawing/2014/main" id="{020EB43D-0BDF-4F38-8352-88FBDF7EDD41}"/>
+              </a:ext>
+            </a:extLst>
+          </p:cNvPr>
+          <p:cNvSpPr>
+            <a:spLocks noGrp="1"/>
+          </p:cNvSpPr>
+          <p:nvPr>
+            <p:ph type="title"/>
+          </p:nvPr>
+        </p:nvSpPr>
+        <p:spPr/>
+        <p:txBody>
+          <a:bodyPr/>
+          <a:lstStyle/>
+          <a:p>
+            <a:pPr algn="l"/>
+            <a:r>
+              <a:rPr lang="sk-SK" dirty="0"/>
+              <a:t>Kritická sekcia</a:t>
+            </a:r>
+          </a:p>
+        </p:txBody>
+      </p:sp>
+      <p:sp>
+        <p:nvSpPr>
+          <p:cNvPr id="3" name="Zástupný objekt pre obsah 2">
+            <a:extLst>
+              <a:ext uri="{FF2B5EF4-FFF2-40B4-BE49-F238E27FC236}">
+                <a16:creationId xmlns:a16="http://schemas.microsoft.com/office/drawing/2014/main" id="{120D2310-76A2-4DCE-A454-6F8FFE85459C}"/>
+              </a:ext>
+            </a:extLst>
+          </p:cNvPr>
+          <p:cNvSpPr>
+            <a:spLocks noGrp="1"/>
+          </p:cNvSpPr>
+          <p:nvPr>
+            <p:ph idx="1"/>
+          </p:nvPr>
+        </p:nvSpPr>
+        <p:spPr/>
+        <p:txBody>
+          <a:bodyPr/>
+          <a:lstStyle/>
+          <a:p>
+            <a:pPr algn="just"/>
+            <a:r>
+              <a:rPr lang="sk-SK" dirty="0"/>
+              <a:t>OF sú jednovláknové, problém môže nastať iba pri interakcii s externými systémami</a:t>
+            </a:r>
+          </a:p>
+          <a:p>
+            <a:pPr algn="just"/>
+            <a:r>
+              <a:rPr lang="sk-SK" dirty="0"/>
+              <a:t>Kritickú sekciu určuje metóda </a:t>
+            </a:r>
+            <a:r>
+              <a:rPr lang="sk-SK" b="1" i="1" dirty="0" err="1"/>
+              <a:t>LockAsync</a:t>
+            </a:r>
+            <a:r>
+              <a:rPr lang="sk-SK" dirty="0"/>
+              <a:t>, ktorá vráti </a:t>
+            </a:r>
+            <a:r>
+              <a:rPr lang="sk-SK" dirty="0" err="1"/>
+              <a:t>IDisposable</a:t>
+            </a:r>
+            <a:endParaRPr lang="sk-SK" b="1" i="1" dirty="0"/>
+          </a:p>
+          <a:p>
+            <a:pPr algn="just"/>
+            <a:r>
+              <a:rPr lang="sk-SK" dirty="0"/>
+              <a:t>Stav zámku spravuje jedna alebo viac entít</a:t>
+            </a:r>
+          </a:p>
+          <a:p>
+            <a:pPr algn="just"/>
+            <a:r>
+              <a:rPr lang="sk-SK" dirty="0"/>
+              <a:t>V kritickej sekcii môže byť v jednej chvíli len jedna inštancia OF</a:t>
+            </a:r>
+          </a:p>
+          <a:p>
+            <a:pPr algn="just"/>
+            <a:r>
+              <a:rPr lang="sk-SK" dirty="0"/>
+              <a:t>Kritická sekcia je tiež vhodná na koordináciu zmien v entitách</a:t>
+            </a:r>
+          </a:p>
+        </p:txBody>
+      </p:sp>
+    </p:spTree>
+    <p:extLst>
+      <p:ext uri="{BB962C8B-B14F-4D97-AF65-F5344CB8AC3E}">
+        <p14:creationId xmlns:p14="http://schemas.microsoft.com/office/powerpoint/2010/main" val="2487982751"/>
+      </p:ext>
+    </p:extLst>
+  </p:cSld>
+  <p:clrMapOvr>
+    <a:masterClrMapping/>
+  </p:clrMapOvr>
+</p:sld>
+</file>
+
+<file path=ppt/slides/slide41.xml><?xml version="1.0" encoding="utf-8"?>
+<p:sld xmlns:a="http://schemas.openxmlformats.org/drawingml/2006/main" xmlns:r="http://schemas.openxmlformats.org/officeDocument/2006/relationships" xmlns:p="http://schemas.openxmlformats.org/presentationml/2006/main">
+  <p:cSld>
+    <p:spTree>
+      <p:nvGrpSpPr>
+        <p:cNvPr id="1" name=""/>
+        <p:cNvGrpSpPr/>
+        <p:nvPr/>
+      </p:nvGrpSpPr>
+      <p:grpSpPr>
+        <a:xfrm>
+          <a:off x="0" y="0"/>
+          <a:ext cx="0" cy="0"/>
+          <a:chOff x="0" y="0"/>
+          <a:chExt cx="0" cy="0"/>
+        </a:xfrm>
+      </p:grpSpPr>
+      <p:sp>
+        <p:nvSpPr>
+          <p:cNvPr id="2" name="Nadpis 1">
+            <a:extLst>
+              <a:ext uri="{FF2B5EF4-FFF2-40B4-BE49-F238E27FC236}">
+                <a16:creationId xmlns:a16="http://schemas.microsoft.com/office/drawing/2014/main" id="{8F9307DC-1ED0-46F3-AC19-8EFC93A4CAE6}"/>
+              </a:ext>
+            </a:extLst>
+          </p:cNvPr>
+          <p:cNvSpPr>
+            <a:spLocks noGrp="1"/>
+          </p:cNvSpPr>
+          <p:nvPr>
+            <p:ph type="title"/>
+          </p:nvPr>
+        </p:nvSpPr>
+        <p:spPr/>
+        <p:txBody>
+          <a:bodyPr/>
+          <a:lstStyle/>
+          <a:p>
+            <a:pPr algn="l"/>
+            <a:r>
+              <a:rPr lang="sk-SK" dirty="0" err="1"/>
+              <a:t>Azure</a:t>
+            </a:r>
+            <a:r>
+              <a:rPr lang="sk-SK" dirty="0"/>
+              <a:t> CLI</a:t>
+            </a:r>
+          </a:p>
+        </p:txBody>
+      </p:sp>
+      <p:sp>
+        <p:nvSpPr>
+          <p:cNvPr id="3" name="Zástupný objekt pre obsah 2">
+            <a:extLst>
+              <a:ext uri="{FF2B5EF4-FFF2-40B4-BE49-F238E27FC236}">
+                <a16:creationId xmlns:a16="http://schemas.microsoft.com/office/drawing/2014/main" id="{EF2DBAB7-7F52-4410-A6E7-74AEB8266DC2}"/>
+              </a:ext>
+            </a:extLst>
+          </p:cNvPr>
+          <p:cNvSpPr>
+            <a:spLocks noGrp="1"/>
+          </p:cNvSpPr>
+          <p:nvPr>
+            <p:ph idx="1"/>
+          </p:nvPr>
+        </p:nvSpPr>
+        <p:spPr/>
+        <p:txBody>
+          <a:bodyPr/>
+          <a:lstStyle/>
+          <a:p>
+            <a:r>
+              <a:rPr lang="sk-SK" dirty="0">
+                <a:hlinkClick r:id="rId2"/>
+              </a:rPr>
+              <a:t>https://docs.microsoft.com/en-us/cli/azure/install-azure-cli</a:t>
+            </a:r>
+            <a:endParaRPr lang="en-US" dirty="0"/>
+          </a:p>
+          <a:p>
+            <a:r>
+              <a:rPr lang="sk-SK" dirty="0">
+                <a:hlinkClick r:id="rId3"/>
+              </a:rPr>
+              <a:t>https://docs.microsoft.com/en-us/cli/azure/functionapp</a:t>
+            </a:r>
+            <a:endParaRPr lang="sk-SK" dirty="0"/>
+          </a:p>
+        </p:txBody>
+      </p:sp>
+    </p:spTree>
+    <p:extLst>
+      <p:ext uri="{BB962C8B-B14F-4D97-AF65-F5344CB8AC3E}">
+        <p14:creationId xmlns:p14="http://schemas.microsoft.com/office/powerpoint/2010/main" val="719777903"/>
+      </p:ext>
+    </p:extLst>
+  </p:cSld>
+  <p:clrMapOvr>
+    <a:masterClrMapping/>
+  </p:clrMapOvr>
+</p:sld>
+</file>
+
+<file path=ppt/slides/slide42.xml><?xml version="1.0" encoding="utf-8"?>
+<p:sld xmlns:a="http://schemas.openxmlformats.org/drawingml/2006/main" xmlns:r="http://schemas.openxmlformats.org/officeDocument/2006/relationships" xmlns:p="http://schemas.openxmlformats.org/presentationml/2006/main">
+  <p:cSld>
+    <p:spTree>
+      <p:nvGrpSpPr>
+        <p:cNvPr id="1" name=""/>
+        <p:cNvGrpSpPr/>
+        <p:nvPr/>
+      </p:nvGrpSpPr>
+      <p:grpSpPr>
+        <a:xfrm>
+          <a:off x="0" y="0"/>
+          <a:ext cx="0" cy="0"/>
+          <a:chOff x="0" y="0"/>
+          <a:chExt cx="0" cy="0"/>
+        </a:xfrm>
+      </p:grpSpPr>
+      <p:sp>
+        <p:nvSpPr>
+          <p:cNvPr id="2" name="Nadpis 1">
+            <a:extLst>
+              <a:ext uri="{FF2B5EF4-FFF2-40B4-BE49-F238E27FC236}">
+                <a16:creationId xmlns:a16="http://schemas.microsoft.com/office/drawing/2014/main" id="{2A21D5F1-C398-4AE3-A661-C70758BE204D}"/>
+              </a:ext>
+            </a:extLst>
+          </p:cNvPr>
+          <p:cNvSpPr>
+            <a:spLocks noGrp="1"/>
+          </p:cNvSpPr>
+          <p:nvPr>
+            <p:ph type="title"/>
+          </p:nvPr>
+        </p:nvSpPr>
+        <p:spPr/>
+        <p:txBody>
+          <a:bodyPr/>
+          <a:lstStyle/>
+          <a:p>
+            <a:pPr algn="l"/>
+            <a:r>
+              <a:rPr lang="sk-SK" dirty="0" err="1"/>
+              <a:t>PowerShell</a:t>
+            </a:r>
+            <a:endParaRPr lang="sk-SK" dirty="0"/>
+          </a:p>
+        </p:txBody>
+      </p:sp>
+      <p:sp>
+        <p:nvSpPr>
+          <p:cNvPr id="3" name="Zástupný objekt pre obsah 2">
+            <a:extLst>
+              <a:ext uri="{FF2B5EF4-FFF2-40B4-BE49-F238E27FC236}">
+                <a16:creationId xmlns:a16="http://schemas.microsoft.com/office/drawing/2014/main" id="{E91EC439-80F3-4DAA-A571-A3CC14DF30A6}"/>
+              </a:ext>
+            </a:extLst>
+          </p:cNvPr>
+          <p:cNvSpPr>
+            <a:spLocks noGrp="1"/>
+          </p:cNvSpPr>
+          <p:nvPr>
+            <p:ph idx="1"/>
+          </p:nvPr>
+        </p:nvSpPr>
+        <p:spPr/>
+        <p:txBody>
+          <a:bodyPr/>
+          <a:lstStyle/>
+          <a:p>
+            <a:r>
+              <a:rPr lang="sk-SK" dirty="0">
+                <a:hlinkClick r:id="rId2"/>
+              </a:rPr>
+              <a:t>https://docs.microsoft.com/en-us/powershell/azure/install-az-ps</a:t>
+            </a:r>
+            <a:r>
+              <a:rPr lang="en-US" dirty="0">
+                <a:hlinkClick r:id="rId2"/>
+              </a:rPr>
+              <a:t>/</a:t>
+            </a:r>
+            <a:endParaRPr lang="sk-SK" dirty="0"/>
+          </a:p>
+          <a:p>
+            <a:r>
+              <a:rPr lang="en-US" dirty="0">
+                <a:hlinkClick r:id="rId3"/>
+              </a:rPr>
+              <a:t>https://docs.microsoft.com/en-us/powershell/module/az.functions/</a:t>
+            </a:r>
+            <a:endParaRPr lang="en-US" dirty="0"/>
+          </a:p>
+        </p:txBody>
+      </p:sp>
+    </p:spTree>
+    <p:extLst>
+      <p:ext uri="{BB962C8B-B14F-4D97-AF65-F5344CB8AC3E}">
+        <p14:creationId xmlns:p14="http://schemas.microsoft.com/office/powerpoint/2010/main" val="2211476582"/>
+      </p:ext>
+    </p:extLst>
+  </p:cSld>
+  <p:clrMapOvr>
+    <a:masterClrMapping/>
+  </p:clrMapOvr>
+</p:sld>
+</file>
+
+<file path=ppt/slides/slide43.xml><?xml version="1.0" encoding="utf-8"?>
+<p:sld xmlns:a="http://schemas.openxmlformats.org/drawingml/2006/main" xmlns:r="http://schemas.openxmlformats.org/officeDocument/2006/relationships" xmlns:p="http://schemas.openxmlformats.org/presentationml/2006/main">
+  <p:cSld>
+    <p:spTree>
+      <p:nvGrpSpPr>
+        <p:cNvPr id="1" name=""/>
+        <p:cNvGrpSpPr/>
+        <p:nvPr/>
+      </p:nvGrpSpPr>
+      <p:grpSpPr>
+        <a:xfrm>
+          <a:off x="0" y="0"/>
+          <a:ext cx="0" cy="0"/>
+          <a:chOff x="0" y="0"/>
+          <a:chExt cx="0" cy="0"/>
+        </a:xfrm>
+      </p:grpSpPr>
+      <p:sp>
+        <p:nvSpPr>
+          <p:cNvPr id="2" name="Nadpis 1">
+            <a:extLst>
+              <a:ext uri="{FF2B5EF4-FFF2-40B4-BE49-F238E27FC236}">
+                <a16:creationId xmlns:a16="http://schemas.microsoft.com/office/drawing/2014/main" id="{490D92A6-1AE2-4B81-A10C-B1FE21DB9836}"/>
+              </a:ext>
+            </a:extLst>
+          </p:cNvPr>
+          <p:cNvSpPr>
+            <a:spLocks noGrp="1"/>
+          </p:cNvSpPr>
+          <p:nvPr>
+            <p:ph type="title"/>
+          </p:nvPr>
+        </p:nvSpPr>
+        <p:spPr/>
+        <p:txBody>
+          <a:bodyPr/>
+          <a:lstStyle/>
+          <a:p>
+            <a:r>
+              <a:rPr lang="sk-SK" dirty="0"/>
+              <a:t>Ďakujem za pozornosť!!!</a:t>
+            </a:r>
+          </a:p>
+        </p:txBody>
+      </p:sp>
+      <p:sp>
+        <p:nvSpPr>
+          <p:cNvPr id="3" name="Zástupný objekt pre obsah 2">
+            <a:extLst>
+              <a:ext uri="{FF2B5EF4-FFF2-40B4-BE49-F238E27FC236}">
+                <a16:creationId xmlns:a16="http://schemas.microsoft.com/office/drawing/2014/main" id="{29BB4202-2492-4A15-B9BC-5C187960A2D6}"/>
+              </a:ext>
+            </a:extLst>
+          </p:cNvPr>
+          <p:cNvSpPr>
+            <a:spLocks noGrp="1"/>
+          </p:cNvSpPr>
+          <p:nvPr>
+            <p:ph idx="1"/>
+          </p:nvPr>
+        </p:nvSpPr>
+        <p:spPr/>
+        <p:txBody>
+          <a:bodyPr/>
+          <a:lstStyle/>
+          <a:p>
+            <a:pPr algn="just"/>
+            <a:r>
+              <a:rPr lang="sk-SK" dirty="0"/>
+              <a:t>Materiály z </a:t>
+            </a:r>
+            <a:r>
+              <a:rPr lang="sk-SK" dirty="0" err="1"/>
+              <a:t>meetupu</a:t>
+            </a:r>
+            <a:r>
+              <a:rPr lang="sk-SK" dirty="0"/>
+              <a:t>:</a:t>
+            </a:r>
+          </a:p>
+          <a:p>
+            <a:pPr lvl="1" algn="just"/>
+            <a:r>
+              <a:rPr lang="sk-SK" dirty="0">
+                <a:hlinkClick r:id="rId2"/>
+              </a:rPr>
+              <a:t>https://github.com/kubinko/Azure-Resources-Overview</a:t>
+            </a:r>
+            <a:endParaRPr lang="sk-SK" dirty="0"/>
+          </a:p>
+          <a:p>
+            <a:pPr algn="just"/>
+            <a:r>
+              <a:rPr lang="sk-SK" dirty="0"/>
+              <a:t>Doplnkové zdroje:</a:t>
+            </a:r>
+          </a:p>
+          <a:p>
+            <a:pPr lvl="1" algn="just"/>
+            <a:r>
+              <a:rPr lang="sk-SK" dirty="0">
+                <a:hlinkClick r:id="rId3"/>
+              </a:rPr>
+              <a:t>https://docs.microsoft.com/en-us/learn/modules/implement-durable-functions/</a:t>
+            </a:r>
+            <a:endParaRPr lang="sk-SK" dirty="0"/>
+          </a:p>
+          <a:p>
+            <a:pPr lvl="1" algn="just"/>
+            <a:r>
+              <a:rPr lang="sk-SK" dirty="0">
+                <a:hlinkClick r:id="rId4"/>
+              </a:rPr>
+              <a:t>https://docs.microsoft.com/en-us/learn/modules/create-long-running-serverless-workflow-with-durable-functions/</a:t>
+            </a:r>
+            <a:endParaRPr lang="sk-SK" dirty="0"/>
+          </a:p>
+        </p:txBody>
+      </p:sp>
+    </p:spTree>
+    <p:extLst>
+      <p:ext uri="{BB962C8B-B14F-4D97-AF65-F5344CB8AC3E}">
+        <p14:creationId xmlns:p14="http://schemas.microsoft.com/office/powerpoint/2010/main" val="1173419657"/>
       </p:ext>
     </p:extLst>
   </p:cSld>
@@ -9412,7 +13706,7 @@
           <p:cNvPr id="2" name="Nadpis 1">
             <a:extLst>
               <a:ext uri="{FF2B5EF4-FFF2-40B4-BE49-F238E27FC236}">
-                <a16:creationId xmlns:a16="http://schemas.microsoft.com/office/drawing/2014/main" id="{C902B7A6-A28E-4E95-AD86-50728C7B21A6}"/>
+                <a16:creationId xmlns:a16="http://schemas.microsoft.com/office/drawing/2014/main" id="{045745E6-645F-4039-8E5B-0FD8963A2D59}"/>
               </a:ext>
             </a:extLst>
           </p:cNvPr>
@@ -9431,7 +13725,7 @@
             <a:pPr algn="l"/>
             <a:r>
               <a:rPr lang="sk-SK" dirty="0"/>
-              <a:t>Typy funkcií</a:t>
+              <a:t>Podporované jazyky</a:t>
             </a:r>
           </a:p>
         </p:txBody>
@@ -9441,7 +13735,7 @@
           <p:cNvPr id="3" name="Zástupný objekt pre obsah 2">
             <a:extLst>
               <a:ext uri="{FF2B5EF4-FFF2-40B4-BE49-F238E27FC236}">
-                <a16:creationId xmlns:a16="http://schemas.microsoft.com/office/drawing/2014/main" id="{92BA08CF-D77A-4AE1-9020-0F8D4B59CE2B}"/>
+                <a16:creationId xmlns:a16="http://schemas.microsoft.com/office/drawing/2014/main" id="{32D9966A-ECEC-4957-8C6D-9A927937A2E9}"/>
               </a:ext>
             </a:extLst>
           </p:cNvPr>
@@ -9457,14 +13751,182 @@
           <a:bodyPr/>
           <a:lstStyle/>
           <a:p>
-            <a:endParaRPr lang="sk-SK"/>
+            <a:r>
+              <a:rPr lang="sk-SK" dirty="0"/>
+              <a:t>C</a:t>
+            </a:r>
+            <a:r>
+              <a:rPr lang="en-US" dirty="0"/>
+              <a:t>#</a:t>
+            </a:r>
+            <a:endParaRPr lang="sk-SK" dirty="0"/>
+          </a:p>
+          <a:p>
+            <a:r>
+              <a:rPr lang="sk-SK" dirty="0"/>
+              <a:t>JavaScript </a:t>
+            </a:r>
+            <a:r>
+              <a:rPr lang="sk-SK" i="1" dirty="0"/>
+              <a:t>(od </a:t>
+            </a:r>
+            <a:r>
+              <a:rPr lang="sk-SK" i="1" dirty="0" err="1"/>
+              <a:t>Azure</a:t>
+            </a:r>
+            <a:r>
+              <a:rPr lang="sk-SK" i="1" dirty="0"/>
+              <a:t> </a:t>
+            </a:r>
+            <a:r>
+              <a:rPr lang="sk-SK" i="1" dirty="0" err="1"/>
+              <a:t>Functions</a:t>
+            </a:r>
+            <a:r>
+              <a:rPr lang="sk-SK" i="1" dirty="0"/>
+              <a:t> 2.x, od </a:t>
+            </a:r>
+            <a:r>
+              <a:rPr lang="sk-SK" i="1" dirty="0" err="1"/>
+              <a:t>Durable</a:t>
+            </a:r>
+            <a:r>
+              <a:rPr lang="sk-SK" i="1" dirty="0"/>
+              <a:t> </a:t>
+            </a:r>
+            <a:r>
+              <a:rPr lang="sk-SK" i="1" dirty="0" err="1"/>
+              <a:t>Functions</a:t>
+            </a:r>
+            <a:r>
+              <a:rPr lang="sk-SK" i="1" dirty="0"/>
+              <a:t> 1.7.0)</a:t>
+            </a:r>
+          </a:p>
+          <a:p>
+            <a:r>
+              <a:rPr lang="sk-SK" dirty="0" err="1"/>
+              <a:t>Python</a:t>
+            </a:r>
+            <a:r>
+              <a:rPr lang="sk-SK" dirty="0"/>
+              <a:t> </a:t>
+            </a:r>
+            <a:r>
+              <a:rPr lang="sk-SK" i="1" dirty="0"/>
+              <a:t>(od </a:t>
+            </a:r>
+            <a:r>
+              <a:rPr lang="sk-SK" i="1" dirty="0" err="1"/>
+              <a:t>Durable</a:t>
+            </a:r>
+            <a:r>
+              <a:rPr lang="sk-SK" i="1" dirty="0"/>
+              <a:t> </a:t>
+            </a:r>
+            <a:r>
+              <a:rPr lang="sk-SK" i="1" dirty="0" err="1"/>
+              <a:t>Functions</a:t>
+            </a:r>
+            <a:r>
+              <a:rPr lang="sk-SK" i="1" dirty="0"/>
+              <a:t> 2.3.1)</a:t>
+            </a:r>
+          </a:p>
+          <a:p>
+            <a:r>
+              <a:rPr lang="sk-SK" dirty="0"/>
+              <a:t>F</a:t>
+            </a:r>
+            <a:r>
+              <a:rPr lang="en-US" dirty="0"/>
+              <a:t>#</a:t>
+            </a:r>
+            <a:r>
+              <a:rPr lang="sk-SK" dirty="0"/>
+              <a:t> </a:t>
+            </a:r>
+            <a:r>
+              <a:rPr lang="sk-SK" i="1" dirty="0"/>
+              <a:t>(iba v </a:t>
+            </a:r>
+            <a:r>
+              <a:rPr lang="sk-SK" i="1" dirty="0" err="1"/>
+              <a:t>Azure</a:t>
+            </a:r>
+            <a:r>
+              <a:rPr lang="sk-SK" i="1" dirty="0"/>
+              <a:t> </a:t>
+            </a:r>
+            <a:r>
+              <a:rPr lang="sk-SK" i="1" dirty="0" err="1"/>
+              <a:t>Functions</a:t>
+            </a:r>
+            <a:r>
+              <a:rPr lang="sk-SK" i="1" dirty="0"/>
+              <a:t> 1.x)</a:t>
+            </a:r>
+          </a:p>
+          <a:p>
+            <a:r>
+              <a:rPr lang="sk-SK" dirty="0" err="1"/>
+              <a:t>PowerShell</a:t>
+            </a:r>
+            <a:r>
+              <a:rPr lang="sk-SK" dirty="0"/>
+              <a:t> </a:t>
+            </a:r>
+            <a:r>
+              <a:rPr lang="sk-SK" i="1" dirty="0"/>
+              <a:t>(od </a:t>
+            </a:r>
+            <a:r>
+              <a:rPr lang="sk-SK" i="1" dirty="0" err="1"/>
+              <a:t>Azure</a:t>
+            </a:r>
+            <a:r>
+              <a:rPr lang="sk-SK" i="1" dirty="0"/>
+              <a:t> </a:t>
+            </a:r>
+            <a:r>
+              <a:rPr lang="sk-SK" i="1" dirty="0" err="1"/>
+              <a:t>Functions</a:t>
+            </a:r>
+            <a:r>
+              <a:rPr lang="sk-SK" i="1" dirty="0"/>
+              <a:t> 3.x, od </a:t>
+            </a:r>
+            <a:r>
+              <a:rPr lang="sk-SK" i="1" dirty="0" err="1"/>
+              <a:t>Durable</a:t>
+            </a:r>
+            <a:r>
+              <a:rPr lang="sk-SK" i="1" dirty="0"/>
+              <a:t> </a:t>
+            </a:r>
+            <a:r>
+              <a:rPr lang="sk-SK" i="1" dirty="0" err="1"/>
+              <a:t>Functions</a:t>
+            </a:r>
+            <a:r>
+              <a:rPr lang="sk-SK" i="1" dirty="0"/>
+              <a:t> 2.x, </a:t>
+            </a:r>
+            <a:r>
+              <a:rPr lang="sk-SK" i="1" dirty="0" err="1"/>
+              <a:t>PowerShell</a:t>
+            </a:r>
+            <a:r>
+              <a:rPr lang="sk-SK" i="1" dirty="0"/>
+              <a:t> 7)</a:t>
+            </a:r>
           </a:p>
         </p:txBody>
       </p:sp>
     </p:spTree>
     <p:extLst>
       <p:ext uri="{BB962C8B-B14F-4D97-AF65-F5344CB8AC3E}">
-        <p14:creationId xmlns:p14="http://schemas.microsoft.com/office/powerpoint/2010/main" val="3753929877"/>
+        <p14:creationId xmlns:p14="http://schemas.microsoft.com/office/powerpoint/2010/main" val="2305191127"/>
       </p:ext>
     </p:extLst>
   </p:cSld>
@@ -9496,7 +13958,7 @@
           <p:cNvPr id="2" name="Nadpis 1">
             <a:extLst>
               <a:ext uri="{FF2B5EF4-FFF2-40B4-BE49-F238E27FC236}">
-                <a16:creationId xmlns:a16="http://schemas.microsoft.com/office/drawing/2014/main" id="{A0AA67DE-8F19-4768-8C0A-129FD6CEEF9B}"/>
+                <a16:creationId xmlns:a16="http://schemas.microsoft.com/office/drawing/2014/main" id="{C902B7A6-A28E-4E95-AD86-50728C7B21A6}"/>
               </a:ext>
             </a:extLst>
           </p:cNvPr>
@@ -9514,50 +13976,65 @@
           <a:p>
             <a:pPr algn="l"/>
             <a:r>
-              <a:rPr lang="sk-SK" dirty="0" err="1"/>
-              <a:t>Orchestrator</a:t>
-            </a:r>
-            <a:r>
-              <a:rPr lang="sk-SK" dirty="0"/>
-              <a:t> </a:t>
-            </a:r>
-            <a:r>
-              <a:rPr lang="sk-SK" dirty="0" err="1"/>
-              <a:t>function</a:t>
-            </a:r>
-            <a:endParaRPr lang="sk-SK" dirty="0"/>
-          </a:p>
-        </p:txBody>
-      </p:sp>
-      <p:sp>
-        <p:nvSpPr>
-          <p:cNvPr id="3" name="Zástupný objekt pre obsah 2">
+              <a:rPr lang="sk-SK" dirty="0"/>
+              <a:t>Typy funkcií</a:t>
+            </a:r>
+          </a:p>
+        </p:txBody>
+      </p:sp>
+      <p:pic>
+        <p:nvPicPr>
+          <p:cNvPr id="7170" name="Picture 2">
             <a:extLst>
               <a:ext uri="{FF2B5EF4-FFF2-40B4-BE49-F238E27FC236}">
-                <a16:creationId xmlns:a16="http://schemas.microsoft.com/office/drawing/2014/main" id="{0A902142-C93E-4B06-8863-BB0802DFFC10}"/>
+                <a16:creationId xmlns:a16="http://schemas.microsoft.com/office/drawing/2014/main" id="{0E51FF1F-847D-4F71-82A3-8A6D95FAC7C8}"/>
               </a:ext>
             </a:extLst>
           </p:cNvPr>
-          <p:cNvSpPr>
-            <a:spLocks noGrp="1"/>
-          </p:cNvSpPr>
+          <p:cNvPicPr>
+            <a:picLocks noGrp="1" noChangeAspect="1" noChangeArrowheads="1"/>
+          </p:cNvPicPr>
           <p:nvPr>
             <p:ph idx="1"/>
           </p:nvPr>
-        </p:nvSpPr>
-        <p:spPr/>
-        <p:txBody>
-          <a:bodyPr/>
-          <a:lstStyle/>
-          <a:p>
-            <a:endParaRPr lang="sk-SK"/>
-          </a:p>
-        </p:txBody>
-      </p:sp>
+        </p:nvPicPr>
+        <p:blipFill>
+          <a:blip r:embed="rId2">
+            <a:extLst>
+              <a:ext uri="{28A0092B-C50C-407E-A947-70E740481C1C}">
+                <a14:useLocalDpi xmlns:a14="http://schemas.microsoft.com/office/drawing/2010/main" val="0"/>
+              </a:ext>
+            </a:extLst>
+          </a:blip>
+          <a:srcRect/>
+          <a:stretch>
+            <a:fillRect/>
+          </a:stretch>
+        </p:blipFill>
+        <p:spPr bwMode="auto">
+          <a:xfrm>
+            <a:off x="1811161" y="2667000"/>
+            <a:ext cx="9365016" cy="3124200"/>
+          </a:xfrm>
+          <a:prstGeom prst="rect">
+            <a:avLst/>
+          </a:prstGeom>
+          <a:noFill/>
+          <a:extLst>
+            <a:ext uri="{909E8E84-426E-40DD-AFC4-6F175D3DCCD1}">
+              <a14:hiddenFill xmlns:a14="http://schemas.microsoft.com/office/drawing/2010/main">
+                <a:solidFill>
+                  <a:srgbClr val="FFFFFF"/>
+                </a:solidFill>
+              </a14:hiddenFill>
+            </a:ext>
+          </a:extLst>
+        </p:spPr>
+      </p:pic>
     </p:spTree>
     <p:extLst>
       <p:ext uri="{BB962C8B-B14F-4D97-AF65-F5344CB8AC3E}">
-        <p14:creationId xmlns:p14="http://schemas.microsoft.com/office/powerpoint/2010/main" val="4120410758"/>
+        <p14:creationId xmlns:p14="http://schemas.microsoft.com/office/powerpoint/2010/main" val="3753929877"/>
       </p:ext>
     </p:extLst>
   </p:cSld>
@@ -9589,7 +14066,7 @@
           <p:cNvPr id="2" name="Nadpis 1">
             <a:extLst>
               <a:ext uri="{FF2B5EF4-FFF2-40B4-BE49-F238E27FC236}">
-                <a16:creationId xmlns:a16="http://schemas.microsoft.com/office/drawing/2014/main" id="{D9E15FAE-D201-4FC6-AFFD-7126FDFE1566}"/>
+                <a16:creationId xmlns:a16="http://schemas.microsoft.com/office/drawing/2014/main" id="{B8B90435-9E29-49CF-A9D0-147E8362E469}"/>
               </a:ext>
             </a:extLst>
           </p:cNvPr>
@@ -9607,50 +14084,65 @@
           <a:p>
             <a:pPr algn="l"/>
             <a:r>
-              <a:rPr lang="sk-SK" dirty="0" err="1"/>
-              <a:t>Activity</a:t>
-            </a:r>
-            <a:r>
-              <a:rPr lang="sk-SK" dirty="0"/>
-              <a:t> </a:t>
-            </a:r>
-            <a:r>
-              <a:rPr lang="sk-SK" dirty="0" err="1"/>
-              <a:t>function</a:t>
-            </a:r>
-            <a:endParaRPr lang="sk-SK" dirty="0"/>
-          </a:p>
-        </p:txBody>
-      </p:sp>
-      <p:sp>
-        <p:nvSpPr>
-          <p:cNvPr id="3" name="Zástupný objekt pre obsah 2">
+              <a:rPr lang="sk-SK" dirty="0"/>
+              <a:t>Typy funkcií</a:t>
+            </a:r>
+          </a:p>
+        </p:txBody>
+      </p:sp>
+      <p:pic>
+        <p:nvPicPr>
+          <p:cNvPr id="8194" name="Picture 2">
             <a:extLst>
               <a:ext uri="{FF2B5EF4-FFF2-40B4-BE49-F238E27FC236}">
-                <a16:creationId xmlns:a16="http://schemas.microsoft.com/office/drawing/2014/main" id="{9F1CDBDF-C7F2-4E41-82FB-49839D8DE517}"/>
+                <a16:creationId xmlns:a16="http://schemas.microsoft.com/office/drawing/2014/main" id="{549B61AE-F17E-4CEC-B961-5907D1D0469B}"/>
               </a:ext>
             </a:extLst>
           </p:cNvPr>
-          <p:cNvSpPr>
-            <a:spLocks noGrp="1"/>
-          </p:cNvSpPr>
+          <p:cNvPicPr>
+            <a:picLocks noGrp="1" noChangeAspect="1" noChangeArrowheads="1"/>
+          </p:cNvPicPr>
           <p:nvPr>
             <p:ph idx="1"/>
           </p:nvPr>
-        </p:nvSpPr>
-        <p:spPr/>
-        <p:txBody>
-          <a:bodyPr/>
-          <a:lstStyle/>
-          <a:p>
-            <a:endParaRPr lang="sk-SK"/>
-          </a:p>
-        </p:txBody>
-      </p:sp>
+        </p:nvPicPr>
+        <p:blipFill>
+          <a:blip r:embed="rId2">
+            <a:extLst>
+              <a:ext uri="{28A0092B-C50C-407E-A947-70E740481C1C}">
+                <a14:useLocalDpi xmlns:a14="http://schemas.microsoft.com/office/drawing/2010/main" val="0"/>
+              </a:ext>
+            </a:extLst>
+          </a:blip>
+          <a:srcRect/>
+          <a:stretch>
+            <a:fillRect/>
+          </a:stretch>
+        </p:blipFill>
+        <p:spPr bwMode="auto">
+          <a:xfrm>
+            <a:off x="2643743" y="2667000"/>
+            <a:ext cx="7699851" cy="3124200"/>
+          </a:xfrm>
+          <a:prstGeom prst="rect">
+            <a:avLst/>
+          </a:prstGeom>
+          <a:noFill/>
+          <a:extLst>
+            <a:ext uri="{909E8E84-426E-40DD-AFC4-6F175D3DCCD1}">
+              <a14:hiddenFill xmlns:a14="http://schemas.microsoft.com/office/drawing/2010/main">
+                <a:solidFill>
+                  <a:srgbClr val="FFFFFF"/>
+                </a:solidFill>
+              </a14:hiddenFill>
+            </a:ext>
+          </a:extLst>
+        </p:spPr>
+      </p:pic>
     </p:spTree>
     <p:extLst>
       <p:ext uri="{BB962C8B-B14F-4D97-AF65-F5344CB8AC3E}">
-        <p14:creationId xmlns:p14="http://schemas.microsoft.com/office/powerpoint/2010/main" val="1564021561"/>
+        <p14:creationId xmlns:p14="http://schemas.microsoft.com/office/powerpoint/2010/main" val="2872502237"/>
       </p:ext>
     </p:extLst>
   </p:cSld>
@@ -9682,7 +14174,7 @@
           <p:cNvPr id="2" name="Nadpis 1">
             <a:extLst>
               <a:ext uri="{FF2B5EF4-FFF2-40B4-BE49-F238E27FC236}">
-                <a16:creationId xmlns:a16="http://schemas.microsoft.com/office/drawing/2014/main" id="{467A4BE7-C868-44A8-BC54-A3101B577779}"/>
+                <a16:creationId xmlns:a16="http://schemas.microsoft.com/office/drawing/2014/main" id="{A0AA67DE-8F19-4768-8C0A-129FD6CEEF9B}"/>
               </a:ext>
             </a:extLst>
           </p:cNvPr>
@@ -9700,14 +14192,21 @@
           <a:p>
             <a:pPr algn="l"/>
             <a:r>
-              <a:rPr lang="sk-SK" dirty="0"/>
-              <a:t>Entity </a:t>
+              <a:rPr lang="sk-SK" dirty="0" err="1"/>
+              <a:t>Orchestrator</a:t>
+            </a:r>
+            <a:r>
+              <a:rPr lang="sk-SK" dirty="0"/>
+              <a:t> </a:t>
             </a:r>
             <a:r>
               <a:rPr lang="sk-SK" dirty="0" err="1"/>
               <a:t>function</a:t>
             </a:r>
-            <a:endParaRPr lang="sk-SK" dirty="0"/>
+            <a:r>
+              <a:rPr lang="sk-SK" dirty="0"/>
+              <a:t> (OF)</a:t>
+            </a:r>
           </a:p>
         </p:txBody>
       </p:sp>
@@ -9716,7 +14215,7 @@
           <p:cNvPr id="3" name="Zástupný objekt pre obsah 2">
             <a:extLst>
               <a:ext uri="{FF2B5EF4-FFF2-40B4-BE49-F238E27FC236}">
-                <a16:creationId xmlns:a16="http://schemas.microsoft.com/office/drawing/2014/main" id="{16140D17-465A-4E3A-BF0B-B8D5D80804D5}"/>
+                <a16:creationId xmlns:a16="http://schemas.microsoft.com/office/drawing/2014/main" id="{0A902142-C93E-4B06-8863-BB0802DFFC10}"/>
               </a:ext>
             </a:extLst>
           </p:cNvPr>
@@ -9729,17 +14228,78 @@
         </p:nvSpPr>
         <p:spPr/>
         <p:txBody>
-          <a:bodyPr/>
+          <a:bodyPr>
+            <a:normAutofit/>
+          </a:bodyPr>
           <a:lstStyle/>
           <a:p>
-            <a:endParaRPr lang="sk-SK"/>
+            <a:r>
+              <a:rPr lang="sk-SK" dirty="0"/>
+              <a:t>Popisujú </a:t>
+            </a:r>
+            <a:r>
+              <a:rPr lang="sk-SK" dirty="0" err="1"/>
+              <a:t>workflow</a:t>
+            </a:r>
+            <a:r>
+              <a:rPr lang="sk-SK" dirty="0"/>
+              <a:t> (ako sa vykonávajú akcie a v akom poradí)</a:t>
+            </a:r>
+          </a:p>
+          <a:p>
+            <a:r>
+              <a:rPr lang="sk-SK" dirty="0"/>
+              <a:t>Môžu bežať ľubovoľný čas (od pár sekúnd až po nekonečné funkcie)</a:t>
+            </a:r>
+          </a:p>
+          <a:p>
+            <a:r>
+              <a:rPr lang="sk-SK" dirty="0"/>
+              <a:t>Pri dlhotrvajúcich OF treba dávať pozor na zmeny v kóde</a:t>
+            </a:r>
+          </a:p>
+          <a:p>
+            <a:r>
+              <a:rPr lang="sk-SK" dirty="0"/>
+              <a:t>Každá inštancia OF má svoje ID (by default automaticky generovaný GUID)</a:t>
+            </a:r>
+          </a:p>
+          <a:p>
+            <a:r>
+              <a:rPr lang="sk-SK" dirty="0"/>
+              <a:t>Výsledky jednotlivých akcií ukladá do </a:t>
+            </a:r>
+            <a:r>
+              <a:rPr lang="sk-SK" dirty="0" err="1"/>
+              <a:t>Azure</a:t>
+            </a:r>
+            <a:r>
+              <a:rPr lang="sk-SK" dirty="0"/>
+              <a:t> </a:t>
+            </a:r>
+            <a:r>
+              <a:rPr lang="sk-SK" dirty="0" err="1"/>
+              <a:t>Storage</a:t>
+            </a:r>
+            <a:r>
+              <a:rPr lang="sk-SK" dirty="0"/>
+              <a:t> („event </a:t>
+            </a:r>
+            <a:r>
+              <a:rPr lang="sk-SK" dirty="0" err="1"/>
+              <a:t>sourcing</a:t>
+            </a:r>
+            <a:r>
+              <a:rPr lang="sk-SK" dirty="0"/>
+              <a:t>“)</a:t>
+            </a:r>
           </a:p>
         </p:txBody>
       </p:sp>
     </p:spTree>
     <p:extLst>
       <p:ext uri="{BB962C8B-B14F-4D97-AF65-F5344CB8AC3E}">
-        <p14:creationId xmlns:p14="http://schemas.microsoft.com/office/powerpoint/2010/main" val="553249958"/>
+        <p14:creationId xmlns:p14="http://schemas.microsoft.com/office/powerpoint/2010/main" val="4120410758"/>
       </p:ext>
     </p:extLst>
   </p:cSld>
@@ -9771,7 +14331,7 @@
           <p:cNvPr id="2" name="Nadpis 1">
             <a:extLst>
               <a:ext uri="{FF2B5EF4-FFF2-40B4-BE49-F238E27FC236}">
-                <a16:creationId xmlns:a16="http://schemas.microsoft.com/office/drawing/2014/main" id="{9AF331C0-333F-45D8-B8A4-93CFD5DD821F}"/>
+                <a16:creationId xmlns:a16="http://schemas.microsoft.com/office/drawing/2014/main" id="{A0AA67DE-8F19-4768-8C0A-129FD6CEEF9B}"/>
               </a:ext>
             </a:extLst>
           </p:cNvPr>
@@ -9790,7 +14350,7 @@
             <a:pPr algn="l"/>
             <a:r>
               <a:rPr lang="sk-SK" dirty="0" err="1"/>
-              <a:t>Client</a:t>
+              <a:t>Orchestrator</a:t>
             </a:r>
             <a:r>
               <a:rPr lang="sk-SK" dirty="0"/>
@@ -9800,7 +14360,10 @@
               <a:rPr lang="sk-SK" dirty="0" err="1"/>
               <a:t>function</a:t>
             </a:r>
-            <a:endParaRPr lang="sk-SK" dirty="0"/>
+            <a:r>
+              <a:rPr lang="sk-SK" dirty="0"/>
+              <a:t> (OF) - akcie</a:t>
+            </a:r>
           </a:p>
         </p:txBody>
       </p:sp>
@@ -9809,7 +14372,7 @@
           <p:cNvPr id="3" name="Zástupný objekt pre obsah 2">
             <a:extLst>
               <a:ext uri="{FF2B5EF4-FFF2-40B4-BE49-F238E27FC236}">
-                <a16:creationId xmlns:a16="http://schemas.microsoft.com/office/drawing/2014/main" id="{BC3A5E93-0B4E-4743-92FD-1655FB85B67A}"/>
+                <a16:creationId xmlns:a16="http://schemas.microsoft.com/office/drawing/2014/main" id="{0A902142-C93E-4B06-8863-BB0802DFFC10}"/>
               </a:ext>
             </a:extLst>
           </p:cNvPr>
@@ -9822,17 +14385,157 @@
         </p:nvSpPr>
         <p:spPr/>
         <p:txBody>
-          <a:bodyPr/>
+          <a:bodyPr>
+            <a:normAutofit fontScale="92500" lnSpcReduction="10000"/>
+          </a:bodyPr>
           <a:lstStyle/>
           <a:p>
-            <a:endParaRPr lang="sk-SK"/>
+            <a:pPr algn="just"/>
+            <a:r>
+              <a:rPr lang="sk-SK" b="1" dirty="0" err="1"/>
+              <a:t>Activity</a:t>
+            </a:r>
+            <a:r>
+              <a:rPr lang="sk-SK" b="1" dirty="0"/>
+              <a:t> </a:t>
+            </a:r>
+            <a:r>
+              <a:rPr lang="sk-SK" b="1" dirty="0" err="1"/>
+              <a:t>function</a:t>
+            </a:r>
+            <a:endParaRPr lang="sk-SK" b="1" dirty="0"/>
+          </a:p>
+          <a:p>
+            <a:pPr algn="just"/>
+            <a:r>
+              <a:rPr lang="sk-SK" b="1" dirty="0" err="1"/>
+              <a:t>Sub-orchestration</a:t>
+            </a:r>
+            <a:r>
+              <a:rPr lang="sk-SK" b="1" dirty="0"/>
+              <a:t> </a:t>
+            </a:r>
+            <a:r>
+              <a:rPr lang="sk-SK" dirty="0"/>
+              <a:t>– umožňuje zavolať OF z inej OF, prípadne spustiť paralelne viac inštancií jednej OF. Z pohľadu volajúceho sa správa ako </a:t>
+            </a:r>
+            <a:r>
+              <a:rPr lang="sk-SK" dirty="0" err="1"/>
+              <a:t>activity</a:t>
+            </a:r>
+            <a:r>
+              <a:rPr lang="sk-SK" dirty="0"/>
+              <a:t> </a:t>
+            </a:r>
+            <a:r>
+              <a:rPr lang="sk-SK" dirty="0" err="1"/>
+              <a:t>function</a:t>
+            </a:r>
+            <a:r>
+              <a:rPr lang="sk-SK" dirty="0"/>
+              <a:t>.</a:t>
+            </a:r>
+          </a:p>
+          <a:p>
+            <a:pPr algn="just"/>
+            <a:r>
+              <a:rPr lang="sk-SK" b="1" dirty="0" err="1"/>
+              <a:t>Durable</a:t>
+            </a:r>
+            <a:r>
+              <a:rPr lang="sk-SK" b="1" dirty="0"/>
+              <a:t> </a:t>
+            </a:r>
+            <a:r>
+              <a:rPr lang="sk-SK" b="1" dirty="0" err="1"/>
+              <a:t>timer</a:t>
+            </a:r>
+            <a:r>
+              <a:rPr lang="sk-SK" b="1" dirty="0"/>
+              <a:t> </a:t>
+            </a:r>
+            <a:r>
+              <a:rPr lang="sk-SK" dirty="0"/>
+              <a:t>– slúži na zapracovanie oneskorenia alebo vytvorenie </a:t>
+            </a:r>
+            <a:r>
+              <a:rPr lang="sk-SK" dirty="0" err="1"/>
+              <a:t>timeoutov</a:t>
+            </a:r>
+            <a:r>
+              <a:rPr lang="sk-SK" dirty="0"/>
+              <a:t>. Nahrádza </a:t>
+            </a:r>
+            <a:r>
+              <a:rPr lang="sk-SK" i="1" dirty="0" err="1"/>
+              <a:t>Thread.Sleep</a:t>
+            </a:r>
+            <a:r>
+              <a:rPr lang="sk-SK" dirty="0"/>
+              <a:t> a </a:t>
+            </a:r>
+            <a:r>
+              <a:rPr lang="sk-SK" i="1" dirty="0" err="1"/>
+              <a:t>Task.Delay</a:t>
+            </a:r>
+            <a:r>
+              <a:rPr lang="sk-SK" dirty="0"/>
+              <a:t>.</a:t>
+            </a:r>
+          </a:p>
+          <a:p>
+            <a:pPr algn="just"/>
+            <a:r>
+              <a:rPr lang="sk-SK" b="1" dirty="0"/>
+              <a:t>Externé udalosti </a:t>
+            </a:r>
+            <a:r>
+              <a:rPr lang="sk-SK" dirty="0"/>
+              <a:t>– DF môžu čakať a zachytávať externé udalosti</a:t>
+            </a:r>
+          </a:p>
+          <a:p>
+            <a:pPr algn="just"/>
+            <a:r>
+              <a:rPr lang="sk-SK" b="1" dirty="0"/>
+              <a:t>HTTP</a:t>
+            </a:r>
+            <a:r>
+              <a:rPr lang="sk-SK" dirty="0"/>
+              <a:t> – DF môžu volať externé HTTP </a:t>
+            </a:r>
+            <a:r>
+              <a:rPr lang="sk-SK" dirty="0" err="1"/>
+              <a:t>endpointy</a:t>
+            </a:r>
+            <a:r>
+              <a:rPr lang="sk-SK" dirty="0"/>
+              <a:t>. Podpora pre HTTP 202 </a:t>
+            </a:r>
+            <a:r>
+              <a:rPr lang="sk-SK" dirty="0" err="1"/>
+              <a:t>polling</a:t>
+            </a:r>
+            <a:r>
+              <a:rPr lang="sk-SK" dirty="0"/>
+              <a:t> </a:t>
+            </a:r>
+            <a:r>
+              <a:rPr lang="sk-SK" dirty="0" err="1"/>
+              <a:t>pattern</a:t>
+            </a:r>
+            <a:r>
+              <a:rPr lang="sk-SK" dirty="0"/>
+              <a:t> aj autentifikáciu s externými službami.</a:t>
+            </a:r>
+            <a:endParaRPr lang="sk-SK" b="1" dirty="0"/>
           </a:p>
         </p:txBody>
       </p:sp>
     </p:spTree>
     <p:extLst>
       <p:ext uri="{BB962C8B-B14F-4D97-AF65-F5344CB8AC3E}">
-        <p14:creationId xmlns:p14="http://schemas.microsoft.com/office/powerpoint/2010/main" val="2138216935"/>
+        <p14:creationId xmlns:p14="http://schemas.microsoft.com/office/powerpoint/2010/main" val="3427095521"/>
       </p:ext>
     </p:extLst>
   </p:cSld>

--- a/05 - Durable Functions/Durable Functions.pptx
+++ b/05 - Durable Functions/Durable Functions.pptx
@@ -5,10 +5,10 @@
     <p:sldMasterId id="2147483648" r:id="rId4"/>
   </p:sldMasterIdLst>
   <p:notesMasterIdLst>
-    <p:notesMasterId r:id="rId48"/>
+    <p:notesMasterId r:id="rId57"/>
   </p:notesMasterIdLst>
   <p:handoutMasterIdLst>
-    <p:handoutMasterId r:id="rId49"/>
+    <p:handoutMasterId r:id="rId58"/>
   </p:handoutMasterIdLst>
   <p:sldIdLst>
     <p:sldId id="260" r:id="rId5"/>
@@ -23,37 +23,46 @@
     <p:sldId id="480" r:id="rId14"/>
     <p:sldId id="481" r:id="rId15"/>
     <p:sldId id="482" r:id="rId16"/>
-    <p:sldId id="483" r:id="rId17"/>
-    <p:sldId id="505" r:id="rId18"/>
-    <p:sldId id="499" r:id="rId19"/>
-    <p:sldId id="484" r:id="rId20"/>
-    <p:sldId id="500" r:id="rId21"/>
-    <p:sldId id="486" r:id="rId22"/>
+    <p:sldId id="484" r:id="rId17"/>
+    <p:sldId id="486" r:id="rId18"/>
+    <p:sldId id="519" r:id="rId19"/>
+    <p:sldId id="483" r:id="rId20"/>
+    <p:sldId id="505" r:id="rId21"/>
+    <p:sldId id="499" r:id="rId22"/>
     <p:sldId id="487" r:id="rId23"/>
     <p:sldId id="488" r:id="rId24"/>
-    <p:sldId id="489" r:id="rId25"/>
-    <p:sldId id="490" r:id="rId26"/>
-    <p:sldId id="491" r:id="rId27"/>
-    <p:sldId id="506" r:id="rId28"/>
+    <p:sldId id="520" r:id="rId25"/>
+    <p:sldId id="489" r:id="rId26"/>
+    <p:sldId id="490" r:id="rId27"/>
+    <p:sldId id="491" r:id="rId28"/>
     <p:sldId id="507" r:id="rId29"/>
-    <p:sldId id="510" r:id="rId30"/>
-    <p:sldId id="511" r:id="rId31"/>
-    <p:sldId id="512" r:id="rId32"/>
-    <p:sldId id="513" r:id="rId33"/>
-    <p:sldId id="514" r:id="rId34"/>
-    <p:sldId id="515" r:id="rId35"/>
-    <p:sldId id="516" r:id="rId36"/>
-    <p:sldId id="517" r:id="rId37"/>
-    <p:sldId id="492" r:id="rId38"/>
-    <p:sldId id="493" r:id="rId39"/>
-    <p:sldId id="495" r:id="rId40"/>
-    <p:sldId id="496" r:id="rId41"/>
-    <p:sldId id="497" r:id="rId42"/>
-    <p:sldId id="498" r:id="rId43"/>
-    <p:sldId id="503" r:id="rId44"/>
-    <p:sldId id="289" r:id="rId45"/>
-    <p:sldId id="290" r:id="rId46"/>
-    <p:sldId id="303" r:id="rId47"/>
+    <p:sldId id="521" r:id="rId30"/>
+    <p:sldId id="506" r:id="rId31"/>
+    <p:sldId id="510" r:id="rId32"/>
+    <p:sldId id="511" r:id="rId33"/>
+    <p:sldId id="512" r:id="rId34"/>
+    <p:sldId id="513" r:id="rId35"/>
+    <p:sldId id="514" r:id="rId36"/>
+    <p:sldId id="492" r:id="rId37"/>
+    <p:sldId id="493" r:id="rId38"/>
+    <p:sldId id="523" r:id="rId39"/>
+    <p:sldId id="524" r:id="rId40"/>
+    <p:sldId id="522" r:id="rId41"/>
+    <p:sldId id="495" r:id="rId42"/>
+    <p:sldId id="496" r:id="rId43"/>
+    <p:sldId id="525" r:id="rId44"/>
+    <p:sldId id="527" r:id="rId45"/>
+    <p:sldId id="526" r:id="rId46"/>
+    <p:sldId id="497" r:id="rId47"/>
+    <p:sldId id="498" r:id="rId48"/>
+    <p:sldId id="528" r:id="rId49"/>
+    <p:sldId id="515" r:id="rId50"/>
+    <p:sldId id="516" r:id="rId51"/>
+    <p:sldId id="517" r:id="rId52"/>
+    <p:sldId id="503" r:id="rId53"/>
+    <p:sldId id="289" r:id="rId54"/>
+    <p:sldId id="290" r:id="rId55"/>
+    <p:sldId id="303" r:id="rId56"/>
   </p:sldIdLst>
   <p:sldSz cx="12192000" cy="6858000"/>
   <p:notesSz cx="6858000" cy="9144000"/>
@@ -247,7 +256,7 @@
             <a:pPr rtl="0"/>
             <a:fld id="{268207A6-7ADA-45B8-951F-34576C3577BD}" type="datetime1">
               <a:rPr lang="sk-SK" smtClean="0"/>
-              <a:t>8. 4. 2022</a:t>
+              <a:t>22. 4. 2022</a:t>
             </a:fld>
             <a:endParaRPr lang="sk-SK" dirty="0"/>
           </a:p>
@@ -417,7 +426,7 @@
             <a:pPr rtl="0"/>
             <a:fld id="{591A0293-3DCA-4153-B68A-A2DB651509C0}" type="datetime1">
               <a:rPr lang="sk-SK" noProof="0" smtClean="0"/>
-              <a:t>8. 4. 2022</a:t>
+              <a:t>22. 4. 2022</a:t>
             </a:fld>
             <a:endParaRPr lang="sk-SK" noProof="0" dirty="0"/>
           </a:p>
@@ -1279,7 +1288,7 @@
             <a:pPr rtl="0"/>
             <a:fld id="{900FA921-B42C-4118-B7D5-0895D3550D77}" type="datetime1">
               <a:rPr lang="sk-SK" noProof="0" smtClean="0"/>
-              <a:t>8. 4. 2022</a:t>
+              <a:t>22. 4. 2022</a:t>
             </a:fld>
             <a:endParaRPr lang="sk-SK" noProof="0" dirty="0"/>
           </a:p>
@@ -1576,7 +1585,7 @@
             <a:pPr rtl="0"/>
             <a:fld id="{4BEE775C-7769-4983-973F-31EBB41A2D12}" type="datetime1">
               <a:rPr lang="sk-SK" noProof="0" smtClean="0"/>
-              <a:t>8. 4. 2022</a:t>
+              <a:t>22. 4. 2022</a:t>
             </a:fld>
             <a:endParaRPr lang="sk-SK" noProof="0" dirty="0"/>
           </a:p>
@@ -1824,7 +1833,7 @@
             <a:pPr rtl="0"/>
             <a:fld id="{C932E5DF-018E-49DA-B38A-5E65209E32B5}" type="datetime1">
               <a:rPr lang="sk-SK" noProof="0" smtClean="0"/>
-              <a:t>8. 4. 2022</a:t>
+              <a:t>22. 4. 2022</a:t>
             </a:fld>
             <a:endParaRPr lang="sk-SK" noProof="0" dirty="0"/>
           </a:p>
@@ -2364,7 +2373,7 @@
             <a:pPr rtl="0"/>
             <a:fld id="{5109D02C-C2F0-42B1-AF2A-7F22B5DC25B0}" type="datetime1">
               <a:rPr lang="sk-SK" noProof="0" smtClean="0"/>
-              <a:t>8. 4. 2022</a:t>
+              <a:t>22. 4. 2022</a:t>
             </a:fld>
             <a:endParaRPr lang="sk-SK" noProof="0" dirty="0"/>
           </a:p>
@@ -2612,7 +2621,7 @@
             <a:pPr rtl="0"/>
             <a:fld id="{27313ED6-7DF5-4EA8-A15A-56106F4AB1A8}" type="datetime1">
               <a:rPr lang="sk-SK" noProof="0" smtClean="0"/>
-              <a:t>8. 4. 2022</a:t>
+              <a:t>22. 4. 2022</a:t>
             </a:fld>
             <a:endParaRPr lang="sk-SK" noProof="0" dirty="0"/>
           </a:p>
@@ -3144,7 +3153,7 @@
             <a:pPr rtl="0"/>
             <a:fld id="{460B05BE-B82C-4836-BEE3-86B662C73967}" type="datetime1">
               <a:rPr lang="sk-SK" noProof="0" smtClean="0"/>
-              <a:t>8. 4. 2022</a:t>
+              <a:t>22. 4. 2022</a:t>
             </a:fld>
             <a:endParaRPr lang="sk-SK" noProof="0" dirty="0"/>
           </a:p>
@@ -3440,7 +3449,7 @@
             <a:pPr rtl="0"/>
             <a:fld id="{B6D80D0C-15C1-4232-BBBA-C081C283B074}" type="datetime1">
               <a:rPr lang="sk-SK" noProof="0" smtClean="0"/>
-              <a:t>8. 4. 2022</a:t>
+              <a:t>22. 4. 2022</a:t>
             </a:fld>
             <a:endParaRPr lang="sk-SK" noProof="0" dirty="0"/>
           </a:p>
@@ -3614,7 +3623,7 @@
             <a:pPr rtl="0"/>
             <a:fld id="{9C092629-6D55-437C-89A0-31B0B55C4A73}" type="datetime1">
               <a:rPr lang="sk-SK" noProof="0" smtClean="0"/>
-              <a:t>8. 4. 2022</a:t>
+              <a:t>22. 4. 2022</a:t>
             </a:fld>
             <a:endParaRPr lang="sk-SK" noProof="0" dirty="0"/>
           </a:p>
@@ -3794,7 +3803,7 @@
             <a:pPr rtl="0"/>
             <a:fld id="{45F7A265-AC1F-4DE6-B2E7-EDDEC1CB13AE}" type="datetime1">
               <a:rPr lang="sk-SK" noProof="0" smtClean="0"/>
-              <a:t>8. 4. 2022</a:t>
+              <a:t>22. 4. 2022</a:t>
             </a:fld>
             <a:endParaRPr lang="sk-SK" noProof="0" dirty="0"/>
           </a:p>
@@ -3964,7 +3973,7 @@
             <a:pPr rtl="0"/>
             <a:fld id="{556A154B-A35F-4191-B844-7C2621556C5A}" type="datetime1">
               <a:rPr lang="sk-SK" noProof="0" smtClean="0"/>
-              <a:t>8. 4. 2022</a:t>
+              <a:t>22. 4. 2022</a:t>
             </a:fld>
             <a:endParaRPr lang="sk-SK" noProof="0" dirty="0"/>
           </a:p>
@@ -4215,7 +4224,7 @@
             <a:pPr rtl="0"/>
             <a:fld id="{ECC8ABC4-B50E-4AED-80D0-A4EA425A67F1}" type="datetime1">
               <a:rPr lang="sk-SK" noProof="0" smtClean="0"/>
-              <a:t>8. 4. 2022</a:t>
+              <a:t>22. 4. 2022</a:t>
             </a:fld>
             <a:endParaRPr lang="sk-SK" noProof="0" dirty="0"/>
           </a:p>
@@ -4512,7 +4521,7 @@
             <a:pPr rtl="0"/>
             <a:fld id="{79846675-4AE1-4AA6-90BD-F0C34E95FD01}" type="datetime1">
               <a:rPr lang="sk-SK" noProof="0" smtClean="0"/>
-              <a:t>8. 4. 2022</a:t>
+              <a:t>22. 4. 2022</a:t>
             </a:fld>
             <a:endParaRPr lang="sk-SK" noProof="0" dirty="0"/>
           </a:p>
@@ -4954,7 +4963,7 @@
             <a:pPr rtl="0"/>
             <a:fld id="{7378032B-3EDA-4C05-BE29-4965CEDCD681}" type="datetime1">
               <a:rPr lang="sk-SK" noProof="0" smtClean="0"/>
-              <a:t>8. 4. 2022</a:t>
+              <a:t>22. 4. 2022</a:t>
             </a:fld>
             <a:endParaRPr lang="sk-SK" noProof="0" dirty="0"/>
           </a:p>
@@ -5072,7 +5081,7 @@
             <a:pPr rtl="0"/>
             <a:fld id="{8E1C420E-D5B6-4085-8589-6BD6C0D15322}" type="datetime1">
               <a:rPr lang="sk-SK" noProof="0" smtClean="0"/>
-              <a:t>8. 4. 2022</a:t>
+              <a:t>22. 4. 2022</a:t>
             </a:fld>
             <a:endParaRPr lang="sk-SK" noProof="0" dirty="0"/>
           </a:p>
@@ -5166,7 +5175,7 @@
             <a:pPr rtl="0"/>
             <a:fld id="{EE61EFEC-06A5-463A-84CB-3AC23AB02C2D}" type="datetime1">
               <a:rPr lang="sk-SK" noProof="0" smtClean="0"/>
-              <a:t>8. 4. 2022</a:t>
+              <a:t>22. 4. 2022</a:t>
             </a:fld>
             <a:endParaRPr lang="sk-SK" noProof="0" dirty="0"/>
           </a:p>
@@ -5449,7 +5458,7 @@
             <a:pPr rtl="0"/>
             <a:fld id="{2EB672FB-3028-4C4A-9E46-B78FDE73405B}" type="datetime1">
               <a:rPr lang="sk-SK" noProof="0" smtClean="0"/>
-              <a:t>8. 4. 2022</a:t>
+              <a:t>22. 4. 2022</a:t>
             </a:fld>
             <a:endParaRPr lang="sk-SK" noProof="0" dirty="0"/>
           </a:p>
@@ -5741,7 +5750,7 @@
             <a:pPr rtl="0"/>
             <a:fld id="{60367B1A-8B56-4DB3-9D45-FDEF93DAB338}" type="datetime1">
               <a:rPr lang="sk-SK" noProof="0" smtClean="0"/>
-              <a:t>8. 4. 2022</a:t>
+              <a:t>22. 4. 2022</a:t>
             </a:fld>
             <a:endParaRPr lang="sk-SK" noProof="0" dirty="0"/>
           </a:p>
@@ -6269,7 +6278,7 @@
             <a:pPr rtl="0"/>
             <a:fld id="{34C29ED1-23D1-4646-81FC-DC0A2419921B}" type="datetime1">
               <a:rPr lang="sk-SK" noProof="0" smtClean="0"/>
-              <a:t>8. 4. 2022</a:t>
+              <a:t>22. 4. 2022</a:t>
             </a:fld>
             <a:endParaRPr lang="sk-SK" noProof="0" dirty="0"/>
           </a:p>
@@ -7357,17 +7366,10 @@
               <a:t>Developers meetup #</a:t>
             </a:r>
             <a:r>
-              <a:rPr lang="sk-SK" dirty="0"/>
-              <a:t>80, </a:t>
-            </a:r>
-            <a:r>
-              <a:rPr lang="en-US" dirty="0"/>
-              <a:t>#</a:t>
-            </a:r>
-            <a:r>
-              <a:rPr lang="sk-SK" dirty="0"/>
-              <a:t>82</a:t>
-            </a:r>
+              <a:rPr lang="sk-SK"/>
+              <a:t>87</a:t>
+            </a:r>
+            <a:endParaRPr lang="sk-SK" dirty="0"/>
           </a:p>
         </p:txBody>
       </p:sp>
@@ -7886,6 +7888,341 @@
           <p:cNvPr id="2" name="Nadpis 1">
             <a:extLst>
               <a:ext uri="{FF2B5EF4-FFF2-40B4-BE49-F238E27FC236}">
+                <a16:creationId xmlns:a16="http://schemas.microsoft.com/office/drawing/2014/main" id="{583A813B-CD72-451C-B9EC-34D7FEBB6FEA}"/>
+              </a:ext>
+            </a:extLst>
+          </p:cNvPr>
+          <p:cNvSpPr>
+            <a:spLocks noGrp="1"/>
+          </p:cNvSpPr>
+          <p:nvPr>
+            <p:ph type="title"/>
+          </p:nvPr>
+        </p:nvSpPr>
+        <p:spPr/>
+        <p:txBody>
+          <a:bodyPr/>
+          <a:lstStyle/>
+          <a:p>
+            <a:pPr algn="l"/>
+            <a:r>
+              <a:rPr lang="sk-SK" dirty="0"/>
+              <a:t>Vzor 1 – </a:t>
+            </a:r>
+            <a:r>
+              <a:rPr lang="sk-SK" dirty="0" err="1"/>
+              <a:t>Function</a:t>
+            </a:r>
+            <a:r>
+              <a:rPr lang="sk-SK" dirty="0"/>
+              <a:t> </a:t>
+            </a:r>
+            <a:r>
+              <a:rPr lang="sk-SK" dirty="0" err="1"/>
+              <a:t>chaining</a:t>
+            </a:r>
+            <a:endParaRPr lang="sk-SK" dirty="0"/>
+          </a:p>
+        </p:txBody>
+      </p:sp>
+      <p:sp>
+        <p:nvSpPr>
+          <p:cNvPr id="3" name="Zástupný objekt pre obsah 2">
+            <a:extLst>
+              <a:ext uri="{FF2B5EF4-FFF2-40B4-BE49-F238E27FC236}">
+                <a16:creationId xmlns:a16="http://schemas.microsoft.com/office/drawing/2014/main" id="{C80A9F7F-D38F-49DB-A3B5-6D7D5F53D362}"/>
+              </a:ext>
+            </a:extLst>
+          </p:cNvPr>
+          <p:cNvSpPr>
+            <a:spLocks noGrp="1"/>
+          </p:cNvSpPr>
+          <p:nvPr>
+            <p:ph idx="1"/>
+          </p:nvPr>
+        </p:nvSpPr>
+        <p:spPr/>
+        <p:txBody>
+          <a:bodyPr/>
+          <a:lstStyle/>
+          <a:p>
+            <a:r>
+              <a:rPr lang="sk-SK" dirty="0"/>
+              <a:t>Vykoná sled funkcií v určitom poradí</a:t>
+            </a:r>
+          </a:p>
+          <a:p>
+            <a:r>
+              <a:rPr lang="sk-SK" dirty="0"/>
+              <a:t>Výstup z jednej funkcie je vstupom pre ďalšiu funkciu v poradí</a:t>
+            </a:r>
+          </a:p>
+          <a:p>
+            <a:r>
+              <a:rPr lang="sk-SK" dirty="0"/>
+              <a:t>V prípade reštartu/pádu procesu alebo VM sa pokračuje od predošlého </a:t>
+            </a:r>
+            <a:r>
+              <a:rPr lang="sk-SK" i="1" dirty="0" err="1"/>
+              <a:t>await</a:t>
+            </a:r>
+            <a:endParaRPr lang="sk-SK" i="1" dirty="0"/>
+          </a:p>
+        </p:txBody>
+      </p:sp>
+    </p:spTree>
+    <p:extLst>
+      <p:ext uri="{BB962C8B-B14F-4D97-AF65-F5344CB8AC3E}">
+        <p14:creationId xmlns:p14="http://schemas.microsoft.com/office/powerpoint/2010/main" val="3770826272"/>
+      </p:ext>
+    </p:extLst>
+  </p:cSld>
+  <p:clrMapOvr>
+    <a:masterClrMapping/>
+  </p:clrMapOvr>
+</p:sld>
+</file>
+
+<file path=ppt/slides/slide14.xml><?xml version="1.0" encoding="utf-8"?>
+<p:sld xmlns:a="http://schemas.openxmlformats.org/drawingml/2006/main" xmlns:r="http://schemas.openxmlformats.org/officeDocument/2006/relationships" xmlns:p="http://schemas.openxmlformats.org/presentationml/2006/main">
+  <p:cSld>
+    <p:spTree>
+      <p:nvGrpSpPr>
+        <p:cNvPr id="1" name=""/>
+        <p:cNvGrpSpPr/>
+        <p:nvPr/>
+      </p:nvGrpSpPr>
+      <p:grpSpPr>
+        <a:xfrm>
+          <a:off x="0" y="0"/>
+          <a:ext cx="0" cy="0"/>
+          <a:chOff x="0" y="0"/>
+          <a:chExt cx="0" cy="0"/>
+        </a:xfrm>
+      </p:grpSpPr>
+      <p:sp>
+        <p:nvSpPr>
+          <p:cNvPr id="2" name="Nadpis 1">
+            <a:extLst>
+              <a:ext uri="{FF2B5EF4-FFF2-40B4-BE49-F238E27FC236}">
+                <a16:creationId xmlns:a16="http://schemas.microsoft.com/office/drawing/2014/main" id="{D9519752-D5D1-4CDD-B25A-741344E69BCE}"/>
+              </a:ext>
+            </a:extLst>
+          </p:cNvPr>
+          <p:cNvSpPr>
+            <a:spLocks noGrp="1"/>
+          </p:cNvSpPr>
+          <p:nvPr>
+            <p:ph type="title"/>
+          </p:nvPr>
+        </p:nvSpPr>
+        <p:spPr/>
+        <p:txBody>
+          <a:bodyPr/>
+          <a:lstStyle/>
+          <a:p>
+            <a:pPr algn="l"/>
+            <a:r>
+              <a:rPr lang="sk-SK" dirty="0"/>
+              <a:t>Vzor 1 – </a:t>
+            </a:r>
+            <a:r>
+              <a:rPr lang="sk-SK" dirty="0" err="1"/>
+              <a:t>Function</a:t>
+            </a:r>
+            <a:r>
+              <a:rPr lang="sk-SK" dirty="0"/>
+              <a:t> </a:t>
+            </a:r>
+            <a:r>
+              <a:rPr lang="sk-SK" dirty="0" err="1"/>
+              <a:t>chaining</a:t>
+            </a:r>
+            <a:endParaRPr lang="sk-SK" dirty="0"/>
+          </a:p>
+        </p:txBody>
+      </p:sp>
+      <p:pic>
+        <p:nvPicPr>
+          <p:cNvPr id="1026" name="Picture 2" descr="A diagram of the function chaining pattern">
+            <a:extLst>
+              <a:ext uri="{FF2B5EF4-FFF2-40B4-BE49-F238E27FC236}">
+                <a16:creationId xmlns:a16="http://schemas.microsoft.com/office/drawing/2014/main" id="{F8FDA70A-BD94-44F4-B58D-9D93284542C8}"/>
+              </a:ext>
+            </a:extLst>
+          </p:cNvPr>
+          <p:cNvPicPr>
+            <a:picLocks noGrp="1" noChangeAspect="1" noChangeArrowheads="1"/>
+          </p:cNvPicPr>
+          <p:nvPr>
+            <p:ph idx="1"/>
+          </p:nvPr>
+        </p:nvPicPr>
+        <p:blipFill>
+          <a:blip r:embed="rId2">
+            <a:extLst>
+              <a:ext uri="{28A0092B-C50C-407E-A947-70E740481C1C}">
+                <a14:useLocalDpi xmlns:a14="http://schemas.microsoft.com/office/drawing/2010/main" val="0"/>
+              </a:ext>
+            </a:extLst>
+          </a:blip>
+          <a:srcRect/>
+          <a:stretch>
+            <a:fillRect/>
+          </a:stretch>
+        </p:blipFill>
+        <p:spPr bwMode="auto">
+          <a:xfrm>
+            <a:off x="2564058" y="3528915"/>
+            <a:ext cx="7859222" cy="1400370"/>
+          </a:xfrm>
+          <a:prstGeom prst="rect">
+            <a:avLst/>
+          </a:prstGeom>
+          <a:noFill/>
+          <a:extLst>
+            <a:ext uri="{909E8E84-426E-40DD-AFC4-6F175D3DCCD1}">
+              <a14:hiddenFill xmlns:a14="http://schemas.microsoft.com/office/drawing/2010/main">
+                <a:solidFill>
+                  <a:srgbClr val="FFFFFF"/>
+                </a:solidFill>
+              </a14:hiddenFill>
+            </a:ext>
+          </a:extLst>
+        </p:spPr>
+      </p:pic>
+    </p:spTree>
+    <p:extLst>
+      <p:ext uri="{BB962C8B-B14F-4D97-AF65-F5344CB8AC3E}">
+        <p14:creationId xmlns:p14="http://schemas.microsoft.com/office/powerpoint/2010/main" val="2401109953"/>
+      </p:ext>
+    </p:extLst>
+  </p:cSld>
+  <p:clrMapOvr>
+    <a:masterClrMapping/>
+  </p:clrMapOvr>
+</p:sld>
+</file>
+
+<file path=ppt/slides/slide15.xml><?xml version="1.0" encoding="utf-8"?>
+<p:sld xmlns:a="http://schemas.openxmlformats.org/drawingml/2006/main" xmlns:r="http://schemas.openxmlformats.org/officeDocument/2006/relationships" xmlns:p="http://schemas.openxmlformats.org/presentationml/2006/main">
+  <p:cSld>
+    <p:spTree>
+      <p:nvGrpSpPr>
+        <p:cNvPr id="1" name=""/>
+        <p:cNvGrpSpPr/>
+        <p:nvPr/>
+      </p:nvGrpSpPr>
+      <p:grpSpPr>
+        <a:xfrm>
+          <a:off x="0" y="0"/>
+          <a:ext cx="0" cy="0"/>
+          <a:chOff x="0" y="0"/>
+          <a:chExt cx="0" cy="0"/>
+        </a:xfrm>
+      </p:grpSpPr>
+      <p:sp>
+        <p:nvSpPr>
+          <p:cNvPr id="2" name="Nadpis 1">
+            <a:extLst>
+              <a:ext uri="{FF2B5EF4-FFF2-40B4-BE49-F238E27FC236}">
+                <a16:creationId xmlns:a16="http://schemas.microsoft.com/office/drawing/2014/main" id="{EA99B69B-9EF6-4135-964D-EB9806BD46FE}"/>
+              </a:ext>
+            </a:extLst>
+          </p:cNvPr>
+          <p:cNvSpPr>
+            <a:spLocks noGrp="1"/>
+          </p:cNvSpPr>
+          <p:nvPr>
+            <p:ph type="title"/>
+          </p:nvPr>
+        </p:nvSpPr>
+        <p:spPr/>
+        <p:txBody>
+          <a:bodyPr/>
+          <a:lstStyle/>
+          <a:p>
+            <a:pPr algn="l"/>
+            <a:r>
+              <a:rPr lang="sk-SK" dirty="0"/>
+              <a:t>DEMO – </a:t>
+            </a:r>
+            <a:r>
+              <a:rPr lang="sk-SK" dirty="0" err="1"/>
+              <a:t>Function</a:t>
+            </a:r>
+            <a:r>
+              <a:rPr lang="sk-SK" dirty="0"/>
+              <a:t> </a:t>
+            </a:r>
+            <a:r>
+              <a:rPr lang="sk-SK" dirty="0" err="1"/>
+              <a:t>chaining</a:t>
+            </a:r>
+            <a:endParaRPr lang="sk-SK" dirty="0"/>
+          </a:p>
+        </p:txBody>
+      </p:sp>
+      <p:sp>
+        <p:nvSpPr>
+          <p:cNvPr id="3" name="Zástupný text 2">
+            <a:extLst>
+              <a:ext uri="{FF2B5EF4-FFF2-40B4-BE49-F238E27FC236}">
+                <a16:creationId xmlns:a16="http://schemas.microsoft.com/office/drawing/2014/main" id="{7E70D53C-0FF4-4F90-87A6-20EF107D066D}"/>
+              </a:ext>
+            </a:extLst>
+          </p:cNvPr>
+          <p:cNvSpPr>
+            <a:spLocks noGrp="1"/>
+          </p:cNvSpPr>
+          <p:nvPr>
+            <p:ph type="body" idx="1"/>
+          </p:nvPr>
+        </p:nvSpPr>
+        <p:spPr/>
+        <p:txBody>
+          <a:bodyPr/>
+          <a:lstStyle/>
+          <a:p>
+            <a:endParaRPr lang="sk-SK" dirty="0"/>
+          </a:p>
+        </p:txBody>
+      </p:sp>
+    </p:spTree>
+    <p:extLst>
+      <p:ext uri="{BB962C8B-B14F-4D97-AF65-F5344CB8AC3E}">
+        <p14:creationId xmlns:p14="http://schemas.microsoft.com/office/powerpoint/2010/main" val="3470620699"/>
+      </p:ext>
+    </p:extLst>
+  </p:cSld>
+  <p:clrMapOvr>
+    <a:masterClrMapping/>
+  </p:clrMapOvr>
+</p:sld>
+</file>
+
+<file path=ppt/slides/slide16.xml><?xml version="1.0" encoding="utf-8"?>
+<p:sld xmlns:a="http://schemas.openxmlformats.org/drawingml/2006/main" xmlns:r="http://schemas.openxmlformats.org/officeDocument/2006/relationships" xmlns:p="http://schemas.openxmlformats.org/presentationml/2006/main">
+  <p:cSld>
+    <p:spTree>
+      <p:nvGrpSpPr>
+        <p:cNvPr id="1" name=""/>
+        <p:cNvGrpSpPr/>
+        <p:nvPr/>
+      </p:nvGrpSpPr>
+      <p:grpSpPr>
+        <a:xfrm>
+          <a:off x="0" y="0"/>
+          <a:ext cx="0" cy="0"/>
+          <a:chOff x="0" y="0"/>
+          <a:chExt cx="0" cy="0"/>
+        </a:xfrm>
+      </p:grpSpPr>
+      <p:sp>
+        <p:nvSpPr>
+          <p:cNvPr id="2" name="Nadpis 1">
+            <a:extLst>
+              <a:ext uri="{FF2B5EF4-FFF2-40B4-BE49-F238E27FC236}">
                 <a16:creationId xmlns:a16="http://schemas.microsoft.com/office/drawing/2014/main" id="{3AC4A731-2471-4293-881F-87472905BC73}"/>
               </a:ext>
             </a:extLst>
@@ -7991,7 +8328,7 @@
 </p:sld>
 </file>
 
-<file path=ppt/slides/slide14.xml><?xml version="1.0" encoding="utf-8"?>
+<file path=ppt/slides/slide17.xml><?xml version="1.0" encoding="utf-8"?>
 <p:sld xmlns:a="http://schemas.openxmlformats.org/drawingml/2006/main" xmlns:r="http://schemas.openxmlformats.org/officeDocument/2006/relationships" xmlns:p="http://schemas.openxmlformats.org/presentationml/2006/main">
   <p:cSld>
     <p:spTree>
@@ -8551,392 +8888,6 @@
 </p:sld>
 </file>
 
-<file path=ppt/slides/slide15.xml><?xml version="1.0" encoding="utf-8"?>
-<p:sld xmlns:a="http://schemas.openxmlformats.org/drawingml/2006/main" xmlns:r="http://schemas.openxmlformats.org/officeDocument/2006/relationships" xmlns:p="http://schemas.openxmlformats.org/presentationml/2006/main">
-  <p:cSld>
-    <p:spTree>
-      <p:nvGrpSpPr>
-        <p:cNvPr id="1" name=""/>
-        <p:cNvGrpSpPr/>
-        <p:nvPr/>
-      </p:nvGrpSpPr>
-      <p:grpSpPr>
-        <a:xfrm>
-          <a:off x="0" y="0"/>
-          <a:ext cx="0" cy="0"/>
-          <a:chOff x="0" y="0"/>
-          <a:chExt cx="0" cy="0"/>
-        </a:xfrm>
-      </p:grpSpPr>
-      <p:sp>
-        <p:nvSpPr>
-          <p:cNvPr id="2" name="Nadpis 1">
-            <a:extLst>
-              <a:ext uri="{FF2B5EF4-FFF2-40B4-BE49-F238E27FC236}">
-                <a16:creationId xmlns:a16="http://schemas.microsoft.com/office/drawing/2014/main" id="{D40BF9D3-A174-4B71-B612-0EE6EAF17C65}"/>
-              </a:ext>
-            </a:extLst>
-          </p:cNvPr>
-          <p:cNvSpPr>
-            <a:spLocks noGrp="1"/>
-          </p:cNvSpPr>
-          <p:nvPr>
-            <p:ph type="title"/>
-          </p:nvPr>
-        </p:nvSpPr>
-        <p:spPr/>
-        <p:txBody>
-          <a:bodyPr/>
-          <a:lstStyle/>
-          <a:p>
-            <a:pPr algn="l"/>
-            <a:r>
-              <a:rPr lang="sk-SK" dirty="0"/>
-              <a:t>Spoplatnenie</a:t>
-            </a:r>
-          </a:p>
-        </p:txBody>
-      </p:sp>
-      <p:sp>
-        <p:nvSpPr>
-          <p:cNvPr id="3" name="Zástupný objekt pre obsah 2">
-            <a:extLst>
-              <a:ext uri="{FF2B5EF4-FFF2-40B4-BE49-F238E27FC236}">
-                <a16:creationId xmlns:a16="http://schemas.microsoft.com/office/drawing/2014/main" id="{4DBCB796-F4F7-4307-AB55-0BB9278F7DFD}"/>
-              </a:ext>
-            </a:extLst>
-          </p:cNvPr>
-          <p:cNvSpPr>
-            <a:spLocks noGrp="1"/>
-          </p:cNvSpPr>
-          <p:nvPr>
-            <p:ph idx="1"/>
-          </p:nvPr>
-        </p:nvSpPr>
-        <p:spPr/>
-        <p:txBody>
-          <a:bodyPr>
-            <a:normAutofit lnSpcReduction="10000"/>
-          </a:bodyPr>
-          <a:lstStyle/>
-          <a:p>
-            <a:pPr algn="just"/>
-            <a:r>
-              <a:rPr lang="sk-SK" dirty="0"/>
-              <a:t>Rovnaké ako pri AF</a:t>
-            </a:r>
-          </a:p>
-          <a:p>
-            <a:pPr algn="just"/>
-            <a:r>
-              <a:rPr lang="sk-SK" dirty="0"/>
-              <a:t>Pri </a:t>
-            </a:r>
-            <a:r>
-              <a:rPr lang="sk-SK" i="1" dirty="0" err="1"/>
-              <a:t>Consumption</a:t>
-            </a:r>
-            <a:r>
-              <a:rPr lang="sk-SK" dirty="0"/>
-              <a:t> pláne sa platí </a:t>
-            </a:r>
-            <a:r>
-              <a:rPr lang="sk-SK" b="1" dirty="0"/>
-              <a:t>za každé prehratie OF</a:t>
-            </a:r>
-          </a:p>
-          <a:p>
-            <a:pPr algn="just"/>
-            <a:r>
-              <a:rPr lang="sk-SK" dirty="0"/>
-              <a:t>OF končí pri prvom </a:t>
-            </a:r>
-            <a:r>
-              <a:rPr lang="sk-SK" i="1" dirty="0" err="1"/>
-              <a:t>await</a:t>
-            </a:r>
-            <a:r>
-              <a:rPr lang="sk-SK" dirty="0"/>
-              <a:t> (v JS </a:t>
-            </a:r>
-            <a:r>
-              <a:rPr lang="sk-SK" i="1" dirty="0" err="1"/>
-              <a:t>yield</a:t>
-            </a:r>
-            <a:r>
-              <a:rPr lang="sk-SK" dirty="0"/>
-              <a:t>), počas čakania sa za OF neplatí. To zabraňuje dvojitému spoplatneniu (tzv. „</a:t>
-            </a:r>
-            <a:r>
-              <a:rPr lang="sk-SK" dirty="0" err="1"/>
-              <a:t>double</a:t>
-            </a:r>
-            <a:r>
-              <a:rPr lang="sk-SK" dirty="0"/>
-              <a:t> </a:t>
-            </a:r>
-            <a:r>
-              <a:rPr lang="sk-SK" dirty="0" err="1"/>
-              <a:t>billing</a:t>
-            </a:r>
-            <a:r>
-              <a:rPr lang="sk-SK" dirty="0"/>
-              <a:t>“), ktoré môže nastať, keď funkcia volá inú funkciu.</a:t>
-            </a:r>
-          </a:p>
-          <a:p>
-            <a:pPr algn="just"/>
-            <a:r>
-              <a:rPr lang="sk-SK" dirty="0"/>
-              <a:t>Za interné </a:t>
-            </a:r>
-            <a:r>
-              <a:rPr lang="sk-SK" dirty="0" err="1"/>
-              <a:t>dotazovanie</a:t>
-            </a:r>
-            <a:r>
-              <a:rPr lang="sk-SK" dirty="0"/>
-              <a:t> sa neplatí (kontrola stavu asynchrónnej funkcie)</a:t>
-            </a:r>
-          </a:p>
-          <a:p>
-            <a:pPr algn="just"/>
-            <a:r>
-              <a:rPr lang="sk-SK" dirty="0"/>
-              <a:t>Platí sa za operácie s </a:t>
-            </a:r>
-            <a:r>
-              <a:rPr lang="sk-SK" dirty="0" err="1"/>
-              <a:t>Azure</a:t>
-            </a:r>
-            <a:r>
-              <a:rPr lang="sk-SK" dirty="0"/>
-              <a:t> </a:t>
-            </a:r>
-            <a:r>
-              <a:rPr lang="sk-SK" dirty="0" err="1"/>
-              <a:t>Storage</a:t>
-            </a:r>
-            <a:r>
-              <a:rPr lang="sk-SK" dirty="0"/>
-              <a:t> súvisiace s ukladaním stavu</a:t>
-            </a:r>
-          </a:p>
-        </p:txBody>
-      </p:sp>
-    </p:spTree>
-    <p:extLst>
-      <p:ext uri="{BB962C8B-B14F-4D97-AF65-F5344CB8AC3E}">
-        <p14:creationId xmlns:p14="http://schemas.microsoft.com/office/powerpoint/2010/main" val="3061368313"/>
-      </p:ext>
-    </p:extLst>
-  </p:cSld>
-  <p:clrMapOvr>
-    <a:masterClrMapping/>
-  </p:clrMapOvr>
-</p:sld>
-</file>
-
-<file path=ppt/slides/slide16.xml><?xml version="1.0" encoding="utf-8"?>
-<p:sld xmlns:a="http://schemas.openxmlformats.org/drawingml/2006/main" xmlns:r="http://schemas.openxmlformats.org/officeDocument/2006/relationships" xmlns:p="http://schemas.openxmlformats.org/presentationml/2006/main">
-  <p:cSld>
-    <p:spTree>
-      <p:nvGrpSpPr>
-        <p:cNvPr id="1" name=""/>
-        <p:cNvGrpSpPr/>
-        <p:nvPr/>
-      </p:nvGrpSpPr>
-      <p:grpSpPr>
-        <a:xfrm>
-          <a:off x="0" y="0"/>
-          <a:ext cx="0" cy="0"/>
-          <a:chOff x="0" y="0"/>
-          <a:chExt cx="0" cy="0"/>
-        </a:xfrm>
-      </p:grpSpPr>
-      <p:sp>
-        <p:nvSpPr>
-          <p:cNvPr id="2" name="Nadpis 1">
-            <a:extLst>
-              <a:ext uri="{FF2B5EF4-FFF2-40B4-BE49-F238E27FC236}">
-                <a16:creationId xmlns:a16="http://schemas.microsoft.com/office/drawing/2014/main" id="{583A813B-CD72-451C-B9EC-34D7FEBB6FEA}"/>
-              </a:ext>
-            </a:extLst>
-          </p:cNvPr>
-          <p:cNvSpPr>
-            <a:spLocks noGrp="1"/>
-          </p:cNvSpPr>
-          <p:nvPr>
-            <p:ph type="title"/>
-          </p:nvPr>
-        </p:nvSpPr>
-        <p:spPr/>
-        <p:txBody>
-          <a:bodyPr/>
-          <a:lstStyle/>
-          <a:p>
-            <a:pPr algn="l"/>
-            <a:r>
-              <a:rPr lang="sk-SK" dirty="0"/>
-              <a:t>Vzor 1 – </a:t>
-            </a:r>
-            <a:r>
-              <a:rPr lang="sk-SK" dirty="0" err="1"/>
-              <a:t>Function</a:t>
-            </a:r>
-            <a:r>
-              <a:rPr lang="sk-SK" dirty="0"/>
-              <a:t> </a:t>
-            </a:r>
-            <a:r>
-              <a:rPr lang="sk-SK" dirty="0" err="1"/>
-              <a:t>chaining</a:t>
-            </a:r>
-            <a:endParaRPr lang="sk-SK" dirty="0"/>
-          </a:p>
-        </p:txBody>
-      </p:sp>
-      <p:sp>
-        <p:nvSpPr>
-          <p:cNvPr id="3" name="Zástupný objekt pre obsah 2">
-            <a:extLst>
-              <a:ext uri="{FF2B5EF4-FFF2-40B4-BE49-F238E27FC236}">
-                <a16:creationId xmlns:a16="http://schemas.microsoft.com/office/drawing/2014/main" id="{C80A9F7F-D38F-49DB-A3B5-6D7D5F53D362}"/>
-              </a:ext>
-            </a:extLst>
-          </p:cNvPr>
-          <p:cNvSpPr>
-            <a:spLocks noGrp="1"/>
-          </p:cNvSpPr>
-          <p:nvPr>
-            <p:ph idx="1"/>
-          </p:nvPr>
-        </p:nvSpPr>
-        <p:spPr/>
-        <p:txBody>
-          <a:bodyPr/>
-          <a:lstStyle/>
-          <a:p>
-            <a:r>
-              <a:rPr lang="sk-SK" dirty="0"/>
-              <a:t>Vykoná sled funkcií v určitom poradí</a:t>
-            </a:r>
-          </a:p>
-          <a:p>
-            <a:r>
-              <a:rPr lang="sk-SK" dirty="0"/>
-              <a:t>Výstup z jednej funkcie je vstupom pre ďalšiu funkciu v poradí</a:t>
-            </a:r>
-          </a:p>
-          <a:p>
-            <a:r>
-              <a:rPr lang="sk-SK" dirty="0"/>
-              <a:t>V prípade reštartu/pádu procesu alebo VM sa pokračuje od predošlého </a:t>
-            </a:r>
-            <a:r>
-              <a:rPr lang="sk-SK" i="1" dirty="0" err="1"/>
-              <a:t>await</a:t>
-            </a:r>
-            <a:endParaRPr lang="sk-SK" i="1" dirty="0"/>
-          </a:p>
-        </p:txBody>
-      </p:sp>
-    </p:spTree>
-    <p:extLst>
-      <p:ext uri="{BB962C8B-B14F-4D97-AF65-F5344CB8AC3E}">
-        <p14:creationId xmlns:p14="http://schemas.microsoft.com/office/powerpoint/2010/main" val="3770826272"/>
-      </p:ext>
-    </p:extLst>
-  </p:cSld>
-  <p:clrMapOvr>
-    <a:masterClrMapping/>
-  </p:clrMapOvr>
-</p:sld>
-</file>
-
-<file path=ppt/slides/slide17.xml><?xml version="1.0" encoding="utf-8"?>
-<p:sld xmlns:a="http://schemas.openxmlformats.org/drawingml/2006/main" xmlns:r="http://schemas.openxmlformats.org/officeDocument/2006/relationships" xmlns:p="http://schemas.openxmlformats.org/presentationml/2006/main">
-  <p:cSld>
-    <p:spTree>
-      <p:nvGrpSpPr>
-        <p:cNvPr id="1" name=""/>
-        <p:cNvGrpSpPr/>
-        <p:nvPr/>
-      </p:nvGrpSpPr>
-      <p:grpSpPr>
-        <a:xfrm>
-          <a:off x="0" y="0"/>
-          <a:ext cx="0" cy="0"/>
-          <a:chOff x="0" y="0"/>
-          <a:chExt cx="0" cy="0"/>
-        </a:xfrm>
-      </p:grpSpPr>
-      <p:sp>
-        <p:nvSpPr>
-          <p:cNvPr id="2" name="Nadpis 1">
-            <a:extLst>
-              <a:ext uri="{FF2B5EF4-FFF2-40B4-BE49-F238E27FC236}">
-                <a16:creationId xmlns:a16="http://schemas.microsoft.com/office/drawing/2014/main" id="{816E25A5-195A-4A74-81C4-AA4B795F00FC}"/>
-              </a:ext>
-            </a:extLst>
-          </p:cNvPr>
-          <p:cNvSpPr>
-            <a:spLocks noGrp="1"/>
-          </p:cNvSpPr>
-          <p:nvPr>
-            <p:ph type="title"/>
-          </p:nvPr>
-        </p:nvSpPr>
-        <p:spPr/>
-        <p:txBody>
-          <a:bodyPr/>
-          <a:lstStyle/>
-          <a:p>
-            <a:endParaRPr lang="sk-SK"/>
-          </a:p>
-        </p:txBody>
-      </p:sp>
-      <p:sp>
-        <p:nvSpPr>
-          <p:cNvPr id="3" name="Zástupný objekt pre obsah 2">
-            <a:extLst>
-              <a:ext uri="{FF2B5EF4-FFF2-40B4-BE49-F238E27FC236}">
-                <a16:creationId xmlns:a16="http://schemas.microsoft.com/office/drawing/2014/main" id="{4FBF5924-0090-4B92-AE01-04584B36F37A}"/>
-              </a:ext>
-            </a:extLst>
-          </p:cNvPr>
-          <p:cNvSpPr>
-            <a:spLocks noGrp="1"/>
-          </p:cNvSpPr>
-          <p:nvPr>
-            <p:ph idx="1"/>
-          </p:nvPr>
-        </p:nvSpPr>
-        <p:spPr/>
-        <p:txBody>
-          <a:bodyPr/>
-          <a:lstStyle/>
-          <a:p>
-            <a:r>
-              <a:rPr lang="sk-SK" dirty="0"/>
-              <a:t>https://docs.microsoft.com/en-us/azure/azure-functions/durable/durable-functions-sequence?tabs=csharp</a:t>
-            </a:r>
-          </a:p>
-        </p:txBody>
-      </p:sp>
-    </p:spTree>
-    <p:extLst>
-      <p:ext uri="{BB962C8B-B14F-4D97-AF65-F5344CB8AC3E}">
-        <p14:creationId xmlns:p14="http://schemas.microsoft.com/office/powerpoint/2010/main" val="1861287205"/>
-      </p:ext>
-    </p:extLst>
-  </p:cSld>
-  <p:clrMapOvr>
-    <a:masterClrMapping/>
-  </p:clrMapOvr>
-</p:sld>
-</file>
-
 <file path=ppt/slides/slide18.xml><?xml version="1.0" encoding="utf-8"?>
 <p:sld xmlns:a="http://schemas.openxmlformats.org/drawingml/2006/main" xmlns:r="http://schemas.openxmlformats.org/officeDocument/2006/relationships" xmlns:p="http://schemas.openxmlformats.org/presentationml/2006/main">
   <p:cSld>
@@ -8959,7 +8910,7 @@
           <p:cNvPr id="2" name="Nadpis 1">
             <a:extLst>
               <a:ext uri="{FF2B5EF4-FFF2-40B4-BE49-F238E27FC236}">
-                <a16:creationId xmlns:a16="http://schemas.microsoft.com/office/drawing/2014/main" id="{D9519752-D5D1-4CDD-B25A-741344E69BCE}"/>
+                <a16:creationId xmlns:a16="http://schemas.microsoft.com/office/drawing/2014/main" id="{D40BF9D3-A174-4B71-B612-0EE6EAF17C65}"/>
               </a:ext>
             </a:extLst>
           </p:cNvPr>
@@ -8978,77 +8929,142 @@
             <a:pPr algn="l"/>
             <a:r>
               <a:rPr lang="sk-SK" dirty="0"/>
-              <a:t>Vzor 1 – </a:t>
-            </a:r>
-            <a:r>
-              <a:rPr lang="sk-SK" dirty="0" err="1"/>
-              <a:t>Function</a:t>
-            </a:r>
-            <a:r>
-              <a:rPr lang="sk-SK" dirty="0"/>
-              <a:t> </a:t>
-            </a:r>
-            <a:r>
-              <a:rPr lang="sk-SK" dirty="0" err="1"/>
-              <a:t>chaining</a:t>
-            </a:r>
-            <a:endParaRPr lang="sk-SK" dirty="0"/>
-          </a:p>
-        </p:txBody>
-      </p:sp>
-      <p:pic>
-        <p:nvPicPr>
-          <p:cNvPr id="1026" name="Picture 2" descr="A diagram of the function chaining pattern">
+              <a:t>Spoplatnenie</a:t>
+            </a:r>
+          </a:p>
+        </p:txBody>
+      </p:sp>
+      <p:sp>
+        <p:nvSpPr>
+          <p:cNvPr id="3" name="Zástupný objekt pre obsah 2">
             <a:extLst>
               <a:ext uri="{FF2B5EF4-FFF2-40B4-BE49-F238E27FC236}">
-                <a16:creationId xmlns:a16="http://schemas.microsoft.com/office/drawing/2014/main" id="{F8FDA70A-BD94-44F4-B58D-9D93284542C8}"/>
+                <a16:creationId xmlns:a16="http://schemas.microsoft.com/office/drawing/2014/main" id="{4DBCB796-F4F7-4307-AB55-0BB9278F7DFD}"/>
               </a:ext>
             </a:extLst>
           </p:cNvPr>
-          <p:cNvPicPr>
-            <a:picLocks noGrp="1" noChangeAspect="1" noChangeArrowheads="1"/>
-          </p:cNvPicPr>
+          <p:cNvSpPr>
+            <a:spLocks noGrp="1"/>
+          </p:cNvSpPr>
           <p:nvPr>
             <p:ph idx="1"/>
           </p:nvPr>
-        </p:nvPicPr>
-        <p:blipFill>
-          <a:blip r:embed="rId2">
-            <a:extLst>
-              <a:ext uri="{28A0092B-C50C-407E-A947-70E740481C1C}">
-                <a14:useLocalDpi xmlns:a14="http://schemas.microsoft.com/office/drawing/2010/main" val="0"/>
-              </a:ext>
-            </a:extLst>
-          </a:blip>
-          <a:srcRect/>
-          <a:stretch>
-            <a:fillRect/>
-          </a:stretch>
-        </p:blipFill>
-        <p:spPr bwMode="auto">
-          <a:xfrm>
-            <a:off x="2564058" y="3528915"/>
-            <a:ext cx="7859222" cy="1400370"/>
-          </a:xfrm>
-          <a:prstGeom prst="rect">
-            <a:avLst/>
-          </a:prstGeom>
-          <a:noFill/>
-          <a:extLst>
-            <a:ext uri="{909E8E84-426E-40DD-AFC4-6F175D3DCCD1}">
-              <a14:hiddenFill xmlns:a14="http://schemas.microsoft.com/office/drawing/2010/main">
-                <a:solidFill>
-                  <a:srgbClr val="FFFFFF"/>
-                </a:solidFill>
-              </a14:hiddenFill>
-            </a:ext>
-          </a:extLst>
-        </p:spPr>
-      </p:pic>
+        </p:nvSpPr>
+        <p:spPr/>
+        <p:txBody>
+          <a:bodyPr>
+            <a:normAutofit lnSpcReduction="10000"/>
+          </a:bodyPr>
+          <a:lstStyle/>
+          <a:p>
+            <a:pPr algn="just"/>
+            <a:r>
+              <a:rPr lang="sk-SK" dirty="0"/>
+              <a:t>Rovnaké ako pri AF</a:t>
+            </a:r>
+          </a:p>
+          <a:p>
+            <a:pPr algn="just"/>
+            <a:r>
+              <a:rPr lang="sk-SK" dirty="0"/>
+              <a:t>Pri </a:t>
+            </a:r>
+            <a:r>
+              <a:rPr lang="sk-SK" i="1" dirty="0" err="1"/>
+              <a:t>Consumption</a:t>
+            </a:r>
+            <a:r>
+              <a:rPr lang="sk-SK" dirty="0"/>
+              <a:t> pláne sa platí </a:t>
+            </a:r>
+            <a:r>
+              <a:rPr lang="sk-SK" b="1" dirty="0"/>
+              <a:t>za každé prehratie OF</a:t>
+            </a:r>
+          </a:p>
+          <a:p>
+            <a:pPr algn="just"/>
+            <a:r>
+              <a:rPr lang="sk-SK" dirty="0"/>
+              <a:t>OF končí pri prvom </a:t>
+            </a:r>
+            <a:r>
+              <a:rPr lang="sk-SK" i="1" dirty="0" err="1"/>
+              <a:t>await</a:t>
+            </a:r>
+            <a:r>
+              <a:rPr lang="sk-SK" dirty="0"/>
+              <a:t> (v JS </a:t>
+            </a:r>
+            <a:r>
+              <a:rPr lang="sk-SK" i="1" dirty="0" err="1"/>
+              <a:t>yield</a:t>
+            </a:r>
+            <a:r>
+              <a:rPr lang="sk-SK" dirty="0"/>
+              <a:t>), počas čakania sa za OF neplatí. To zabraňuje dvojitému spoplatneniu (tzv. „</a:t>
+            </a:r>
+            <a:r>
+              <a:rPr lang="sk-SK" dirty="0" err="1"/>
+              <a:t>double</a:t>
+            </a:r>
+            <a:r>
+              <a:rPr lang="sk-SK" dirty="0"/>
+              <a:t> </a:t>
+            </a:r>
+            <a:r>
+              <a:rPr lang="sk-SK" dirty="0" err="1"/>
+              <a:t>billing</a:t>
+            </a:r>
+            <a:r>
+              <a:rPr lang="sk-SK" dirty="0"/>
+              <a:t>“), ktoré môže nastať, keď funkcia volá inú funkciu.</a:t>
+            </a:r>
+          </a:p>
+          <a:p>
+            <a:pPr algn="just"/>
+            <a:r>
+              <a:rPr lang="sk-SK" dirty="0"/>
+              <a:t>Za interné </a:t>
+            </a:r>
+            <a:r>
+              <a:rPr lang="sk-SK" dirty="0" err="1"/>
+              <a:t>dotazovanie</a:t>
+            </a:r>
+            <a:r>
+              <a:rPr lang="sk-SK" dirty="0"/>
+              <a:t> sa neplatí (kontrola stavu asynchrónnej funkcie)</a:t>
+            </a:r>
+          </a:p>
+          <a:p>
+            <a:pPr algn="just"/>
+            <a:r>
+              <a:rPr lang="sk-SK" dirty="0"/>
+              <a:t>Platí sa za operácie s </a:t>
+            </a:r>
+            <a:r>
+              <a:rPr lang="sk-SK" dirty="0" err="1"/>
+              <a:t>Azure</a:t>
+            </a:r>
+            <a:r>
+              <a:rPr lang="sk-SK" dirty="0"/>
+              <a:t> </a:t>
+            </a:r>
+            <a:r>
+              <a:rPr lang="sk-SK" dirty="0" err="1"/>
+              <a:t>Storage</a:t>
+            </a:r>
+            <a:r>
+              <a:rPr lang="sk-SK" dirty="0"/>
+              <a:t> súvisiace s ukladaním stavu</a:t>
+            </a:r>
+          </a:p>
+        </p:txBody>
+      </p:sp>
     </p:spTree>
     <p:extLst>
       <p:ext uri="{BB962C8B-B14F-4D97-AF65-F5344CB8AC3E}">
-        <p14:creationId xmlns:p14="http://schemas.microsoft.com/office/powerpoint/2010/main" val="2401109953"/>
+        <p14:creationId xmlns:p14="http://schemas.microsoft.com/office/powerpoint/2010/main" val="3061368313"/>
       </p:ext>
     </p:extLst>
   </p:cSld>
@@ -9493,6 +9509,115 @@
           <p:cNvPr id="2" name="Nadpis 1">
             <a:extLst>
               <a:ext uri="{FF2B5EF4-FFF2-40B4-BE49-F238E27FC236}">
+                <a16:creationId xmlns:a16="http://schemas.microsoft.com/office/drawing/2014/main" id="{EA99B69B-9EF6-4135-964D-EB9806BD46FE}"/>
+              </a:ext>
+            </a:extLst>
+          </p:cNvPr>
+          <p:cNvSpPr>
+            <a:spLocks noGrp="1"/>
+          </p:cNvSpPr>
+          <p:nvPr>
+            <p:ph type="title"/>
+          </p:nvPr>
+        </p:nvSpPr>
+        <p:spPr/>
+        <p:txBody>
+          <a:bodyPr/>
+          <a:lstStyle/>
+          <a:p>
+            <a:pPr algn="l"/>
+            <a:r>
+              <a:rPr lang="sk-SK" dirty="0"/>
+              <a:t>DEMO – </a:t>
+            </a:r>
+            <a:r>
+              <a:rPr lang="sk-SK" dirty="0" err="1"/>
+              <a:t>Fan</a:t>
+            </a:r>
+            <a:r>
+              <a:rPr lang="sk-SK" dirty="0"/>
+              <a:t> </a:t>
+            </a:r>
+            <a:r>
+              <a:rPr lang="sk-SK" dirty="0" err="1"/>
+              <a:t>out</a:t>
+            </a:r>
+            <a:r>
+              <a:rPr lang="sk-SK" dirty="0"/>
+              <a:t>/</a:t>
+            </a:r>
+            <a:r>
+              <a:rPr lang="sk-SK" dirty="0" err="1"/>
+              <a:t>fan</a:t>
+            </a:r>
+            <a:r>
+              <a:rPr lang="sk-SK"/>
+              <a:t> in</a:t>
+            </a:r>
+            <a:endParaRPr lang="sk-SK" dirty="0"/>
+          </a:p>
+        </p:txBody>
+      </p:sp>
+      <p:sp>
+        <p:nvSpPr>
+          <p:cNvPr id="3" name="Zástupný text 2">
+            <a:extLst>
+              <a:ext uri="{FF2B5EF4-FFF2-40B4-BE49-F238E27FC236}">
+                <a16:creationId xmlns:a16="http://schemas.microsoft.com/office/drawing/2014/main" id="{7E70D53C-0FF4-4F90-87A6-20EF107D066D}"/>
+              </a:ext>
+            </a:extLst>
+          </p:cNvPr>
+          <p:cNvSpPr>
+            <a:spLocks noGrp="1"/>
+          </p:cNvSpPr>
+          <p:nvPr>
+            <p:ph type="body" idx="1"/>
+          </p:nvPr>
+        </p:nvSpPr>
+        <p:spPr/>
+        <p:txBody>
+          <a:bodyPr/>
+          <a:lstStyle/>
+          <a:p>
+            <a:endParaRPr lang="sk-SK" dirty="0"/>
+          </a:p>
+        </p:txBody>
+      </p:sp>
+    </p:spTree>
+    <p:extLst>
+      <p:ext uri="{BB962C8B-B14F-4D97-AF65-F5344CB8AC3E}">
+        <p14:creationId xmlns:p14="http://schemas.microsoft.com/office/powerpoint/2010/main" val="608097345"/>
+      </p:ext>
+    </p:extLst>
+  </p:cSld>
+  <p:clrMapOvr>
+    <a:masterClrMapping/>
+  </p:clrMapOvr>
+</p:sld>
+</file>
+
+<file path=ppt/slides/slide22.xml><?xml version="1.0" encoding="utf-8"?>
+<p:sld xmlns:a="http://schemas.openxmlformats.org/drawingml/2006/main" xmlns:r="http://schemas.openxmlformats.org/officeDocument/2006/relationships" xmlns:p="http://schemas.openxmlformats.org/presentationml/2006/main">
+  <p:cSld>
+    <p:spTree>
+      <p:nvGrpSpPr>
+        <p:cNvPr id="1" name=""/>
+        <p:cNvGrpSpPr/>
+        <p:nvPr/>
+      </p:nvGrpSpPr>
+      <p:grpSpPr>
+        <a:xfrm>
+          <a:off x="0" y="0"/>
+          <a:ext cx="0" cy="0"/>
+          <a:chOff x="0" y="0"/>
+          <a:chExt cx="0" cy="0"/>
+        </a:xfrm>
+      </p:grpSpPr>
+      <p:sp>
+        <p:nvSpPr>
+          <p:cNvPr id="2" name="Nadpis 1">
+            <a:extLst>
+              <a:ext uri="{FF2B5EF4-FFF2-40B4-BE49-F238E27FC236}">
                 <a16:creationId xmlns:a16="http://schemas.microsoft.com/office/drawing/2014/main" id="{3B2B029D-E4ED-4401-893C-58C7C17E7BB4}"/>
               </a:ext>
             </a:extLst>
@@ -9606,7 +9731,7 @@
 </p:sld>
 </file>
 
-<file path=ppt/slides/slide22.xml><?xml version="1.0" encoding="utf-8"?>
+<file path=ppt/slides/slide23.xml><?xml version="1.0" encoding="utf-8"?>
 <p:sld xmlns:a="http://schemas.openxmlformats.org/drawingml/2006/main" xmlns:r="http://schemas.openxmlformats.org/officeDocument/2006/relationships" xmlns:p="http://schemas.openxmlformats.org/presentationml/2006/main">
   <p:cSld>
     <p:spTree>
@@ -9714,176 +9839,6 @@
 </p:sld>
 </file>
 
-<file path=ppt/slides/slide23.xml><?xml version="1.0" encoding="utf-8"?>
-<p:sld xmlns:a="http://schemas.openxmlformats.org/drawingml/2006/main" xmlns:r="http://schemas.openxmlformats.org/officeDocument/2006/relationships" xmlns:p="http://schemas.openxmlformats.org/presentationml/2006/main">
-  <p:cSld>
-    <p:spTree>
-      <p:nvGrpSpPr>
-        <p:cNvPr id="1" name=""/>
-        <p:cNvGrpSpPr/>
-        <p:nvPr/>
-      </p:nvGrpSpPr>
-      <p:grpSpPr>
-        <a:xfrm>
-          <a:off x="0" y="0"/>
-          <a:ext cx="0" cy="0"/>
-          <a:chOff x="0" y="0"/>
-          <a:chExt cx="0" cy="0"/>
-        </a:xfrm>
-      </p:grpSpPr>
-      <p:sp>
-        <p:nvSpPr>
-          <p:cNvPr id="2" name="Nadpis 1">
-            <a:extLst>
-              <a:ext uri="{FF2B5EF4-FFF2-40B4-BE49-F238E27FC236}">
-                <a16:creationId xmlns:a16="http://schemas.microsoft.com/office/drawing/2014/main" id="{1029C316-F235-4104-A82C-A822DBC6F569}"/>
-              </a:ext>
-            </a:extLst>
-          </p:cNvPr>
-          <p:cNvSpPr>
-            <a:spLocks noGrp="1"/>
-          </p:cNvSpPr>
-          <p:nvPr>
-            <p:ph type="title"/>
-          </p:nvPr>
-        </p:nvSpPr>
-        <p:spPr/>
-        <p:txBody>
-          <a:bodyPr/>
-          <a:lstStyle/>
-          <a:p>
-            <a:pPr algn="l"/>
-            <a:r>
-              <a:rPr lang="sk-SK" dirty="0"/>
-              <a:t>HTTP API pre </a:t>
-            </a:r>
-            <a:r>
-              <a:rPr lang="sk-SK" dirty="0" err="1"/>
-              <a:t>Durable</a:t>
-            </a:r>
-            <a:r>
-              <a:rPr lang="sk-SK" dirty="0"/>
-              <a:t> </a:t>
-            </a:r>
-            <a:r>
-              <a:rPr lang="sk-SK" dirty="0" err="1"/>
-              <a:t>functions</a:t>
-            </a:r>
-            <a:endParaRPr lang="sk-SK" dirty="0"/>
-          </a:p>
-        </p:txBody>
-      </p:sp>
-      <p:sp>
-        <p:nvSpPr>
-          <p:cNvPr id="3" name="Zástupný objekt pre obsah 2">
-            <a:extLst>
-              <a:ext uri="{FF2B5EF4-FFF2-40B4-BE49-F238E27FC236}">
-                <a16:creationId xmlns:a16="http://schemas.microsoft.com/office/drawing/2014/main" id="{1B311E6E-C010-487B-9B6E-ADF82C240954}"/>
-              </a:ext>
-            </a:extLst>
-          </p:cNvPr>
-          <p:cNvSpPr>
-            <a:spLocks noGrp="1"/>
-          </p:cNvSpPr>
-          <p:nvPr>
-            <p:ph idx="1"/>
-          </p:nvPr>
-        </p:nvSpPr>
-        <p:spPr/>
-        <p:txBody>
-          <a:bodyPr/>
-          <a:lstStyle/>
-          <a:p>
-            <a:r>
-              <a:rPr lang="en-US" b="1" dirty="0" err="1"/>
-              <a:t>baseUrl</a:t>
-            </a:r>
-            <a:r>
-              <a:rPr lang="en-US" dirty="0"/>
-              <a:t> = URL pre Function App</a:t>
-            </a:r>
-          </a:p>
-          <a:p>
-            <a:r>
-              <a:rPr lang="sk-SK" dirty="0" err="1"/>
-              <a:t>Query</a:t>
-            </a:r>
-            <a:r>
-              <a:rPr lang="sk-SK" dirty="0"/>
-              <a:t> p</a:t>
-            </a:r>
-            <a:r>
-              <a:rPr lang="en-US" dirty="0" err="1"/>
-              <a:t>arametre</a:t>
-            </a:r>
-            <a:r>
-              <a:rPr lang="en-US" dirty="0"/>
-              <a:t> v ka</a:t>
-            </a:r>
-            <a:r>
-              <a:rPr lang="sk-SK" dirty="0" err="1"/>
-              <a:t>ždom</a:t>
-            </a:r>
-            <a:r>
-              <a:rPr lang="sk-SK" dirty="0"/>
-              <a:t> dotaze:</a:t>
-            </a:r>
-            <a:endParaRPr lang="en-US" dirty="0"/>
-          </a:p>
-          <a:p>
-            <a:pPr lvl="1"/>
-            <a:r>
-              <a:rPr lang="en-US" b="1" dirty="0"/>
-              <a:t>task</a:t>
-            </a:r>
-            <a:r>
-              <a:rPr lang="sk-SK" b="1" dirty="0"/>
-              <a:t>H</a:t>
-            </a:r>
-            <a:r>
-              <a:rPr lang="en-US" b="1" dirty="0" err="1"/>
-              <a:t>ub</a:t>
-            </a:r>
-            <a:endParaRPr lang="sk-SK" dirty="0"/>
-          </a:p>
-          <a:p>
-            <a:pPr lvl="1"/>
-            <a:r>
-              <a:rPr lang="sk-SK" b="1" dirty="0" err="1"/>
-              <a:t>connection</a:t>
-            </a:r>
-            <a:endParaRPr lang="sk-SK" b="1" dirty="0"/>
-          </a:p>
-          <a:p>
-            <a:pPr lvl="1"/>
-            <a:r>
-              <a:rPr lang="sk-SK" b="1" dirty="0" err="1"/>
-              <a:t>code</a:t>
-            </a:r>
-            <a:r>
-              <a:rPr lang="sk-SK" b="1" dirty="0"/>
-              <a:t> </a:t>
-            </a:r>
-            <a:r>
-              <a:rPr lang="sk-SK" dirty="0"/>
-              <a:t>– autorizačný kľúč potrebný na použitie API</a:t>
-            </a:r>
-          </a:p>
-        </p:txBody>
-      </p:sp>
-    </p:spTree>
-    <p:extLst>
-      <p:ext uri="{BB962C8B-B14F-4D97-AF65-F5344CB8AC3E}">
-        <p14:creationId xmlns:p14="http://schemas.microsoft.com/office/powerpoint/2010/main" val="3428005325"/>
-      </p:ext>
-    </p:extLst>
-  </p:cSld>
-  <p:clrMapOvr>
-    <a:masterClrMapping/>
-  </p:clrMapOvr>
-</p:sld>
-</file>
-
 <file path=ppt/slides/slide24.xml><?xml version="1.0" encoding="utf-8"?>
 <p:sld xmlns:a="http://schemas.openxmlformats.org/drawingml/2006/main" xmlns:r="http://schemas.openxmlformats.org/officeDocument/2006/relationships" xmlns:p="http://schemas.openxmlformats.org/presentationml/2006/main">
   <p:cSld>
@@ -9925,8 +9880,21 @@
             <a:pPr algn="l"/>
             <a:r>
               <a:rPr lang="sk-SK" dirty="0"/>
-              <a:t>Spustenie orchestrácie</a:t>
-            </a:r>
+              <a:t>HTTP API pre </a:t>
+            </a:r>
+            <a:r>
+              <a:rPr lang="sk-SK" dirty="0" err="1"/>
+              <a:t>Durable</a:t>
+            </a:r>
+            <a:r>
+              <a:rPr lang="sk-SK" dirty="0"/>
+              <a:t> </a:t>
+            </a:r>
+            <a:r>
+              <a:rPr lang="sk-SK" dirty="0" err="1"/>
+              <a:t>functions</a:t>
+            </a:r>
+            <a:endParaRPr lang="sk-SK" dirty="0"/>
           </a:p>
         </p:txBody>
       </p:sp>
@@ -9948,157 +9916,90 @@
         </p:nvSpPr>
         <p:spPr/>
         <p:txBody>
-          <a:bodyPr>
-            <a:normAutofit fontScale="85000" lnSpcReduction="10000"/>
-          </a:bodyPr>
+          <a:bodyPr/>
           <a:lstStyle/>
           <a:p>
             <a:r>
+              <a:rPr lang="en-US" b="1" dirty="0" err="1"/>
+              <a:t>baseUrl</a:t>
+            </a:r>
+            <a:r>
+              <a:rPr lang="en-US" dirty="0"/>
+              <a:t> = URL pre Function App</a:t>
+            </a:r>
+          </a:p>
+          <a:p>
+            <a:r>
+              <a:rPr lang="sk-SK" dirty="0" err="1"/>
+              <a:t>Query</a:t>
+            </a:r>
+            <a:r>
+              <a:rPr lang="sk-SK" dirty="0"/>
+              <a:t> p</a:t>
+            </a:r>
+            <a:r>
+              <a:rPr lang="en-US" dirty="0" err="1"/>
+              <a:t>arametre</a:t>
+            </a:r>
+            <a:r>
+              <a:rPr lang="en-US" dirty="0"/>
+              <a:t> v ka</a:t>
+            </a:r>
+            <a:r>
+              <a:rPr lang="sk-SK" dirty="0" err="1"/>
+              <a:t>ždom</a:t>
+            </a:r>
+            <a:r>
+              <a:rPr lang="sk-SK" dirty="0"/>
+              <a:t> dotaze:</a:t>
+            </a:r>
+            <a:endParaRPr lang="en-US" dirty="0"/>
+          </a:p>
+          <a:p>
+            <a:pPr lvl="1"/>
+            <a:r>
+              <a:rPr lang="en-US" b="1" dirty="0"/>
+              <a:t>task</a:t>
+            </a:r>
+            <a:r>
               <a:rPr lang="sk-SK" b="1" dirty="0"/>
-              <a:t>POST </a:t>
-            </a:r>
-            <a:r>
-              <a:rPr lang="sk-SK" b="1" i="1" dirty="0"/>
-              <a:t>/</a:t>
-            </a:r>
-            <a:r>
-              <a:rPr lang="sk-SK" b="1" i="1" dirty="0" err="1"/>
-              <a:t>runtime</a:t>
-            </a:r>
-            <a:r>
-              <a:rPr lang="sk-SK" b="1" i="1" dirty="0"/>
-              <a:t>/</a:t>
-            </a:r>
-            <a:r>
-              <a:rPr lang="sk-SK" b="1" i="1" dirty="0" err="1"/>
-              <a:t>webhooks</a:t>
-            </a:r>
-            <a:r>
-              <a:rPr lang="sk-SK" b="1" i="1" dirty="0"/>
-              <a:t>/</a:t>
-            </a:r>
-            <a:r>
-              <a:rPr lang="sk-SK" b="1" i="1" dirty="0" err="1"/>
-              <a:t>durabletask</a:t>
-            </a:r>
-            <a:r>
-              <a:rPr lang="sk-SK" b="1" i="1" dirty="0"/>
-              <a:t>/</a:t>
-            </a:r>
-            <a:r>
-              <a:rPr lang="sk-SK" b="1" i="1" dirty="0" err="1"/>
-              <a:t>orchestrators</a:t>
-            </a:r>
-            <a:r>
-              <a:rPr lang="sk-SK" b="1" i="1" dirty="0"/>
-              <a:t>/{</a:t>
-            </a:r>
-            <a:r>
-              <a:rPr lang="sk-SK" b="1" i="1" dirty="0" err="1"/>
-              <a:t>functionName</a:t>
-            </a:r>
-            <a:r>
-              <a:rPr lang="sk-SK" b="1" i="1" dirty="0"/>
-              <a:t>}/{</a:t>
-            </a:r>
-            <a:r>
-              <a:rPr lang="sk-SK" b="1" i="1" dirty="0" err="1"/>
-              <a:t>instanceId</a:t>
-            </a:r>
-            <a:r>
-              <a:rPr lang="sk-SK" b="1" i="1" dirty="0"/>
-              <a:t>?}</a:t>
-            </a:r>
-          </a:p>
-          <a:p>
-            <a:r>
-              <a:rPr lang="sk-SK" dirty="0"/>
-              <a:t>URL parametre:</a:t>
-            </a:r>
+              <a:t>H</a:t>
+            </a:r>
+            <a:r>
+              <a:rPr lang="en-US" b="1" dirty="0" err="1"/>
+              <a:t>ub</a:t>
+            </a:r>
+            <a:endParaRPr lang="sk-SK" dirty="0"/>
           </a:p>
           <a:p>
             <a:pPr lvl="1"/>
             <a:r>
-              <a:rPr lang="sk-SK" b="1" i="1" dirty="0" err="1"/>
-              <a:t>functionName</a:t>
-            </a:r>
-            <a:r>
-              <a:rPr lang="sk-SK" dirty="0"/>
-              <a:t> – názov OF</a:t>
-            </a:r>
+              <a:rPr lang="sk-SK" b="1" dirty="0" err="1"/>
+              <a:t>connection</a:t>
+            </a:r>
+            <a:endParaRPr lang="sk-SK" b="1" dirty="0"/>
           </a:p>
           <a:p>
             <a:pPr lvl="1"/>
             <a:r>
-              <a:rPr lang="sk-SK" b="1" i="1" dirty="0" err="1"/>
-              <a:t>instanceId</a:t>
-            </a:r>
-            <a:r>
-              <a:rPr lang="sk-SK" dirty="0"/>
-              <a:t> – ID pre novú inštanciu (ak nie je zadané, vygeneruje sa náhodne)</a:t>
-            </a:r>
-          </a:p>
-          <a:p>
-            <a:r>
-              <a:rPr lang="sk-SK" dirty="0"/>
-              <a:t>Telo (JSON): vstup pre OF</a:t>
-            </a:r>
-          </a:p>
-          <a:p>
-            <a:r>
-              <a:rPr lang="sk-SK" dirty="0"/>
-              <a:t>Odpovede:</a:t>
-            </a:r>
-          </a:p>
-          <a:p>
-            <a:pPr lvl="1"/>
-            <a:r>
-              <a:rPr lang="sk-SK" b="1" i="1" dirty="0"/>
-              <a:t>HTTP 202 </a:t>
-            </a:r>
-            <a:r>
-              <a:rPr lang="sk-SK" dirty="0"/>
-              <a:t>– bolo naplánované spustenie OF</a:t>
-            </a:r>
-          </a:p>
-          <a:p>
-            <a:pPr lvl="1"/>
-            <a:r>
-              <a:rPr lang="sk-SK" b="1" i="1" dirty="0"/>
-              <a:t>HTTP 400 </a:t>
-            </a:r>
-            <a:r>
-              <a:rPr lang="sk-SK" dirty="0"/>
-              <a:t>– OF neexistuje / </a:t>
-            </a:r>
-            <a:r>
-              <a:rPr lang="sk-SK" i="1" dirty="0" err="1"/>
-              <a:t>instanceId</a:t>
-            </a:r>
-            <a:r>
-              <a:rPr lang="sk-SK" dirty="0"/>
-              <a:t> nie je </a:t>
-            </a:r>
-            <a:r>
-              <a:rPr lang="sk-SK" dirty="0" err="1"/>
-              <a:t>validné</a:t>
-            </a:r>
-            <a:r>
-              <a:rPr lang="sk-SK" dirty="0"/>
-              <a:t> / telo správy nie je </a:t>
-            </a:r>
-            <a:r>
-              <a:rPr lang="sk-SK" dirty="0" err="1"/>
-              <a:t>validné</a:t>
-            </a:r>
-            <a:endParaRPr lang="sk-SK" dirty="0"/>
+              <a:rPr lang="sk-SK" b="1" dirty="0" err="1"/>
+              <a:t>code</a:t>
+            </a:r>
+            <a:r>
+              <a:rPr lang="sk-SK" b="1" dirty="0"/>
+              <a:t> </a:t>
+            </a:r>
+            <a:r>
+              <a:rPr lang="sk-SK" dirty="0"/>
+              <a:t>– autorizačný kľúč potrebný na použitie API</a:t>
+            </a:r>
           </a:p>
         </p:txBody>
       </p:sp>
     </p:spTree>
     <p:extLst>
       <p:ext uri="{BB962C8B-B14F-4D97-AF65-F5344CB8AC3E}">
-        <p14:creationId xmlns:p14="http://schemas.microsoft.com/office/powerpoint/2010/main" val="2282699721"/>
+        <p14:creationId xmlns:p14="http://schemas.microsoft.com/office/powerpoint/2010/main" val="161227294"/>
       </p:ext>
     </p:extLst>
   </p:cSld>
@@ -10417,7 +10318,7 @@
     </p:spTree>
     <p:extLst>
       <p:ext uri="{BB962C8B-B14F-4D97-AF65-F5344CB8AC3E}">
-        <p14:creationId xmlns:p14="http://schemas.microsoft.com/office/powerpoint/2010/main" val="701024382"/>
+        <p14:creationId xmlns:p14="http://schemas.microsoft.com/office/powerpoint/2010/main" val="2420190085"/>
       </p:ext>
     </p:extLst>
   </p:cSld>
@@ -10449,7 +10350,7 @@
           <p:cNvPr id="2" name="Nadpis 1">
             <a:extLst>
               <a:ext uri="{FF2B5EF4-FFF2-40B4-BE49-F238E27FC236}">
-                <a16:creationId xmlns:a16="http://schemas.microsoft.com/office/drawing/2014/main" id="{1029C316-F235-4104-A82C-A822DBC6F569}"/>
+                <a16:creationId xmlns:a16="http://schemas.microsoft.com/office/drawing/2014/main" id="{EA99B69B-9EF6-4135-964D-EB9806BD46FE}"/>
               </a:ext>
             </a:extLst>
           </p:cNvPr>
@@ -10468,17 +10369,30 @@
             <a:pPr algn="l"/>
             <a:r>
               <a:rPr lang="sk-SK" dirty="0"/>
-              <a:t>Zistenie stavu všetkých inštancií OF</a:t>
-            </a:r>
-          </a:p>
-        </p:txBody>
-      </p:sp>
-      <p:sp>
-        <p:nvSpPr>
-          <p:cNvPr id="3" name="Zástupný objekt pre obsah 2">
+              <a:t>DEMO – </a:t>
+            </a:r>
+            <a:r>
+              <a:rPr lang="sk-SK" dirty="0" err="1"/>
+              <a:t>Async</a:t>
+            </a:r>
+            <a:r>
+              <a:rPr lang="sk-SK" dirty="0"/>
+              <a:t> HTTP </a:t>
+            </a:r>
+            <a:r>
+              <a:rPr lang="sk-SK" dirty="0" err="1"/>
+              <a:t>APIs</a:t>
+            </a:r>
+            <a:endParaRPr lang="sk-SK" dirty="0"/>
+          </a:p>
+        </p:txBody>
+      </p:sp>
+      <p:sp>
+        <p:nvSpPr>
+          <p:cNvPr id="3" name="Zástupný text 2">
             <a:extLst>
               <a:ext uri="{FF2B5EF4-FFF2-40B4-BE49-F238E27FC236}">
-                <a16:creationId xmlns:a16="http://schemas.microsoft.com/office/drawing/2014/main" id="{1B311E6E-C010-487B-9B6E-ADF82C240954}"/>
+                <a16:creationId xmlns:a16="http://schemas.microsoft.com/office/drawing/2014/main" id="{7E70D53C-0FF4-4F90-87A6-20EF107D066D}"/>
               </a:ext>
             </a:extLst>
           </p:cNvPr>
@@ -10486,169 +10400,22 @@
             <a:spLocks noGrp="1"/>
           </p:cNvSpPr>
           <p:nvPr>
-            <p:ph idx="1"/>
+            <p:ph type="body" idx="1"/>
           </p:nvPr>
         </p:nvSpPr>
         <p:spPr/>
         <p:txBody>
-          <a:bodyPr>
-            <a:normAutofit fontScale="92500"/>
-          </a:bodyPr>
+          <a:bodyPr/>
           <a:lstStyle/>
           <a:p>
-            <a:r>
-              <a:rPr lang="sk-SK" b="1" dirty="0"/>
-              <a:t>GET </a:t>
-            </a:r>
-            <a:r>
-              <a:rPr lang="sk-SK" b="1" i="1" dirty="0"/>
-              <a:t>/</a:t>
-            </a:r>
-            <a:r>
-              <a:rPr lang="sk-SK" b="1" i="1" dirty="0" err="1"/>
-              <a:t>runtime</a:t>
-            </a:r>
-            <a:r>
-              <a:rPr lang="sk-SK" b="1" i="1" dirty="0"/>
-              <a:t>/</a:t>
-            </a:r>
-            <a:r>
-              <a:rPr lang="sk-SK" b="1" i="1" dirty="0" err="1"/>
-              <a:t>webhooks</a:t>
-            </a:r>
-            <a:r>
-              <a:rPr lang="sk-SK" b="1" i="1" dirty="0"/>
-              <a:t>/</a:t>
-            </a:r>
-            <a:r>
-              <a:rPr lang="sk-SK" b="1" i="1" dirty="0" err="1"/>
-              <a:t>durabletask</a:t>
-            </a:r>
-            <a:r>
-              <a:rPr lang="sk-SK" b="1" i="1" dirty="0"/>
-              <a:t>/</a:t>
-            </a:r>
-            <a:r>
-              <a:rPr lang="sk-SK" b="1" i="1" dirty="0" err="1"/>
-              <a:t>instances</a:t>
-            </a:r>
-            <a:endParaRPr lang="sk-SK" b="1" i="1" dirty="0"/>
-          </a:p>
-          <a:p>
-            <a:r>
-              <a:rPr lang="sk-SK" dirty="0" err="1"/>
-              <a:t>Query</a:t>
-            </a:r>
-            <a:r>
-              <a:rPr lang="sk-SK" dirty="0"/>
-              <a:t> parametre (všetky sú voliteľné):</a:t>
-            </a:r>
-          </a:p>
-          <a:p>
-            <a:pPr lvl="1"/>
-            <a:r>
-              <a:rPr lang="sk-SK" b="1" i="1" dirty="0" err="1"/>
-              <a:t>showInput</a:t>
-            </a:r>
-            <a:r>
-              <a:rPr lang="sk-SK" dirty="0"/>
-              <a:t>, </a:t>
-            </a:r>
-            <a:r>
-              <a:rPr lang="sk-SK" b="1" i="1" dirty="0" err="1"/>
-              <a:t>showHistory</a:t>
-            </a:r>
-            <a:r>
-              <a:rPr lang="sk-SK" dirty="0"/>
-              <a:t>, </a:t>
-            </a:r>
-            <a:r>
-              <a:rPr lang="sk-SK" b="1" i="1" dirty="0" err="1"/>
-              <a:t>showHistoryOutput</a:t>
-            </a:r>
             <a:endParaRPr lang="sk-SK" dirty="0"/>
-          </a:p>
-          <a:p>
-            <a:pPr lvl="1"/>
-            <a:r>
-              <a:rPr lang="sk-SK" b="1" i="1" dirty="0" err="1"/>
-              <a:t>createdTimeFrom</a:t>
-            </a:r>
-            <a:r>
-              <a:rPr lang="sk-SK" dirty="0"/>
-              <a:t>, </a:t>
-            </a:r>
-            <a:r>
-              <a:rPr lang="sk-SK" b="1" i="1" dirty="0" err="1"/>
-              <a:t>createdTimeTo</a:t>
-            </a:r>
-            <a:r>
-              <a:rPr lang="sk-SK" dirty="0"/>
-              <a:t> – možnosť filtrovať podľa dátumu vytvorenia</a:t>
-            </a:r>
-          </a:p>
-          <a:p>
-            <a:pPr lvl="1"/>
-            <a:r>
-              <a:rPr lang="sk-SK" b="1" i="1" dirty="0" err="1"/>
-              <a:t>runtimeStatus</a:t>
-            </a:r>
-            <a:r>
-              <a:rPr lang="sk-SK" dirty="0"/>
-              <a:t> – možnosť filtrovať podľa stavu inštancie (</a:t>
-            </a:r>
-            <a:r>
-              <a:rPr lang="sk-SK" dirty="0" err="1"/>
-              <a:t>Pending</a:t>
-            </a:r>
-            <a:r>
-              <a:rPr lang="sk-SK" dirty="0"/>
-              <a:t>, </a:t>
-            </a:r>
-            <a:r>
-              <a:rPr lang="sk-SK" dirty="0" err="1"/>
-              <a:t>Running</a:t>
-            </a:r>
-            <a:r>
-              <a:rPr lang="sk-SK" dirty="0"/>
-              <a:t>, ...)</a:t>
-            </a:r>
-          </a:p>
-          <a:p>
-            <a:pPr lvl="1"/>
-            <a:r>
-              <a:rPr lang="sk-SK" b="1" i="1" dirty="0"/>
-              <a:t>top</a:t>
-            </a:r>
-            <a:r>
-              <a:rPr lang="sk-SK" dirty="0"/>
-              <a:t> – obmedzenie na počet vrátených inštancií</a:t>
-            </a:r>
-          </a:p>
-          <a:p>
-            <a:r>
-              <a:rPr lang="sk-SK" dirty="0"/>
-              <a:t>Stránkovanie je zabezpečené prostredníctvom hlavičky </a:t>
-            </a:r>
-            <a:r>
-              <a:rPr lang="sk-SK" b="1" dirty="0"/>
-              <a:t>x-ms-</a:t>
-            </a:r>
-            <a:r>
-              <a:rPr lang="sk-SK" b="1" dirty="0" err="1"/>
-              <a:t>continuation</a:t>
-            </a:r>
-            <a:r>
-              <a:rPr lang="sk-SK" b="1" dirty="0"/>
-              <a:t>-token</a:t>
-            </a:r>
           </a:p>
         </p:txBody>
       </p:sp>
     </p:spTree>
     <p:extLst>
       <p:ext uri="{BB962C8B-B14F-4D97-AF65-F5344CB8AC3E}">
-        <p14:creationId xmlns:p14="http://schemas.microsoft.com/office/powerpoint/2010/main" val="3730192518"/>
+        <p14:creationId xmlns:p14="http://schemas.microsoft.com/office/powerpoint/2010/main" val="1108033011"/>
       </p:ext>
     </p:extLst>
   </p:cSld>
@@ -10699,7 +10466,7 @@
             <a:pPr algn="l"/>
             <a:r>
               <a:rPr lang="sk-SK" dirty="0"/>
-              <a:t>Vymazanie histórie pre jednu inštanciu OF</a:t>
+              <a:t>Spustenie orchestrácie</a:t>
             </a:r>
           </a:p>
         </p:txBody>
@@ -10723,13 +10490,13 @@
         <p:spPr/>
         <p:txBody>
           <a:bodyPr>
-            <a:normAutofit/>
+            <a:normAutofit fontScale="85000" lnSpcReduction="10000"/>
           </a:bodyPr>
           <a:lstStyle/>
           <a:p>
             <a:r>
               <a:rPr lang="sk-SK" b="1" dirty="0"/>
-              <a:t>DELETE </a:t>
+              <a:t>POST </a:t>
             </a:r>
             <a:r>
               <a:rPr lang="sk-SK" b="1" i="1" dirty="0"/>
@@ -10761,25 +10528,62 @@
             </a:r>
             <a:r>
               <a:rPr lang="sk-SK" b="1" i="1" dirty="0" err="1"/>
-              <a:t>instances</a:t>
+              <a:t>orchestrators</a:t>
             </a:r>
             <a:r>
               <a:rPr lang="sk-SK" b="1" i="1" dirty="0"/>
-              <a:t>/</a:t>
-            </a:r>
-            <a:r>
-              <a:rPr lang="en-US" b="1" i="1" dirty="0"/>
-              <a:t>{</a:t>
-            </a:r>
-            <a:r>
-              <a:rPr lang="en-US" b="1" i="1" dirty="0" err="1"/>
+              <a:t>/{</a:t>
+            </a:r>
+            <a:r>
+              <a:rPr lang="sk-SK" b="1" i="1" dirty="0" err="1"/>
+              <a:t>functionName</a:t>
+            </a:r>
+            <a:r>
+              <a:rPr lang="sk-SK" b="1" i="1" dirty="0"/>
+              <a:t>}/{</a:t>
+            </a:r>
+            <a:r>
+              <a:rPr lang="sk-SK" b="1" i="1" dirty="0" err="1"/>
               <a:t>instanceId</a:t>
             </a:r>
             <a:r>
-              <a:rPr lang="en-US" b="1" i="1" dirty="0"/>
-              <a:t>}</a:t>
-            </a:r>
-            <a:endParaRPr lang="sk-SK" b="1" i="1" dirty="0"/>
+              <a:rPr lang="sk-SK" b="1" i="1" dirty="0"/>
+              <a:t>?}</a:t>
+            </a:r>
+          </a:p>
+          <a:p>
+            <a:r>
+              <a:rPr lang="sk-SK" dirty="0"/>
+              <a:t>URL parametre:</a:t>
+            </a:r>
+          </a:p>
+          <a:p>
+            <a:pPr lvl="1"/>
+            <a:r>
+              <a:rPr lang="sk-SK" b="1" i="1" dirty="0" err="1"/>
+              <a:t>functionName</a:t>
+            </a:r>
+            <a:r>
+              <a:rPr lang="sk-SK" dirty="0"/>
+              <a:t> – názov OF</a:t>
+            </a:r>
+          </a:p>
+          <a:p>
+            <a:pPr lvl="1"/>
+            <a:r>
+              <a:rPr lang="sk-SK" b="1" i="1" dirty="0" err="1"/>
+              <a:t>instanceId</a:t>
+            </a:r>
+            <a:r>
+              <a:rPr lang="sk-SK" dirty="0"/>
+              <a:t> – ID pre novú inštanciu (ak nie je zadané, vygeneruje sa náhodne)</a:t>
+            </a:r>
+          </a:p>
+          <a:p>
+            <a:r>
+              <a:rPr lang="sk-SK" dirty="0"/>
+              <a:t>Telo (JSON): vstup pre OF</a:t>
+            </a:r>
           </a:p>
           <a:p>
             <a:r>
@@ -10791,47 +10595,51 @@
             <a:pPr lvl="1"/>
             <a:r>
               <a:rPr lang="sk-SK" b="1" i="1" dirty="0"/>
-              <a:t>HTTP 200 </a:t>
-            </a:r>
-            <a:r>
-              <a:rPr lang="sk-SK" dirty="0"/>
-              <a:t>– história úspešne vymazaná</a:t>
+              <a:t>HTTP 202 </a:t>
+            </a:r>
+            <a:r>
+              <a:rPr lang="sk-SK" dirty="0"/>
+              <a:t>– bolo naplánované spustenie OF</a:t>
             </a:r>
           </a:p>
           <a:p>
             <a:pPr lvl="1"/>
             <a:r>
               <a:rPr lang="sk-SK" b="1" i="1" dirty="0"/>
-              <a:t>HTTP 404</a:t>
-            </a:r>
-            <a:r>
-              <a:rPr lang="sk-SK" dirty="0"/>
-              <a:t> – inštancia OF neexistuje</a:t>
-            </a:r>
-          </a:p>
-          <a:p>
-            <a:r>
-              <a:rPr lang="sk-SK" dirty="0"/>
-              <a:t>Návratová hodnota (JSON):</a:t>
-            </a:r>
-          </a:p>
-          <a:p>
-            <a:pPr lvl="1"/>
-            <a:r>
-              <a:rPr lang="sk-SK" b="1" i="1" dirty="0" err="1"/>
-              <a:t>instancesDeleted</a:t>
-            </a:r>
-            <a:r>
-              <a:rPr lang="sk-SK" dirty="0"/>
-              <a:t> – počet zmazaných inštancií, tu vždy 1</a:t>
-            </a:r>
+              <a:t>HTTP 400 </a:t>
+            </a:r>
+            <a:r>
+              <a:rPr lang="sk-SK" dirty="0"/>
+              <a:t>– OF neexistuje / </a:t>
+            </a:r>
+            <a:r>
+              <a:rPr lang="sk-SK" i="1" dirty="0" err="1"/>
+              <a:t>instanceId</a:t>
+            </a:r>
+            <a:r>
+              <a:rPr lang="sk-SK" dirty="0"/>
+              <a:t> nie je </a:t>
+            </a:r>
+            <a:r>
+              <a:rPr lang="sk-SK" dirty="0" err="1"/>
+              <a:t>validné</a:t>
+            </a:r>
+            <a:r>
+              <a:rPr lang="sk-SK" dirty="0"/>
+              <a:t> / telo správy nie je </a:t>
+            </a:r>
+            <a:r>
+              <a:rPr lang="sk-SK" dirty="0" err="1"/>
+              <a:t>validné</a:t>
+            </a:r>
+            <a:endParaRPr lang="sk-SK" dirty="0"/>
           </a:p>
         </p:txBody>
       </p:sp>
     </p:spTree>
     <p:extLst>
       <p:ext uri="{BB962C8B-B14F-4D97-AF65-F5344CB8AC3E}">
-        <p14:creationId xmlns:p14="http://schemas.microsoft.com/office/powerpoint/2010/main" val="2953258924"/>
+        <p14:creationId xmlns:p14="http://schemas.microsoft.com/office/powerpoint/2010/main" val="1415235573"/>
       </p:ext>
     </p:extLst>
   </p:cSld>
@@ -10882,7 +10690,7 @@
             <a:pPr algn="l"/>
             <a:r>
               <a:rPr lang="sk-SK" dirty="0"/>
-              <a:t>Vymazanie histórie pre viacero inštancií OF</a:t>
+              <a:t>Zistenie stavu všetkých inštancií OF</a:t>
             </a:r>
           </a:p>
         </p:txBody>
@@ -10906,13 +10714,13 @@
         <p:spPr/>
         <p:txBody>
           <a:bodyPr>
-            <a:normAutofit fontScale="77500" lnSpcReduction="20000"/>
+            <a:normAutofit fontScale="92500"/>
           </a:bodyPr>
           <a:lstStyle/>
           <a:p>
             <a:r>
               <a:rPr lang="sk-SK" b="1" dirty="0"/>
-              <a:t>DELETE </a:t>
+              <a:t>GET </a:t>
             </a:r>
             <a:r>
               <a:rPr lang="sk-SK" b="1" i="1" dirty="0"/>
@@ -10962,6 +10770,30 @@
             <a:pPr lvl="1"/>
             <a:r>
               <a:rPr lang="sk-SK" b="1" i="1" dirty="0" err="1"/>
+              <a:t>showInput</a:t>
+            </a:r>
+            <a:r>
+              <a:rPr lang="sk-SK" dirty="0"/>
+              <a:t>, </a:t>
+            </a:r>
+            <a:r>
+              <a:rPr lang="sk-SK" b="1" i="1" dirty="0" err="1"/>
+              <a:t>showHistory</a:t>
+            </a:r>
+            <a:r>
+              <a:rPr lang="sk-SK" dirty="0"/>
+              <a:t>, </a:t>
+            </a:r>
+            <a:r>
+              <a:rPr lang="sk-SK" b="1" i="1" dirty="0" err="1"/>
+              <a:t>showHistoryOutput</a:t>
+            </a:r>
+            <a:endParaRPr lang="sk-SK" dirty="0"/>
+          </a:p>
+          <a:p>
+            <a:pPr lvl="1"/>
+            <a:r>
+              <a:rPr lang="sk-SK" b="1" i="1" dirty="0" err="1"/>
               <a:t>createdTimeFrom</a:t>
             </a:r>
             <a:r>
@@ -11005,48 +10837,32 @@
             </a:r>
           </a:p>
           <a:p>
-            <a:r>
-              <a:rPr lang="sk-SK" dirty="0"/>
-              <a:t>Odpovede:</a:t>
-            </a:r>
-          </a:p>
-          <a:p>
             <a:pPr lvl="1"/>
             <a:r>
               <a:rPr lang="sk-SK" b="1" i="1" dirty="0"/>
-              <a:t>HTTP 200 </a:t>
-            </a:r>
-            <a:r>
-              <a:rPr lang="sk-SK" dirty="0"/>
-              <a:t>– história úspešne vymazaná</a:t>
-            </a:r>
-          </a:p>
-          <a:p>
-            <a:pPr lvl="1"/>
-            <a:r>
-              <a:rPr lang="sk-SK" b="1" i="1" dirty="0"/>
-              <a:t>HTTP 404</a:t>
-            </a:r>
-            <a:r>
-              <a:rPr lang="sk-SK" dirty="0"/>
-              <a:t> – neboli žiadne inštancie, ktoré spĺňajú zadané podmienky</a:t>
-            </a:r>
-          </a:p>
-          <a:p>
-            <a:r>
-              <a:rPr lang="sk-SK" dirty="0"/>
-              <a:t>Návratová hodnota (JSON):</a:t>
-            </a:r>
-          </a:p>
-          <a:p>
-            <a:pPr lvl="1"/>
-            <a:r>
-              <a:rPr lang="sk-SK" b="1" i="1" dirty="0" err="1"/>
-              <a:t>instancesDeleted</a:t>
-            </a:r>
-            <a:r>
-              <a:rPr lang="sk-SK" dirty="0"/>
-              <a:t> – počet zmazaných inštancií</a:t>
+              <a:t>top</a:t>
+            </a:r>
+            <a:r>
+              <a:rPr lang="sk-SK" dirty="0"/>
+              <a:t> – obmedzenie na počet vrátených inštancií</a:t>
+            </a:r>
+          </a:p>
+          <a:p>
+            <a:r>
+              <a:rPr lang="sk-SK" dirty="0"/>
+              <a:t>Stránkovanie je zabezpečené prostredníctvom hlavičky </a:t>
+            </a:r>
+            <a:r>
+              <a:rPr lang="sk-SK" b="1" dirty="0"/>
+              <a:t>x-ms-</a:t>
+            </a:r>
+            <a:r>
+              <a:rPr lang="sk-SK" b="1" dirty="0" err="1"/>
+              <a:t>continuation</a:t>
+            </a:r>
+            <a:r>
+              <a:rPr lang="sk-SK" b="1" dirty="0"/>
+              <a:t>-token</a:t>
             </a:r>
           </a:p>
         </p:txBody>
@@ -11054,7 +10870,7 @@
     </p:spTree>
     <p:extLst>
       <p:ext uri="{BB962C8B-B14F-4D97-AF65-F5344CB8AC3E}">
-        <p14:creationId xmlns:p14="http://schemas.microsoft.com/office/powerpoint/2010/main" val="3185018271"/>
+        <p14:creationId xmlns:p14="http://schemas.microsoft.com/office/powerpoint/2010/main" val="279871639"/>
       </p:ext>
     </p:extLst>
   </p:cSld>
@@ -11105,7 +10921,7 @@
             <a:pPr algn="l"/>
             <a:r>
               <a:rPr lang="sk-SK" dirty="0"/>
-              <a:t>Vyvolanie udalosti</a:t>
+              <a:t>Vymazanie histórie pre jednu inštanciu OF</a:t>
             </a:r>
           </a:p>
         </p:txBody>
@@ -11129,13 +10945,13 @@
         <p:spPr/>
         <p:txBody>
           <a:bodyPr>
-            <a:normAutofit fontScale="77500" lnSpcReduction="20000"/>
+            <a:normAutofit/>
           </a:bodyPr>
           <a:lstStyle/>
           <a:p>
             <a:r>
               <a:rPr lang="sk-SK" b="1" dirty="0"/>
-              <a:t>POST </a:t>
+              <a:t>DELETE </a:t>
             </a:r>
             <a:r>
               <a:rPr lang="sk-SK" b="1" i="1" dirty="0"/>
@@ -11185,62 +11001,7 @@
               <a:rPr lang="en-US" b="1" i="1" dirty="0"/>
               <a:t>}</a:t>
             </a:r>
-            <a:r>
-              <a:rPr lang="sk-SK" b="1" i="1" dirty="0"/>
-              <a:t>/</a:t>
-            </a:r>
-            <a:r>
-              <a:rPr lang="sk-SK" b="1" i="1" dirty="0" err="1"/>
-              <a:t>raiseEvent</a:t>
-            </a:r>
-            <a:r>
-              <a:rPr lang="sk-SK" b="1" i="1" dirty="0"/>
-              <a:t>/</a:t>
-            </a:r>
-            <a:r>
-              <a:rPr lang="en-US" b="1" i="1" dirty="0"/>
-              <a:t>{</a:t>
-            </a:r>
-            <a:r>
-              <a:rPr lang="en-US" b="1" i="1" dirty="0" err="1"/>
-              <a:t>eventName</a:t>
-            </a:r>
-            <a:r>
-              <a:rPr lang="en-US" b="1" i="1" dirty="0"/>
-              <a:t>}</a:t>
-            </a:r>
             <a:endParaRPr lang="sk-SK" b="1" i="1" dirty="0"/>
-          </a:p>
-          <a:p>
-            <a:r>
-              <a:rPr lang="sk-SK" dirty="0"/>
-              <a:t>URL parametre:</a:t>
-            </a:r>
-          </a:p>
-          <a:p>
-            <a:pPr lvl="1"/>
-            <a:r>
-              <a:rPr lang="sk-SK" b="1" i="1" dirty="0" err="1"/>
-              <a:t>eventName</a:t>
-            </a:r>
-            <a:r>
-              <a:rPr lang="sk-SK" dirty="0"/>
-              <a:t> – názov udalosti</a:t>
-            </a:r>
-          </a:p>
-          <a:p>
-            <a:r>
-              <a:rPr lang="sk-SK" dirty="0"/>
-              <a:t>Telo (JSON): </a:t>
-            </a:r>
-            <a:r>
-              <a:rPr lang="sk-SK" dirty="0" err="1"/>
-              <a:t>payload</a:t>
-            </a:r>
-            <a:r>
-              <a:rPr lang="sk-SK" dirty="0"/>
-              <a:t> pre udalosť</a:t>
-            </a:r>
           </a:p>
           <a:p>
             <a:r>
@@ -11256,32 +11017,8 @@
             </a:r>
             <a:r>
               <a:rPr lang="sk-SK" dirty="0"/>
-              <a:t>– udalosť úspešne vyvolaná</a:t>
-            </a:r>
-          </a:p>
-          <a:p>
-            <a:pPr lvl="1"/>
-            <a:r>
-              <a:rPr lang="sk-SK" b="1" i="1" dirty="0"/>
-              <a:t>HTTP 400</a:t>
-            </a:r>
-            <a:r>
-              <a:rPr lang="sk-SK" dirty="0"/>
-              <a:t> – </a:t>
-            </a:r>
-            <a:r>
-              <a:rPr lang="sk-SK" dirty="0" err="1"/>
-              <a:t>payload</a:t>
-            </a:r>
-            <a:r>
-              <a:rPr lang="sk-SK" dirty="0"/>
-              <a:t> nie je </a:t>
-            </a:r>
-            <a:r>
-              <a:rPr lang="sk-SK" dirty="0" err="1"/>
-              <a:t>validný</a:t>
-            </a:r>
-            <a:endParaRPr lang="sk-SK" b="1" i="1" dirty="0"/>
+              <a:t>– história úspešne vymazaná</a:t>
+            </a:r>
           </a:p>
           <a:p>
             <a:pPr lvl="1"/>
@@ -11295,23 +11032,28 @@
             </a:r>
           </a:p>
           <a:p>
+            <a:r>
+              <a:rPr lang="sk-SK" dirty="0"/>
+              <a:t>Návratová hodnota (JSON):</a:t>
+            </a:r>
+          </a:p>
+          <a:p>
             <a:pPr lvl="1"/>
             <a:r>
-              <a:rPr lang="sk-SK" b="1" i="1" dirty="0"/>
-              <a:t>HTTP 410</a:t>
-            </a:r>
-            <a:r>
-              <a:rPr lang="sk-SK" dirty="0"/>
-              <a:t> – inštancia OF už dobehla a nemôže prijímať udalosti</a:t>
-            </a:r>
-            <a:endParaRPr lang="sk-SK" b="1" i="1" dirty="0"/>
+              <a:rPr lang="sk-SK" b="1" i="1" dirty="0" err="1"/>
+              <a:t>instancesDeleted</a:t>
+            </a:r>
+            <a:r>
+              <a:rPr lang="sk-SK" dirty="0"/>
+              <a:t> – počet zmazaných inštancií, tu vždy 1</a:t>
+            </a:r>
           </a:p>
         </p:txBody>
       </p:sp>
     </p:spTree>
     <p:extLst>
       <p:ext uri="{BB962C8B-B14F-4D97-AF65-F5344CB8AC3E}">
-        <p14:creationId xmlns:p14="http://schemas.microsoft.com/office/powerpoint/2010/main" val="2478865667"/>
+        <p14:creationId xmlns:p14="http://schemas.microsoft.com/office/powerpoint/2010/main" val="3496742044"/>
       </p:ext>
     </p:extLst>
   </p:cSld>
@@ -11516,7 +11258,7 @@
             <a:pPr algn="l"/>
             <a:r>
               <a:rPr lang="sk-SK" dirty="0"/>
-              <a:t>Ukončenie inštancie</a:t>
+              <a:t>Vymazanie histórie pre viacero inštancií OF</a:t>
             </a:r>
           </a:p>
         </p:txBody>
@@ -11540,13 +11282,13 @@
         <p:spPr/>
         <p:txBody>
           <a:bodyPr>
-            <a:normAutofit lnSpcReduction="10000"/>
+            <a:normAutofit fontScale="77500" lnSpcReduction="20000"/>
           </a:bodyPr>
           <a:lstStyle/>
           <a:p>
             <a:r>
               <a:rPr lang="sk-SK" b="1" dirty="0"/>
-              <a:t>POST </a:t>
+              <a:t>DELETE </a:t>
             </a:r>
             <a:r>
               <a:rPr lang="sk-SK" b="1" i="1" dirty="0"/>
@@ -11580,30 +11322,6 @@
               <a:rPr lang="sk-SK" b="1" i="1" dirty="0" err="1"/>
               <a:t>instances</a:t>
             </a:r>
-            <a:r>
-              <a:rPr lang="sk-SK" b="1" i="1" dirty="0"/>
-              <a:t>/</a:t>
-            </a:r>
-            <a:r>
-              <a:rPr lang="en-US" b="1" i="1" dirty="0"/>
-              <a:t>{</a:t>
-            </a:r>
-            <a:r>
-              <a:rPr lang="en-US" b="1" i="1" dirty="0" err="1"/>
-              <a:t>instanceId</a:t>
-            </a:r>
-            <a:r>
-              <a:rPr lang="en-US" b="1" i="1" dirty="0"/>
-              <a:t>}</a:t>
-            </a:r>
-            <a:r>
-              <a:rPr lang="sk-SK" b="1" i="1" dirty="0"/>
-              <a:t>/</a:t>
-            </a:r>
-            <a:r>
-              <a:rPr lang="sk-SK" b="1" i="1" dirty="0" err="1"/>
-              <a:t>terminate</a:t>
-            </a:r>
             <a:endParaRPr lang="sk-SK" b="1" i="1" dirty="0"/>
           </a:p>
           <a:p>
@@ -11613,18 +11331,53 @@
             </a:r>
             <a:r>
               <a:rPr lang="sk-SK" dirty="0"/>
-              <a:t> parametre:</a:t>
+              <a:t> parametre (všetky sú voliteľné):</a:t>
             </a:r>
           </a:p>
           <a:p>
             <a:pPr lvl="1"/>
             <a:r>
               <a:rPr lang="sk-SK" b="1" i="1" dirty="0" err="1"/>
-              <a:t>reason</a:t>
-            </a:r>
-            <a:r>
-              <a:rPr lang="sk-SK" dirty="0"/>
-              <a:t> – dôvod na ukončenie, voliteľný</a:t>
+              <a:t>createdTimeFrom</a:t>
+            </a:r>
+            <a:r>
+              <a:rPr lang="sk-SK" dirty="0"/>
+              <a:t>, </a:t>
+            </a:r>
+            <a:r>
+              <a:rPr lang="sk-SK" b="1" i="1" dirty="0" err="1"/>
+              <a:t>createdTimeTo</a:t>
+            </a:r>
+            <a:r>
+              <a:rPr lang="sk-SK" dirty="0"/>
+              <a:t> – možnosť filtrovať podľa dátumu vytvorenia</a:t>
+            </a:r>
+          </a:p>
+          <a:p>
+            <a:pPr lvl="1"/>
+            <a:r>
+              <a:rPr lang="sk-SK" b="1" i="1" dirty="0" err="1"/>
+              <a:t>runtimeStatus</a:t>
+            </a:r>
+            <a:r>
+              <a:rPr lang="sk-SK" dirty="0"/>
+              <a:t> – možnosť filtrovať podľa stavu inštancie (</a:t>
+            </a:r>
+            <a:r>
+              <a:rPr lang="sk-SK" dirty="0" err="1"/>
+              <a:t>Pending</a:t>
+            </a:r>
+            <a:r>
+              <a:rPr lang="sk-SK" dirty="0"/>
+              <a:t>, </a:t>
+            </a:r>
+            <a:r>
+              <a:rPr lang="sk-SK" dirty="0" err="1"/>
+              <a:t>Running</a:t>
+            </a:r>
+            <a:r>
+              <a:rPr lang="sk-SK" dirty="0"/>
+              <a:t>, ...)</a:t>
             </a:r>
           </a:p>
           <a:p>
@@ -11637,11 +11390,11 @@
             <a:pPr lvl="1"/>
             <a:r>
               <a:rPr lang="sk-SK" b="1" i="1" dirty="0"/>
-              <a:t>HTTP 202 </a:t>
-            </a:r>
-            <a:r>
-              <a:rPr lang="sk-SK" dirty="0"/>
-              <a:t>– žiadosť o ukončenie úspešne prijatá</a:t>
+              <a:t>HTTP 200 </a:t>
+            </a:r>
+            <a:r>
+              <a:rPr lang="sk-SK" dirty="0"/>
+              <a:t>– história úspešne vymazaná</a:t>
             </a:r>
           </a:p>
           <a:p>
@@ -11652,27 +11405,32 @@
             </a:r>
             <a:r>
               <a:rPr lang="sk-SK" dirty="0"/>
-              <a:t> – inštancia OF neexistuje</a:t>
+              <a:t> – neboli žiadne inštancie, ktoré spĺňajú zadané podmienky</a:t>
+            </a:r>
+          </a:p>
+          <a:p>
+            <a:r>
+              <a:rPr lang="sk-SK" dirty="0"/>
+              <a:t>Návratová hodnota (JSON):</a:t>
             </a:r>
           </a:p>
           <a:p>
             <a:pPr lvl="1"/>
             <a:r>
-              <a:rPr lang="sk-SK" b="1" i="1" dirty="0"/>
-              <a:t>HTTP 410</a:t>
-            </a:r>
-            <a:r>
-              <a:rPr lang="sk-SK" dirty="0"/>
-              <a:t> – inštancia OF už dobehla</a:t>
-            </a:r>
-            <a:endParaRPr lang="sk-SK" b="1" i="1" dirty="0"/>
+              <a:rPr lang="sk-SK" b="1" i="1" dirty="0" err="1"/>
+              <a:t>instancesDeleted</a:t>
+            </a:r>
+            <a:r>
+              <a:rPr lang="sk-SK" dirty="0"/>
+              <a:t> – počet zmazaných inštancií</a:t>
+            </a:r>
           </a:p>
         </p:txBody>
       </p:sp>
     </p:spTree>
     <p:extLst>
       <p:ext uri="{BB962C8B-B14F-4D97-AF65-F5344CB8AC3E}">
-        <p14:creationId xmlns:p14="http://schemas.microsoft.com/office/powerpoint/2010/main" val="3684454325"/>
+        <p14:creationId xmlns:p14="http://schemas.microsoft.com/office/powerpoint/2010/main" val="2471398943"/>
       </p:ext>
     </p:extLst>
   </p:cSld>
@@ -11723,15 +11481,7 @@
             <a:pPr algn="l"/>
             <a:r>
               <a:rPr lang="sk-SK" dirty="0"/>
-              <a:t>Poslanie správy pre entitu (</a:t>
-            </a:r>
-            <a:r>
-              <a:rPr lang="sk-SK" dirty="0" err="1"/>
-              <a:t>durable</a:t>
-            </a:r>
-            <a:r>
-              <a:rPr lang="sk-SK" dirty="0"/>
-              <a:t> entity)</a:t>
+              <a:t>Vyvolanie udalosti</a:t>
             </a:r>
           </a:p>
         </p:txBody>
@@ -11755,7 +11505,7 @@
         <p:spPr/>
         <p:txBody>
           <a:bodyPr>
-            <a:normAutofit fontScale="55000" lnSpcReduction="20000"/>
+            <a:normAutofit fontScale="77500" lnSpcReduction="20000"/>
           </a:bodyPr>
           <a:lstStyle/>
           <a:p>
@@ -11793,7 +11543,7 @@
             </a:r>
             <a:r>
               <a:rPr lang="sk-SK" b="1" i="1" dirty="0" err="1"/>
-              <a:t>entities</a:t>
+              <a:t>instances</a:t>
             </a:r>
             <a:r>
               <a:rPr lang="sk-SK" b="1" i="1" dirty="0"/>
@@ -11804,8 +11554,8 @@
               <a:t>{</a:t>
             </a:r>
             <a:r>
-              <a:rPr lang="sk-SK" b="1" i="1" dirty="0" err="1"/>
-              <a:t>entityName</a:t>
+              <a:rPr lang="en-US" b="1" i="1" dirty="0" err="1"/>
+              <a:t>instanceId</a:t>
             </a:r>
             <a:r>
               <a:rPr lang="en-US" b="1" i="1" dirty="0"/>
@@ -11816,12 +11566,20 @@
               <a:t>/</a:t>
             </a:r>
             <a:r>
+              <a:rPr lang="sk-SK" b="1" i="1" dirty="0" err="1"/>
+              <a:t>raiseEvent</a:t>
+            </a:r>
+            <a:r>
+              <a:rPr lang="sk-SK" b="1" i="1" dirty="0"/>
+              <a:t>/</a:t>
+            </a:r>
+            <a:r>
               <a:rPr lang="en-US" b="1" i="1" dirty="0"/>
               <a:t>{</a:t>
             </a:r>
             <a:r>
-              <a:rPr lang="sk-SK" b="1" i="1" dirty="0" err="1"/>
-              <a:t>entityKey</a:t>
+              <a:rPr lang="en-US" b="1" i="1" dirty="0" err="1"/>
+              <a:t>eventName</a:t>
             </a:r>
             <a:r>
               <a:rPr lang="en-US" b="1" i="1" dirty="0"/>
@@ -11831,59 +11589,19 @@
           </a:p>
           <a:p>
             <a:r>
-              <a:rPr lang="sk-SK" dirty="0" err="1"/>
-              <a:t>Query</a:t>
-            </a:r>
-            <a:r>
-              <a:rPr lang="sk-SK" dirty="0"/>
-              <a:t> parametre:</a:t>
+              <a:rPr lang="sk-SK" dirty="0"/>
+              <a:t>URL parametre:</a:t>
             </a:r>
           </a:p>
           <a:p>
             <a:pPr lvl="1"/>
             <a:r>
               <a:rPr lang="sk-SK" b="1" i="1" dirty="0" err="1"/>
-              <a:t>entityName</a:t>
-            </a:r>
-            <a:r>
-              <a:rPr lang="en-US" dirty="0"/>
-              <a:t> – n</a:t>
-            </a:r>
-            <a:r>
-              <a:rPr lang="sk-SK" dirty="0" err="1"/>
-              <a:t>ázov</a:t>
-            </a:r>
-            <a:r>
-              <a:rPr lang="sk-SK" dirty="0"/>
-              <a:t> (typ) entity</a:t>
-            </a:r>
-          </a:p>
-          <a:p>
-            <a:pPr lvl="1"/>
-            <a:r>
-              <a:rPr lang="sk-SK" b="1" i="1" dirty="0" err="1"/>
-              <a:t>entityKey</a:t>
-            </a:r>
-            <a:r>
-              <a:rPr lang="sk-SK" dirty="0"/>
-              <a:t> – kľúč (ID) entity</a:t>
-            </a:r>
-          </a:p>
-          <a:p>
-            <a:r>
-              <a:rPr lang="sk-SK" dirty="0"/>
-              <a:t>URL parametre:</a:t>
-            </a:r>
-          </a:p>
-          <a:p>
-            <a:pPr lvl="1"/>
-            <a:r>
-              <a:rPr lang="sk-SK" b="1" i="1" dirty="0" err="1"/>
-              <a:t>op</a:t>
-            </a:r>
-            <a:r>
-              <a:rPr lang="sk-SK" dirty="0"/>
-              <a:t> – názov operácie, ktorá sa má vyvolať, voliteľný</a:t>
+              <a:t>eventName</a:t>
+            </a:r>
+            <a:r>
+              <a:rPr lang="sk-SK" dirty="0"/>
+              <a:t> – názov udalosti</a:t>
             </a:r>
           </a:p>
           <a:p>
@@ -11914,7 +11632,7 @@
             </a:r>
             <a:r>
               <a:rPr lang="sk-SK" dirty="0"/>
-              <a:t>– správa úspešne poslaná</a:t>
+              <a:t>– udalosť úspešne vyvolaná</a:t>
             </a:r>
           </a:p>
           <a:p>
@@ -11939,10 +11657,6 @@
               <a:rPr lang="sk-SK" dirty="0" err="1"/>
               <a:t>validný</a:t>
             </a:r>
-            <a:r>
-              <a:rPr lang="sk-SK" dirty="0"/>
-              <a:t> alebo je kľúč neplatný</a:t>
-            </a:r>
             <a:endParaRPr lang="sk-SK" b="1" i="1" dirty="0"/>
           </a:p>
           <a:p>
@@ -11953,7 +11667,18 @@
             </a:r>
             <a:r>
               <a:rPr lang="sk-SK" dirty="0"/>
-              <a:t> – entita neexistuje</a:t>
+              <a:t> – inštancia OF neexistuje</a:t>
+            </a:r>
+          </a:p>
+          <a:p>
+            <a:pPr lvl="1"/>
+            <a:r>
+              <a:rPr lang="sk-SK" b="1" i="1" dirty="0"/>
+              <a:t>HTTP 410</a:t>
+            </a:r>
+            <a:r>
+              <a:rPr lang="sk-SK" dirty="0"/>
+              <a:t> – inštancia OF už dobehla a nemôže prijímať udalosti</a:t>
             </a:r>
             <a:endParaRPr lang="sk-SK" b="1" i="1" dirty="0"/>
           </a:p>
@@ -11962,7 +11687,7 @@
     </p:spTree>
     <p:extLst>
       <p:ext uri="{BB962C8B-B14F-4D97-AF65-F5344CB8AC3E}">
-        <p14:creationId xmlns:p14="http://schemas.microsoft.com/office/powerpoint/2010/main" val="4145532351"/>
+        <p14:creationId xmlns:p14="http://schemas.microsoft.com/office/powerpoint/2010/main" val="115800469"/>
       </p:ext>
     </p:extLst>
   </p:cSld>
@@ -12013,7 +11738,7 @@
             <a:pPr algn="l"/>
             <a:r>
               <a:rPr lang="sk-SK" dirty="0"/>
-              <a:t>Zistenie stavu entity</a:t>
+              <a:t>Ukončenie inštancie</a:t>
             </a:r>
           </a:p>
         </p:txBody>
@@ -12037,13 +11762,13 @@
         <p:spPr/>
         <p:txBody>
           <a:bodyPr>
-            <a:normAutofit/>
+            <a:normAutofit lnSpcReduction="10000"/>
           </a:bodyPr>
           <a:lstStyle/>
           <a:p>
             <a:r>
               <a:rPr lang="sk-SK" b="1" dirty="0"/>
-              <a:t>GET </a:t>
+              <a:t>POST </a:t>
             </a:r>
             <a:r>
               <a:rPr lang="sk-SK" b="1" i="1" dirty="0"/>
@@ -12075,7 +11800,7 @@
             </a:r>
             <a:r>
               <a:rPr lang="sk-SK" b="1" i="1" dirty="0" err="1"/>
-              <a:t>entities</a:t>
+              <a:t>instances</a:t>
             </a:r>
             <a:r>
               <a:rPr lang="sk-SK" b="1" i="1" dirty="0"/>
@@ -12086,8 +11811,8 @@
               <a:t>{</a:t>
             </a:r>
             <a:r>
-              <a:rPr lang="sk-SK" b="1" i="1" dirty="0" err="1"/>
-              <a:t>entityName</a:t>
+              <a:rPr lang="en-US" b="1" i="1" dirty="0" err="1"/>
+              <a:t>instanceId</a:t>
             </a:r>
             <a:r>
               <a:rPr lang="en-US" b="1" i="1" dirty="0"/>
@@ -12098,21 +11823,34 @@
               <a:t>/</a:t>
             </a:r>
             <a:r>
-              <a:rPr lang="en-US" b="1" i="1" dirty="0"/>
-              <a:t>{</a:t>
-            </a:r>
-            <a:r>
               <a:rPr lang="sk-SK" b="1" i="1" dirty="0" err="1"/>
-              <a:t>entityKey</a:t>
-            </a:r>
-            <a:r>
-              <a:rPr lang="en-US" b="1" i="1" dirty="0"/>
-              <a:t>}</a:t>
+              <a:t>terminate</a:t>
             </a:r>
             <a:endParaRPr lang="sk-SK" b="1" i="1" dirty="0"/>
           </a:p>
           <a:p>
             <a:r>
+              <a:rPr lang="sk-SK" dirty="0" err="1"/>
+              <a:t>Query</a:t>
+            </a:r>
+            <a:r>
+              <a:rPr lang="sk-SK" dirty="0"/>
+              <a:t> parametre:</a:t>
+            </a:r>
+          </a:p>
+          <a:p>
+            <a:pPr lvl="1"/>
+            <a:r>
+              <a:rPr lang="sk-SK" b="1" i="1" dirty="0" err="1"/>
+              <a:t>reason</a:t>
+            </a:r>
+            <a:r>
+              <a:rPr lang="sk-SK" dirty="0"/>
+              <a:t> – dôvod na ukončenie, voliteľný</a:t>
+            </a:r>
+          </a:p>
+          <a:p>
+            <a:r>
               <a:rPr lang="sk-SK" dirty="0"/>
               <a:t>Odpovede:</a:t>
             </a:r>
@@ -12121,11 +11859,11 @@
             <a:pPr lvl="1"/>
             <a:r>
               <a:rPr lang="sk-SK" b="1" i="1" dirty="0"/>
-              <a:t>HTTP 200 </a:t>
-            </a:r>
-            <a:r>
-              <a:rPr lang="sk-SK" dirty="0"/>
-              <a:t>– entita existuje</a:t>
+              <a:t>HTTP 202 </a:t>
+            </a:r>
+            <a:r>
+              <a:rPr lang="sk-SK" dirty="0"/>
+              <a:t>– žiadosť o ukončenie úspešne prijatá</a:t>
             </a:r>
           </a:p>
           <a:p>
@@ -12136,7 +11874,18 @@
             </a:r>
             <a:r>
               <a:rPr lang="sk-SK" dirty="0"/>
-              <a:t> – entita neexistuje</a:t>
+              <a:t> – inštancia OF neexistuje</a:t>
+            </a:r>
+          </a:p>
+          <a:p>
+            <a:pPr lvl="1"/>
+            <a:r>
+              <a:rPr lang="sk-SK" b="1" i="1" dirty="0"/>
+              <a:t>HTTP 410</a:t>
+            </a:r>
+            <a:r>
+              <a:rPr lang="sk-SK" dirty="0"/>
+              <a:t> – inštancia OF už dobehla</a:t>
             </a:r>
             <a:endParaRPr lang="sk-SK" b="1" i="1" dirty="0"/>
           </a:p>
@@ -12145,7 +11894,7 @@
     </p:spTree>
     <p:extLst>
       <p:ext uri="{BB962C8B-B14F-4D97-AF65-F5344CB8AC3E}">
-        <p14:creationId xmlns:p14="http://schemas.microsoft.com/office/powerpoint/2010/main" val="600460309"/>
+        <p14:creationId xmlns:p14="http://schemas.microsoft.com/office/powerpoint/2010/main" val="2425827876"/>
       </p:ext>
     </p:extLst>
   </p:cSld>
@@ -12177,231 +11926,6 @@
           <p:cNvPr id="2" name="Nadpis 1">
             <a:extLst>
               <a:ext uri="{FF2B5EF4-FFF2-40B4-BE49-F238E27FC236}">
-                <a16:creationId xmlns:a16="http://schemas.microsoft.com/office/drawing/2014/main" id="{1029C316-F235-4104-A82C-A822DBC6F569}"/>
-              </a:ext>
-            </a:extLst>
-          </p:cNvPr>
-          <p:cNvSpPr>
-            <a:spLocks noGrp="1"/>
-          </p:cNvSpPr>
-          <p:nvPr>
-            <p:ph type="title"/>
-          </p:nvPr>
-        </p:nvSpPr>
-        <p:spPr/>
-        <p:txBody>
-          <a:bodyPr/>
-          <a:lstStyle/>
-          <a:p>
-            <a:pPr algn="l"/>
-            <a:r>
-              <a:rPr lang="sk-SK" dirty="0"/>
-              <a:t>Zobrazenie zoznamu entít</a:t>
-            </a:r>
-          </a:p>
-        </p:txBody>
-      </p:sp>
-      <p:sp>
-        <p:nvSpPr>
-          <p:cNvPr id="3" name="Zástupný objekt pre obsah 2">
-            <a:extLst>
-              <a:ext uri="{FF2B5EF4-FFF2-40B4-BE49-F238E27FC236}">
-                <a16:creationId xmlns:a16="http://schemas.microsoft.com/office/drawing/2014/main" id="{1B311E6E-C010-487B-9B6E-ADF82C240954}"/>
-              </a:ext>
-            </a:extLst>
-          </p:cNvPr>
-          <p:cNvSpPr>
-            <a:spLocks noGrp="1"/>
-          </p:cNvSpPr>
-          <p:nvPr>
-            <p:ph idx="1"/>
-          </p:nvPr>
-        </p:nvSpPr>
-        <p:spPr/>
-        <p:txBody>
-          <a:bodyPr>
-            <a:normAutofit fontScale="92500"/>
-          </a:bodyPr>
-          <a:lstStyle/>
-          <a:p>
-            <a:r>
-              <a:rPr lang="sk-SK" b="1" dirty="0"/>
-              <a:t>GET </a:t>
-            </a:r>
-            <a:r>
-              <a:rPr lang="sk-SK" b="1" i="1" dirty="0"/>
-              <a:t>/</a:t>
-            </a:r>
-            <a:r>
-              <a:rPr lang="sk-SK" b="1" i="1" dirty="0" err="1"/>
-              <a:t>runtime</a:t>
-            </a:r>
-            <a:r>
-              <a:rPr lang="sk-SK" b="1" i="1" dirty="0"/>
-              <a:t>/</a:t>
-            </a:r>
-            <a:r>
-              <a:rPr lang="sk-SK" b="1" i="1" dirty="0" err="1"/>
-              <a:t>webhooks</a:t>
-            </a:r>
-            <a:r>
-              <a:rPr lang="sk-SK" b="1" i="1" dirty="0"/>
-              <a:t>/</a:t>
-            </a:r>
-            <a:r>
-              <a:rPr lang="sk-SK" b="1" i="1" dirty="0" err="1"/>
-              <a:t>durabletask</a:t>
-            </a:r>
-            <a:r>
-              <a:rPr lang="sk-SK" b="1" i="1" dirty="0"/>
-              <a:t>/</a:t>
-            </a:r>
-            <a:r>
-              <a:rPr lang="sk-SK" b="1" i="1" dirty="0" err="1"/>
-              <a:t>entities</a:t>
-            </a:r>
-            <a:r>
-              <a:rPr lang="sk-SK" b="1" i="1" dirty="0"/>
-              <a:t>/</a:t>
-            </a:r>
-            <a:r>
-              <a:rPr lang="en-US" b="1" i="1" dirty="0"/>
-              <a:t>{</a:t>
-            </a:r>
-            <a:r>
-              <a:rPr lang="sk-SK" b="1" i="1" dirty="0" err="1"/>
-              <a:t>entityName</a:t>
-            </a:r>
-            <a:r>
-              <a:rPr lang="en-US" b="1" i="1" dirty="0"/>
-              <a:t>}</a:t>
-            </a:r>
-            <a:endParaRPr lang="sk-SK" b="1" i="1" dirty="0"/>
-          </a:p>
-          <a:p>
-            <a:r>
-              <a:rPr lang="sk-SK" dirty="0" err="1"/>
-              <a:t>Query</a:t>
-            </a:r>
-            <a:r>
-              <a:rPr lang="sk-SK" dirty="0"/>
-              <a:t> parametre (všetky voliteľné):</a:t>
-            </a:r>
-          </a:p>
-          <a:p>
-            <a:pPr lvl="1"/>
-            <a:r>
-              <a:rPr lang="sk-SK" b="1" i="1" dirty="0" err="1"/>
-              <a:t>fetchState</a:t>
-            </a:r>
-            <a:r>
-              <a:rPr lang="sk-SK" dirty="0"/>
-              <a:t> – či sa odpoveď obsahovať aj stav entít (</a:t>
-            </a:r>
-            <a:r>
-              <a:rPr lang="sk-SK" dirty="0" err="1"/>
-              <a:t>true</a:t>
-            </a:r>
-            <a:r>
-              <a:rPr lang="sk-SK" dirty="0"/>
-              <a:t>/</a:t>
-            </a:r>
-            <a:r>
-              <a:rPr lang="sk-SK" b="1" dirty="0" err="1"/>
-              <a:t>false</a:t>
-            </a:r>
-            <a:r>
-              <a:rPr lang="sk-SK" dirty="0"/>
-              <a:t>)</a:t>
-            </a:r>
-          </a:p>
-          <a:p>
-            <a:pPr lvl="1"/>
-            <a:r>
-              <a:rPr lang="sk-SK" b="1" i="1" dirty="0" err="1"/>
-              <a:t>lastOperationTimeFrom</a:t>
-            </a:r>
-            <a:r>
-              <a:rPr lang="sk-SK" dirty="0"/>
-              <a:t>, </a:t>
-            </a:r>
-            <a:r>
-              <a:rPr lang="sk-SK" b="1" i="1" dirty="0" err="1"/>
-              <a:t>lastOperationTimeTo</a:t>
-            </a:r>
-            <a:r>
-              <a:rPr lang="sk-SK" dirty="0"/>
-              <a:t> - možnosť filtrovať podľa času vykonania poslednej operácie</a:t>
-            </a:r>
-          </a:p>
-          <a:p>
-            <a:pPr lvl="1"/>
-            <a:r>
-              <a:rPr lang="sk-SK" b="1" i="1" dirty="0"/>
-              <a:t>top</a:t>
-            </a:r>
-            <a:r>
-              <a:rPr lang="sk-SK" dirty="0"/>
-              <a:t> – obmedzenie na počet vrátených entít</a:t>
-            </a:r>
-            <a:endParaRPr lang="sk-SK" b="1" i="1" dirty="0"/>
-          </a:p>
-          <a:p>
-            <a:r>
-              <a:rPr lang="sk-SK" dirty="0"/>
-              <a:t>Stránkovanie je zabezpečené prostredníctvom hlavičky </a:t>
-            </a:r>
-            <a:r>
-              <a:rPr lang="sk-SK" b="1" dirty="0"/>
-              <a:t>x-ms-</a:t>
-            </a:r>
-            <a:r>
-              <a:rPr lang="sk-SK" b="1" dirty="0" err="1"/>
-              <a:t>continuation</a:t>
-            </a:r>
-            <a:r>
-              <a:rPr lang="sk-SK" b="1" dirty="0"/>
-              <a:t>-token</a:t>
-            </a:r>
-            <a:endParaRPr lang="sk-SK" b="1" i="1" dirty="0"/>
-          </a:p>
-        </p:txBody>
-      </p:sp>
-    </p:spTree>
-    <p:extLst>
-      <p:ext uri="{BB962C8B-B14F-4D97-AF65-F5344CB8AC3E}">
-        <p14:creationId xmlns:p14="http://schemas.microsoft.com/office/powerpoint/2010/main" val="2021575959"/>
-      </p:ext>
-    </p:extLst>
-  </p:cSld>
-  <p:clrMapOvr>
-    <a:masterClrMapping/>
-  </p:clrMapOvr>
-</p:sld>
-</file>
-
-<file path=ppt/slides/slide34.xml><?xml version="1.0" encoding="utf-8"?>
-<p:sld xmlns:a="http://schemas.openxmlformats.org/drawingml/2006/main" xmlns:r="http://schemas.openxmlformats.org/officeDocument/2006/relationships" xmlns:p="http://schemas.openxmlformats.org/presentationml/2006/main">
-  <p:cSld>
-    <p:spTree>
-      <p:nvGrpSpPr>
-        <p:cNvPr id="1" name=""/>
-        <p:cNvGrpSpPr/>
-        <p:nvPr/>
-      </p:nvGrpSpPr>
-      <p:grpSpPr>
-        <a:xfrm>
-          <a:off x="0" y="0"/>
-          <a:ext cx="0" cy="0"/>
-          <a:chOff x="0" y="0"/>
-          <a:chExt cx="0" cy="0"/>
-        </a:xfrm>
-      </p:grpSpPr>
-      <p:sp>
-        <p:nvSpPr>
-          <p:cNvPr id="2" name="Nadpis 1">
-            <a:extLst>
-              <a:ext uri="{FF2B5EF4-FFF2-40B4-BE49-F238E27FC236}">
                 <a16:creationId xmlns:a16="http://schemas.microsoft.com/office/drawing/2014/main" id="{5F0FB3F4-3C5F-49BF-9C53-E08AE64577B4}"/>
               </a:ext>
             </a:extLst>
@@ -12466,13 +11990,6 @@
             <a:r>
               <a:rPr lang="sk-SK" dirty="0"/>
               <a:t> a vytvorenie viacerých monitorovacích procesov v jednej orchestrácii</a:t>
-            </a:r>
-          </a:p>
-          <a:p>
-            <a:pPr algn="just"/>
-            <a:r>
-              <a:rPr lang="sk-SK" dirty="0"/>
-              <a:t>TIMER: https://docs.microsoft.com/en-us/azure/azure-functions/durable/durable-functions-timers?tabs=csharp</a:t>
             </a:r>
           </a:p>
         </p:txBody>
@@ -12490,7 +12007,7 @@
 </p:sld>
 </file>
 
-<file path=ppt/slides/slide35.xml><?xml version="1.0" encoding="utf-8"?>
+<file path=ppt/slides/slide34.xml><?xml version="1.0" encoding="utf-8"?>
 <p:sld xmlns:a="http://schemas.openxmlformats.org/drawingml/2006/main" xmlns:r="http://schemas.openxmlformats.org/officeDocument/2006/relationships" xmlns:p="http://schemas.openxmlformats.org/presentationml/2006/main">
   <p:cSld>
     <p:spTree>
@@ -12598,6 +12115,216 @@
 </p:sld>
 </file>
 
+<file path=ppt/slides/slide35.xml><?xml version="1.0" encoding="utf-8"?>
+<p:sld xmlns:a="http://schemas.openxmlformats.org/drawingml/2006/main" xmlns:r="http://schemas.openxmlformats.org/officeDocument/2006/relationships" xmlns:p="http://schemas.openxmlformats.org/presentationml/2006/main">
+  <p:cSld>
+    <p:spTree>
+      <p:nvGrpSpPr>
+        <p:cNvPr id="1" name=""/>
+        <p:cNvGrpSpPr/>
+        <p:nvPr/>
+      </p:nvGrpSpPr>
+      <p:grpSpPr>
+        <a:xfrm>
+          <a:off x="0" y="0"/>
+          <a:ext cx="0" cy="0"/>
+          <a:chOff x="0" y="0"/>
+          <a:chExt cx="0" cy="0"/>
+        </a:xfrm>
+      </p:grpSpPr>
+      <p:sp>
+        <p:nvSpPr>
+          <p:cNvPr id="2" name="Nadpis 1">
+            <a:extLst>
+              <a:ext uri="{FF2B5EF4-FFF2-40B4-BE49-F238E27FC236}">
+                <a16:creationId xmlns:a16="http://schemas.microsoft.com/office/drawing/2014/main" id="{24A5F782-0285-4232-BAC6-51FA3BDB3AF8}"/>
+              </a:ext>
+            </a:extLst>
+          </p:cNvPr>
+          <p:cNvSpPr>
+            <a:spLocks noGrp="1"/>
+          </p:cNvSpPr>
+          <p:nvPr>
+            <p:ph type="title"/>
+          </p:nvPr>
+        </p:nvSpPr>
+        <p:spPr/>
+        <p:txBody>
+          <a:bodyPr/>
+          <a:lstStyle/>
+          <a:p>
+            <a:pPr algn="l"/>
+            <a:r>
+              <a:rPr lang="sk-SK" dirty="0" err="1"/>
+              <a:t>Durable</a:t>
+            </a:r>
+            <a:r>
+              <a:rPr lang="sk-SK" dirty="0"/>
+              <a:t> </a:t>
+            </a:r>
+            <a:r>
+              <a:rPr lang="sk-SK" dirty="0" err="1"/>
+              <a:t>timer</a:t>
+            </a:r>
+            <a:endParaRPr lang="sk-SK" dirty="0"/>
+          </a:p>
+        </p:txBody>
+      </p:sp>
+      <p:sp>
+        <p:nvSpPr>
+          <p:cNvPr id="3" name="Zástupný objekt pre obsah 2">
+            <a:extLst>
+              <a:ext uri="{FF2B5EF4-FFF2-40B4-BE49-F238E27FC236}">
+                <a16:creationId xmlns:a16="http://schemas.microsoft.com/office/drawing/2014/main" id="{DFCFACE8-D473-4083-BA08-3FA47D7BE39A}"/>
+              </a:ext>
+            </a:extLst>
+          </p:cNvPr>
+          <p:cNvSpPr>
+            <a:spLocks noGrp="1"/>
+          </p:cNvSpPr>
+          <p:nvPr>
+            <p:ph idx="1"/>
+          </p:nvPr>
+        </p:nvSpPr>
+        <p:spPr/>
+        <p:txBody>
+          <a:bodyPr/>
+          <a:lstStyle/>
+          <a:p>
+            <a:r>
+              <a:rPr lang="sk-SK" dirty="0"/>
+              <a:t>Umožňuje v DF špecifikovať oneskorenie alebo </a:t>
+            </a:r>
+            <a:r>
+              <a:rPr lang="sk-SK" dirty="0" err="1"/>
+              <a:t>timeout</a:t>
+            </a:r>
+            <a:endParaRPr lang="sk-SK" dirty="0"/>
+          </a:p>
+          <a:p>
+            <a:r>
+              <a:rPr lang="sk-SK" dirty="0"/>
+              <a:t>Vytvorenie: </a:t>
+            </a:r>
+            <a:r>
+              <a:rPr lang="sk-SK" sz="1800" dirty="0" err="1">
+                <a:latin typeface="Fira Code" panose="020B0809050000020004" pitchFamily="49" charset="0"/>
+                <a:ea typeface="Fira Code" panose="020B0809050000020004" pitchFamily="49" charset="0"/>
+                <a:cs typeface="Fira Code" panose="020B0809050000020004" pitchFamily="49" charset="0"/>
+              </a:rPr>
+              <a:t>context.</a:t>
+            </a:r>
+            <a:r>
+              <a:rPr lang="sk-SK" sz="1800" b="1" dirty="0" err="1">
+                <a:latin typeface="Fira Code" panose="020B0809050000020004" pitchFamily="49" charset="0"/>
+                <a:ea typeface="Fira Code" panose="020B0809050000020004" pitchFamily="49" charset="0"/>
+                <a:cs typeface="Fira Code" panose="020B0809050000020004" pitchFamily="49" charset="0"/>
+              </a:rPr>
+              <a:t>CreateTimer</a:t>
+            </a:r>
+            <a:r>
+              <a:rPr lang="sk-SK" sz="1800" dirty="0">
+                <a:latin typeface="Fira Code" panose="020B0809050000020004" pitchFamily="49" charset="0"/>
+                <a:ea typeface="Fira Code" panose="020B0809050000020004" pitchFamily="49" charset="0"/>
+                <a:cs typeface="Fira Code" panose="020B0809050000020004" pitchFamily="49" charset="0"/>
+              </a:rPr>
+              <a:t>(</a:t>
+            </a:r>
+            <a:r>
+              <a:rPr lang="sk-SK" sz="1800" i="1" dirty="0">
+                <a:latin typeface="Fira Code" panose="020B0809050000020004" pitchFamily="49" charset="0"/>
+                <a:ea typeface="Fira Code" panose="020B0809050000020004" pitchFamily="49" charset="0"/>
+                <a:cs typeface="Fira Code" panose="020B0809050000020004" pitchFamily="49" charset="0"/>
+              </a:rPr>
+              <a:t>čas spustenia</a:t>
+            </a:r>
+            <a:r>
+              <a:rPr lang="sk-SK" sz="1800" dirty="0">
+                <a:latin typeface="Fira Code" panose="020B0809050000020004" pitchFamily="49" charset="0"/>
+                <a:ea typeface="Fira Code" panose="020B0809050000020004" pitchFamily="49" charset="0"/>
+                <a:cs typeface="Fira Code" panose="020B0809050000020004" pitchFamily="49" charset="0"/>
+              </a:rPr>
+              <a:t>, </a:t>
+            </a:r>
+            <a:r>
+              <a:rPr lang="sk-SK" sz="1800" i="1" dirty="0" err="1">
+                <a:latin typeface="Fira Code" panose="020B0809050000020004" pitchFamily="49" charset="0"/>
+                <a:ea typeface="Fira Code" panose="020B0809050000020004" pitchFamily="49" charset="0"/>
+                <a:cs typeface="Fira Code" panose="020B0809050000020004" pitchFamily="49" charset="0"/>
+              </a:rPr>
+              <a:t>cancellation</a:t>
+            </a:r>
+            <a:r>
+              <a:rPr lang="sk-SK" sz="1800" i="1" dirty="0">
+                <a:latin typeface="Fira Code" panose="020B0809050000020004" pitchFamily="49" charset="0"/>
+                <a:ea typeface="Fira Code" panose="020B0809050000020004" pitchFamily="49" charset="0"/>
+                <a:cs typeface="Fira Code" panose="020B0809050000020004" pitchFamily="49" charset="0"/>
+              </a:rPr>
+              <a:t> token</a:t>
+            </a:r>
+            <a:r>
+              <a:rPr lang="sk-SK" sz="1800" dirty="0">
+                <a:latin typeface="Fira Code" panose="020B0809050000020004" pitchFamily="49" charset="0"/>
+                <a:ea typeface="Fira Code" panose="020B0809050000020004" pitchFamily="49" charset="0"/>
+                <a:cs typeface="Fira Code" panose="020B0809050000020004" pitchFamily="49" charset="0"/>
+              </a:rPr>
+              <a:t>)</a:t>
+            </a:r>
+          </a:p>
+          <a:p>
+            <a:r>
+              <a:rPr lang="sk-SK" dirty="0">
+                <a:ea typeface="Fira Code" panose="020B0809050000020004" pitchFamily="49" charset="0"/>
+                <a:cs typeface="Fira Code" panose="020B0809050000020004" pitchFamily="49" charset="0"/>
+              </a:rPr>
+              <a:t>Zistenie času: </a:t>
+            </a:r>
+            <a:r>
+              <a:rPr lang="sk-SK" sz="1800" dirty="0" err="1">
+                <a:latin typeface="Fira Code" panose="020B0809050000020004" pitchFamily="49" charset="0"/>
+                <a:ea typeface="Fira Code" panose="020B0809050000020004" pitchFamily="49" charset="0"/>
+                <a:cs typeface="Fira Code" panose="020B0809050000020004" pitchFamily="49" charset="0"/>
+              </a:rPr>
+              <a:t>context.</a:t>
+            </a:r>
+            <a:r>
+              <a:rPr lang="sk-SK" sz="1800" b="1" dirty="0" err="1">
+                <a:latin typeface="Fira Code" panose="020B0809050000020004" pitchFamily="49" charset="0"/>
+                <a:ea typeface="Fira Code" panose="020B0809050000020004" pitchFamily="49" charset="0"/>
+                <a:cs typeface="Fira Code" panose="020B0809050000020004" pitchFamily="49" charset="0"/>
+              </a:rPr>
+              <a:t>CurrentUtcDateTime</a:t>
+            </a:r>
+            <a:endParaRPr lang="sk-SK" sz="1800" b="1" dirty="0">
+              <a:latin typeface="Fira Code" panose="020B0809050000020004" pitchFamily="49" charset="0"/>
+              <a:ea typeface="Fira Code" panose="020B0809050000020004" pitchFamily="49" charset="0"/>
+              <a:cs typeface="Fira Code" panose="020B0809050000020004" pitchFamily="49" charset="0"/>
+            </a:endParaRPr>
+          </a:p>
+          <a:p>
+            <a:r>
+              <a:rPr lang="sk-SK" dirty="0">
+                <a:ea typeface="Fira Code" panose="020B0809050000020004" pitchFamily="49" charset="0"/>
+                <a:cs typeface="Fira Code" panose="020B0809050000020004" pitchFamily="49" charset="0"/>
+              </a:rPr>
+              <a:t>V jazykoch okrem .NET je obmedzený na 6 dní</a:t>
+            </a:r>
+          </a:p>
+        </p:txBody>
+      </p:sp>
+    </p:spTree>
+    <p:extLst>
+      <p:ext uri="{BB962C8B-B14F-4D97-AF65-F5344CB8AC3E}">
+        <p14:creationId xmlns:p14="http://schemas.microsoft.com/office/powerpoint/2010/main" val="2552902186"/>
+      </p:ext>
+    </p:extLst>
+  </p:cSld>
+  <p:clrMapOvr>
+    <a:masterClrMapping/>
+  </p:clrMapOvr>
+</p:sld>
+</file>
+
 <file path=ppt/slides/slide36.xml><?xml version="1.0" encoding="utf-8"?>
 <p:sld xmlns:a="http://schemas.openxmlformats.org/drawingml/2006/main" xmlns:r="http://schemas.openxmlformats.org/officeDocument/2006/relationships" xmlns:p="http://schemas.openxmlformats.org/presentationml/2006/main">
   <p:cSld>
@@ -12620,6 +12347,322 @@
           <p:cNvPr id="2" name="Nadpis 1">
             <a:extLst>
               <a:ext uri="{FF2B5EF4-FFF2-40B4-BE49-F238E27FC236}">
+                <a16:creationId xmlns:a16="http://schemas.microsoft.com/office/drawing/2014/main" id="{24A5F782-0285-4232-BAC6-51FA3BDB3AF8}"/>
+              </a:ext>
+            </a:extLst>
+          </p:cNvPr>
+          <p:cNvSpPr>
+            <a:spLocks noGrp="1"/>
+          </p:cNvSpPr>
+          <p:nvPr>
+            <p:ph type="title"/>
+          </p:nvPr>
+        </p:nvSpPr>
+        <p:spPr/>
+        <p:txBody>
+          <a:bodyPr>
+            <a:normAutofit/>
+          </a:bodyPr>
+          <a:lstStyle/>
+          <a:p>
+            <a:pPr algn="l"/>
+            <a:r>
+              <a:rPr lang="en-US" sz="3600" dirty="0"/>
+              <a:t>Eternal orchestrations (“</a:t>
+            </a:r>
+            <a:r>
+              <a:rPr lang="en-US" sz="3600" dirty="0" err="1"/>
+              <a:t>nekone</a:t>
+            </a:r>
+            <a:r>
+              <a:rPr lang="sk-SK" sz="3600" dirty="0" err="1"/>
+              <a:t>čné</a:t>
+            </a:r>
+            <a:r>
+              <a:rPr lang="sk-SK" sz="3600" dirty="0"/>
+              <a:t> orchestrácie“)</a:t>
+            </a:r>
+          </a:p>
+        </p:txBody>
+      </p:sp>
+      <p:sp>
+        <p:nvSpPr>
+          <p:cNvPr id="3" name="Zástupný objekt pre obsah 2">
+            <a:extLst>
+              <a:ext uri="{FF2B5EF4-FFF2-40B4-BE49-F238E27FC236}">
+                <a16:creationId xmlns:a16="http://schemas.microsoft.com/office/drawing/2014/main" id="{DFCFACE8-D473-4083-BA08-3FA47D7BE39A}"/>
+              </a:ext>
+            </a:extLst>
+          </p:cNvPr>
+          <p:cNvSpPr>
+            <a:spLocks noGrp="1"/>
+          </p:cNvSpPr>
+          <p:nvPr>
+            <p:ph idx="1"/>
+          </p:nvPr>
+        </p:nvSpPr>
+        <p:spPr/>
+        <p:txBody>
+          <a:bodyPr/>
+          <a:lstStyle/>
+          <a:p>
+            <a:pPr algn="just"/>
+            <a:r>
+              <a:rPr lang="sk-SK" dirty="0"/>
+              <a:t>V DF by sa nemali používať nekonečné cykly (kvôli histórii)</a:t>
+            </a:r>
+          </a:p>
+          <a:p>
+            <a:pPr algn="just"/>
+            <a:r>
+              <a:rPr lang="sk-SK" b="1" dirty="0" err="1">
+                <a:ea typeface="Fira Code" panose="020B0809050000020004" pitchFamily="49" charset="0"/>
+                <a:cs typeface="Fira Code" panose="020B0809050000020004" pitchFamily="49" charset="0"/>
+              </a:rPr>
+              <a:t>ContinueAsNew</a:t>
+            </a:r>
+            <a:r>
+              <a:rPr lang="sk-SK" dirty="0">
+                <a:ea typeface="Fira Code" panose="020B0809050000020004" pitchFamily="49" charset="0"/>
+                <a:cs typeface="Fira Code" panose="020B0809050000020004" pitchFamily="49" charset="0"/>
+              </a:rPr>
+              <a:t> – funkcia zavolá samu seba s novým vstupom, história sa  oreže (rovnaké </a:t>
+            </a:r>
+            <a:r>
+              <a:rPr lang="sk-SK" dirty="0" err="1">
+                <a:ea typeface="Fira Code" panose="020B0809050000020004" pitchFamily="49" charset="0"/>
+                <a:cs typeface="Fira Code" panose="020B0809050000020004" pitchFamily="49" charset="0"/>
+              </a:rPr>
+              <a:t>instance</a:t>
+            </a:r>
+            <a:r>
+              <a:rPr lang="sk-SK" dirty="0">
+                <a:ea typeface="Fira Code" panose="020B0809050000020004" pitchFamily="49" charset="0"/>
+                <a:cs typeface="Fira Code" panose="020B0809050000020004" pitchFamily="49" charset="0"/>
+              </a:rPr>
+              <a:t> ID, rôzne </a:t>
+            </a:r>
+            <a:r>
+              <a:rPr lang="sk-SK" dirty="0" err="1">
+                <a:ea typeface="Fira Code" panose="020B0809050000020004" pitchFamily="49" charset="0"/>
+                <a:cs typeface="Fira Code" panose="020B0809050000020004" pitchFamily="49" charset="0"/>
+              </a:rPr>
+              <a:t>execution</a:t>
+            </a:r>
+            <a:r>
+              <a:rPr lang="sk-SK" dirty="0">
+                <a:ea typeface="Fira Code" panose="020B0809050000020004" pitchFamily="49" charset="0"/>
+                <a:cs typeface="Fira Code" panose="020B0809050000020004" pitchFamily="49" charset="0"/>
+              </a:rPr>
+              <a:t> ID)</a:t>
+            </a:r>
+          </a:p>
+          <a:p>
+            <a:pPr algn="just"/>
+            <a:r>
+              <a:rPr lang="sk-SK" dirty="0">
+                <a:ea typeface="Fira Code" panose="020B0809050000020004" pitchFamily="49" charset="0"/>
+                <a:cs typeface="Fira Code" panose="020B0809050000020004" pitchFamily="49" charset="0"/>
+              </a:rPr>
+              <a:t>Ukončenie pre prípad nekonečného cyklu – </a:t>
+            </a:r>
+            <a:r>
+              <a:rPr lang="sk-SK" b="1" dirty="0" err="1">
+                <a:ea typeface="Fira Code" panose="020B0809050000020004" pitchFamily="49" charset="0"/>
+                <a:cs typeface="Fira Code" panose="020B0809050000020004" pitchFamily="49" charset="0"/>
+              </a:rPr>
+              <a:t>TerminateAsync</a:t>
+            </a:r>
+            <a:endParaRPr lang="sk-SK" b="1" dirty="0">
+              <a:ea typeface="Fira Code" panose="020B0809050000020004" pitchFamily="49" charset="0"/>
+              <a:cs typeface="Fira Code" panose="020B0809050000020004" pitchFamily="49" charset="0"/>
+            </a:endParaRPr>
+          </a:p>
+          <a:p>
+            <a:pPr algn="just"/>
+            <a:r>
+              <a:rPr lang="sk-SK" dirty="0">
+                <a:ea typeface="Fira Code" panose="020B0809050000020004" pitchFamily="49" charset="0"/>
+                <a:cs typeface="Fira Code" panose="020B0809050000020004" pitchFamily="49" charset="0"/>
+              </a:rPr>
+              <a:t>Ukončenie pre prípad </a:t>
+            </a:r>
+            <a:r>
+              <a:rPr lang="sk-SK" dirty="0" err="1">
+                <a:ea typeface="Fira Code" panose="020B0809050000020004" pitchFamily="49" charset="0"/>
+                <a:cs typeface="Fira Code" panose="020B0809050000020004" pitchFamily="49" charset="0"/>
+              </a:rPr>
+              <a:t>eternal</a:t>
+            </a:r>
+            <a:r>
+              <a:rPr lang="sk-SK" dirty="0">
+                <a:ea typeface="Fira Code" panose="020B0809050000020004" pitchFamily="49" charset="0"/>
+                <a:cs typeface="Fira Code" panose="020B0809050000020004" pitchFamily="49" charset="0"/>
+              </a:rPr>
+              <a:t> </a:t>
+            </a:r>
+            <a:r>
+              <a:rPr lang="sk-SK" dirty="0" err="1">
+                <a:ea typeface="Fira Code" panose="020B0809050000020004" pitchFamily="49" charset="0"/>
+                <a:cs typeface="Fira Code" panose="020B0809050000020004" pitchFamily="49" charset="0"/>
+              </a:rPr>
+              <a:t>orchestration</a:t>
+            </a:r>
+            <a:r>
+              <a:rPr lang="sk-SK" dirty="0">
+                <a:ea typeface="Fira Code" panose="020B0809050000020004" pitchFamily="49" charset="0"/>
+                <a:cs typeface="Fira Code" panose="020B0809050000020004" pitchFamily="49" charset="0"/>
+              </a:rPr>
+              <a:t> – nezavolať </a:t>
+            </a:r>
+            <a:r>
+              <a:rPr lang="sk-SK" dirty="0" err="1">
+                <a:ea typeface="Fira Code" panose="020B0809050000020004" pitchFamily="49" charset="0"/>
+                <a:cs typeface="Fira Code" panose="020B0809050000020004" pitchFamily="49" charset="0"/>
+              </a:rPr>
+              <a:t>ContinueAsNew</a:t>
+            </a:r>
+            <a:r>
+              <a:rPr lang="sk-SK" dirty="0">
+                <a:ea typeface="Fira Code" panose="020B0809050000020004" pitchFamily="49" charset="0"/>
+                <a:cs typeface="Fira Code" panose="020B0809050000020004" pitchFamily="49" charset="0"/>
+              </a:rPr>
+              <a:t> </a:t>
+            </a:r>
+            <a:r>
+              <a:rPr lang="sk-SK" dirty="0">
+                <a:ea typeface="Fira Code" panose="020B0809050000020004" pitchFamily="49" charset="0"/>
+                <a:cs typeface="Fira Code" panose="020B0809050000020004" pitchFamily="49" charset="0"/>
+                <a:sym typeface="Wingdings" panose="05000000000000000000" pitchFamily="2" charset="2"/>
+              </a:rPr>
+              <a:t></a:t>
+            </a:r>
+            <a:endParaRPr lang="sk-SK" dirty="0">
+              <a:ea typeface="Fira Code" panose="020B0809050000020004" pitchFamily="49" charset="0"/>
+              <a:cs typeface="Fira Code" panose="020B0809050000020004" pitchFamily="49" charset="0"/>
+            </a:endParaRPr>
+          </a:p>
+        </p:txBody>
+      </p:sp>
+    </p:spTree>
+    <p:extLst>
+      <p:ext uri="{BB962C8B-B14F-4D97-AF65-F5344CB8AC3E}">
+        <p14:creationId xmlns:p14="http://schemas.microsoft.com/office/powerpoint/2010/main" val="339638391"/>
+      </p:ext>
+    </p:extLst>
+  </p:cSld>
+  <p:clrMapOvr>
+    <a:masterClrMapping/>
+  </p:clrMapOvr>
+</p:sld>
+</file>
+
+<file path=ppt/slides/slide37.xml><?xml version="1.0" encoding="utf-8"?>
+<p:sld xmlns:a="http://schemas.openxmlformats.org/drawingml/2006/main" xmlns:r="http://schemas.openxmlformats.org/officeDocument/2006/relationships" xmlns:p="http://schemas.openxmlformats.org/presentationml/2006/main">
+  <p:cSld>
+    <p:spTree>
+      <p:nvGrpSpPr>
+        <p:cNvPr id="1" name=""/>
+        <p:cNvGrpSpPr/>
+        <p:nvPr/>
+      </p:nvGrpSpPr>
+      <p:grpSpPr>
+        <a:xfrm>
+          <a:off x="0" y="0"/>
+          <a:ext cx="0" cy="0"/>
+          <a:chOff x="0" y="0"/>
+          <a:chExt cx="0" cy="0"/>
+        </a:xfrm>
+      </p:grpSpPr>
+      <p:sp>
+        <p:nvSpPr>
+          <p:cNvPr id="2" name="Nadpis 1">
+            <a:extLst>
+              <a:ext uri="{FF2B5EF4-FFF2-40B4-BE49-F238E27FC236}">
+                <a16:creationId xmlns:a16="http://schemas.microsoft.com/office/drawing/2014/main" id="{EA99B69B-9EF6-4135-964D-EB9806BD46FE}"/>
+              </a:ext>
+            </a:extLst>
+          </p:cNvPr>
+          <p:cNvSpPr>
+            <a:spLocks noGrp="1"/>
+          </p:cNvSpPr>
+          <p:nvPr>
+            <p:ph type="title"/>
+          </p:nvPr>
+        </p:nvSpPr>
+        <p:spPr/>
+        <p:txBody>
+          <a:bodyPr/>
+          <a:lstStyle/>
+          <a:p>
+            <a:pPr algn="l"/>
+            <a:r>
+              <a:rPr lang="sk-SK" dirty="0"/>
+              <a:t>DEMO – Monitor</a:t>
+            </a:r>
+          </a:p>
+        </p:txBody>
+      </p:sp>
+      <p:sp>
+        <p:nvSpPr>
+          <p:cNvPr id="3" name="Zástupný text 2">
+            <a:extLst>
+              <a:ext uri="{FF2B5EF4-FFF2-40B4-BE49-F238E27FC236}">
+                <a16:creationId xmlns:a16="http://schemas.microsoft.com/office/drawing/2014/main" id="{7E70D53C-0FF4-4F90-87A6-20EF107D066D}"/>
+              </a:ext>
+            </a:extLst>
+          </p:cNvPr>
+          <p:cNvSpPr>
+            <a:spLocks noGrp="1"/>
+          </p:cNvSpPr>
+          <p:nvPr>
+            <p:ph type="body" idx="1"/>
+          </p:nvPr>
+        </p:nvSpPr>
+        <p:spPr/>
+        <p:txBody>
+          <a:bodyPr/>
+          <a:lstStyle/>
+          <a:p>
+            <a:endParaRPr lang="sk-SK" dirty="0"/>
+          </a:p>
+        </p:txBody>
+      </p:sp>
+    </p:spTree>
+    <p:extLst>
+      <p:ext uri="{BB962C8B-B14F-4D97-AF65-F5344CB8AC3E}">
+        <p14:creationId xmlns:p14="http://schemas.microsoft.com/office/powerpoint/2010/main" val="4084562916"/>
+      </p:ext>
+    </p:extLst>
+  </p:cSld>
+  <p:clrMapOvr>
+    <a:masterClrMapping/>
+  </p:clrMapOvr>
+</p:sld>
+</file>
+
+<file path=ppt/slides/slide38.xml><?xml version="1.0" encoding="utf-8"?>
+<p:sld xmlns:a="http://schemas.openxmlformats.org/drawingml/2006/main" xmlns:r="http://schemas.openxmlformats.org/officeDocument/2006/relationships" xmlns:p="http://schemas.openxmlformats.org/presentationml/2006/main">
+  <p:cSld>
+    <p:spTree>
+      <p:nvGrpSpPr>
+        <p:cNvPr id="1" name=""/>
+        <p:cNvGrpSpPr/>
+        <p:nvPr/>
+      </p:nvGrpSpPr>
+      <p:grpSpPr>
+        <a:xfrm>
+          <a:off x="0" y="0"/>
+          <a:ext cx="0" cy="0"/>
+          <a:chOff x="0" y="0"/>
+          <a:chExt cx="0" cy="0"/>
+        </a:xfrm>
+      </p:grpSpPr>
+      <p:sp>
+        <p:nvSpPr>
+          <p:cNvPr id="2" name="Nadpis 1">
+            <a:extLst>
+              <a:ext uri="{FF2B5EF4-FFF2-40B4-BE49-F238E27FC236}">
                 <a16:creationId xmlns:a16="http://schemas.microsoft.com/office/drawing/2014/main" id="{EC443134-9882-453B-9CD2-8A6F4102BE8E}"/>
               </a:ext>
             </a:extLst>
@@ -12695,30 +12738,14 @@
             <a:pPr algn="just"/>
             <a:r>
               <a:rPr lang="sk-SK" dirty="0"/>
-              <a:t>Časovače („</a:t>
-            </a:r>
-            <a:r>
-              <a:rPr lang="sk-SK" dirty="0" err="1"/>
-              <a:t>durable</a:t>
-            </a:r>
-            <a:r>
-              <a:rPr lang="sk-SK" dirty="0"/>
-              <a:t> </a:t>
-            </a:r>
-            <a:r>
-              <a:rPr lang="sk-SK" dirty="0" err="1"/>
-              <a:t>timer</a:t>
-            </a:r>
-            <a:r>
-              <a:rPr lang="sk-SK" dirty="0"/>
-              <a:t>“) umožňujú čakať na interakciu</a:t>
+              <a:t>Časovače umožňujú čakať na interakciu</a:t>
             </a:r>
           </a:p>
           <a:p>
             <a:pPr algn="just"/>
             <a:r>
               <a:rPr lang="sk-SK" dirty="0"/>
-              <a:t>EVENT: https://docs.microsoft.com/en-us/azure/azure-functions/durable/durable-functions-external-events?tabs=csharp</a:t>
+              <a:t>Udalosti umožňujú poskytovať externé vstupy do orchestrácie</a:t>
             </a:r>
           </a:p>
         </p:txBody>
@@ -12736,7 +12763,7 @@
 </p:sld>
 </file>
 
-<file path=ppt/slides/slide37.xml><?xml version="1.0" encoding="utf-8"?>
+<file path=ppt/slides/slide39.xml><?xml version="1.0" encoding="utf-8"?>
 <p:sld xmlns:a="http://schemas.openxmlformats.org/drawingml/2006/main" xmlns:r="http://schemas.openxmlformats.org/officeDocument/2006/relationships" xmlns:p="http://schemas.openxmlformats.org/presentationml/2006/main">
   <p:cSld>
     <p:spTree>
@@ -12857,7 +12884,7 @@
 </p:sld>
 </file>
 
-<file path=ppt/slides/slide38.xml><?xml version="1.0" encoding="utf-8"?>
+<file path=ppt/slides/slide4.xml><?xml version="1.0" encoding="utf-8"?>
 <p:sld xmlns:a="http://schemas.openxmlformats.org/drawingml/2006/main" xmlns:r="http://schemas.openxmlformats.org/officeDocument/2006/relationships" xmlns:p="http://schemas.openxmlformats.org/presentationml/2006/main">
   <p:cSld>
     <p:spTree>
@@ -12879,6 +12906,770 @@
           <p:cNvPr id="2" name="Nadpis 1">
             <a:extLst>
               <a:ext uri="{FF2B5EF4-FFF2-40B4-BE49-F238E27FC236}">
+                <a16:creationId xmlns:a16="http://schemas.microsoft.com/office/drawing/2014/main" id="{86F903E2-A2AA-4BD9-9A51-72C1BF590B22}"/>
+              </a:ext>
+            </a:extLst>
+          </p:cNvPr>
+          <p:cNvSpPr>
+            <a:spLocks noGrp="1"/>
+          </p:cNvSpPr>
+          <p:nvPr>
+            <p:ph type="title"/>
+          </p:nvPr>
+        </p:nvSpPr>
+        <p:spPr/>
+        <p:txBody>
+          <a:bodyPr/>
+          <a:lstStyle/>
+          <a:p>
+            <a:pPr algn="l"/>
+            <a:r>
+              <a:rPr lang="sk-SK" dirty="0" err="1"/>
+              <a:t>Workflow</a:t>
+            </a:r>
+            <a:endParaRPr lang="sk-SK" dirty="0"/>
+          </a:p>
+        </p:txBody>
+      </p:sp>
+      <p:sp>
+        <p:nvSpPr>
+          <p:cNvPr id="3" name="Zástupný objekt pre obsah 2">
+            <a:extLst>
+              <a:ext uri="{FF2B5EF4-FFF2-40B4-BE49-F238E27FC236}">
+                <a16:creationId xmlns:a16="http://schemas.microsoft.com/office/drawing/2014/main" id="{63A5833B-D3B8-4E7D-8550-AB78BFC7ED20}"/>
+              </a:ext>
+            </a:extLst>
+          </p:cNvPr>
+          <p:cNvSpPr>
+            <a:spLocks noGrp="1"/>
+          </p:cNvSpPr>
+          <p:nvPr>
+            <p:ph idx="1"/>
+          </p:nvPr>
+        </p:nvSpPr>
+        <p:spPr/>
+        <p:txBody>
+          <a:bodyPr/>
+          <a:lstStyle/>
+          <a:p>
+            <a:pPr algn="just"/>
+            <a:r>
+              <a:rPr lang="sk-SK" dirty="0"/>
+              <a:t>Definovaný priamo v kóde, nie je potrebná žiadna schéma alebo dizajnér</a:t>
+            </a:r>
+          </a:p>
+          <a:p>
+            <a:pPr algn="just"/>
+            <a:r>
+              <a:rPr lang="sk-SK" dirty="0"/>
+              <a:t>DF môžu volať iné funkcie synchrónne aj asynchrónne</a:t>
+            </a:r>
+          </a:p>
+          <a:p>
+            <a:pPr algn="just"/>
+            <a:r>
+              <a:rPr lang="sk-SK" dirty="0"/>
+              <a:t>Výstup z volaných funkcií sa môže ukladať do lokálnych premenných</a:t>
+            </a:r>
+          </a:p>
+          <a:p>
+            <a:pPr algn="just"/>
+            <a:r>
+              <a:rPr lang="sk-SK" dirty="0"/>
+              <a:t>Postup sa automaticky </a:t>
+            </a:r>
+            <a:r>
+              <a:rPr lang="sk-SK" dirty="0" err="1"/>
+              <a:t>checkpoint</a:t>
+            </a:r>
+            <a:r>
+              <a:rPr lang="sk-SK" dirty="0"/>
+              <a:t>-uje počas čakania (</a:t>
+            </a:r>
+            <a:r>
+              <a:rPr lang="sk-SK" dirty="0" err="1"/>
+              <a:t>await</a:t>
+            </a:r>
+            <a:r>
+              <a:rPr lang="sk-SK" dirty="0"/>
+              <a:t>), vďaka čomu sa lokálny stav zachová aj pri recyklácii procesu</a:t>
+            </a:r>
+          </a:p>
+          <a:p>
+            <a:pPr algn="just"/>
+            <a:r>
+              <a:rPr lang="sk-SK" dirty="0"/>
+              <a:t>Lokálny stav sa ukladá do </a:t>
+            </a:r>
+            <a:r>
+              <a:rPr lang="sk-SK" dirty="0" err="1"/>
+              <a:t>Azure</a:t>
+            </a:r>
+            <a:r>
+              <a:rPr lang="sk-SK" dirty="0"/>
+              <a:t> </a:t>
+            </a:r>
+            <a:r>
+              <a:rPr lang="sk-SK" dirty="0" err="1"/>
+              <a:t>Storage</a:t>
+            </a:r>
+            <a:endParaRPr lang="sk-SK" dirty="0"/>
+          </a:p>
+        </p:txBody>
+      </p:sp>
+    </p:spTree>
+    <p:extLst>
+      <p:ext uri="{BB962C8B-B14F-4D97-AF65-F5344CB8AC3E}">
+        <p14:creationId xmlns:p14="http://schemas.microsoft.com/office/powerpoint/2010/main" val="3225666022"/>
+      </p:ext>
+    </p:extLst>
+  </p:cSld>
+  <p:clrMapOvr>
+    <a:masterClrMapping/>
+  </p:clrMapOvr>
+</p:sld>
+</file>
+
+<file path=ppt/slides/slide40.xml><?xml version="1.0" encoding="utf-8"?>
+<p:sld xmlns:a="http://schemas.openxmlformats.org/drawingml/2006/main" xmlns:r="http://schemas.openxmlformats.org/officeDocument/2006/relationships" xmlns:p="http://schemas.openxmlformats.org/presentationml/2006/main">
+  <p:cSld>
+    <p:spTree>
+      <p:nvGrpSpPr>
+        <p:cNvPr id="1" name=""/>
+        <p:cNvGrpSpPr/>
+        <p:nvPr/>
+      </p:nvGrpSpPr>
+      <p:grpSpPr>
+        <a:xfrm>
+          <a:off x="0" y="0"/>
+          <a:ext cx="0" cy="0"/>
+          <a:chOff x="0" y="0"/>
+          <a:chExt cx="0" cy="0"/>
+        </a:xfrm>
+      </p:grpSpPr>
+      <p:sp>
+        <p:nvSpPr>
+          <p:cNvPr id="2" name="Nadpis 1">
+            <a:extLst>
+              <a:ext uri="{FF2B5EF4-FFF2-40B4-BE49-F238E27FC236}">
+                <a16:creationId xmlns:a16="http://schemas.microsoft.com/office/drawing/2014/main" id="{A9A4EB89-DA6B-4870-93D8-B6489B08CDB7}"/>
+              </a:ext>
+            </a:extLst>
+          </p:cNvPr>
+          <p:cNvSpPr>
+            <a:spLocks noGrp="1"/>
+          </p:cNvSpPr>
+          <p:nvPr>
+            <p:ph type="title"/>
+          </p:nvPr>
+        </p:nvSpPr>
+        <p:spPr/>
+        <p:txBody>
+          <a:bodyPr/>
+          <a:lstStyle/>
+          <a:p>
+            <a:pPr algn="l"/>
+            <a:r>
+              <a:rPr lang="en-US" dirty="0"/>
+              <a:t>Extern</a:t>
+            </a:r>
+            <a:r>
+              <a:rPr lang="sk-SK" dirty="0"/>
+              <a:t>é udalosti v DF – čakanie na udalosť</a:t>
+            </a:r>
+          </a:p>
+        </p:txBody>
+      </p:sp>
+      <p:sp>
+        <p:nvSpPr>
+          <p:cNvPr id="3" name="Zástupný objekt pre obsah 2">
+            <a:extLst>
+              <a:ext uri="{FF2B5EF4-FFF2-40B4-BE49-F238E27FC236}">
+                <a16:creationId xmlns:a16="http://schemas.microsoft.com/office/drawing/2014/main" id="{F7A72204-C003-4EAB-ACCF-260970852362}"/>
+              </a:ext>
+            </a:extLst>
+          </p:cNvPr>
+          <p:cNvSpPr>
+            <a:spLocks noGrp="1"/>
+          </p:cNvSpPr>
+          <p:nvPr>
+            <p:ph idx="1"/>
+          </p:nvPr>
+        </p:nvSpPr>
+        <p:spPr/>
+        <p:txBody>
+          <a:bodyPr/>
+          <a:lstStyle/>
+          <a:p>
+            <a:r>
+              <a:rPr lang="sk-SK" dirty="0"/>
+              <a:t>Udalosť v DF = </a:t>
+            </a:r>
+            <a:r>
+              <a:rPr lang="sk-SK" b="1" dirty="0"/>
+              <a:t>jednosmerná</a:t>
+            </a:r>
+            <a:r>
+              <a:rPr lang="sk-SK" dirty="0"/>
+              <a:t> asynchrónna operácia</a:t>
+            </a:r>
+          </a:p>
+          <a:p>
+            <a:r>
+              <a:rPr lang="sk-SK" sz="1800" dirty="0" err="1">
+                <a:latin typeface="Fira Code" panose="020B0809050000020004" pitchFamily="49" charset="0"/>
+                <a:ea typeface="Fira Code" panose="020B0809050000020004" pitchFamily="49" charset="0"/>
+                <a:cs typeface="Fira Code" panose="020B0809050000020004" pitchFamily="49" charset="0"/>
+              </a:rPr>
+              <a:t>context.</a:t>
+            </a:r>
+            <a:r>
+              <a:rPr lang="sk-SK" sz="1800" b="1" dirty="0" err="1">
+                <a:latin typeface="Fira Code" panose="020B0809050000020004" pitchFamily="49" charset="0"/>
+                <a:ea typeface="Fira Code" panose="020B0809050000020004" pitchFamily="49" charset="0"/>
+                <a:cs typeface="Fira Code" panose="020B0809050000020004" pitchFamily="49" charset="0"/>
+              </a:rPr>
+              <a:t>WaitForExternalEvent</a:t>
+            </a:r>
+            <a:r>
+              <a:rPr lang="en-US" sz="1800" dirty="0">
+                <a:latin typeface="Fira Code" panose="020B0809050000020004" pitchFamily="49" charset="0"/>
+                <a:ea typeface="Fira Code" panose="020B0809050000020004" pitchFamily="49" charset="0"/>
+                <a:cs typeface="Fira Code" panose="020B0809050000020004" pitchFamily="49" charset="0"/>
+              </a:rPr>
+              <a:t>&lt;</a:t>
+            </a:r>
+            <a:r>
+              <a:rPr lang="sk-SK" sz="1800" i="1" dirty="0">
+                <a:latin typeface="Fira Code" panose="020B0809050000020004" pitchFamily="49" charset="0"/>
+                <a:ea typeface="Fira Code" panose="020B0809050000020004" pitchFamily="49" charset="0"/>
+                <a:cs typeface="Fira Code" panose="020B0809050000020004" pitchFamily="49" charset="0"/>
+              </a:rPr>
+              <a:t>typ vstupných dát</a:t>
+            </a:r>
+            <a:r>
+              <a:rPr lang="en-US" sz="1800" dirty="0">
+                <a:latin typeface="Fira Code" panose="020B0809050000020004" pitchFamily="49" charset="0"/>
+                <a:ea typeface="Fira Code" panose="020B0809050000020004" pitchFamily="49" charset="0"/>
+                <a:cs typeface="Fira Code" panose="020B0809050000020004" pitchFamily="49" charset="0"/>
+              </a:rPr>
+              <a:t>&gt;</a:t>
+            </a:r>
+            <a:r>
+              <a:rPr lang="sk-SK" sz="1800" dirty="0">
+                <a:latin typeface="Fira Code" panose="020B0809050000020004" pitchFamily="49" charset="0"/>
+                <a:ea typeface="Fira Code" panose="020B0809050000020004" pitchFamily="49" charset="0"/>
+                <a:cs typeface="Fira Code" panose="020B0809050000020004" pitchFamily="49" charset="0"/>
+              </a:rPr>
+              <a:t>(</a:t>
+            </a:r>
+            <a:r>
+              <a:rPr lang="en-US" sz="1800" i="1" dirty="0">
+                <a:latin typeface="Fira Code" panose="020B0809050000020004" pitchFamily="49" charset="0"/>
+                <a:ea typeface="Fira Code" panose="020B0809050000020004" pitchFamily="49" charset="0"/>
+                <a:cs typeface="Fira Code" panose="020B0809050000020004" pitchFamily="49" charset="0"/>
+              </a:rPr>
+              <a:t>n</a:t>
+            </a:r>
+            <a:r>
+              <a:rPr lang="sk-SK" sz="1800" i="1" dirty="0" err="1">
+                <a:latin typeface="Fira Code" panose="020B0809050000020004" pitchFamily="49" charset="0"/>
+                <a:ea typeface="Fira Code" panose="020B0809050000020004" pitchFamily="49" charset="0"/>
+                <a:cs typeface="Fira Code" panose="020B0809050000020004" pitchFamily="49" charset="0"/>
+              </a:rPr>
+              <a:t>ázov</a:t>
+            </a:r>
+            <a:r>
+              <a:rPr lang="sk-SK" sz="1800" i="1" dirty="0">
+                <a:latin typeface="Fira Code" panose="020B0809050000020004" pitchFamily="49" charset="0"/>
+                <a:ea typeface="Fira Code" panose="020B0809050000020004" pitchFamily="49" charset="0"/>
+                <a:cs typeface="Fira Code" panose="020B0809050000020004" pitchFamily="49" charset="0"/>
+              </a:rPr>
+              <a:t> udalosti</a:t>
+            </a:r>
+            <a:r>
+              <a:rPr lang="sk-SK" sz="1800" dirty="0">
+                <a:latin typeface="Fira Code" panose="020B0809050000020004" pitchFamily="49" charset="0"/>
+                <a:ea typeface="Fira Code" panose="020B0809050000020004" pitchFamily="49" charset="0"/>
+                <a:cs typeface="Fira Code" panose="020B0809050000020004" pitchFamily="49" charset="0"/>
+              </a:rPr>
+              <a:t>)</a:t>
+            </a:r>
+            <a:endParaRPr lang="sk-SK" sz="1800" dirty="0"/>
+          </a:p>
+          <a:p>
+            <a:r>
+              <a:rPr lang="en-US" dirty="0"/>
+              <a:t>Je </a:t>
+            </a:r>
+            <a:r>
+              <a:rPr lang="en-US" dirty="0" err="1"/>
+              <a:t>mo</a:t>
+            </a:r>
+            <a:r>
+              <a:rPr lang="sk-SK" dirty="0" err="1"/>
+              <a:t>žné</a:t>
+            </a:r>
+            <a:r>
+              <a:rPr lang="sk-SK" dirty="0"/>
+              <a:t> čakať na viacero udalostí naraz (</a:t>
+            </a:r>
+            <a:r>
+              <a:rPr lang="sk-SK" dirty="0" err="1"/>
+              <a:t>Task.WhenAny</a:t>
+            </a:r>
+            <a:r>
+              <a:rPr lang="sk-SK" dirty="0"/>
+              <a:t>, </a:t>
+            </a:r>
+            <a:r>
+              <a:rPr lang="sk-SK" dirty="0" err="1"/>
+              <a:t>Task.WhenAll</a:t>
+            </a:r>
+            <a:r>
+              <a:rPr lang="sk-SK" dirty="0"/>
+              <a:t>)</a:t>
+            </a:r>
+          </a:p>
+          <a:p>
+            <a:r>
+              <a:rPr lang="sk-SK" dirty="0"/>
+              <a:t>Počas čakania na udalosť môže DF „spať“</a:t>
+            </a:r>
+          </a:p>
+        </p:txBody>
+      </p:sp>
+    </p:spTree>
+    <p:extLst>
+      <p:ext uri="{BB962C8B-B14F-4D97-AF65-F5344CB8AC3E}">
+        <p14:creationId xmlns:p14="http://schemas.microsoft.com/office/powerpoint/2010/main" val="96490906"/>
+      </p:ext>
+    </p:extLst>
+  </p:cSld>
+  <p:clrMapOvr>
+    <a:masterClrMapping/>
+  </p:clrMapOvr>
+</p:sld>
+</file>
+
+<file path=ppt/slides/slide41.xml><?xml version="1.0" encoding="utf-8"?>
+<p:sld xmlns:a="http://schemas.openxmlformats.org/drawingml/2006/main" xmlns:r="http://schemas.openxmlformats.org/officeDocument/2006/relationships" xmlns:p="http://schemas.openxmlformats.org/presentationml/2006/main">
+  <p:cSld>
+    <p:spTree>
+      <p:nvGrpSpPr>
+        <p:cNvPr id="1" name=""/>
+        <p:cNvGrpSpPr/>
+        <p:nvPr/>
+      </p:nvGrpSpPr>
+      <p:grpSpPr>
+        <a:xfrm>
+          <a:off x="0" y="0"/>
+          <a:ext cx="0" cy="0"/>
+          <a:chOff x="0" y="0"/>
+          <a:chExt cx="0" cy="0"/>
+        </a:xfrm>
+      </p:grpSpPr>
+      <p:sp>
+        <p:nvSpPr>
+          <p:cNvPr id="2" name="Nadpis 1">
+            <a:extLst>
+              <a:ext uri="{FF2B5EF4-FFF2-40B4-BE49-F238E27FC236}">
+                <a16:creationId xmlns:a16="http://schemas.microsoft.com/office/drawing/2014/main" id="{A9A4EB89-DA6B-4870-93D8-B6489B08CDB7}"/>
+              </a:ext>
+            </a:extLst>
+          </p:cNvPr>
+          <p:cNvSpPr>
+            <a:spLocks noGrp="1"/>
+          </p:cNvSpPr>
+          <p:nvPr>
+            <p:ph type="title"/>
+          </p:nvPr>
+        </p:nvSpPr>
+        <p:spPr/>
+        <p:txBody>
+          <a:bodyPr/>
+          <a:lstStyle/>
+          <a:p>
+            <a:pPr algn="l"/>
+            <a:r>
+              <a:rPr lang="en-US" dirty="0"/>
+              <a:t>Extern</a:t>
+            </a:r>
+            <a:r>
+              <a:rPr lang="sk-SK" dirty="0"/>
+              <a:t>é udalosti v DF – vyvolanie udalosti</a:t>
+            </a:r>
+          </a:p>
+        </p:txBody>
+      </p:sp>
+      <p:sp>
+        <p:nvSpPr>
+          <p:cNvPr id="3" name="Zástupný objekt pre obsah 2">
+            <a:extLst>
+              <a:ext uri="{FF2B5EF4-FFF2-40B4-BE49-F238E27FC236}">
+                <a16:creationId xmlns:a16="http://schemas.microsoft.com/office/drawing/2014/main" id="{F7A72204-C003-4EAB-ACCF-260970852362}"/>
+              </a:ext>
+            </a:extLst>
+          </p:cNvPr>
+          <p:cNvSpPr>
+            <a:spLocks noGrp="1"/>
+          </p:cNvSpPr>
+          <p:nvPr>
+            <p:ph idx="1"/>
+          </p:nvPr>
+        </p:nvSpPr>
+        <p:spPr/>
+        <p:txBody>
+          <a:bodyPr>
+            <a:normAutofit fontScale="92500" lnSpcReduction="10000"/>
+          </a:bodyPr>
+          <a:lstStyle/>
+          <a:p>
+            <a:pPr algn="just"/>
+            <a:r>
+              <a:rPr lang="sk-SK" dirty="0">
+                <a:latin typeface="Fira Code" panose="020B0809050000020004" pitchFamily="49" charset="0"/>
+                <a:ea typeface="Fira Code" panose="020B0809050000020004" pitchFamily="49" charset="0"/>
+                <a:cs typeface="Fira Code" panose="020B0809050000020004" pitchFamily="49" charset="0"/>
+              </a:rPr>
+              <a:t>DF: </a:t>
+            </a:r>
+            <a:r>
+              <a:rPr lang="sk-SK" sz="1800" dirty="0" err="1">
+                <a:latin typeface="Fira Code" panose="020B0809050000020004" pitchFamily="49" charset="0"/>
+                <a:ea typeface="Fira Code" panose="020B0809050000020004" pitchFamily="49" charset="0"/>
+                <a:cs typeface="Fira Code" panose="020B0809050000020004" pitchFamily="49" charset="0"/>
+              </a:rPr>
+              <a:t>context.</a:t>
+            </a:r>
+            <a:r>
+              <a:rPr lang="sk-SK" sz="1800" b="1" dirty="0" err="1">
+                <a:latin typeface="Fira Code" panose="020B0809050000020004" pitchFamily="49" charset="0"/>
+                <a:ea typeface="Fira Code" panose="020B0809050000020004" pitchFamily="49" charset="0"/>
+                <a:cs typeface="Fira Code" panose="020B0809050000020004" pitchFamily="49" charset="0"/>
+              </a:rPr>
+              <a:t>RaiseEventAsync</a:t>
+            </a:r>
+            <a:r>
+              <a:rPr lang="en-US" sz="1800" dirty="0">
+                <a:latin typeface="Fira Code" panose="020B0809050000020004" pitchFamily="49" charset="0"/>
+                <a:ea typeface="Fira Code" panose="020B0809050000020004" pitchFamily="49" charset="0"/>
+                <a:cs typeface="Fira Code" panose="020B0809050000020004" pitchFamily="49" charset="0"/>
+              </a:rPr>
+              <a:t> </a:t>
+            </a:r>
+            <a:r>
+              <a:rPr lang="sk-SK" sz="1800" dirty="0">
+                <a:latin typeface="Fira Code" panose="020B0809050000020004" pitchFamily="49" charset="0"/>
+                <a:ea typeface="Fira Code" panose="020B0809050000020004" pitchFamily="49" charset="0"/>
+                <a:cs typeface="Fira Code" panose="020B0809050000020004" pitchFamily="49" charset="0"/>
+              </a:rPr>
+              <a:t>(</a:t>
+            </a:r>
+            <a:r>
+              <a:rPr lang="sk-SK" sz="1800" i="1" dirty="0">
+                <a:latin typeface="Fira Code" panose="020B0809050000020004" pitchFamily="49" charset="0"/>
+                <a:ea typeface="Fira Code" panose="020B0809050000020004" pitchFamily="49" charset="0"/>
+                <a:cs typeface="Fira Code" panose="020B0809050000020004" pitchFamily="49" charset="0"/>
+              </a:rPr>
+              <a:t>ID inštancie, </a:t>
+            </a:r>
+            <a:r>
+              <a:rPr lang="en-US" sz="1800" i="1" dirty="0">
+                <a:latin typeface="Fira Code" panose="020B0809050000020004" pitchFamily="49" charset="0"/>
+                <a:ea typeface="Fira Code" panose="020B0809050000020004" pitchFamily="49" charset="0"/>
+                <a:cs typeface="Fira Code" panose="020B0809050000020004" pitchFamily="49" charset="0"/>
+              </a:rPr>
+              <a:t>n</a:t>
+            </a:r>
+            <a:r>
+              <a:rPr lang="sk-SK" sz="1800" i="1" dirty="0" err="1">
+                <a:latin typeface="Fira Code" panose="020B0809050000020004" pitchFamily="49" charset="0"/>
+                <a:ea typeface="Fira Code" panose="020B0809050000020004" pitchFamily="49" charset="0"/>
+                <a:cs typeface="Fira Code" panose="020B0809050000020004" pitchFamily="49" charset="0"/>
+              </a:rPr>
+              <a:t>ázov</a:t>
+            </a:r>
+            <a:r>
+              <a:rPr lang="sk-SK" sz="1800" i="1" dirty="0">
+                <a:latin typeface="Fira Code" panose="020B0809050000020004" pitchFamily="49" charset="0"/>
+                <a:ea typeface="Fira Code" panose="020B0809050000020004" pitchFamily="49" charset="0"/>
+                <a:cs typeface="Fira Code" panose="020B0809050000020004" pitchFamily="49" charset="0"/>
+              </a:rPr>
+              <a:t> udalosti, dáta</a:t>
+            </a:r>
+            <a:r>
+              <a:rPr lang="sk-SK" sz="1800" dirty="0">
+                <a:latin typeface="Fira Code" panose="020B0809050000020004" pitchFamily="49" charset="0"/>
+                <a:ea typeface="Fira Code" panose="020B0809050000020004" pitchFamily="49" charset="0"/>
+                <a:cs typeface="Fira Code" panose="020B0809050000020004" pitchFamily="49" charset="0"/>
+              </a:rPr>
+              <a:t>)</a:t>
+            </a:r>
+            <a:endParaRPr lang="sk-SK" sz="1800" dirty="0"/>
+          </a:p>
+          <a:p>
+            <a:pPr algn="just"/>
+            <a:r>
+              <a:rPr lang="sk-SK" dirty="0"/>
+              <a:t>HTTP API: </a:t>
+            </a:r>
+            <a:r>
+              <a:rPr lang="sk-SK" sz="1800" dirty="0"/>
+              <a:t>POST </a:t>
+            </a:r>
+            <a:r>
+              <a:rPr lang="sk-SK" sz="1800" i="1" dirty="0"/>
+              <a:t>/</a:t>
+            </a:r>
+            <a:r>
+              <a:rPr lang="sk-SK" sz="1800" i="1" dirty="0" err="1"/>
+              <a:t>runtime</a:t>
+            </a:r>
+            <a:r>
+              <a:rPr lang="sk-SK" sz="1800" i="1" dirty="0"/>
+              <a:t>/</a:t>
+            </a:r>
+            <a:r>
+              <a:rPr lang="sk-SK" sz="1800" i="1" dirty="0" err="1"/>
+              <a:t>webhooks</a:t>
+            </a:r>
+            <a:r>
+              <a:rPr lang="sk-SK" sz="1800" i="1" dirty="0"/>
+              <a:t>/</a:t>
+            </a:r>
+            <a:r>
+              <a:rPr lang="sk-SK" sz="1800" i="1" dirty="0" err="1"/>
+              <a:t>durabletask</a:t>
+            </a:r>
+            <a:r>
+              <a:rPr lang="sk-SK" sz="1800" i="1" dirty="0"/>
+              <a:t>/</a:t>
+            </a:r>
+            <a:r>
+              <a:rPr lang="sk-SK" sz="1800" i="1" dirty="0" err="1"/>
+              <a:t>instances</a:t>
+            </a:r>
+            <a:r>
+              <a:rPr lang="sk-SK" sz="1800" i="1" dirty="0"/>
+              <a:t>/</a:t>
+            </a:r>
+            <a:r>
+              <a:rPr lang="en-US" sz="1800" i="1" dirty="0"/>
+              <a:t>{</a:t>
+            </a:r>
+            <a:r>
+              <a:rPr lang="en-US" sz="1800" i="1" dirty="0" err="1"/>
+              <a:t>instanceId</a:t>
+            </a:r>
+            <a:r>
+              <a:rPr lang="en-US" sz="1800" i="1" dirty="0"/>
+              <a:t>}</a:t>
+            </a:r>
+            <a:r>
+              <a:rPr lang="sk-SK" sz="1800" i="1" dirty="0"/>
+              <a:t>/</a:t>
+            </a:r>
+            <a:r>
+              <a:rPr lang="sk-SK" sz="1800" b="1" i="1" dirty="0" err="1"/>
+              <a:t>raiseEvent</a:t>
+            </a:r>
+            <a:r>
+              <a:rPr lang="sk-SK" sz="1800" b="1" i="1" dirty="0"/>
+              <a:t>/</a:t>
+            </a:r>
+            <a:r>
+              <a:rPr lang="en-US" sz="1800" b="1" i="1" dirty="0"/>
+              <a:t>{</a:t>
+            </a:r>
+            <a:r>
+              <a:rPr lang="en-US" sz="1800" b="1" i="1" dirty="0" err="1"/>
+              <a:t>eventName</a:t>
+            </a:r>
+            <a:r>
+              <a:rPr lang="en-US" sz="1800" b="1" i="1" dirty="0"/>
+              <a:t>}</a:t>
+            </a:r>
+            <a:endParaRPr lang="sk-SK" sz="1800" b="1" dirty="0"/>
+          </a:p>
+          <a:p>
+            <a:pPr algn="just"/>
+            <a:r>
+              <a:rPr lang="sk-SK" dirty="0"/>
+              <a:t>Dáta udalosti musia byť </a:t>
+            </a:r>
+            <a:r>
+              <a:rPr lang="sk-SK" dirty="0" err="1"/>
+              <a:t>serializovateľné</a:t>
+            </a:r>
+            <a:r>
+              <a:rPr lang="sk-SK" dirty="0"/>
+              <a:t> cez JSON</a:t>
+            </a:r>
+          </a:p>
+          <a:p>
+            <a:pPr algn="just"/>
+            <a:r>
+              <a:rPr lang="sk-SK" dirty="0"/>
+              <a:t>Pri vyvolaní sa udalosť zaradí do fronty pre konkrétnu inštanciu orchestrácie</a:t>
+            </a:r>
+          </a:p>
+          <a:p>
+            <a:pPr algn="just"/>
+            <a:r>
+              <a:rPr lang="sk-SK" dirty="0"/>
+              <a:t>Ak inštancia nečaká na zadanú udalosť, udalosť ostane čakať vo fronte a môže sa </a:t>
+            </a:r>
+            <a:r>
+              <a:rPr lang="sk-SK" dirty="0" err="1"/>
+              <a:t>vyzvihnúť</a:t>
+            </a:r>
+            <a:r>
+              <a:rPr lang="sk-SK" dirty="0"/>
+              <a:t> až vtedy, keď bude na ňu inštancia čakať</a:t>
+            </a:r>
+          </a:p>
+          <a:p>
+            <a:pPr algn="just"/>
+            <a:r>
+              <a:rPr lang="sk-SK" dirty="0"/>
+              <a:t>Ak zadaná inštancia neexistuje, udalosť sa zahodí</a:t>
+            </a:r>
+          </a:p>
+        </p:txBody>
+      </p:sp>
+    </p:spTree>
+    <p:extLst>
+      <p:ext uri="{BB962C8B-B14F-4D97-AF65-F5344CB8AC3E}">
+        <p14:creationId xmlns:p14="http://schemas.microsoft.com/office/powerpoint/2010/main" val="4144063245"/>
+      </p:ext>
+    </p:extLst>
+  </p:cSld>
+  <p:clrMapOvr>
+    <a:masterClrMapping/>
+  </p:clrMapOvr>
+</p:sld>
+</file>
+
+<file path=ppt/slides/slide42.xml><?xml version="1.0" encoding="utf-8"?>
+<p:sld xmlns:a="http://schemas.openxmlformats.org/drawingml/2006/main" xmlns:r="http://schemas.openxmlformats.org/officeDocument/2006/relationships" xmlns:p="http://schemas.openxmlformats.org/presentationml/2006/main">
+  <p:cSld>
+    <p:spTree>
+      <p:nvGrpSpPr>
+        <p:cNvPr id="1" name=""/>
+        <p:cNvGrpSpPr/>
+        <p:nvPr/>
+      </p:nvGrpSpPr>
+      <p:grpSpPr>
+        <a:xfrm>
+          <a:off x="0" y="0"/>
+          <a:ext cx="0" cy="0"/>
+          <a:chOff x="0" y="0"/>
+          <a:chExt cx="0" cy="0"/>
+        </a:xfrm>
+      </p:grpSpPr>
+      <p:sp>
+        <p:nvSpPr>
+          <p:cNvPr id="2" name="Nadpis 1">
+            <a:extLst>
+              <a:ext uri="{FF2B5EF4-FFF2-40B4-BE49-F238E27FC236}">
+                <a16:creationId xmlns:a16="http://schemas.microsoft.com/office/drawing/2014/main" id="{EA99B69B-9EF6-4135-964D-EB9806BD46FE}"/>
+              </a:ext>
+            </a:extLst>
+          </p:cNvPr>
+          <p:cNvSpPr>
+            <a:spLocks noGrp="1"/>
+          </p:cNvSpPr>
+          <p:nvPr>
+            <p:ph type="title"/>
+          </p:nvPr>
+        </p:nvSpPr>
+        <p:spPr/>
+        <p:txBody>
+          <a:bodyPr/>
+          <a:lstStyle/>
+          <a:p>
+            <a:pPr algn="l"/>
+            <a:r>
+              <a:rPr lang="sk-SK" dirty="0"/>
+              <a:t>DEMO – </a:t>
+            </a:r>
+            <a:r>
+              <a:rPr lang="sk-SK" dirty="0" err="1"/>
+              <a:t>Human</a:t>
+            </a:r>
+            <a:r>
+              <a:rPr lang="sk-SK" dirty="0"/>
+              <a:t> </a:t>
+            </a:r>
+            <a:r>
+              <a:rPr lang="sk-SK" dirty="0" err="1"/>
+              <a:t>interaction</a:t>
+            </a:r>
+            <a:endParaRPr lang="sk-SK" dirty="0"/>
+          </a:p>
+        </p:txBody>
+      </p:sp>
+      <p:sp>
+        <p:nvSpPr>
+          <p:cNvPr id="3" name="Zástupný text 2">
+            <a:extLst>
+              <a:ext uri="{FF2B5EF4-FFF2-40B4-BE49-F238E27FC236}">
+                <a16:creationId xmlns:a16="http://schemas.microsoft.com/office/drawing/2014/main" id="{7E70D53C-0FF4-4F90-87A6-20EF107D066D}"/>
+              </a:ext>
+            </a:extLst>
+          </p:cNvPr>
+          <p:cNvSpPr>
+            <a:spLocks noGrp="1"/>
+          </p:cNvSpPr>
+          <p:nvPr>
+            <p:ph type="body" idx="1"/>
+          </p:nvPr>
+        </p:nvSpPr>
+        <p:spPr/>
+        <p:txBody>
+          <a:bodyPr/>
+          <a:lstStyle/>
+          <a:p>
+            <a:endParaRPr lang="sk-SK" dirty="0"/>
+          </a:p>
+        </p:txBody>
+      </p:sp>
+    </p:spTree>
+    <p:extLst>
+      <p:ext uri="{BB962C8B-B14F-4D97-AF65-F5344CB8AC3E}">
+        <p14:creationId xmlns:p14="http://schemas.microsoft.com/office/powerpoint/2010/main" val="3462028753"/>
+      </p:ext>
+    </p:extLst>
+  </p:cSld>
+  <p:clrMapOvr>
+    <a:masterClrMapping/>
+  </p:clrMapOvr>
+</p:sld>
+</file>
+
+<file path=ppt/slides/slide43.xml><?xml version="1.0" encoding="utf-8"?>
+<p:sld xmlns:a="http://schemas.openxmlformats.org/drawingml/2006/main" xmlns:r="http://schemas.openxmlformats.org/officeDocument/2006/relationships" xmlns:p="http://schemas.openxmlformats.org/presentationml/2006/main">
+  <p:cSld>
+    <p:spTree>
+      <p:nvGrpSpPr>
+        <p:cNvPr id="1" name=""/>
+        <p:cNvGrpSpPr/>
+        <p:nvPr/>
+      </p:nvGrpSpPr>
+      <p:grpSpPr>
+        <a:xfrm>
+          <a:off x="0" y="0"/>
+          <a:ext cx="0" cy="0"/>
+          <a:chOff x="0" y="0"/>
+          <a:chExt cx="0" cy="0"/>
+        </a:xfrm>
+      </p:grpSpPr>
+      <p:sp>
+        <p:nvSpPr>
+          <p:cNvPr id="2" name="Nadpis 1">
+            <a:extLst>
+              <a:ext uri="{FF2B5EF4-FFF2-40B4-BE49-F238E27FC236}">
                 <a16:creationId xmlns:a16="http://schemas.microsoft.com/office/drawing/2014/main" id="{D50CDC67-5313-4A2C-BAFE-2AE4F05FA751}"/>
               </a:ext>
             </a:extLst>
@@ -12955,7 +13746,7 @@
 </p:sld>
 </file>
 
-<file path=ppt/slides/slide39.xml><?xml version="1.0" encoding="utf-8"?>
+<file path=ppt/slides/slide44.xml><?xml version="1.0" encoding="utf-8"?>
 <p:sld xmlns:a="http://schemas.openxmlformats.org/drawingml/2006/main" xmlns:r="http://schemas.openxmlformats.org/officeDocument/2006/relationships" xmlns:p="http://schemas.openxmlformats.org/presentationml/2006/main">
   <p:cSld>
     <p:spTree>
@@ -13068,7 +13859,7 @@
 </p:sld>
 </file>
 
-<file path=ppt/slides/slide4.xml><?xml version="1.0" encoding="utf-8"?>
+<file path=ppt/slides/slide45.xml><?xml version="1.0" encoding="utf-8"?>
 <p:sld xmlns:a="http://schemas.openxmlformats.org/drawingml/2006/main" xmlns:r="http://schemas.openxmlformats.org/officeDocument/2006/relationships" xmlns:p="http://schemas.openxmlformats.org/presentationml/2006/main">
   <p:cSld>
     <p:spTree>
@@ -13090,7 +13881,7 @@
           <p:cNvPr id="2" name="Nadpis 1">
             <a:extLst>
               <a:ext uri="{FF2B5EF4-FFF2-40B4-BE49-F238E27FC236}">
-                <a16:creationId xmlns:a16="http://schemas.microsoft.com/office/drawing/2014/main" id="{86F903E2-A2AA-4BD9-9A51-72C1BF590B22}"/>
+                <a16:creationId xmlns:a16="http://schemas.microsoft.com/office/drawing/2014/main" id="{EA99B69B-9EF6-4135-964D-EB9806BD46FE}"/>
               </a:ext>
             </a:extLst>
           </p:cNvPr>
@@ -13108,8 +13899,12 @@
           <a:p>
             <a:pPr algn="l"/>
             <a:r>
-              <a:rPr lang="sk-SK" dirty="0" err="1"/>
-              <a:t>Workflow</a:t>
+              <a:rPr lang="sk-SK" dirty="0"/>
+              <a:t>DEMO – </a:t>
+            </a:r>
+            <a:r>
+              <a:rPr lang="en-US" dirty="0"/>
+              <a:t>Aggregator</a:t>
             </a:r>
             <a:endParaRPr lang="sk-SK" dirty="0"/>
           </a:p>
@@ -13117,10 +13912,10 @@
       </p:sp>
       <p:sp>
         <p:nvSpPr>
-          <p:cNvPr id="3" name="Zástupný objekt pre obsah 2">
+          <p:cNvPr id="3" name="Zástupný text 2">
             <a:extLst>
               <a:ext uri="{FF2B5EF4-FFF2-40B4-BE49-F238E27FC236}">
-                <a16:creationId xmlns:a16="http://schemas.microsoft.com/office/drawing/2014/main" id="{63A5833B-D3B8-4E7D-8550-AB78BFC7ED20}"/>
+                <a16:creationId xmlns:a16="http://schemas.microsoft.com/office/drawing/2014/main" id="{7E70D53C-0FF4-4F90-87A6-20EF107D066D}"/>
               </a:ext>
             </a:extLst>
           </p:cNvPr>
@@ -13128,7 +13923,7 @@
             <a:spLocks noGrp="1"/>
           </p:cNvSpPr>
           <p:nvPr>
-            <p:ph idx="1"/>
+            <p:ph type="body" idx="1"/>
           </p:nvPr>
         </p:nvSpPr>
         <p:spPr/>
@@ -13136,67 +13931,6 @@
           <a:bodyPr/>
           <a:lstStyle/>
           <a:p>
-            <a:pPr algn="just"/>
-            <a:r>
-              <a:rPr lang="sk-SK" dirty="0"/>
-              <a:t>Definovaný priamo v kóde, nie je potrebná žiadna schéma alebo dizajnér</a:t>
-            </a:r>
-          </a:p>
-          <a:p>
-            <a:pPr algn="just"/>
-            <a:r>
-              <a:rPr lang="sk-SK" dirty="0"/>
-              <a:t>DF môžu volať iné funkcie synchrónne aj asynchrónne</a:t>
-            </a:r>
-          </a:p>
-          <a:p>
-            <a:pPr algn="just"/>
-            <a:r>
-              <a:rPr lang="sk-SK" dirty="0"/>
-              <a:t>Výstup z volaných funkcií sa môže ukladať do lokálnych premenných</a:t>
-            </a:r>
-          </a:p>
-          <a:p>
-            <a:pPr algn="just"/>
-            <a:r>
-              <a:rPr lang="sk-SK" dirty="0"/>
-              <a:t>Postup sa automaticky </a:t>
-            </a:r>
-            <a:r>
-              <a:rPr lang="sk-SK" dirty="0" err="1"/>
-              <a:t>checkpoint</a:t>
-            </a:r>
-            <a:r>
-              <a:rPr lang="sk-SK" dirty="0"/>
-              <a:t>-uje počas čakania (</a:t>
-            </a:r>
-            <a:r>
-              <a:rPr lang="sk-SK" dirty="0" err="1"/>
-              <a:t>await</a:t>
-            </a:r>
-            <a:r>
-              <a:rPr lang="sk-SK" dirty="0"/>
-              <a:t>), vďaka čomu sa lokálny stav zachová aj pri recyklácii procesu</a:t>
-            </a:r>
-          </a:p>
-          <a:p>
-            <a:pPr algn="just"/>
-            <a:r>
-              <a:rPr lang="sk-SK" dirty="0"/>
-              <a:t>Lokálny stav sa ukladá do </a:t>
-            </a:r>
-            <a:r>
-              <a:rPr lang="sk-SK" dirty="0" err="1"/>
-              <a:t>Azure</a:t>
-            </a:r>
-            <a:r>
-              <a:rPr lang="sk-SK" dirty="0"/>
-              <a:t> </a:t>
-            </a:r>
-            <a:r>
-              <a:rPr lang="sk-SK" dirty="0" err="1"/>
-              <a:t>Storage</a:t>
-            </a:r>
             <a:endParaRPr lang="sk-SK" dirty="0"/>
           </a:p>
         </p:txBody>
@@ -13204,7 +13938,7 @@
     </p:spTree>
     <p:extLst>
       <p:ext uri="{BB962C8B-B14F-4D97-AF65-F5344CB8AC3E}">
-        <p14:creationId xmlns:p14="http://schemas.microsoft.com/office/powerpoint/2010/main" val="3225666022"/>
+        <p14:creationId xmlns:p14="http://schemas.microsoft.com/office/powerpoint/2010/main" val="2893753722"/>
       </p:ext>
     </p:extLst>
   </p:cSld>
@@ -13214,7 +13948,7 @@
 </p:sld>
 </file>
 
-<file path=ppt/slides/slide40.xml><?xml version="1.0" encoding="utf-8"?>
+<file path=ppt/slides/slide46.xml><?xml version="1.0" encoding="utf-8"?>
 <p:sld xmlns:a="http://schemas.openxmlformats.org/drawingml/2006/main" xmlns:r="http://schemas.openxmlformats.org/officeDocument/2006/relationships" xmlns:p="http://schemas.openxmlformats.org/presentationml/2006/main">
   <p:cSld>
     <p:spTree>
@@ -13236,7 +13970,7 @@
           <p:cNvPr id="2" name="Nadpis 1">
             <a:extLst>
               <a:ext uri="{FF2B5EF4-FFF2-40B4-BE49-F238E27FC236}">
-                <a16:creationId xmlns:a16="http://schemas.microsoft.com/office/drawing/2014/main" id="{020EB43D-0BDF-4F38-8352-88FBDF7EDD41}"/>
+                <a16:creationId xmlns:a16="http://schemas.microsoft.com/office/drawing/2014/main" id="{1029C316-F235-4104-A82C-A822DBC6F569}"/>
               </a:ext>
             </a:extLst>
           </p:cNvPr>
@@ -13255,7 +13989,15 @@
             <a:pPr algn="l"/>
             <a:r>
               <a:rPr lang="sk-SK" dirty="0"/>
-              <a:t>Kritická sekcia</a:t>
+              <a:t>Poslanie správy pre entitu (</a:t>
+            </a:r>
+            <a:r>
+              <a:rPr lang="sk-SK" dirty="0" err="1"/>
+              <a:t>durable</a:t>
+            </a:r>
+            <a:r>
+              <a:rPr lang="sk-SK" dirty="0"/>
+              <a:t> entity)</a:t>
             </a:r>
           </a:p>
         </p:txBody>
@@ -13265,7 +14007,7 @@
           <p:cNvPr id="3" name="Zástupný objekt pre obsah 2">
             <a:extLst>
               <a:ext uri="{FF2B5EF4-FFF2-40B4-BE49-F238E27FC236}">
-                <a16:creationId xmlns:a16="http://schemas.microsoft.com/office/drawing/2014/main" id="{120D2310-76A2-4DCE-A454-6F8FFE85459C}"/>
+                <a16:creationId xmlns:a16="http://schemas.microsoft.com/office/drawing/2014/main" id="{1B311E6E-C010-487B-9B6E-ADF82C240954}"/>
               </a:ext>
             </a:extLst>
           </p:cNvPr>
@@ -13278,62 +14020,215 @@
         </p:nvSpPr>
         <p:spPr/>
         <p:txBody>
-          <a:bodyPr/>
+          <a:bodyPr>
+            <a:normAutofit fontScale="55000" lnSpcReduction="20000"/>
+          </a:bodyPr>
           <a:lstStyle/>
           <a:p>
-            <a:pPr algn="just"/>
-            <a:r>
-              <a:rPr lang="sk-SK" dirty="0"/>
-              <a:t>OF sú jednovláknové, problém môže nastať iba pri interakcii s externými systémami</a:t>
-            </a:r>
-          </a:p>
-          <a:p>
-            <a:pPr algn="just"/>
-            <a:r>
-              <a:rPr lang="sk-SK" dirty="0"/>
-              <a:t>Kritickú sekciu určuje metóda </a:t>
+            <a:r>
+              <a:rPr lang="sk-SK" b="1" dirty="0"/>
+              <a:t>POST </a:t>
+            </a:r>
+            <a:r>
+              <a:rPr lang="sk-SK" b="1" i="1" dirty="0"/>
+              <a:t>/</a:t>
             </a:r>
             <a:r>
               <a:rPr lang="sk-SK" b="1" i="1" dirty="0" err="1"/>
-              <a:t>LockAsync</a:t>
-            </a:r>
-            <a:r>
-              <a:rPr lang="sk-SK" dirty="0"/>
-              <a:t>, ktorá vráti </a:t>
+              <a:t>runtime</a:t>
+            </a:r>
+            <a:r>
+              <a:rPr lang="sk-SK" b="1" i="1" dirty="0"/>
+              <a:t>/</a:t>
+            </a:r>
+            <a:r>
+              <a:rPr lang="sk-SK" b="1" i="1" dirty="0" err="1"/>
+              <a:t>webhooks</a:t>
+            </a:r>
+            <a:r>
+              <a:rPr lang="sk-SK" b="1" i="1" dirty="0"/>
+              <a:t>/</a:t>
+            </a:r>
+            <a:r>
+              <a:rPr lang="sk-SK" b="1" i="1" dirty="0" err="1"/>
+              <a:t>durabletask</a:t>
+            </a:r>
+            <a:r>
+              <a:rPr lang="sk-SK" b="1" i="1" dirty="0"/>
+              <a:t>/</a:t>
+            </a:r>
+            <a:r>
+              <a:rPr lang="sk-SK" b="1" i="1" dirty="0" err="1"/>
+              <a:t>entities</a:t>
+            </a:r>
+            <a:r>
+              <a:rPr lang="sk-SK" b="1" i="1" dirty="0"/>
+              <a:t>/</a:t>
+            </a:r>
+            <a:r>
+              <a:rPr lang="en-US" b="1" i="1" dirty="0"/>
+              <a:t>{</a:t>
+            </a:r>
+            <a:r>
+              <a:rPr lang="sk-SK" b="1" i="1" dirty="0" err="1"/>
+              <a:t>entityName</a:t>
+            </a:r>
+            <a:r>
+              <a:rPr lang="en-US" b="1" i="1" dirty="0"/>
+              <a:t>}</a:t>
+            </a:r>
+            <a:r>
+              <a:rPr lang="sk-SK" b="1" i="1" dirty="0"/>
+              <a:t>/</a:t>
+            </a:r>
+            <a:r>
+              <a:rPr lang="en-US" b="1" i="1" dirty="0"/>
+              <a:t>{</a:t>
+            </a:r>
+            <a:r>
+              <a:rPr lang="sk-SK" b="1" i="1" dirty="0" err="1"/>
+              <a:t>entityKey</a:t>
+            </a:r>
+            <a:r>
+              <a:rPr lang="en-US" b="1" i="1" dirty="0"/>
+              <a:t>}</a:t>
+            </a:r>
+            <a:endParaRPr lang="sk-SK" b="1" i="1" dirty="0"/>
+          </a:p>
+          <a:p>
+            <a:r>
+              <a:rPr lang="sk-SK" dirty="0"/>
+              <a:t>URL parametre:</a:t>
+            </a:r>
+          </a:p>
+          <a:p>
+            <a:pPr lvl="1"/>
+            <a:r>
+              <a:rPr lang="sk-SK" b="1" i="1" dirty="0" err="1"/>
+              <a:t>entityName</a:t>
+            </a:r>
+            <a:r>
+              <a:rPr lang="en-US" dirty="0"/>
+              <a:t> – n</a:t>
             </a:r>
             <a:r>
               <a:rPr lang="sk-SK" dirty="0" err="1"/>
-              <a:t>IDisposable</a:t>
+              <a:t>ázov</a:t>
+            </a:r>
+            <a:r>
+              <a:rPr lang="sk-SK" dirty="0"/>
+              <a:t> (typ) entity</a:t>
+            </a:r>
+          </a:p>
+          <a:p>
+            <a:pPr lvl="1"/>
+            <a:r>
+              <a:rPr lang="sk-SK" b="1" i="1" dirty="0" err="1"/>
+              <a:t>entityKey</a:t>
+            </a:r>
+            <a:r>
+              <a:rPr lang="sk-SK" dirty="0"/>
+              <a:t> – kľúč (ID) entity</a:t>
+            </a:r>
+          </a:p>
+          <a:p>
+            <a:r>
+              <a:rPr lang="sk-SK" dirty="0" err="1"/>
+              <a:t>Query</a:t>
+            </a:r>
+            <a:r>
+              <a:rPr lang="sk-SK" dirty="0"/>
+              <a:t> parametre:</a:t>
+            </a:r>
+          </a:p>
+          <a:p>
+            <a:pPr lvl="1"/>
+            <a:r>
+              <a:rPr lang="sk-SK" b="1" i="1" dirty="0" err="1"/>
+              <a:t>op</a:t>
+            </a:r>
+            <a:r>
+              <a:rPr lang="sk-SK" dirty="0"/>
+              <a:t> – názov operácie, ktorá sa má vyvolať, voliteľný</a:t>
+            </a:r>
+          </a:p>
+          <a:p>
+            <a:r>
+              <a:rPr lang="sk-SK" dirty="0"/>
+              <a:t>Telo (JSON): </a:t>
+            </a:r>
+            <a:r>
+              <a:rPr lang="sk-SK" dirty="0" err="1"/>
+              <a:t>payload</a:t>
+            </a:r>
+            <a:r>
+              <a:rPr lang="sk-SK" dirty="0"/>
+              <a:t> pre udalosť</a:t>
+            </a:r>
+          </a:p>
+          <a:p>
+            <a:r>
+              <a:rPr lang="sk-SK" dirty="0"/>
+              <a:t>Odpovede:</a:t>
+            </a:r>
+          </a:p>
+          <a:p>
+            <a:pPr lvl="1"/>
+            <a:r>
+              <a:rPr lang="sk-SK" b="1" i="1" dirty="0"/>
+              <a:t>HTTP 200 </a:t>
+            </a:r>
+            <a:r>
+              <a:rPr lang="sk-SK" dirty="0"/>
+              <a:t>– správa úspešne poslaná</a:t>
+            </a:r>
+          </a:p>
+          <a:p>
+            <a:pPr lvl="1"/>
+            <a:r>
+              <a:rPr lang="sk-SK" b="1" i="1" dirty="0"/>
+              <a:t>HTTP 400</a:t>
+            </a:r>
+            <a:r>
+              <a:rPr lang="sk-SK" dirty="0"/>
+              <a:t> – </a:t>
+            </a:r>
+            <a:r>
+              <a:rPr lang="sk-SK" dirty="0" err="1"/>
+              <a:t>payload</a:t>
+            </a:r>
+            <a:r>
+              <a:rPr lang="sk-SK" dirty="0"/>
+              <a:t> nie je </a:t>
+            </a:r>
+            <a:r>
+              <a:rPr lang="sk-SK" dirty="0" err="1"/>
+              <a:t>validný</a:t>
+            </a:r>
+            <a:r>
+              <a:rPr lang="sk-SK" dirty="0"/>
+              <a:t> alebo je kľúč neplatný</a:t>
             </a:r>
             <a:endParaRPr lang="sk-SK" b="1" i="1" dirty="0"/>
           </a:p>
           <a:p>
-            <a:pPr algn="just"/>
-            <a:r>
-              <a:rPr lang="sk-SK" dirty="0"/>
-              <a:t>Stav zámku spravuje jedna alebo viac entít</a:t>
-            </a:r>
-          </a:p>
-          <a:p>
-            <a:pPr algn="just"/>
-            <a:r>
-              <a:rPr lang="sk-SK" dirty="0"/>
-              <a:t>V kritickej sekcii môže byť v jednej chvíli len jedna inštancia OF</a:t>
-            </a:r>
-          </a:p>
-          <a:p>
-            <a:pPr algn="just"/>
-            <a:r>
-              <a:rPr lang="sk-SK" dirty="0"/>
-              <a:t>Kritická sekcia je tiež vhodná na koordináciu zmien v entitách</a:t>
-            </a:r>
+            <a:pPr lvl="1"/>
+            <a:r>
+              <a:rPr lang="sk-SK" b="1" i="1" dirty="0"/>
+              <a:t>HTTP 404</a:t>
+            </a:r>
+            <a:r>
+              <a:rPr lang="sk-SK" dirty="0"/>
+              <a:t> – entita neexistuje</a:t>
+            </a:r>
+            <a:endParaRPr lang="sk-SK" b="1" i="1" dirty="0"/>
           </a:p>
         </p:txBody>
       </p:sp>
     </p:spTree>
     <p:extLst>
       <p:ext uri="{BB962C8B-B14F-4D97-AF65-F5344CB8AC3E}">
-        <p14:creationId xmlns:p14="http://schemas.microsoft.com/office/powerpoint/2010/main" val="2487982751"/>
+        <p14:creationId xmlns:p14="http://schemas.microsoft.com/office/powerpoint/2010/main" val="4145532351"/>
       </p:ext>
     </p:extLst>
   </p:cSld>
@@ -13343,7 +14238,7 @@
 </p:sld>
 </file>
 
-<file path=ppt/slides/slide41.xml><?xml version="1.0" encoding="utf-8"?>
+<file path=ppt/slides/slide47.xml><?xml version="1.0" encoding="utf-8"?>
 <p:sld xmlns:a="http://schemas.openxmlformats.org/drawingml/2006/main" xmlns:r="http://schemas.openxmlformats.org/officeDocument/2006/relationships" xmlns:p="http://schemas.openxmlformats.org/presentationml/2006/main">
   <p:cSld>
     <p:spTree>
@@ -13365,7 +14260,7 @@
           <p:cNvPr id="2" name="Nadpis 1">
             <a:extLst>
               <a:ext uri="{FF2B5EF4-FFF2-40B4-BE49-F238E27FC236}">
-                <a16:creationId xmlns:a16="http://schemas.microsoft.com/office/drawing/2014/main" id="{8F9307DC-1ED0-46F3-AC19-8EFC93A4CAE6}"/>
+                <a16:creationId xmlns:a16="http://schemas.microsoft.com/office/drawing/2014/main" id="{1029C316-F235-4104-A82C-A822DBC6F569}"/>
               </a:ext>
             </a:extLst>
           </p:cNvPr>
@@ -13383,12 +14278,8 @@
           <a:p>
             <a:pPr algn="l"/>
             <a:r>
-              <a:rPr lang="sk-SK" dirty="0" err="1"/>
-              <a:t>Azure</a:t>
-            </a:r>
-            <a:r>
-              <a:rPr lang="sk-SK" dirty="0"/>
-              <a:t> CLI</a:t>
+              <a:rPr lang="sk-SK" dirty="0"/>
+              <a:t>Zistenie stavu entity</a:t>
             </a:r>
           </a:p>
         </p:txBody>
@@ -13398,7 +14289,7 @@
           <p:cNvPr id="3" name="Zástupný objekt pre obsah 2">
             <a:extLst>
               <a:ext uri="{FF2B5EF4-FFF2-40B4-BE49-F238E27FC236}">
-                <a16:creationId xmlns:a16="http://schemas.microsoft.com/office/drawing/2014/main" id="{EF2DBAB7-7F52-4410-A6E7-74AEB8266DC2}"/>
+                <a16:creationId xmlns:a16="http://schemas.microsoft.com/office/drawing/2014/main" id="{1B311E6E-C010-487B-9B6E-ADF82C240954}"/>
               </a:ext>
             </a:extLst>
           </p:cNvPr>
@@ -13411,32 +14302,116 @@
         </p:nvSpPr>
         <p:spPr/>
         <p:txBody>
-          <a:bodyPr/>
+          <a:bodyPr>
+            <a:normAutofit/>
+          </a:bodyPr>
           <a:lstStyle/>
           <a:p>
             <a:r>
-              <a:rPr lang="sk-SK" dirty="0">
-                <a:hlinkClick r:id="rId2"/>
-              </a:rPr>
-              <a:t>https://docs.microsoft.com/en-us/cli/azure/install-azure-cli</a:t>
-            </a:r>
-            <a:endParaRPr lang="en-US" dirty="0"/>
-          </a:p>
-          <a:p>
-            <a:r>
-              <a:rPr lang="sk-SK" dirty="0">
-                <a:hlinkClick r:id="rId3"/>
-              </a:rPr>
-              <a:t>https://docs.microsoft.com/en-us/cli/azure/functionapp</a:t>
-            </a:r>
-            <a:endParaRPr lang="sk-SK" dirty="0"/>
+              <a:rPr lang="sk-SK" b="1" dirty="0"/>
+              <a:t>GET </a:t>
+            </a:r>
+            <a:r>
+              <a:rPr lang="sk-SK" b="1" i="1" dirty="0"/>
+              <a:t>/</a:t>
+            </a:r>
+            <a:r>
+              <a:rPr lang="sk-SK" b="1" i="1" dirty="0" err="1"/>
+              <a:t>runtime</a:t>
+            </a:r>
+            <a:r>
+              <a:rPr lang="sk-SK" b="1" i="1" dirty="0"/>
+              <a:t>/</a:t>
+            </a:r>
+            <a:r>
+              <a:rPr lang="sk-SK" b="1" i="1" dirty="0" err="1"/>
+              <a:t>webhooks</a:t>
+            </a:r>
+            <a:r>
+              <a:rPr lang="sk-SK" b="1" i="1" dirty="0"/>
+              <a:t>/</a:t>
+            </a:r>
+            <a:r>
+              <a:rPr lang="sk-SK" b="1" i="1" dirty="0" err="1"/>
+              <a:t>durabletask</a:t>
+            </a:r>
+            <a:r>
+              <a:rPr lang="sk-SK" b="1" i="1" dirty="0"/>
+              <a:t>/</a:t>
+            </a:r>
+            <a:r>
+              <a:rPr lang="sk-SK" b="1" i="1" dirty="0" err="1"/>
+              <a:t>entities</a:t>
+            </a:r>
+            <a:r>
+              <a:rPr lang="sk-SK" b="1" i="1" dirty="0"/>
+              <a:t>/</a:t>
+            </a:r>
+            <a:r>
+              <a:rPr lang="en-US" b="1" i="1" dirty="0"/>
+              <a:t>{</a:t>
+            </a:r>
+            <a:r>
+              <a:rPr lang="sk-SK" b="1" i="1" dirty="0" err="1"/>
+              <a:t>entityName</a:t>
+            </a:r>
+            <a:r>
+              <a:rPr lang="en-US" b="1" i="1" dirty="0"/>
+              <a:t>}</a:t>
+            </a:r>
+            <a:r>
+              <a:rPr lang="sk-SK" b="1" i="1" dirty="0"/>
+              <a:t>/</a:t>
+            </a:r>
+            <a:r>
+              <a:rPr lang="en-US" b="1" i="1" dirty="0"/>
+              <a:t>{</a:t>
+            </a:r>
+            <a:r>
+              <a:rPr lang="sk-SK" b="1" i="1" dirty="0" err="1"/>
+              <a:t>entityKey</a:t>
+            </a:r>
+            <a:r>
+              <a:rPr lang="en-US" b="1" i="1" dirty="0"/>
+              <a:t>}</a:t>
+            </a:r>
+            <a:endParaRPr lang="sk-SK" b="1" i="1" dirty="0"/>
+          </a:p>
+          <a:p>
+            <a:r>
+              <a:rPr lang="sk-SK" dirty="0"/>
+              <a:t>Odpovede:</a:t>
+            </a:r>
+          </a:p>
+          <a:p>
+            <a:pPr lvl="1"/>
+            <a:r>
+              <a:rPr lang="sk-SK" b="1" i="1" dirty="0"/>
+              <a:t>HTTP 200 </a:t>
+            </a:r>
+            <a:r>
+              <a:rPr lang="sk-SK" dirty="0"/>
+              <a:t>– entita existuje</a:t>
+            </a:r>
+          </a:p>
+          <a:p>
+            <a:pPr lvl="1"/>
+            <a:r>
+              <a:rPr lang="sk-SK" b="1" i="1" dirty="0"/>
+              <a:t>HTTP 404</a:t>
+            </a:r>
+            <a:r>
+              <a:rPr lang="sk-SK" dirty="0"/>
+              <a:t> – entita neexistuje</a:t>
+            </a:r>
+            <a:endParaRPr lang="sk-SK" b="1" i="1" dirty="0"/>
           </a:p>
         </p:txBody>
       </p:sp>
     </p:spTree>
     <p:extLst>
       <p:ext uri="{BB962C8B-B14F-4D97-AF65-F5344CB8AC3E}">
-        <p14:creationId xmlns:p14="http://schemas.microsoft.com/office/powerpoint/2010/main" val="719777903"/>
+        <p14:creationId xmlns:p14="http://schemas.microsoft.com/office/powerpoint/2010/main" val="600460309"/>
       </p:ext>
     </p:extLst>
   </p:cSld>
@@ -13446,7 +14421,7 @@
 </p:sld>
 </file>
 
-<file path=ppt/slides/slide42.xml><?xml version="1.0" encoding="utf-8"?>
+<file path=ppt/slides/slide48.xml><?xml version="1.0" encoding="utf-8"?>
 <p:sld xmlns:a="http://schemas.openxmlformats.org/drawingml/2006/main" xmlns:r="http://schemas.openxmlformats.org/officeDocument/2006/relationships" xmlns:p="http://schemas.openxmlformats.org/presentationml/2006/main">
   <p:cSld>
     <p:spTree>
@@ -13468,7 +14443,7 @@
           <p:cNvPr id="2" name="Nadpis 1">
             <a:extLst>
               <a:ext uri="{FF2B5EF4-FFF2-40B4-BE49-F238E27FC236}">
-                <a16:creationId xmlns:a16="http://schemas.microsoft.com/office/drawing/2014/main" id="{2A21D5F1-C398-4AE3-A661-C70758BE204D}"/>
+                <a16:creationId xmlns:a16="http://schemas.microsoft.com/office/drawing/2014/main" id="{1029C316-F235-4104-A82C-A822DBC6F569}"/>
               </a:ext>
             </a:extLst>
           </p:cNvPr>
@@ -13486,10 +14461,9 @@
           <a:p>
             <a:pPr algn="l"/>
             <a:r>
-              <a:rPr lang="sk-SK" dirty="0" err="1"/>
-              <a:t>PowerShell</a:t>
-            </a:r>
-            <a:endParaRPr lang="sk-SK" dirty="0"/>
+              <a:rPr lang="sk-SK" dirty="0"/>
+              <a:t>Zobrazenie zoznamu entít</a:t>
+            </a:r>
           </a:p>
         </p:txBody>
       </p:sp>
@@ -13498,7 +14472,7 @@
           <p:cNvPr id="3" name="Zástupný objekt pre obsah 2">
             <a:extLst>
               <a:ext uri="{FF2B5EF4-FFF2-40B4-BE49-F238E27FC236}">
-                <a16:creationId xmlns:a16="http://schemas.microsoft.com/office/drawing/2014/main" id="{E91EC439-80F3-4DAA-A571-A3CC14DF30A6}"/>
+                <a16:creationId xmlns:a16="http://schemas.microsoft.com/office/drawing/2014/main" id="{1B311E6E-C010-487B-9B6E-ADF82C240954}"/>
               </a:ext>
             </a:extLst>
           </p:cNvPr>
@@ -13511,38 +14485,158 @@
         </p:nvSpPr>
         <p:spPr/>
         <p:txBody>
-          <a:bodyPr/>
+          <a:bodyPr>
+            <a:normAutofit fontScale="92500"/>
+          </a:bodyPr>
           <a:lstStyle/>
           <a:p>
             <a:r>
-              <a:rPr lang="sk-SK" dirty="0">
-                <a:hlinkClick r:id="rId2"/>
-              </a:rPr>
-              <a:t>https://docs.microsoft.com/en-us/powershell/azure/install-az-ps</a:t>
-            </a:r>
-            <a:r>
-              <a:rPr lang="en-US" dirty="0">
-                <a:hlinkClick r:id="rId2"/>
-              </a:rPr>
+              <a:rPr lang="sk-SK" b="1" dirty="0"/>
+              <a:t>GET </a:t>
+            </a:r>
+            <a:r>
+              <a:rPr lang="sk-SK" b="1" i="1" dirty="0"/>
               <a:t>/</a:t>
             </a:r>
-            <a:endParaRPr lang="sk-SK" dirty="0"/>
-          </a:p>
-          <a:p>
-            <a:r>
-              <a:rPr lang="en-US" dirty="0">
-                <a:hlinkClick r:id="rId3"/>
-              </a:rPr>
-              <a:t>https://docs.microsoft.com/en-us/powershell/module/az.functions/</a:t>
-            </a:r>
-            <a:endParaRPr lang="en-US" dirty="0"/>
+            <a:r>
+              <a:rPr lang="sk-SK" b="1" i="1" dirty="0" err="1"/>
+              <a:t>runtime</a:t>
+            </a:r>
+            <a:r>
+              <a:rPr lang="sk-SK" b="1" i="1" dirty="0"/>
+              <a:t>/</a:t>
+            </a:r>
+            <a:r>
+              <a:rPr lang="sk-SK" b="1" i="1" dirty="0" err="1"/>
+              <a:t>webhooks</a:t>
+            </a:r>
+            <a:r>
+              <a:rPr lang="sk-SK" b="1" i="1" dirty="0"/>
+              <a:t>/</a:t>
+            </a:r>
+            <a:r>
+              <a:rPr lang="sk-SK" b="1" i="1" dirty="0" err="1"/>
+              <a:t>durabletask</a:t>
+            </a:r>
+            <a:r>
+              <a:rPr lang="sk-SK" b="1" i="1" dirty="0"/>
+              <a:t>/</a:t>
+            </a:r>
+            <a:r>
+              <a:rPr lang="sk-SK" b="1" i="1" dirty="0" err="1"/>
+              <a:t>entities</a:t>
+            </a:r>
+            <a:r>
+              <a:rPr lang="sk-SK" b="1" i="1" dirty="0"/>
+              <a:t>/</a:t>
+            </a:r>
+            <a:r>
+              <a:rPr lang="en-US" b="1" i="1" dirty="0"/>
+              <a:t>{</a:t>
+            </a:r>
+            <a:r>
+              <a:rPr lang="sk-SK" b="1" i="1" dirty="0" err="1"/>
+              <a:t>entityName</a:t>
+            </a:r>
+            <a:r>
+              <a:rPr lang="en-US" b="1" i="1" dirty="0"/>
+              <a:t>}</a:t>
+            </a:r>
+            <a:endParaRPr lang="sk-SK" b="1" i="1" dirty="0"/>
+          </a:p>
+          <a:p>
+            <a:r>
+              <a:rPr lang="sk-SK" dirty="0" err="1"/>
+              <a:t>Query</a:t>
+            </a:r>
+            <a:r>
+              <a:rPr lang="sk-SK" dirty="0"/>
+              <a:t> parametre (všetky voliteľné):</a:t>
+            </a:r>
+          </a:p>
+          <a:p>
+            <a:pPr lvl="1"/>
+            <a:r>
+              <a:rPr lang="sk-SK" b="1" i="1" dirty="0" err="1"/>
+              <a:t>fetchState</a:t>
+            </a:r>
+            <a:r>
+              <a:rPr lang="sk-SK" dirty="0"/>
+              <a:t> – či sa odpoveď obsahovať aj stav entít (</a:t>
+            </a:r>
+            <a:r>
+              <a:rPr lang="sk-SK" dirty="0" err="1"/>
+              <a:t>true</a:t>
+            </a:r>
+            <a:r>
+              <a:rPr lang="sk-SK" dirty="0"/>
+              <a:t>/</a:t>
+            </a:r>
+            <a:r>
+              <a:rPr lang="sk-SK" b="1" dirty="0" err="1"/>
+              <a:t>false</a:t>
+            </a:r>
+            <a:r>
+              <a:rPr lang="sk-SK" dirty="0"/>
+              <a:t>)</a:t>
+            </a:r>
+          </a:p>
+          <a:p>
+            <a:pPr lvl="1"/>
+            <a:r>
+              <a:rPr lang="sk-SK" b="1" i="1" dirty="0" err="1"/>
+              <a:t>lastOperationTimeFrom</a:t>
+            </a:r>
+            <a:r>
+              <a:rPr lang="sk-SK" dirty="0"/>
+              <a:t>, </a:t>
+            </a:r>
+            <a:r>
+              <a:rPr lang="sk-SK" b="1" i="1" dirty="0" err="1"/>
+              <a:t>lastOperationTimeTo</a:t>
+            </a:r>
+            <a:r>
+              <a:rPr lang="sk-SK" dirty="0"/>
+              <a:t> - možnosť filtrovať podľa času vykonania poslednej operácie</a:t>
+            </a:r>
+          </a:p>
+          <a:p>
+            <a:pPr lvl="1"/>
+            <a:r>
+              <a:rPr lang="sk-SK" b="1" i="1" dirty="0"/>
+              <a:t>top</a:t>
+            </a:r>
+            <a:r>
+              <a:rPr lang="sk-SK" dirty="0"/>
+              <a:t> – obmedzenie na počet vrátených entít</a:t>
+            </a:r>
+            <a:endParaRPr lang="sk-SK" b="1" i="1" dirty="0"/>
+          </a:p>
+          <a:p>
+            <a:r>
+              <a:rPr lang="sk-SK" dirty="0"/>
+              <a:t>Stránkovanie je zabezpečené prostredníctvom hlavičky </a:t>
+            </a:r>
+            <a:r>
+              <a:rPr lang="sk-SK" b="1" dirty="0"/>
+              <a:t>x-ms-</a:t>
+            </a:r>
+            <a:r>
+              <a:rPr lang="sk-SK" b="1" dirty="0" err="1"/>
+              <a:t>continuation</a:t>
+            </a:r>
+            <a:r>
+              <a:rPr lang="sk-SK" b="1" dirty="0"/>
+              <a:t>-token</a:t>
+            </a:r>
+            <a:endParaRPr lang="sk-SK" b="1" i="1" dirty="0"/>
           </a:p>
         </p:txBody>
       </p:sp>
     </p:spTree>
     <p:extLst>
       <p:ext uri="{BB962C8B-B14F-4D97-AF65-F5344CB8AC3E}">
-        <p14:creationId xmlns:p14="http://schemas.microsoft.com/office/powerpoint/2010/main" val="2211476582"/>
+        <p14:creationId xmlns:p14="http://schemas.microsoft.com/office/powerpoint/2010/main" val="2021575959"/>
       </p:ext>
     </p:extLst>
   </p:cSld>
@@ -13552,7 +14646,7 @@
 </p:sld>
 </file>
 
-<file path=ppt/slides/slide43.xml><?xml version="1.0" encoding="utf-8"?>
+<file path=ppt/slides/slide49.xml><?xml version="1.0" encoding="utf-8"?>
 <p:sld xmlns:a="http://schemas.openxmlformats.org/drawingml/2006/main" xmlns:r="http://schemas.openxmlformats.org/officeDocument/2006/relationships" xmlns:p="http://schemas.openxmlformats.org/presentationml/2006/main">
   <p:cSld>
     <p:spTree>
@@ -13574,7 +14668,7 @@
           <p:cNvPr id="2" name="Nadpis 1">
             <a:extLst>
               <a:ext uri="{FF2B5EF4-FFF2-40B4-BE49-F238E27FC236}">
-                <a16:creationId xmlns:a16="http://schemas.microsoft.com/office/drawing/2014/main" id="{490D92A6-1AE2-4B81-A10C-B1FE21DB9836}"/>
+                <a16:creationId xmlns:a16="http://schemas.microsoft.com/office/drawing/2014/main" id="{020EB43D-0BDF-4F38-8352-88FBDF7EDD41}"/>
               </a:ext>
             </a:extLst>
           </p:cNvPr>
@@ -13590,9 +14684,10 @@
           <a:bodyPr/>
           <a:lstStyle/>
           <a:p>
-            <a:r>
-              <a:rPr lang="sk-SK" dirty="0"/>
-              <a:t>Ďakujem za pozornosť!!!</a:t>
+            <a:pPr algn="l"/>
+            <a:r>
+              <a:rPr lang="sk-SK" dirty="0"/>
+              <a:t>Kritická sekcia</a:t>
             </a:r>
           </a:p>
         </p:txBody>
@@ -13602,7 +14697,7 @@
           <p:cNvPr id="3" name="Zástupný objekt pre obsah 2">
             <a:extLst>
               <a:ext uri="{FF2B5EF4-FFF2-40B4-BE49-F238E27FC236}">
-                <a16:creationId xmlns:a16="http://schemas.microsoft.com/office/drawing/2014/main" id="{29BB4202-2492-4A15-B9BC-5C187960A2D6}"/>
+                <a16:creationId xmlns:a16="http://schemas.microsoft.com/office/drawing/2014/main" id="{120D2310-76A2-4DCE-A454-6F8FFE85459C}"/>
               </a:ext>
             </a:extLst>
           </p:cNvPr>
@@ -13621,60 +14716,56 @@
             <a:pPr algn="just"/>
             <a:r>
               <a:rPr lang="sk-SK" dirty="0"/>
-              <a:t>Materiály z </a:t>
+              <a:t>OF sú jednovláknové, problém môže nastať iba pri interakcii s externými systémami</a:t>
+            </a:r>
+          </a:p>
+          <a:p>
+            <a:pPr algn="just"/>
+            <a:r>
+              <a:rPr lang="sk-SK" dirty="0"/>
+              <a:t>Kritickú sekciu určuje metóda </a:t>
+            </a:r>
+            <a:r>
+              <a:rPr lang="sk-SK" b="1" i="1" dirty="0" err="1"/>
+              <a:t>LockAsync</a:t>
+            </a:r>
+            <a:r>
+              <a:rPr lang="sk-SK" dirty="0"/>
+              <a:t>, ktorá vráti </a:t>
             </a:r>
             <a:r>
               <a:rPr lang="sk-SK" dirty="0" err="1"/>
-              <a:t>meetupu</a:t>
-            </a:r>
-            <a:r>
-              <a:rPr lang="sk-SK" dirty="0"/>
-              <a:t>:</a:t>
-            </a:r>
-          </a:p>
-          <a:p>
-            <a:pPr lvl="1" algn="just"/>
-            <a:r>
-              <a:rPr lang="sk-SK" dirty="0">
-                <a:hlinkClick r:id="rId2"/>
-              </a:rPr>
-              <a:t>https://github.com/kubinko/Azure-Resources-Overview</a:t>
-            </a:r>
-            <a:endParaRPr lang="sk-SK" dirty="0"/>
+              <a:t>IDisposable</a:t>
+            </a:r>
+            <a:endParaRPr lang="sk-SK" b="1" i="1" dirty="0"/>
           </a:p>
           <a:p>
             <a:pPr algn="just"/>
             <a:r>
               <a:rPr lang="sk-SK" dirty="0"/>
-              <a:t>Doplnkové zdroje:</a:t>
-            </a:r>
-          </a:p>
-          <a:p>
-            <a:pPr lvl="1" algn="just"/>
-            <a:r>
-              <a:rPr lang="sk-SK" dirty="0">
-                <a:hlinkClick r:id="rId3"/>
-              </a:rPr>
-              <a:t>https://docs.microsoft.com/en-us/learn/modules/implement-durable-functions/</a:t>
-            </a:r>
-            <a:endParaRPr lang="sk-SK" dirty="0"/>
-          </a:p>
-          <a:p>
-            <a:pPr lvl="1" algn="just"/>
-            <a:r>
-              <a:rPr lang="sk-SK" dirty="0">
-                <a:hlinkClick r:id="rId4"/>
-              </a:rPr>
-              <a:t>https://docs.microsoft.com/en-us/learn/modules/create-long-running-serverless-workflow-with-durable-functions/</a:t>
-            </a:r>
-            <a:endParaRPr lang="sk-SK" dirty="0"/>
+              <a:t>Stav zámku spravuje jedna alebo viac entít</a:t>
+            </a:r>
+          </a:p>
+          <a:p>
+            <a:pPr algn="just"/>
+            <a:r>
+              <a:rPr lang="sk-SK" dirty="0"/>
+              <a:t>V kritickej sekcii môže byť v jednej chvíli len jedna inštancia OF</a:t>
+            </a:r>
+          </a:p>
+          <a:p>
+            <a:pPr algn="just"/>
+            <a:r>
+              <a:rPr lang="sk-SK" dirty="0"/>
+              <a:t>Kritická sekcia je tiež vhodná na koordináciu zmien v entitách</a:t>
+            </a:r>
           </a:p>
         </p:txBody>
       </p:sp>
     </p:spTree>
     <p:extLst>
       <p:ext uri="{BB962C8B-B14F-4D97-AF65-F5344CB8AC3E}">
-        <p14:creationId xmlns:p14="http://schemas.microsoft.com/office/powerpoint/2010/main" val="1173419657"/>
+        <p14:creationId xmlns:p14="http://schemas.microsoft.com/office/powerpoint/2010/main" val="2487982751"/>
       </p:ext>
     </p:extLst>
   </p:cSld>
@@ -13927,6 +15018,347 @@
     <p:extLst>
       <p:ext uri="{BB962C8B-B14F-4D97-AF65-F5344CB8AC3E}">
         <p14:creationId xmlns:p14="http://schemas.microsoft.com/office/powerpoint/2010/main" val="2305191127"/>
+      </p:ext>
+    </p:extLst>
+  </p:cSld>
+  <p:clrMapOvr>
+    <a:masterClrMapping/>
+  </p:clrMapOvr>
+</p:sld>
+</file>
+
+<file path=ppt/slides/slide50.xml><?xml version="1.0" encoding="utf-8"?>
+<p:sld xmlns:a="http://schemas.openxmlformats.org/drawingml/2006/main" xmlns:r="http://schemas.openxmlformats.org/officeDocument/2006/relationships" xmlns:p="http://schemas.openxmlformats.org/presentationml/2006/main">
+  <p:cSld>
+    <p:spTree>
+      <p:nvGrpSpPr>
+        <p:cNvPr id="1" name=""/>
+        <p:cNvGrpSpPr/>
+        <p:nvPr/>
+      </p:nvGrpSpPr>
+      <p:grpSpPr>
+        <a:xfrm>
+          <a:off x="0" y="0"/>
+          <a:ext cx="0" cy="0"/>
+          <a:chOff x="0" y="0"/>
+          <a:chExt cx="0" cy="0"/>
+        </a:xfrm>
+      </p:grpSpPr>
+      <p:sp>
+        <p:nvSpPr>
+          <p:cNvPr id="2" name="Nadpis 1">
+            <a:extLst>
+              <a:ext uri="{FF2B5EF4-FFF2-40B4-BE49-F238E27FC236}">
+                <a16:creationId xmlns:a16="http://schemas.microsoft.com/office/drawing/2014/main" id="{8F9307DC-1ED0-46F3-AC19-8EFC93A4CAE6}"/>
+              </a:ext>
+            </a:extLst>
+          </p:cNvPr>
+          <p:cNvSpPr>
+            <a:spLocks noGrp="1"/>
+          </p:cNvSpPr>
+          <p:nvPr>
+            <p:ph type="title"/>
+          </p:nvPr>
+        </p:nvSpPr>
+        <p:spPr/>
+        <p:txBody>
+          <a:bodyPr/>
+          <a:lstStyle/>
+          <a:p>
+            <a:pPr algn="l"/>
+            <a:r>
+              <a:rPr lang="sk-SK" dirty="0" err="1"/>
+              <a:t>Azure</a:t>
+            </a:r>
+            <a:r>
+              <a:rPr lang="sk-SK" dirty="0"/>
+              <a:t> CLI</a:t>
+            </a:r>
+          </a:p>
+        </p:txBody>
+      </p:sp>
+      <p:sp>
+        <p:nvSpPr>
+          <p:cNvPr id="3" name="Zástupný objekt pre obsah 2">
+            <a:extLst>
+              <a:ext uri="{FF2B5EF4-FFF2-40B4-BE49-F238E27FC236}">
+                <a16:creationId xmlns:a16="http://schemas.microsoft.com/office/drawing/2014/main" id="{EF2DBAB7-7F52-4410-A6E7-74AEB8266DC2}"/>
+              </a:ext>
+            </a:extLst>
+          </p:cNvPr>
+          <p:cNvSpPr>
+            <a:spLocks noGrp="1"/>
+          </p:cNvSpPr>
+          <p:nvPr>
+            <p:ph idx="1"/>
+          </p:nvPr>
+        </p:nvSpPr>
+        <p:spPr/>
+        <p:txBody>
+          <a:bodyPr/>
+          <a:lstStyle/>
+          <a:p>
+            <a:r>
+              <a:rPr lang="sk-SK" dirty="0">
+                <a:hlinkClick r:id="rId2"/>
+              </a:rPr>
+              <a:t>https://docs.microsoft.com/en-us/cli/azure/install-azure-cli</a:t>
+            </a:r>
+            <a:endParaRPr lang="en-US" dirty="0"/>
+          </a:p>
+          <a:p>
+            <a:r>
+              <a:rPr lang="sk-SK" dirty="0">
+                <a:hlinkClick r:id="rId3"/>
+              </a:rPr>
+              <a:t>https://docs.microsoft.com/en-us/cli/azure/functionapp</a:t>
+            </a:r>
+            <a:endParaRPr lang="sk-SK" dirty="0"/>
+          </a:p>
+        </p:txBody>
+      </p:sp>
+    </p:spTree>
+    <p:extLst>
+      <p:ext uri="{BB962C8B-B14F-4D97-AF65-F5344CB8AC3E}">
+        <p14:creationId xmlns:p14="http://schemas.microsoft.com/office/powerpoint/2010/main" val="719777903"/>
+      </p:ext>
+    </p:extLst>
+  </p:cSld>
+  <p:clrMapOvr>
+    <a:masterClrMapping/>
+  </p:clrMapOvr>
+</p:sld>
+</file>
+
+<file path=ppt/slides/slide51.xml><?xml version="1.0" encoding="utf-8"?>
+<p:sld xmlns:a="http://schemas.openxmlformats.org/drawingml/2006/main" xmlns:r="http://schemas.openxmlformats.org/officeDocument/2006/relationships" xmlns:p="http://schemas.openxmlformats.org/presentationml/2006/main">
+  <p:cSld>
+    <p:spTree>
+      <p:nvGrpSpPr>
+        <p:cNvPr id="1" name=""/>
+        <p:cNvGrpSpPr/>
+        <p:nvPr/>
+      </p:nvGrpSpPr>
+      <p:grpSpPr>
+        <a:xfrm>
+          <a:off x="0" y="0"/>
+          <a:ext cx="0" cy="0"/>
+          <a:chOff x="0" y="0"/>
+          <a:chExt cx="0" cy="0"/>
+        </a:xfrm>
+      </p:grpSpPr>
+      <p:sp>
+        <p:nvSpPr>
+          <p:cNvPr id="2" name="Nadpis 1">
+            <a:extLst>
+              <a:ext uri="{FF2B5EF4-FFF2-40B4-BE49-F238E27FC236}">
+                <a16:creationId xmlns:a16="http://schemas.microsoft.com/office/drawing/2014/main" id="{2A21D5F1-C398-4AE3-A661-C70758BE204D}"/>
+              </a:ext>
+            </a:extLst>
+          </p:cNvPr>
+          <p:cNvSpPr>
+            <a:spLocks noGrp="1"/>
+          </p:cNvSpPr>
+          <p:nvPr>
+            <p:ph type="title"/>
+          </p:nvPr>
+        </p:nvSpPr>
+        <p:spPr/>
+        <p:txBody>
+          <a:bodyPr/>
+          <a:lstStyle/>
+          <a:p>
+            <a:pPr algn="l"/>
+            <a:r>
+              <a:rPr lang="sk-SK" dirty="0" err="1"/>
+              <a:t>PowerShell</a:t>
+            </a:r>
+            <a:endParaRPr lang="sk-SK" dirty="0"/>
+          </a:p>
+        </p:txBody>
+      </p:sp>
+      <p:sp>
+        <p:nvSpPr>
+          <p:cNvPr id="3" name="Zástupný objekt pre obsah 2">
+            <a:extLst>
+              <a:ext uri="{FF2B5EF4-FFF2-40B4-BE49-F238E27FC236}">
+                <a16:creationId xmlns:a16="http://schemas.microsoft.com/office/drawing/2014/main" id="{E91EC439-80F3-4DAA-A571-A3CC14DF30A6}"/>
+              </a:ext>
+            </a:extLst>
+          </p:cNvPr>
+          <p:cNvSpPr>
+            <a:spLocks noGrp="1"/>
+          </p:cNvSpPr>
+          <p:nvPr>
+            <p:ph idx="1"/>
+          </p:nvPr>
+        </p:nvSpPr>
+        <p:spPr/>
+        <p:txBody>
+          <a:bodyPr/>
+          <a:lstStyle/>
+          <a:p>
+            <a:r>
+              <a:rPr lang="sk-SK" dirty="0">
+                <a:hlinkClick r:id="rId2"/>
+              </a:rPr>
+              <a:t>https://docs.microsoft.com/en-us/powershell/azure/install-az-ps</a:t>
+            </a:r>
+            <a:r>
+              <a:rPr lang="en-US" dirty="0">
+                <a:hlinkClick r:id="rId2"/>
+              </a:rPr>
+              <a:t>/</a:t>
+            </a:r>
+            <a:endParaRPr lang="sk-SK" dirty="0"/>
+          </a:p>
+          <a:p>
+            <a:r>
+              <a:rPr lang="en-US" dirty="0">
+                <a:hlinkClick r:id="rId3"/>
+              </a:rPr>
+              <a:t>https://docs.microsoft.com/en-us/powershell/module/az.functions/</a:t>
+            </a:r>
+            <a:endParaRPr lang="en-US" dirty="0"/>
+          </a:p>
+        </p:txBody>
+      </p:sp>
+    </p:spTree>
+    <p:extLst>
+      <p:ext uri="{BB962C8B-B14F-4D97-AF65-F5344CB8AC3E}">
+        <p14:creationId xmlns:p14="http://schemas.microsoft.com/office/powerpoint/2010/main" val="2211476582"/>
+      </p:ext>
+    </p:extLst>
+  </p:cSld>
+  <p:clrMapOvr>
+    <a:masterClrMapping/>
+  </p:clrMapOvr>
+</p:sld>
+</file>
+
+<file path=ppt/slides/slide52.xml><?xml version="1.0" encoding="utf-8"?>
+<p:sld xmlns:a="http://schemas.openxmlformats.org/drawingml/2006/main" xmlns:r="http://schemas.openxmlformats.org/officeDocument/2006/relationships" xmlns:p="http://schemas.openxmlformats.org/presentationml/2006/main">
+  <p:cSld>
+    <p:spTree>
+      <p:nvGrpSpPr>
+        <p:cNvPr id="1" name=""/>
+        <p:cNvGrpSpPr/>
+        <p:nvPr/>
+      </p:nvGrpSpPr>
+      <p:grpSpPr>
+        <a:xfrm>
+          <a:off x="0" y="0"/>
+          <a:ext cx="0" cy="0"/>
+          <a:chOff x="0" y="0"/>
+          <a:chExt cx="0" cy="0"/>
+        </a:xfrm>
+      </p:grpSpPr>
+      <p:sp>
+        <p:nvSpPr>
+          <p:cNvPr id="2" name="Nadpis 1">
+            <a:extLst>
+              <a:ext uri="{FF2B5EF4-FFF2-40B4-BE49-F238E27FC236}">
+                <a16:creationId xmlns:a16="http://schemas.microsoft.com/office/drawing/2014/main" id="{490D92A6-1AE2-4B81-A10C-B1FE21DB9836}"/>
+              </a:ext>
+            </a:extLst>
+          </p:cNvPr>
+          <p:cNvSpPr>
+            <a:spLocks noGrp="1"/>
+          </p:cNvSpPr>
+          <p:nvPr>
+            <p:ph type="title"/>
+          </p:nvPr>
+        </p:nvSpPr>
+        <p:spPr/>
+        <p:txBody>
+          <a:bodyPr/>
+          <a:lstStyle/>
+          <a:p>
+            <a:r>
+              <a:rPr lang="sk-SK" dirty="0"/>
+              <a:t>Ďakujem za pozornosť!!!</a:t>
+            </a:r>
+          </a:p>
+        </p:txBody>
+      </p:sp>
+      <p:sp>
+        <p:nvSpPr>
+          <p:cNvPr id="3" name="Zástupný objekt pre obsah 2">
+            <a:extLst>
+              <a:ext uri="{FF2B5EF4-FFF2-40B4-BE49-F238E27FC236}">
+                <a16:creationId xmlns:a16="http://schemas.microsoft.com/office/drawing/2014/main" id="{29BB4202-2492-4A15-B9BC-5C187960A2D6}"/>
+              </a:ext>
+            </a:extLst>
+          </p:cNvPr>
+          <p:cNvSpPr>
+            <a:spLocks noGrp="1"/>
+          </p:cNvSpPr>
+          <p:nvPr>
+            <p:ph idx="1"/>
+          </p:nvPr>
+        </p:nvSpPr>
+        <p:spPr/>
+        <p:txBody>
+          <a:bodyPr/>
+          <a:lstStyle/>
+          <a:p>
+            <a:pPr algn="just"/>
+            <a:r>
+              <a:rPr lang="sk-SK" dirty="0"/>
+              <a:t>Materiály z </a:t>
+            </a:r>
+            <a:r>
+              <a:rPr lang="sk-SK" dirty="0" err="1"/>
+              <a:t>meetupu</a:t>
+            </a:r>
+            <a:r>
+              <a:rPr lang="sk-SK" dirty="0"/>
+              <a:t>:</a:t>
+            </a:r>
+          </a:p>
+          <a:p>
+            <a:pPr lvl="1" algn="just"/>
+            <a:r>
+              <a:rPr lang="sk-SK" dirty="0">
+                <a:hlinkClick r:id="rId2"/>
+              </a:rPr>
+              <a:t>https://github.com/kubinko/Azure-Resources-Overview</a:t>
+            </a:r>
+            <a:endParaRPr lang="sk-SK" dirty="0"/>
+          </a:p>
+          <a:p>
+            <a:pPr algn="just"/>
+            <a:r>
+              <a:rPr lang="sk-SK" dirty="0"/>
+              <a:t>Doplnkové zdroje:</a:t>
+            </a:r>
+          </a:p>
+          <a:p>
+            <a:pPr lvl="1" algn="just"/>
+            <a:r>
+              <a:rPr lang="sk-SK" dirty="0">
+                <a:hlinkClick r:id="rId3"/>
+              </a:rPr>
+              <a:t>https://docs.microsoft.com/en-us/learn/modules/implement-durable-functions/</a:t>
+            </a:r>
+            <a:endParaRPr lang="sk-SK" dirty="0"/>
+          </a:p>
+          <a:p>
+            <a:pPr lvl="1" algn="just"/>
+            <a:r>
+              <a:rPr lang="sk-SK" dirty="0">
+                <a:hlinkClick r:id="rId4"/>
+              </a:rPr>
+              <a:t>https://docs.microsoft.com/en-us/learn/modules/create-long-running-serverless-workflow-with-durable-functions/</a:t>
+            </a:r>
+            <a:endParaRPr lang="sk-SK" dirty="0"/>
+          </a:p>
+        </p:txBody>
+      </p:sp>
+    </p:spTree>
+    <p:extLst>
+      <p:ext uri="{BB962C8B-B14F-4D97-AF65-F5344CB8AC3E}">
+        <p14:creationId xmlns:p14="http://schemas.microsoft.com/office/powerpoint/2010/main" val="1173419657"/>
       </p:ext>
     </p:extLst>
   </p:cSld>

--- a/05 - Durable Functions/Durable Functions.pptx
+++ b/05 - Durable Functions/Durable Functions.pptx
@@ -34,9 +34,9 @@
     <p:sldId id="520" r:id="rId25"/>
     <p:sldId id="489" r:id="rId26"/>
     <p:sldId id="490" r:id="rId27"/>
-    <p:sldId id="491" r:id="rId28"/>
-    <p:sldId id="507" r:id="rId29"/>
-    <p:sldId id="521" r:id="rId30"/>
+    <p:sldId id="521" r:id="rId28"/>
+    <p:sldId id="491" r:id="rId29"/>
+    <p:sldId id="507" r:id="rId30"/>
     <p:sldId id="506" r:id="rId31"/>
     <p:sldId id="510" r:id="rId32"/>
     <p:sldId id="511" r:id="rId33"/>
@@ -256,7 +256,7 @@
             <a:pPr rtl="0"/>
             <a:fld id="{268207A6-7ADA-45B8-951F-34576C3577BD}" type="datetime1">
               <a:rPr lang="sk-SK" smtClean="0"/>
-              <a:t>22. 4. 2022</a:t>
+              <a:t>24. 4. 2022</a:t>
             </a:fld>
             <a:endParaRPr lang="sk-SK" dirty="0"/>
           </a:p>
@@ -426,7 +426,7 @@
             <a:pPr rtl="0"/>
             <a:fld id="{591A0293-3DCA-4153-B68A-A2DB651509C0}" type="datetime1">
               <a:rPr lang="sk-SK" noProof="0" smtClean="0"/>
-              <a:t>22. 4. 2022</a:t>
+              <a:t>24. 4. 2022</a:t>
             </a:fld>
             <a:endParaRPr lang="sk-SK" noProof="0" dirty="0"/>
           </a:p>
@@ -774,6 +774,280 @@
     <p:extLst>
       <p:ext uri="{BB962C8B-B14F-4D97-AF65-F5344CB8AC3E}">
         <p14:creationId xmlns:p14="http://schemas.microsoft.com/office/powerpoint/2010/main" val="517410955"/>
+      </p:ext>
+    </p:extLst>
+  </p:cSld>
+  <p:clrMapOvr>
+    <a:masterClrMapping/>
+  </p:clrMapOvr>
+</p:notes>
+</file>
+
+<file path=ppt/notesSlides/notesSlide2.xml><?xml version="1.0" encoding="utf-8"?>
+<p:notes xmlns:a="http://schemas.openxmlformats.org/drawingml/2006/main" xmlns:r="http://schemas.openxmlformats.org/officeDocument/2006/relationships" xmlns:p="http://schemas.openxmlformats.org/presentationml/2006/main">
+  <p:cSld>
+    <p:spTree>
+      <p:nvGrpSpPr>
+        <p:cNvPr id="1" name=""/>
+        <p:cNvGrpSpPr/>
+        <p:nvPr/>
+      </p:nvGrpSpPr>
+      <p:grpSpPr>
+        <a:xfrm>
+          <a:off x="0" y="0"/>
+          <a:ext cx="0" cy="0"/>
+          <a:chOff x="0" y="0"/>
+          <a:chExt cx="0" cy="0"/>
+        </a:xfrm>
+      </p:grpSpPr>
+      <p:sp>
+        <p:nvSpPr>
+          <p:cNvPr id="2" name="Zástupný objekt pre obrázok snímky 1"/>
+          <p:cNvSpPr>
+            <a:spLocks noGrp="1" noRot="1" noChangeAspect="1"/>
+          </p:cNvSpPr>
+          <p:nvPr>
+            <p:ph type="sldImg"/>
+          </p:nvPr>
+        </p:nvSpPr>
+        <p:spPr/>
+      </p:sp>
+      <p:sp>
+        <p:nvSpPr>
+          <p:cNvPr id="3" name="Zástupný objekt pre poznámky 2"/>
+          <p:cNvSpPr>
+            <a:spLocks noGrp="1"/>
+          </p:cNvSpPr>
+          <p:nvPr>
+            <p:ph type="body" idx="1"/>
+          </p:nvPr>
+        </p:nvSpPr>
+        <p:spPr/>
+        <p:txBody>
+          <a:bodyPr/>
+          <a:lstStyle/>
+          <a:p>
+            <a:r>
+              <a:rPr lang="en-US" b="0" i="0" dirty="0">
+                <a:solidFill>
+                  <a:srgbClr val="171717"/>
+                </a:solidFill>
+                <a:effectLst/>
+                <a:latin typeface="Segoe UI" panose="020B0502040204020203" pitchFamily="34" charset="0"/>
+              </a:rPr>
+              <a:t>The Event Sourcing pattern defines an approach to handling operations on data that's driven by a sequence of events, each of which is recorded in an append-only store. Application code sends a series of events that imperatively describe each action that has occurred on the data to the event store, where they're persisted. Each event represents a set of changes to the data (such as </a:t>
+            </a:r>
+            <a:r>
+              <a:rPr lang="en-US" dirty="0" err="1"/>
+              <a:t>AddedItemToOrder</a:t>
+            </a:r>
+            <a:r>
+              <a:rPr lang="en-US" b="0" i="0" dirty="0">
+                <a:solidFill>
+                  <a:srgbClr val="171717"/>
+                </a:solidFill>
+                <a:effectLst/>
+                <a:latin typeface="Segoe UI" panose="020B0502040204020203" pitchFamily="34" charset="0"/>
+              </a:rPr>
+              <a:t>).</a:t>
+            </a:r>
+            <a:endParaRPr lang="sk-SK" dirty="0"/>
+          </a:p>
+        </p:txBody>
+      </p:sp>
+      <p:sp>
+        <p:nvSpPr>
+          <p:cNvPr id="4" name="Zástupný objekt pre číslo snímky 3"/>
+          <p:cNvSpPr>
+            <a:spLocks noGrp="1"/>
+          </p:cNvSpPr>
+          <p:nvPr>
+            <p:ph type="sldNum" sz="quarter" idx="5"/>
+          </p:nvPr>
+        </p:nvSpPr>
+        <p:spPr/>
+        <p:txBody>
+          <a:bodyPr/>
+          <a:lstStyle/>
+          <a:p>
+            <a:pPr rtl="0"/>
+            <a:fld id="{B524A772-5D94-4F12-8B86-44D4FB26368F}" type="slidenum">
+              <a:rPr lang="sk-SK" noProof="0" smtClean="0"/>
+              <a:t>8</a:t>
+            </a:fld>
+            <a:endParaRPr lang="sk-SK" noProof="0" dirty="0"/>
+          </a:p>
+        </p:txBody>
+      </p:sp>
+    </p:spTree>
+    <p:extLst>
+      <p:ext uri="{BB962C8B-B14F-4D97-AF65-F5344CB8AC3E}">
+        <p14:creationId xmlns:p14="http://schemas.microsoft.com/office/powerpoint/2010/main" val="225361249"/>
+      </p:ext>
+    </p:extLst>
+  </p:cSld>
+  <p:clrMapOvr>
+    <a:masterClrMapping/>
+  </p:clrMapOvr>
+</p:notes>
+</file>
+
+<file path=ppt/notesSlides/notesSlide3.xml><?xml version="1.0" encoding="utf-8"?>
+<p:notes xmlns:a="http://schemas.openxmlformats.org/drawingml/2006/main" xmlns:r="http://schemas.openxmlformats.org/officeDocument/2006/relationships" xmlns:p="http://schemas.openxmlformats.org/presentationml/2006/main">
+  <p:cSld>
+    <p:spTree>
+      <p:nvGrpSpPr>
+        <p:cNvPr id="1" name=""/>
+        <p:cNvGrpSpPr/>
+        <p:nvPr/>
+      </p:nvGrpSpPr>
+      <p:grpSpPr>
+        <a:xfrm>
+          <a:off x="0" y="0"/>
+          <a:ext cx="0" cy="0"/>
+          <a:chOff x="0" y="0"/>
+          <a:chExt cx="0" cy="0"/>
+        </a:xfrm>
+      </p:grpSpPr>
+      <p:sp>
+        <p:nvSpPr>
+          <p:cNvPr id="2" name="Zástupný objekt pre obrázok snímky 1"/>
+          <p:cNvSpPr>
+            <a:spLocks noGrp="1" noRot="1" noChangeAspect="1"/>
+          </p:cNvSpPr>
+          <p:nvPr>
+            <p:ph type="sldImg"/>
+          </p:nvPr>
+        </p:nvSpPr>
+        <p:spPr/>
+      </p:sp>
+      <p:sp>
+        <p:nvSpPr>
+          <p:cNvPr id="3" name="Zástupný objekt pre poznámky 2"/>
+          <p:cNvSpPr>
+            <a:spLocks noGrp="1"/>
+          </p:cNvSpPr>
+          <p:nvPr>
+            <p:ph type="body" idx="1"/>
+          </p:nvPr>
+        </p:nvSpPr>
+        <p:spPr/>
+        <p:txBody>
+          <a:bodyPr/>
+          <a:lstStyle/>
+          <a:p>
+            <a:pPr algn="l">
+              <a:buFont typeface="+mj-lt"/>
+              <a:buAutoNum type="arabicPeriod"/>
+            </a:pPr>
+            <a:r>
+              <a:rPr lang="en-US" b="0" i="0" dirty="0">
+                <a:solidFill>
+                  <a:srgbClr val="171717"/>
+                </a:solidFill>
+                <a:effectLst/>
+                <a:latin typeface="-apple-system"/>
+              </a:rPr>
+              <a:t>The client makes a request to the server just like a simple HTTP request.</a:t>
+            </a:r>
+          </a:p>
+          <a:p>
+            <a:pPr algn="l">
+              <a:buFont typeface="+mj-lt"/>
+              <a:buAutoNum type="arabicPeriod"/>
+            </a:pPr>
+            <a:r>
+              <a:rPr lang="en-US" b="0" i="0" dirty="0">
+                <a:solidFill>
+                  <a:srgbClr val="171717"/>
+                </a:solidFill>
+                <a:effectLst/>
+                <a:latin typeface="-apple-system"/>
+              </a:rPr>
+              <a:t>The server responds to the client but has not finished processing the request.</a:t>
+            </a:r>
+          </a:p>
+          <a:p>
+            <a:pPr algn="l">
+              <a:buFont typeface="+mj-lt"/>
+              <a:buAutoNum type="arabicPeriod"/>
+            </a:pPr>
+            <a:r>
+              <a:rPr lang="en-US" b="0" i="0" dirty="0">
+                <a:solidFill>
+                  <a:srgbClr val="171717"/>
+                </a:solidFill>
+                <a:effectLst/>
+                <a:latin typeface="-apple-system"/>
+              </a:rPr>
+              <a:t>The client polls the server after some interval to see if the request has been processed.</a:t>
+            </a:r>
+          </a:p>
+          <a:p>
+            <a:pPr algn="l">
+              <a:buFont typeface="+mj-lt"/>
+              <a:buAutoNum type="arabicPeriod"/>
+            </a:pPr>
+            <a:r>
+              <a:rPr lang="en-US" b="0" i="0" dirty="0">
+                <a:solidFill>
+                  <a:srgbClr val="171717"/>
+                </a:solidFill>
+                <a:effectLst/>
+                <a:latin typeface="-apple-system"/>
+              </a:rPr>
+              <a:t>If the request has been processed, the client receives the response.</a:t>
+            </a:r>
+          </a:p>
+          <a:p>
+            <a:pPr algn="l">
+              <a:buFont typeface="+mj-lt"/>
+              <a:buAutoNum type="arabicPeriod"/>
+            </a:pPr>
+            <a:r>
+              <a:rPr lang="en-US" b="0" i="0" dirty="0">
+                <a:solidFill>
+                  <a:srgbClr val="171717"/>
+                </a:solidFill>
+                <a:effectLst/>
+                <a:latin typeface="-apple-system"/>
+              </a:rPr>
+              <a:t>If not, the client polls again after some interval.</a:t>
+            </a:r>
+          </a:p>
+          <a:p>
+            <a:endParaRPr lang="sk-SK" dirty="0"/>
+          </a:p>
+        </p:txBody>
+      </p:sp>
+      <p:sp>
+        <p:nvSpPr>
+          <p:cNvPr id="4" name="Zástupný objekt pre číslo snímky 3"/>
+          <p:cNvSpPr>
+            <a:spLocks noGrp="1"/>
+          </p:cNvSpPr>
+          <p:nvPr>
+            <p:ph type="sldNum" sz="quarter" idx="5"/>
+          </p:nvPr>
+        </p:nvSpPr>
+        <p:spPr/>
+        <p:txBody>
+          <a:bodyPr/>
+          <a:lstStyle/>
+          <a:p>
+            <a:pPr rtl="0"/>
+            <a:fld id="{B524A772-5D94-4F12-8B86-44D4FB26368F}" type="slidenum">
+              <a:rPr lang="sk-SK" noProof="0" smtClean="0"/>
+              <a:t>9</a:t>
+            </a:fld>
+            <a:endParaRPr lang="sk-SK" noProof="0" dirty="0"/>
+          </a:p>
+        </p:txBody>
+      </p:sp>
+    </p:spTree>
+    <p:extLst>
+      <p:ext uri="{BB962C8B-B14F-4D97-AF65-F5344CB8AC3E}">
+        <p14:creationId xmlns:p14="http://schemas.microsoft.com/office/powerpoint/2010/main" val="3551891581"/>
       </p:ext>
     </p:extLst>
   </p:cSld>
@@ -1288,7 +1562,7 @@
             <a:pPr rtl="0"/>
             <a:fld id="{900FA921-B42C-4118-B7D5-0895D3550D77}" type="datetime1">
               <a:rPr lang="sk-SK" noProof="0" smtClean="0"/>
-              <a:t>22. 4. 2022</a:t>
+              <a:t>24. 4. 2022</a:t>
             </a:fld>
             <a:endParaRPr lang="sk-SK" noProof="0" dirty="0"/>
           </a:p>
@@ -1585,7 +1859,7 @@
             <a:pPr rtl="0"/>
             <a:fld id="{4BEE775C-7769-4983-973F-31EBB41A2D12}" type="datetime1">
               <a:rPr lang="sk-SK" noProof="0" smtClean="0"/>
-              <a:t>22. 4. 2022</a:t>
+              <a:t>24. 4. 2022</a:t>
             </a:fld>
             <a:endParaRPr lang="sk-SK" noProof="0" dirty="0"/>
           </a:p>
@@ -1833,7 +2107,7 @@
             <a:pPr rtl="0"/>
             <a:fld id="{C932E5DF-018E-49DA-B38A-5E65209E32B5}" type="datetime1">
               <a:rPr lang="sk-SK" noProof="0" smtClean="0"/>
-              <a:t>22. 4. 2022</a:t>
+              <a:t>24. 4. 2022</a:t>
             </a:fld>
             <a:endParaRPr lang="sk-SK" noProof="0" dirty="0"/>
           </a:p>
@@ -2373,7 +2647,7 @@
             <a:pPr rtl="0"/>
             <a:fld id="{5109D02C-C2F0-42B1-AF2A-7F22B5DC25B0}" type="datetime1">
               <a:rPr lang="sk-SK" noProof="0" smtClean="0"/>
-              <a:t>22. 4. 2022</a:t>
+              <a:t>24. 4. 2022</a:t>
             </a:fld>
             <a:endParaRPr lang="sk-SK" noProof="0" dirty="0"/>
           </a:p>
@@ -2621,7 +2895,7 @@
             <a:pPr rtl="0"/>
             <a:fld id="{27313ED6-7DF5-4EA8-A15A-56106F4AB1A8}" type="datetime1">
               <a:rPr lang="sk-SK" noProof="0" smtClean="0"/>
-              <a:t>22. 4. 2022</a:t>
+              <a:t>24. 4. 2022</a:t>
             </a:fld>
             <a:endParaRPr lang="sk-SK" noProof="0" dirty="0"/>
           </a:p>
@@ -3153,7 +3427,7 @@
             <a:pPr rtl="0"/>
             <a:fld id="{460B05BE-B82C-4836-BEE3-86B662C73967}" type="datetime1">
               <a:rPr lang="sk-SK" noProof="0" smtClean="0"/>
-              <a:t>22. 4. 2022</a:t>
+              <a:t>24. 4. 2022</a:t>
             </a:fld>
             <a:endParaRPr lang="sk-SK" noProof="0" dirty="0"/>
           </a:p>
@@ -3449,7 +3723,7 @@
             <a:pPr rtl="0"/>
             <a:fld id="{B6D80D0C-15C1-4232-BBBA-C081C283B074}" type="datetime1">
               <a:rPr lang="sk-SK" noProof="0" smtClean="0"/>
-              <a:t>22. 4. 2022</a:t>
+              <a:t>24. 4. 2022</a:t>
             </a:fld>
             <a:endParaRPr lang="sk-SK" noProof="0" dirty="0"/>
           </a:p>
@@ -3623,7 +3897,7 @@
             <a:pPr rtl="0"/>
             <a:fld id="{9C092629-6D55-437C-89A0-31B0B55C4A73}" type="datetime1">
               <a:rPr lang="sk-SK" noProof="0" smtClean="0"/>
-              <a:t>22. 4. 2022</a:t>
+              <a:t>24. 4. 2022</a:t>
             </a:fld>
             <a:endParaRPr lang="sk-SK" noProof="0" dirty="0"/>
           </a:p>
@@ -3803,7 +4077,7 @@
             <a:pPr rtl="0"/>
             <a:fld id="{45F7A265-AC1F-4DE6-B2E7-EDDEC1CB13AE}" type="datetime1">
               <a:rPr lang="sk-SK" noProof="0" smtClean="0"/>
-              <a:t>22. 4. 2022</a:t>
+              <a:t>24. 4. 2022</a:t>
             </a:fld>
             <a:endParaRPr lang="sk-SK" noProof="0" dirty="0"/>
           </a:p>
@@ -3973,7 +4247,7 @@
             <a:pPr rtl="0"/>
             <a:fld id="{556A154B-A35F-4191-B844-7C2621556C5A}" type="datetime1">
               <a:rPr lang="sk-SK" noProof="0" smtClean="0"/>
-              <a:t>22. 4. 2022</a:t>
+              <a:t>24. 4. 2022</a:t>
             </a:fld>
             <a:endParaRPr lang="sk-SK" noProof="0" dirty="0"/>
           </a:p>
@@ -4224,7 +4498,7 @@
             <a:pPr rtl="0"/>
             <a:fld id="{ECC8ABC4-B50E-4AED-80D0-A4EA425A67F1}" type="datetime1">
               <a:rPr lang="sk-SK" noProof="0" smtClean="0"/>
-              <a:t>22. 4. 2022</a:t>
+              <a:t>24. 4. 2022</a:t>
             </a:fld>
             <a:endParaRPr lang="sk-SK" noProof="0" dirty="0"/>
           </a:p>
@@ -4521,7 +4795,7 @@
             <a:pPr rtl="0"/>
             <a:fld id="{79846675-4AE1-4AA6-90BD-F0C34E95FD01}" type="datetime1">
               <a:rPr lang="sk-SK" noProof="0" smtClean="0"/>
-              <a:t>22. 4. 2022</a:t>
+              <a:t>24. 4. 2022</a:t>
             </a:fld>
             <a:endParaRPr lang="sk-SK" noProof="0" dirty="0"/>
           </a:p>
@@ -4963,7 +5237,7 @@
             <a:pPr rtl="0"/>
             <a:fld id="{7378032B-3EDA-4C05-BE29-4965CEDCD681}" type="datetime1">
               <a:rPr lang="sk-SK" noProof="0" smtClean="0"/>
-              <a:t>22. 4. 2022</a:t>
+              <a:t>24. 4. 2022</a:t>
             </a:fld>
             <a:endParaRPr lang="sk-SK" noProof="0" dirty="0"/>
           </a:p>
@@ -5081,7 +5355,7 @@
             <a:pPr rtl="0"/>
             <a:fld id="{8E1C420E-D5B6-4085-8589-6BD6C0D15322}" type="datetime1">
               <a:rPr lang="sk-SK" noProof="0" smtClean="0"/>
-              <a:t>22. 4. 2022</a:t>
+              <a:t>24. 4. 2022</a:t>
             </a:fld>
             <a:endParaRPr lang="sk-SK" noProof="0" dirty="0"/>
           </a:p>
@@ -5175,7 +5449,7 @@
             <a:pPr rtl="0"/>
             <a:fld id="{EE61EFEC-06A5-463A-84CB-3AC23AB02C2D}" type="datetime1">
               <a:rPr lang="sk-SK" noProof="0" smtClean="0"/>
-              <a:t>22. 4. 2022</a:t>
+              <a:t>24. 4. 2022</a:t>
             </a:fld>
             <a:endParaRPr lang="sk-SK" noProof="0" dirty="0"/>
           </a:p>
@@ -5458,7 +5732,7 @@
             <a:pPr rtl="0"/>
             <a:fld id="{2EB672FB-3028-4C4A-9E46-B78FDE73405B}" type="datetime1">
               <a:rPr lang="sk-SK" noProof="0" smtClean="0"/>
-              <a:t>22. 4. 2022</a:t>
+              <a:t>24. 4. 2022</a:t>
             </a:fld>
             <a:endParaRPr lang="sk-SK" noProof="0" dirty="0"/>
           </a:p>
@@ -5750,7 +6024,7 @@
             <a:pPr rtl="0"/>
             <a:fld id="{60367B1A-8B56-4DB3-9D45-FDEF93DAB338}" type="datetime1">
               <a:rPr lang="sk-SK" noProof="0" smtClean="0"/>
-              <a:t>22. 4. 2022</a:t>
+              <a:t>24. 4. 2022</a:t>
             </a:fld>
             <a:endParaRPr lang="sk-SK" noProof="0" dirty="0"/>
           </a:p>
@@ -6278,7 +6552,7 @@
             <a:pPr rtl="0"/>
             <a:fld id="{34C29ED1-23D1-4646-81FC-DC0A2419921B}" type="datetime1">
               <a:rPr lang="sk-SK" noProof="0" smtClean="0"/>
-              <a:t>22. 4. 2022</a:t>
+              <a:t>24. 4. 2022</a:t>
             </a:fld>
             <a:endParaRPr lang="sk-SK" noProof="0" dirty="0"/>
           </a:p>
@@ -9861,7 +10135,7 @@
           <p:cNvPr id="2" name="Nadpis 1">
             <a:extLst>
               <a:ext uri="{FF2B5EF4-FFF2-40B4-BE49-F238E27FC236}">
-                <a16:creationId xmlns:a16="http://schemas.microsoft.com/office/drawing/2014/main" id="{1029C316-F235-4104-A82C-A822DBC6F569}"/>
+                <a16:creationId xmlns:a16="http://schemas.microsoft.com/office/drawing/2014/main" id="{EA99B69B-9EF6-4135-964D-EB9806BD46FE}"/>
               </a:ext>
             </a:extLst>
           </p:cNvPr>
@@ -9880,19 +10154,19 @@
             <a:pPr algn="l"/>
             <a:r>
               <a:rPr lang="sk-SK" dirty="0"/>
-              <a:t>HTTP API pre </a:t>
+              <a:t>DEMO – </a:t>
             </a:r>
             <a:r>
               <a:rPr lang="sk-SK" dirty="0" err="1"/>
-              <a:t>Durable</a:t>
-            </a:r>
-            <a:r>
-              <a:rPr lang="sk-SK" dirty="0"/>
-              <a:t> </a:t>
+              <a:t>Async</a:t>
+            </a:r>
+            <a:r>
+              <a:rPr lang="sk-SK" dirty="0"/>
+              <a:t> HTTP </a:t>
             </a:r>
             <a:r>
               <a:rPr lang="sk-SK" dirty="0" err="1"/>
-              <a:t>functions</a:t>
+              <a:t>APIs</a:t>
             </a:r>
             <a:endParaRPr lang="sk-SK" dirty="0"/>
           </a:p>
@@ -9900,10 +10174,10 @@
       </p:sp>
       <p:sp>
         <p:nvSpPr>
-          <p:cNvPr id="3" name="Zástupný objekt pre obsah 2">
+          <p:cNvPr id="3" name="Zástupný text 2">
             <a:extLst>
               <a:ext uri="{FF2B5EF4-FFF2-40B4-BE49-F238E27FC236}">
-                <a16:creationId xmlns:a16="http://schemas.microsoft.com/office/drawing/2014/main" id="{1B311E6E-C010-487B-9B6E-ADF82C240954}"/>
+                <a16:creationId xmlns:a16="http://schemas.microsoft.com/office/drawing/2014/main" id="{7E70D53C-0FF4-4F90-87A6-20EF107D066D}"/>
               </a:ext>
             </a:extLst>
           </p:cNvPr>
@@ -9911,7 +10185,7 @@
             <a:spLocks noGrp="1"/>
           </p:cNvSpPr>
           <p:nvPr>
-            <p:ph idx="1"/>
+            <p:ph type="body" idx="1"/>
           </p:nvPr>
         </p:nvSpPr>
         <p:spPr/>
@@ -9919,87 +10193,14 @@
           <a:bodyPr/>
           <a:lstStyle/>
           <a:p>
-            <a:r>
-              <a:rPr lang="en-US" b="1" dirty="0" err="1"/>
-              <a:t>baseUrl</a:t>
-            </a:r>
-            <a:r>
-              <a:rPr lang="en-US" dirty="0"/>
-              <a:t> = URL pre Function App</a:t>
-            </a:r>
-          </a:p>
-          <a:p>
-            <a:r>
-              <a:rPr lang="sk-SK" dirty="0" err="1"/>
-              <a:t>Query</a:t>
-            </a:r>
-            <a:r>
-              <a:rPr lang="sk-SK" dirty="0"/>
-              <a:t> p</a:t>
-            </a:r>
-            <a:r>
-              <a:rPr lang="en-US" dirty="0" err="1"/>
-              <a:t>arametre</a:t>
-            </a:r>
-            <a:r>
-              <a:rPr lang="en-US" dirty="0"/>
-              <a:t> v ka</a:t>
-            </a:r>
-            <a:r>
-              <a:rPr lang="sk-SK" dirty="0" err="1"/>
-              <a:t>ždom</a:t>
-            </a:r>
-            <a:r>
-              <a:rPr lang="sk-SK" dirty="0"/>
-              <a:t> dotaze:</a:t>
-            </a:r>
-            <a:endParaRPr lang="en-US" dirty="0"/>
-          </a:p>
-          <a:p>
-            <a:pPr lvl="1"/>
-            <a:r>
-              <a:rPr lang="en-US" b="1" dirty="0"/>
-              <a:t>task</a:t>
-            </a:r>
-            <a:r>
-              <a:rPr lang="sk-SK" b="1" dirty="0"/>
-              <a:t>H</a:t>
-            </a:r>
-            <a:r>
-              <a:rPr lang="en-US" b="1" dirty="0" err="1"/>
-              <a:t>ub</a:t>
-            </a:r>
             <a:endParaRPr lang="sk-SK" dirty="0"/>
-          </a:p>
-          <a:p>
-            <a:pPr lvl="1"/>
-            <a:r>
-              <a:rPr lang="sk-SK" b="1" dirty="0" err="1"/>
-              <a:t>connection</a:t>
-            </a:r>
-            <a:endParaRPr lang="sk-SK" b="1" dirty="0"/>
-          </a:p>
-          <a:p>
-            <a:pPr lvl="1"/>
-            <a:r>
-              <a:rPr lang="sk-SK" b="1" dirty="0" err="1"/>
-              <a:t>code</a:t>
-            </a:r>
-            <a:r>
-              <a:rPr lang="sk-SK" b="1" dirty="0"/>
-              <a:t> </a:t>
-            </a:r>
-            <a:r>
-              <a:rPr lang="sk-SK" dirty="0"/>
-              <a:t>– autorizačný kľúč potrebný na použitie API</a:t>
-            </a:r>
           </a:p>
         </p:txBody>
       </p:sp>
     </p:spTree>
     <p:extLst>
       <p:ext uri="{BB962C8B-B14F-4D97-AF65-F5344CB8AC3E}">
-        <p14:creationId xmlns:p14="http://schemas.microsoft.com/office/powerpoint/2010/main" val="161227294"/>
+        <p14:creationId xmlns:p14="http://schemas.microsoft.com/office/powerpoint/2010/main" val="1108033011"/>
       </p:ext>
     </p:extLst>
   </p:cSld>
@@ -10050,8 +10251,21 @@
             <a:pPr algn="l"/>
             <a:r>
               <a:rPr lang="sk-SK" dirty="0"/>
-              <a:t>Zistenie stavu inštancie OF</a:t>
-            </a:r>
+              <a:t>HTTP API pre </a:t>
+            </a:r>
+            <a:r>
+              <a:rPr lang="sk-SK" dirty="0" err="1"/>
+              <a:t>Durable</a:t>
+            </a:r>
+            <a:r>
+              <a:rPr lang="sk-SK" dirty="0"/>
+              <a:t> </a:t>
+            </a:r>
+            <a:r>
+              <a:rPr lang="sk-SK" dirty="0" err="1"/>
+              <a:t>functions</a:t>
+            </a:r>
+            <a:endParaRPr lang="sk-SK" dirty="0"/>
           </a:p>
         </p:txBody>
       </p:sp>
@@ -10073,58 +10287,16 @@
         </p:nvSpPr>
         <p:spPr/>
         <p:txBody>
-          <a:bodyPr>
-            <a:normAutofit fontScale="55000" lnSpcReduction="20000"/>
-          </a:bodyPr>
+          <a:bodyPr/>
           <a:lstStyle/>
           <a:p>
             <a:r>
-              <a:rPr lang="sk-SK" b="1" dirty="0"/>
-              <a:t>GET </a:t>
-            </a:r>
-            <a:r>
-              <a:rPr lang="sk-SK" b="1" i="1" dirty="0"/>
-              <a:t>/</a:t>
-            </a:r>
-            <a:r>
-              <a:rPr lang="sk-SK" b="1" i="1" dirty="0" err="1"/>
-              <a:t>runtime</a:t>
-            </a:r>
-            <a:r>
-              <a:rPr lang="sk-SK" b="1" i="1" dirty="0"/>
-              <a:t>/</a:t>
-            </a:r>
-            <a:r>
-              <a:rPr lang="sk-SK" b="1" i="1" dirty="0" err="1"/>
-              <a:t>webhooks</a:t>
-            </a:r>
-            <a:r>
-              <a:rPr lang="sk-SK" b="1" i="1" dirty="0"/>
-              <a:t>/</a:t>
-            </a:r>
-            <a:r>
-              <a:rPr lang="sk-SK" b="1" i="1" dirty="0" err="1"/>
-              <a:t>durabletask</a:t>
-            </a:r>
-            <a:r>
-              <a:rPr lang="sk-SK" b="1" i="1" dirty="0"/>
-              <a:t>/</a:t>
-            </a:r>
-            <a:r>
-              <a:rPr lang="sk-SK" b="1" i="1" dirty="0" err="1"/>
-              <a:t>instances</a:t>
-            </a:r>
-            <a:r>
-              <a:rPr lang="sk-SK" b="1" i="1" dirty="0"/>
-              <a:t>/{</a:t>
-            </a:r>
-            <a:r>
-              <a:rPr lang="sk-SK" b="1" i="1" dirty="0" err="1"/>
-              <a:t>instanceId</a:t>
-            </a:r>
-            <a:r>
-              <a:rPr lang="sk-SK" b="1" i="1" dirty="0"/>
-              <a:t>}</a:t>
+              <a:rPr lang="en-US" b="1" dirty="0" err="1"/>
+              <a:t>baseUrl</a:t>
+            </a:r>
+            <a:r>
+              <a:rPr lang="en-US" dirty="0"/>
+              <a:t> = URL pre Function App</a:t>
             </a:r>
           </a:p>
           <a:p>
@@ -10134,191 +10306,71 @@
             </a:r>
             <a:r>
               <a:rPr lang="sk-SK" dirty="0"/>
-              <a:t> parametre (všetky sú voliteľné):</a:t>
-            </a:r>
+              <a:t> p</a:t>
+            </a:r>
+            <a:r>
+              <a:rPr lang="en-US" dirty="0" err="1"/>
+              <a:t>arametre</a:t>
+            </a:r>
+            <a:r>
+              <a:rPr lang="en-US" dirty="0"/>
+              <a:t> v ka</a:t>
+            </a:r>
+            <a:r>
+              <a:rPr lang="sk-SK" dirty="0" err="1"/>
+              <a:t>ždom</a:t>
+            </a:r>
+            <a:r>
+              <a:rPr lang="sk-SK" dirty="0"/>
+              <a:t> dotaze:</a:t>
+            </a:r>
+            <a:endParaRPr lang="en-US" dirty="0"/>
           </a:p>
           <a:p>
             <a:pPr lvl="1"/>
             <a:r>
-              <a:rPr lang="sk-SK" b="1" i="1" dirty="0" err="1"/>
-              <a:t>showInput</a:t>
-            </a:r>
-            <a:r>
-              <a:rPr lang="sk-SK" dirty="0"/>
-              <a:t> – či má odpoveď obsahovať vstup do OF (</a:t>
-            </a:r>
+              <a:rPr lang="en-US" b="1" dirty="0"/>
+              <a:t>task</a:t>
+            </a:r>
+            <a:r>
+              <a:rPr lang="sk-SK" b="1" dirty="0"/>
+              <a:t>H</a:t>
+            </a:r>
+            <a:r>
+              <a:rPr lang="en-US" b="1" dirty="0" err="1"/>
+              <a:t>ub</a:t>
+            </a:r>
+            <a:endParaRPr lang="sk-SK" dirty="0"/>
+          </a:p>
+          <a:p>
+            <a:pPr lvl="1"/>
             <a:r>
               <a:rPr lang="sk-SK" b="1" dirty="0" err="1"/>
-              <a:t>true</a:t>
-            </a:r>
-            <a:r>
-              <a:rPr lang="sk-SK" dirty="0"/>
-              <a:t>/</a:t>
-            </a:r>
-            <a:r>
-              <a:rPr lang="sk-SK" dirty="0" err="1"/>
-              <a:t>false</a:t>
-            </a:r>
-            <a:r>
-              <a:rPr lang="sk-SK" dirty="0"/>
-              <a:t>)</a:t>
-            </a:r>
+              <a:t>connection</a:t>
+            </a:r>
+            <a:endParaRPr lang="sk-SK" b="1" dirty="0"/>
           </a:p>
           <a:p>
             <a:pPr lvl="1"/>
             <a:r>
-              <a:rPr lang="sk-SK" b="1" i="1" dirty="0" err="1"/>
-              <a:t>showHistory</a:t>
-            </a:r>
-            <a:r>
-              <a:rPr lang="sk-SK" dirty="0"/>
-              <a:t> – či má odpoveď obsahovať históriu spustení OF (</a:t>
-            </a:r>
-            <a:r>
-              <a:rPr lang="sk-SK" dirty="0" err="1"/>
-              <a:t>true</a:t>
-            </a:r>
-            <a:r>
-              <a:rPr lang="sk-SK" dirty="0"/>
-              <a:t>/</a:t>
-            </a:r>
-            <a:r>
               <a:rPr lang="sk-SK" b="1" dirty="0" err="1"/>
-              <a:t>false</a:t>
-            </a:r>
-            <a:r>
-              <a:rPr lang="sk-SK" dirty="0"/>
-              <a:t>)</a:t>
-            </a:r>
-          </a:p>
-          <a:p>
-            <a:pPr lvl="1"/>
-            <a:r>
-              <a:rPr lang="sk-SK" b="1" i="1" dirty="0" err="1"/>
-              <a:t>showHistoryOutput</a:t>
-            </a:r>
-            <a:r>
-              <a:rPr lang="sk-SK" dirty="0"/>
-              <a:t> – či má história obsahovať aj výstupy z OF (</a:t>
-            </a:r>
-            <a:r>
-              <a:rPr lang="sk-SK" dirty="0" err="1"/>
-              <a:t>true</a:t>
-            </a:r>
-            <a:r>
-              <a:rPr lang="sk-SK" dirty="0"/>
-              <a:t>/</a:t>
-            </a:r>
-            <a:r>
-              <a:rPr lang="sk-SK" b="1" dirty="0" err="1"/>
-              <a:t>false</a:t>
-            </a:r>
-            <a:r>
-              <a:rPr lang="sk-SK" dirty="0"/>
-              <a:t>)</a:t>
-            </a:r>
-          </a:p>
-          <a:p>
-            <a:pPr lvl="1"/>
-            <a:r>
-              <a:rPr lang="sk-SK" b="1" i="1" dirty="0" err="1"/>
-              <a:t>returnInternalServerErrorOnFailure</a:t>
-            </a:r>
-            <a:r>
-              <a:rPr lang="sk-SK" dirty="0"/>
-              <a:t> – umožňuje vrátiť HTTP 500, ak OF zlyhala (</a:t>
-            </a:r>
-            <a:r>
-              <a:rPr lang="sk-SK" dirty="0" err="1"/>
-              <a:t>true</a:t>
-            </a:r>
-            <a:r>
-              <a:rPr lang="sk-SK" dirty="0"/>
-              <a:t>/</a:t>
-            </a:r>
-            <a:r>
-              <a:rPr lang="sk-SK" b="1" dirty="0" err="1"/>
-              <a:t>false</a:t>
-            </a:r>
-            <a:r>
-              <a:rPr lang="sk-SK" dirty="0"/>
-              <a:t>), bežne vracia HTTP 200</a:t>
-            </a:r>
-          </a:p>
-          <a:p>
-            <a:r>
-              <a:rPr lang="sk-SK" dirty="0"/>
-              <a:t>Odpovede:</a:t>
-            </a:r>
-          </a:p>
-          <a:p>
-            <a:pPr lvl="1"/>
-            <a:r>
-              <a:rPr lang="sk-SK" b="1" i="1" dirty="0"/>
-              <a:t>HTTP 200 – </a:t>
-            </a:r>
-            <a:r>
-              <a:rPr lang="sk-SK" dirty="0"/>
-              <a:t>inštancia OF dobehla</a:t>
-            </a:r>
-            <a:endParaRPr lang="sk-SK" b="1" dirty="0"/>
-          </a:p>
-          <a:p>
-            <a:pPr lvl="1"/>
-            <a:r>
-              <a:rPr lang="sk-SK" b="1" i="1" dirty="0"/>
-              <a:t>HTTP 202 </a:t>
-            </a:r>
-            <a:r>
-              <a:rPr lang="sk-SK" dirty="0"/>
-              <a:t>– inštancia OF beží</a:t>
-            </a:r>
-          </a:p>
-          <a:p>
-            <a:pPr lvl="1"/>
-            <a:r>
-              <a:rPr lang="sk-SK" b="1" i="1" dirty="0"/>
-              <a:t>HTTP 400 </a:t>
-            </a:r>
-            <a:r>
-              <a:rPr lang="sk-SK" dirty="0"/>
-              <a:t>– inštancia OF zlyhala alebo bola zrušená</a:t>
-            </a:r>
-          </a:p>
-          <a:p>
-            <a:pPr lvl="1"/>
-            <a:r>
-              <a:rPr lang="sk-SK" b="1" i="1" dirty="0"/>
-              <a:t>HTTP 404</a:t>
-            </a:r>
-            <a:r>
-              <a:rPr lang="sk-SK" dirty="0"/>
-              <a:t> – inštancia OF neexistuje alebo ešte nezačala</a:t>
-            </a:r>
-            <a:endParaRPr lang="sk-SK" b="1" i="1" dirty="0"/>
-          </a:p>
-          <a:p>
-            <a:pPr lvl="1"/>
-            <a:r>
-              <a:rPr lang="sk-SK" b="1" i="1" dirty="0"/>
-              <a:t>HTTP 500</a:t>
-            </a:r>
-            <a:r>
-              <a:rPr lang="sk-SK" dirty="0"/>
-              <a:t> – inštancia OF zlyhala a je zapnutá možnosť </a:t>
-            </a:r>
-            <a:r>
-              <a:rPr lang="sk-SK" dirty="0" err="1"/>
-              <a:t>returnServerErrorOnFailure</a:t>
-            </a:r>
-            <a:endParaRPr lang="sk-SK" b="1" i="1" dirty="0"/>
+              <a:t>code</a:t>
+            </a:r>
+            <a:r>
+              <a:rPr lang="sk-SK" b="1" dirty="0"/>
+              <a:t> </a:t>
+            </a:r>
+            <a:r>
+              <a:rPr lang="sk-SK" dirty="0"/>
+              <a:t>– autorizačný kľúč potrebný na použitie API</a:t>
+            </a:r>
           </a:p>
         </p:txBody>
       </p:sp>
     </p:spTree>
     <p:extLst>
       <p:ext uri="{BB962C8B-B14F-4D97-AF65-F5344CB8AC3E}">
-        <p14:creationId xmlns:p14="http://schemas.microsoft.com/office/powerpoint/2010/main" val="2420190085"/>
+        <p14:creationId xmlns:p14="http://schemas.microsoft.com/office/powerpoint/2010/main" val="161227294"/>
       </p:ext>
     </p:extLst>
   </p:cSld>
@@ -10350,7 +10402,7 @@
           <p:cNvPr id="2" name="Nadpis 1">
             <a:extLst>
               <a:ext uri="{FF2B5EF4-FFF2-40B4-BE49-F238E27FC236}">
-                <a16:creationId xmlns:a16="http://schemas.microsoft.com/office/drawing/2014/main" id="{EA99B69B-9EF6-4135-964D-EB9806BD46FE}"/>
+                <a16:creationId xmlns:a16="http://schemas.microsoft.com/office/drawing/2014/main" id="{1029C316-F235-4104-A82C-A822DBC6F569}"/>
               </a:ext>
             </a:extLst>
           </p:cNvPr>
@@ -10369,30 +10421,17 @@
             <a:pPr algn="l"/>
             <a:r>
               <a:rPr lang="sk-SK" dirty="0"/>
-              <a:t>DEMO – </a:t>
-            </a:r>
-            <a:r>
-              <a:rPr lang="sk-SK" dirty="0" err="1"/>
-              <a:t>Async</a:t>
-            </a:r>
-            <a:r>
-              <a:rPr lang="sk-SK" dirty="0"/>
-              <a:t> HTTP </a:t>
-            </a:r>
-            <a:r>
-              <a:rPr lang="sk-SK" dirty="0" err="1"/>
-              <a:t>APIs</a:t>
-            </a:r>
-            <a:endParaRPr lang="sk-SK" dirty="0"/>
-          </a:p>
-        </p:txBody>
-      </p:sp>
-      <p:sp>
-        <p:nvSpPr>
-          <p:cNvPr id="3" name="Zástupný text 2">
+              <a:t>Zistenie stavu inštancie OF</a:t>
+            </a:r>
+          </a:p>
+        </p:txBody>
+      </p:sp>
+      <p:sp>
+        <p:nvSpPr>
+          <p:cNvPr id="3" name="Zástupný objekt pre obsah 2">
             <a:extLst>
               <a:ext uri="{FF2B5EF4-FFF2-40B4-BE49-F238E27FC236}">
-                <a16:creationId xmlns:a16="http://schemas.microsoft.com/office/drawing/2014/main" id="{7E70D53C-0FF4-4F90-87A6-20EF107D066D}"/>
+                <a16:creationId xmlns:a16="http://schemas.microsoft.com/office/drawing/2014/main" id="{1B311E6E-C010-487B-9B6E-ADF82C240954}"/>
               </a:ext>
             </a:extLst>
           </p:cNvPr>
@@ -10400,22 +10439,257 @@
             <a:spLocks noGrp="1"/>
           </p:cNvSpPr>
           <p:nvPr>
-            <p:ph type="body" idx="1"/>
+            <p:ph idx="1"/>
           </p:nvPr>
         </p:nvSpPr>
         <p:spPr/>
         <p:txBody>
-          <a:bodyPr/>
+          <a:bodyPr>
+            <a:normAutofit fontScale="55000" lnSpcReduction="20000"/>
+          </a:bodyPr>
           <a:lstStyle/>
           <a:p>
-            <a:endParaRPr lang="sk-SK" dirty="0"/>
+            <a:r>
+              <a:rPr lang="sk-SK" b="1" dirty="0"/>
+              <a:t>GET </a:t>
+            </a:r>
+            <a:r>
+              <a:rPr lang="sk-SK" b="1" i="1" dirty="0"/>
+              <a:t>/</a:t>
+            </a:r>
+            <a:r>
+              <a:rPr lang="sk-SK" b="1" i="1" dirty="0" err="1"/>
+              <a:t>runtime</a:t>
+            </a:r>
+            <a:r>
+              <a:rPr lang="sk-SK" b="1" i="1" dirty="0"/>
+              <a:t>/</a:t>
+            </a:r>
+            <a:r>
+              <a:rPr lang="sk-SK" b="1" i="1" dirty="0" err="1"/>
+              <a:t>webhooks</a:t>
+            </a:r>
+            <a:r>
+              <a:rPr lang="sk-SK" b="1" i="1" dirty="0"/>
+              <a:t>/</a:t>
+            </a:r>
+            <a:r>
+              <a:rPr lang="sk-SK" b="1" i="1" dirty="0" err="1"/>
+              <a:t>durabletask</a:t>
+            </a:r>
+            <a:r>
+              <a:rPr lang="sk-SK" b="1" i="1" dirty="0"/>
+              <a:t>/</a:t>
+            </a:r>
+            <a:r>
+              <a:rPr lang="sk-SK" b="1" i="1" dirty="0" err="1"/>
+              <a:t>instances</a:t>
+            </a:r>
+            <a:r>
+              <a:rPr lang="sk-SK" b="1" i="1" dirty="0"/>
+              <a:t>/{</a:t>
+            </a:r>
+            <a:r>
+              <a:rPr lang="sk-SK" b="1" i="1" dirty="0" err="1"/>
+              <a:t>instanceId</a:t>
+            </a:r>
+            <a:r>
+              <a:rPr lang="sk-SK" b="1" i="1" dirty="0"/>
+              <a:t>}</a:t>
+            </a:r>
+          </a:p>
+          <a:p>
+            <a:r>
+              <a:rPr lang="sk-SK" dirty="0" err="1"/>
+              <a:t>Query</a:t>
+            </a:r>
+            <a:r>
+              <a:rPr lang="sk-SK" dirty="0"/>
+              <a:t> parametre (všetky sú voliteľné):</a:t>
+            </a:r>
+          </a:p>
+          <a:p>
+            <a:pPr lvl="1"/>
+            <a:r>
+              <a:rPr lang="sk-SK" b="1" i="1" dirty="0" err="1"/>
+              <a:t>showInput</a:t>
+            </a:r>
+            <a:r>
+              <a:rPr lang="sk-SK" dirty="0"/>
+              <a:t> – či má odpoveď obsahovať vstup do OF (</a:t>
+            </a:r>
+            <a:r>
+              <a:rPr lang="sk-SK" b="1" dirty="0" err="1"/>
+              <a:t>true</a:t>
+            </a:r>
+            <a:r>
+              <a:rPr lang="sk-SK" dirty="0"/>
+              <a:t>/</a:t>
+            </a:r>
+            <a:r>
+              <a:rPr lang="sk-SK" dirty="0" err="1"/>
+              <a:t>false</a:t>
+            </a:r>
+            <a:r>
+              <a:rPr lang="sk-SK" dirty="0"/>
+              <a:t>)</a:t>
+            </a:r>
+          </a:p>
+          <a:p>
+            <a:pPr lvl="1"/>
+            <a:r>
+              <a:rPr lang="sk-SK" b="1" i="1" dirty="0" err="1"/>
+              <a:t>showHistory</a:t>
+            </a:r>
+            <a:r>
+              <a:rPr lang="sk-SK" dirty="0"/>
+              <a:t> – či má odpoveď obsahovať históriu spustení OF (</a:t>
+            </a:r>
+            <a:r>
+              <a:rPr lang="sk-SK" dirty="0" err="1"/>
+              <a:t>true</a:t>
+            </a:r>
+            <a:r>
+              <a:rPr lang="sk-SK" dirty="0"/>
+              <a:t>/</a:t>
+            </a:r>
+            <a:r>
+              <a:rPr lang="sk-SK" b="1" dirty="0" err="1"/>
+              <a:t>false</a:t>
+            </a:r>
+            <a:r>
+              <a:rPr lang="sk-SK" dirty="0"/>
+              <a:t>)</a:t>
+            </a:r>
+          </a:p>
+          <a:p>
+            <a:pPr lvl="1"/>
+            <a:r>
+              <a:rPr lang="sk-SK" b="1" i="1" dirty="0" err="1"/>
+              <a:t>showHistoryOutput</a:t>
+            </a:r>
+            <a:r>
+              <a:rPr lang="sk-SK" dirty="0"/>
+              <a:t> – či má história obsahovať aj výstupy z OF (</a:t>
+            </a:r>
+            <a:r>
+              <a:rPr lang="sk-SK" dirty="0" err="1"/>
+              <a:t>true</a:t>
+            </a:r>
+            <a:r>
+              <a:rPr lang="sk-SK" dirty="0"/>
+              <a:t>/</a:t>
+            </a:r>
+            <a:r>
+              <a:rPr lang="sk-SK" b="1" dirty="0" err="1"/>
+              <a:t>false</a:t>
+            </a:r>
+            <a:r>
+              <a:rPr lang="sk-SK" dirty="0"/>
+              <a:t>)</a:t>
+            </a:r>
+          </a:p>
+          <a:p>
+            <a:pPr lvl="1"/>
+            <a:r>
+              <a:rPr lang="sk-SK" b="1" i="1" dirty="0" err="1"/>
+              <a:t>returnInternalServerErrorOnFailure</a:t>
+            </a:r>
+            <a:r>
+              <a:rPr lang="sk-SK" dirty="0"/>
+              <a:t> – umožňuje vrátiť HTTP 500, ak OF zlyhala (</a:t>
+            </a:r>
+            <a:r>
+              <a:rPr lang="sk-SK" dirty="0" err="1"/>
+              <a:t>true</a:t>
+            </a:r>
+            <a:r>
+              <a:rPr lang="sk-SK" dirty="0"/>
+              <a:t>/</a:t>
+            </a:r>
+            <a:r>
+              <a:rPr lang="sk-SK" b="1" dirty="0" err="1"/>
+              <a:t>false</a:t>
+            </a:r>
+            <a:r>
+              <a:rPr lang="sk-SK" dirty="0"/>
+              <a:t>), bežne vracia HTTP 200</a:t>
+            </a:r>
+          </a:p>
+          <a:p>
+            <a:r>
+              <a:rPr lang="sk-SK" dirty="0"/>
+              <a:t>Odpovede:</a:t>
+            </a:r>
+          </a:p>
+          <a:p>
+            <a:pPr lvl="1"/>
+            <a:r>
+              <a:rPr lang="sk-SK" b="1" i="1" dirty="0"/>
+              <a:t>HTTP 200 – </a:t>
+            </a:r>
+            <a:r>
+              <a:rPr lang="sk-SK" dirty="0"/>
+              <a:t>inštancia OF dobehla</a:t>
+            </a:r>
+            <a:endParaRPr lang="sk-SK" b="1" dirty="0"/>
+          </a:p>
+          <a:p>
+            <a:pPr lvl="1"/>
+            <a:r>
+              <a:rPr lang="sk-SK" b="1" i="1" dirty="0"/>
+              <a:t>HTTP 202 </a:t>
+            </a:r>
+            <a:r>
+              <a:rPr lang="sk-SK" dirty="0"/>
+              <a:t>– inštancia OF beží</a:t>
+            </a:r>
+          </a:p>
+          <a:p>
+            <a:pPr lvl="1"/>
+            <a:r>
+              <a:rPr lang="sk-SK" b="1" i="1" dirty="0"/>
+              <a:t>HTTP 400 </a:t>
+            </a:r>
+            <a:r>
+              <a:rPr lang="sk-SK" dirty="0"/>
+              <a:t>– inštancia OF zlyhala alebo bola zrušená</a:t>
+            </a:r>
+          </a:p>
+          <a:p>
+            <a:pPr lvl="1"/>
+            <a:r>
+              <a:rPr lang="sk-SK" b="1" i="1" dirty="0"/>
+              <a:t>HTTP 404</a:t>
+            </a:r>
+            <a:r>
+              <a:rPr lang="sk-SK" dirty="0"/>
+              <a:t> – inštancia OF neexistuje alebo ešte nezačala</a:t>
+            </a:r>
+            <a:endParaRPr lang="sk-SK" b="1" i="1" dirty="0"/>
+          </a:p>
+          <a:p>
+            <a:pPr lvl="1"/>
+            <a:r>
+              <a:rPr lang="sk-SK" b="1" i="1" dirty="0"/>
+              <a:t>HTTP 500</a:t>
+            </a:r>
+            <a:r>
+              <a:rPr lang="sk-SK" dirty="0"/>
+              <a:t> – inštancia OF zlyhala a je zapnutá možnosť </a:t>
+            </a:r>
+            <a:r>
+              <a:rPr lang="sk-SK" dirty="0" err="1"/>
+              <a:t>returnServerErrorOnFailure</a:t>
+            </a:r>
+            <a:endParaRPr lang="sk-SK" b="1" i="1" dirty="0"/>
           </a:p>
         </p:txBody>
       </p:sp>
     </p:spTree>
     <p:extLst>
       <p:ext uri="{BB962C8B-B14F-4D97-AF65-F5344CB8AC3E}">
-        <p14:creationId xmlns:p14="http://schemas.microsoft.com/office/powerpoint/2010/main" val="1108033011"/>
+        <p14:creationId xmlns:p14="http://schemas.microsoft.com/office/powerpoint/2010/main" val="2420190085"/>
       </p:ext>
     </p:extLst>
   </p:cSld>
@@ -16790,6 +17064,21 @@
 </file>
 
 <file path=customXml/item1.xml><?xml version="1.0" encoding="utf-8"?>
+<p:properties xmlns:p="http://schemas.microsoft.com/office/2006/metadata/properties" xmlns:xsi="http://www.w3.org/2001/XMLSchema-instance" xmlns:pc="http://schemas.microsoft.com/office/infopath/2007/PartnerControls">
+  <documentManagement/>
+</p:properties>
+</file>
+
+<file path=customXml/item2.xml><?xml version="1.0" encoding="utf-8"?>
+<?mso-contentType ?>
+<FormTemplates xmlns="http://schemas.microsoft.com/sharepoint/v3/contenttype/forms">
+  <Display>DocumentLibraryForm</Display>
+  <Edit>DocumentLibraryForm</Edit>
+  <New>DocumentLibraryForm</New>
+</FormTemplates>
+</file>
+
+<file path=customXml/item3.xml><?xml version="1.0" encoding="utf-8"?>
 <ct:contentTypeSchema xmlns:ct="http://schemas.microsoft.com/office/2006/metadata/contentType" xmlns:ma="http://schemas.microsoft.com/office/2006/metadata/properties/metaAttributes" ct:_="" ma:_="" ma:contentTypeName="Dokument" ma:contentTypeID="0x010100D81D723D8BF7FD46A3A6BCCE71436C13" ma:contentTypeVersion="9" ma:contentTypeDescription="Umožňuje vytvoriť nový dokument." ma:contentTypeScope="" ma:versionID="5027bbb3b2b87f7facb5ec0a1a051276">
   <xsd:schema xmlns:xsd="http://www.w3.org/2001/XMLSchema" xmlns:xs="http://www.w3.org/2001/XMLSchema" xmlns:p="http://schemas.microsoft.com/office/2006/metadata/properties" xmlns:ns3="246628ed-b902-4bde-9cb2-b95f5582a2ce" xmlns:ns4="4e8b0afe-22a4-452b-ae06-8cabd0658848" targetNamespace="http://schemas.microsoft.com/office/2006/metadata/properties" ma:root="true" ma:fieldsID="f5d73a384b069110ab5db9ac98912687" ns3:_="" ns4:_="">
     <xsd:import namespace="246628ed-b902-4bde-9cb2-b95f5582a2ce"/>
@@ -16986,22 +17275,32 @@
 </ct:contentTypeSchema>
 </file>
 
-<file path=customXml/item2.xml><?xml version="1.0" encoding="utf-8"?>
-<p:properties xmlns:p="http://schemas.microsoft.com/office/2006/metadata/properties" xmlns:xsi="http://www.w3.org/2001/XMLSchema-instance" xmlns:pc="http://schemas.microsoft.com/office/infopath/2007/PartnerControls">
-  <documentManagement/>
-</p:properties>
+<file path=customXml/itemProps1.xml><?xml version="1.0" encoding="utf-8"?>
+<ds:datastoreItem xmlns:ds="http://schemas.openxmlformats.org/officeDocument/2006/customXml" ds:itemID="{D7023227-530E-4024-91EF-312A851A758C}">
+  <ds:schemaRefs>
+    <ds:schemaRef ds:uri="http://schemas.microsoft.com/office/2006/documentManagement/types"/>
+    <ds:schemaRef ds:uri="http://purl.org/dc/elements/1.1/"/>
+    <ds:schemaRef ds:uri="http://purl.org/dc/dcmitype/"/>
+    <ds:schemaRef ds:uri="http://schemas.microsoft.com/office/infopath/2007/PartnerControls"/>
+    <ds:schemaRef ds:uri="http://purl.org/dc/terms/"/>
+    <ds:schemaRef ds:uri="246628ed-b902-4bde-9cb2-b95f5582a2ce"/>
+    <ds:schemaRef ds:uri="4e8b0afe-22a4-452b-ae06-8cabd0658848"/>
+    <ds:schemaRef ds:uri="http://schemas.openxmlformats.org/package/2006/metadata/core-properties"/>
+    <ds:schemaRef ds:uri="http://schemas.microsoft.com/office/2006/metadata/properties"/>
+    <ds:schemaRef ds:uri="http://www.w3.org/XML/1998/namespace"/>
+  </ds:schemaRefs>
+</ds:datastoreItem>
 </file>
 
-<file path=customXml/item3.xml><?xml version="1.0" encoding="utf-8"?>
-<?mso-contentType ?>
-<FormTemplates xmlns="http://schemas.microsoft.com/sharepoint/v3/contenttype/forms">
-  <Display>DocumentLibraryForm</Display>
-  <Edit>DocumentLibraryForm</Edit>
-  <New>DocumentLibraryForm</New>
-</FormTemplates>
+<file path=customXml/itemProps2.xml><?xml version="1.0" encoding="utf-8"?>
+<ds:datastoreItem xmlns:ds="http://schemas.openxmlformats.org/officeDocument/2006/customXml" ds:itemID="{33315AA3-EAE3-44ED-8368-BAC2FFFB4817}">
+  <ds:schemaRefs>
+    <ds:schemaRef ds:uri="http://schemas.microsoft.com/sharepoint/v3/contenttype/forms"/>
+  </ds:schemaRefs>
+</ds:datastoreItem>
 </file>
 
-<file path=customXml/itemProps1.xml><?xml version="1.0" encoding="utf-8"?>
+<file path=customXml/itemProps3.xml><?xml version="1.0" encoding="utf-8"?>
 <ds:datastoreItem xmlns:ds="http://schemas.openxmlformats.org/officeDocument/2006/customXml" ds:itemID="{60E9A80C-22BC-45AC-8E2E-E86FB731BF06}">
   <ds:schemaRefs>
     <ds:schemaRef ds:uri="http://schemas.microsoft.com/office/2006/metadata/contentType"/>
@@ -17018,29 +17317,4 @@
     <ds:schemaRef ds:uri="http://schemas.microsoft.com/internal/obd"/>
   </ds:schemaRefs>
 </ds:datastoreItem>
-</file>
-
-<file path=customXml/itemProps2.xml><?xml version="1.0" encoding="utf-8"?>
-<ds:datastoreItem xmlns:ds="http://schemas.openxmlformats.org/officeDocument/2006/customXml" ds:itemID="{D7023227-530E-4024-91EF-312A851A758C}">
-  <ds:schemaRefs>
-    <ds:schemaRef ds:uri="http://schemas.microsoft.com/office/2006/documentManagement/types"/>
-    <ds:schemaRef ds:uri="http://purl.org/dc/elements/1.1/"/>
-    <ds:schemaRef ds:uri="http://purl.org/dc/dcmitype/"/>
-    <ds:schemaRef ds:uri="http://schemas.microsoft.com/office/infopath/2007/PartnerControls"/>
-    <ds:schemaRef ds:uri="http://purl.org/dc/terms/"/>
-    <ds:schemaRef ds:uri="246628ed-b902-4bde-9cb2-b95f5582a2ce"/>
-    <ds:schemaRef ds:uri="4e8b0afe-22a4-452b-ae06-8cabd0658848"/>
-    <ds:schemaRef ds:uri="http://schemas.openxmlformats.org/package/2006/metadata/core-properties"/>
-    <ds:schemaRef ds:uri="http://schemas.microsoft.com/office/2006/metadata/properties"/>
-    <ds:schemaRef ds:uri="http://www.w3.org/XML/1998/namespace"/>
-  </ds:schemaRefs>
-</ds:datastoreItem>
-</file>
-
-<file path=customXml/itemProps3.xml><?xml version="1.0" encoding="utf-8"?>
-<ds:datastoreItem xmlns:ds="http://schemas.openxmlformats.org/officeDocument/2006/customXml" ds:itemID="{33315AA3-EAE3-44ED-8368-BAC2FFFB4817}">
-  <ds:schemaRefs>
-    <ds:schemaRef ds:uri="http://schemas.microsoft.com/sharepoint/v3/contenttype/forms"/>
-  </ds:schemaRefs>
-</ds:datastoreItem>
 </file>
--- a/05 - Durable Functions/Durable Functions.pptx
+++ b/05 - Durable Functions/Durable Functions.pptx
@@ -18,11 +18,11 @@
     <p:sldId id="485" r:id="rId9"/>
     <p:sldId id="478" r:id="rId10"/>
     <p:sldId id="501" r:id="rId11"/>
-    <p:sldId id="479" r:id="rId12"/>
-    <p:sldId id="502" r:id="rId13"/>
-    <p:sldId id="480" r:id="rId14"/>
-    <p:sldId id="481" r:id="rId15"/>
-    <p:sldId id="482" r:id="rId16"/>
+    <p:sldId id="482" r:id="rId12"/>
+    <p:sldId id="479" r:id="rId13"/>
+    <p:sldId id="502" r:id="rId14"/>
+    <p:sldId id="480" r:id="rId15"/>
+    <p:sldId id="481" r:id="rId16"/>
     <p:sldId id="484" r:id="rId17"/>
     <p:sldId id="486" r:id="rId18"/>
     <p:sldId id="519" r:id="rId19"/>
@@ -56,8 +56,8 @@
     <p:sldId id="497" r:id="rId47"/>
     <p:sldId id="498" r:id="rId48"/>
     <p:sldId id="528" r:id="rId49"/>
-    <p:sldId id="515" r:id="rId50"/>
-    <p:sldId id="516" r:id="rId51"/>
+    <p:sldId id="516" r:id="rId50"/>
+    <p:sldId id="515" r:id="rId51"/>
     <p:sldId id="517" r:id="rId52"/>
     <p:sldId id="503" r:id="rId53"/>
     <p:sldId id="289" r:id="rId54"/>
@@ -256,7 +256,7 @@
             <a:pPr rtl="0"/>
             <a:fld id="{268207A6-7ADA-45B8-951F-34576C3577BD}" type="datetime1">
               <a:rPr lang="sk-SK" smtClean="0"/>
-              <a:t>24. 4. 2022</a:t>
+              <a:t>25. 4. 2022</a:t>
             </a:fld>
             <a:endParaRPr lang="sk-SK" dirty="0"/>
           </a:p>
@@ -426,7 +426,7 @@
             <a:pPr rtl="0"/>
             <a:fld id="{591A0293-3DCA-4153-B68A-A2DB651509C0}" type="datetime1">
               <a:rPr lang="sk-SK" noProof="0" smtClean="0"/>
-              <a:t>24. 4. 2022</a:t>
+              <a:t>25. 4. 2022</a:t>
             </a:fld>
             <a:endParaRPr lang="sk-SK" noProof="0" dirty="0"/>
           </a:p>
@@ -873,7 +873,7 @@
             <a:pPr rtl="0"/>
             <a:fld id="{B524A772-5D94-4F12-8B86-44D4FB26368F}" type="slidenum">
               <a:rPr lang="sk-SK" noProof="0" smtClean="0"/>
-              <a:t>8</a:t>
+              <a:t>9</a:t>
             </a:fld>
             <a:endParaRPr lang="sk-SK" noProof="0" dirty="0"/>
           </a:p>
@@ -1038,7 +1038,7 @@
             <a:pPr rtl="0"/>
             <a:fld id="{B524A772-5D94-4F12-8B86-44D4FB26368F}" type="slidenum">
               <a:rPr lang="sk-SK" noProof="0" smtClean="0"/>
-              <a:t>9</a:t>
+              <a:t>10</a:t>
             </a:fld>
             <a:endParaRPr lang="sk-SK" noProof="0" dirty="0"/>
           </a:p>
@@ -1562,7 +1562,7 @@
             <a:pPr rtl="0"/>
             <a:fld id="{900FA921-B42C-4118-B7D5-0895D3550D77}" type="datetime1">
               <a:rPr lang="sk-SK" noProof="0" smtClean="0"/>
-              <a:t>24. 4. 2022</a:t>
+              <a:t>25. 4. 2022</a:t>
             </a:fld>
             <a:endParaRPr lang="sk-SK" noProof="0" dirty="0"/>
           </a:p>
@@ -1859,7 +1859,7 @@
             <a:pPr rtl="0"/>
             <a:fld id="{4BEE775C-7769-4983-973F-31EBB41A2D12}" type="datetime1">
               <a:rPr lang="sk-SK" noProof="0" smtClean="0"/>
-              <a:t>24. 4. 2022</a:t>
+              <a:t>25. 4. 2022</a:t>
             </a:fld>
             <a:endParaRPr lang="sk-SK" noProof="0" dirty="0"/>
           </a:p>
@@ -2107,7 +2107,7 @@
             <a:pPr rtl="0"/>
             <a:fld id="{C932E5DF-018E-49DA-B38A-5E65209E32B5}" type="datetime1">
               <a:rPr lang="sk-SK" noProof="0" smtClean="0"/>
-              <a:t>24. 4. 2022</a:t>
+              <a:t>25. 4. 2022</a:t>
             </a:fld>
             <a:endParaRPr lang="sk-SK" noProof="0" dirty="0"/>
           </a:p>
@@ -2647,7 +2647,7 @@
             <a:pPr rtl="0"/>
             <a:fld id="{5109D02C-C2F0-42B1-AF2A-7F22B5DC25B0}" type="datetime1">
               <a:rPr lang="sk-SK" noProof="0" smtClean="0"/>
-              <a:t>24. 4. 2022</a:t>
+              <a:t>25. 4. 2022</a:t>
             </a:fld>
             <a:endParaRPr lang="sk-SK" noProof="0" dirty="0"/>
           </a:p>
@@ -2895,7 +2895,7 @@
             <a:pPr rtl="0"/>
             <a:fld id="{27313ED6-7DF5-4EA8-A15A-56106F4AB1A8}" type="datetime1">
               <a:rPr lang="sk-SK" noProof="0" smtClean="0"/>
-              <a:t>24. 4. 2022</a:t>
+              <a:t>25. 4. 2022</a:t>
             </a:fld>
             <a:endParaRPr lang="sk-SK" noProof="0" dirty="0"/>
           </a:p>
@@ -3427,7 +3427,7 @@
             <a:pPr rtl="0"/>
             <a:fld id="{460B05BE-B82C-4836-BEE3-86B662C73967}" type="datetime1">
               <a:rPr lang="sk-SK" noProof="0" smtClean="0"/>
-              <a:t>24. 4. 2022</a:t>
+              <a:t>25. 4. 2022</a:t>
             </a:fld>
             <a:endParaRPr lang="sk-SK" noProof="0" dirty="0"/>
           </a:p>
@@ -3723,7 +3723,7 @@
             <a:pPr rtl="0"/>
             <a:fld id="{B6D80D0C-15C1-4232-BBBA-C081C283B074}" type="datetime1">
               <a:rPr lang="sk-SK" noProof="0" smtClean="0"/>
-              <a:t>24. 4. 2022</a:t>
+              <a:t>25. 4. 2022</a:t>
             </a:fld>
             <a:endParaRPr lang="sk-SK" noProof="0" dirty="0"/>
           </a:p>
@@ -3897,7 +3897,7 @@
             <a:pPr rtl="0"/>
             <a:fld id="{9C092629-6D55-437C-89A0-31B0B55C4A73}" type="datetime1">
               <a:rPr lang="sk-SK" noProof="0" smtClean="0"/>
-              <a:t>24. 4. 2022</a:t>
+              <a:t>25. 4. 2022</a:t>
             </a:fld>
             <a:endParaRPr lang="sk-SK" noProof="0" dirty="0"/>
           </a:p>
@@ -4077,7 +4077,7 @@
             <a:pPr rtl="0"/>
             <a:fld id="{45F7A265-AC1F-4DE6-B2E7-EDDEC1CB13AE}" type="datetime1">
               <a:rPr lang="sk-SK" noProof="0" smtClean="0"/>
-              <a:t>24. 4. 2022</a:t>
+              <a:t>25. 4. 2022</a:t>
             </a:fld>
             <a:endParaRPr lang="sk-SK" noProof="0" dirty="0"/>
           </a:p>
@@ -4247,7 +4247,7 @@
             <a:pPr rtl="0"/>
             <a:fld id="{556A154B-A35F-4191-B844-7C2621556C5A}" type="datetime1">
               <a:rPr lang="sk-SK" noProof="0" smtClean="0"/>
-              <a:t>24. 4. 2022</a:t>
+              <a:t>25. 4. 2022</a:t>
             </a:fld>
             <a:endParaRPr lang="sk-SK" noProof="0" dirty="0"/>
           </a:p>
@@ -4498,7 +4498,7 @@
             <a:pPr rtl="0"/>
             <a:fld id="{ECC8ABC4-B50E-4AED-80D0-A4EA425A67F1}" type="datetime1">
               <a:rPr lang="sk-SK" noProof="0" smtClean="0"/>
-              <a:t>24. 4. 2022</a:t>
+              <a:t>25. 4. 2022</a:t>
             </a:fld>
             <a:endParaRPr lang="sk-SK" noProof="0" dirty="0"/>
           </a:p>
@@ -4795,7 +4795,7 @@
             <a:pPr rtl="0"/>
             <a:fld id="{79846675-4AE1-4AA6-90BD-F0C34E95FD01}" type="datetime1">
               <a:rPr lang="sk-SK" noProof="0" smtClean="0"/>
-              <a:t>24. 4. 2022</a:t>
+              <a:t>25. 4. 2022</a:t>
             </a:fld>
             <a:endParaRPr lang="sk-SK" noProof="0" dirty="0"/>
           </a:p>
@@ -5237,7 +5237,7 @@
             <a:pPr rtl="0"/>
             <a:fld id="{7378032B-3EDA-4C05-BE29-4965CEDCD681}" type="datetime1">
               <a:rPr lang="sk-SK" noProof="0" smtClean="0"/>
-              <a:t>24. 4. 2022</a:t>
+              <a:t>25. 4. 2022</a:t>
             </a:fld>
             <a:endParaRPr lang="sk-SK" noProof="0" dirty="0"/>
           </a:p>
@@ -5355,7 +5355,7 @@
             <a:pPr rtl="0"/>
             <a:fld id="{8E1C420E-D5B6-4085-8589-6BD6C0D15322}" type="datetime1">
               <a:rPr lang="sk-SK" noProof="0" smtClean="0"/>
-              <a:t>24. 4. 2022</a:t>
+              <a:t>25. 4. 2022</a:t>
             </a:fld>
             <a:endParaRPr lang="sk-SK" noProof="0" dirty="0"/>
           </a:p>
@@ -5449,7 +5449,7 @@
             <a:pPr rtl="0"/>
             <a:fld id="{EE61EFEC-06A5-463A-84CB-3AC23AB02C2D}" type="datetime1">
               <a:rPr lang="sk-SK" noProof="0" smtClean="0"/>
-              <a:t>24. 4. 2022</a:t>
+              <a:t>25. 4. 2022</a:t>
             </a:fld>
             <a:endParaRPr lang="sk-SK" noProof="0" dirty="0"/>
           </a:p>
@@ -5732,7 +5732,7 @@
             <a:pPr rtl="0"/>
             <a:fld id="{2EB672FB-3028-4C4A-9E46-B78FDE73405B}" type="datetime1">
               <a:rPr lang="sk-SK" noProof="0" smtClean="0"/>
-              <a:t>24. 4. 2022</a:t>
+              <a:t>25. 4. 2022</a:t>
             </a:fld>
             <a:endParaRPr lang="sk-SK" noProof="0" dirty="0"/>
           </a:p>
@@ -6024,7 +6024,7 @@
             <a:pPr rtl="0"/>
             <a:fld id="{60367B1A-8B56-4DB3-9D45-FDEF93DAB338}" type="datetime1">
               <a:rPr lang="sk-SK" noProof="0" smtClean="0"/>
-              <a:t>24. 4. 2022</a:t>
+              <a:t>25. 4. 2022</a:t>
             </a:fld>
             <a:endParaRPr lang="sk-SK" noProof="0" dirty="0"/>
           </a:p>
@@ -6552,7 +6552,7 @@
             <a:pPr rtl="0"/>
             <a:fld id="{34C29ED1-23D1-4646-81FC-DC0A2419921B}" type="datetime1">
               <a:rPr lang="sk-SK" noProof="0" smtClean="0"/>
-              <a:t>24. 4. 2022</a:t>
+              <a:t>25. 4. 2022</a:t>
             </a:fld>
             <a:endParaRPr lang="sk-SK" noProof="0" dirty="0"/>
           </a:p>
@@ -7682,7 +7682,7 @@
           <p:cNvPr id="2" name="Nadpis 1">
             <a:extLst>
               <a:ext uri="{FF2B5EF4-FFF2-40B4-BE49-F238E27FC236}">
-                <a16:creationId xmlns:a16="http://schemas.microsoft.com/office/drawing/2014/main" id="{D9E15FAE-D201-4FC6-AFFD-7126FDFE1566}"/>
+                <a16:creationId xmlns:a16="http://schemas.microsoft.com/office/drawing/2014/main" id="{A0AA67DE-8F19-4768-8C0A-129FD6CEEF9B}"/>
               </a:ext>
             </a:extLst>
           </p:cNvPr>
@@ -7701,7 +7701,7 @@
             <a:pPr algn="l"/>
             <a:r>
               <a:rPr lang="sk-SK" dirty="0" err="1"/>
-              <a:t>Activity</a:t>
+              <a:t>Orchestrator</a:t>
             </a:r>
             <a:r>
               <a:rPr lang="sk-SK" dirty="0"/>
@@ -7713,7 +7713,7 @@
             </a:r>
             <a:r>
               <a:rPr lang="sk-SK" dirty="0"/>
-              <a:t> (AF)</a:t>
+              <a:t> (OF) - akcie</a:t>
             </a:r>
           </a:p>
         </p:txBody>
@@ -7723,7 +7723,7 @@
           <p:cNvPr id="3" name="Zástupný objekt pre obsah 2">
             <a:extLst>
               <a:ext uri="{FF2B5EF4-FFF2-40B4-BE49-F238E27FC236}">
-                <a16:creationId xmlns:a16="http://schemas.microsoft.com/office/drawing/2014/main" id="{9F1CDBDF-C7F2-4E41-82FB-49839D8DE517}"/>
+                <a16:creationId xmlns:a16="http://schemas.microsoft.com/office/drawing/2014/main" id="{0A902142-C93E-4B06-8863-BB0802DFFC10}"/>
               </a:ext>
             </a:extLst>
           </p:cNvPr>
@@ -7736,34 +7736,43 @@
         </p:nvSpPr>
         <p:spPr/>
         <p:txBody>
-          <a:bodyPr/>
+          <a:bodyPr>
+            <a:normAutofit fontScale="92500" lnSpcReduction="10000"/>
+          </a:bodyPr>
           <a:lstStyle/>
           <a:p>
-            <a:r>
-              <a:rPr lang="sk-SK" dirty="0"/>
-              <a:t>Základná jednotka práce v DF („jeden krok v pracovnom postupe“)</a:t>
-            </a:r>
-          </a:p>
-          <a:p>
-            <a:r>
-              <a:rPr lang="sk-SK" dirty="0"/>
-              <a:t>Všetky náročné operácie by mali byť v nich a nie v OF</a:t>
-            </a:r>
-          </a:p>
-          <a:p>
-            <a:r>
-              <a:rPr lang="sk-SK" dirty="0"/>
-              <a:t>Iba jeden vstupný parameter</a:t>
-            </a:r>
-          </a:p>
-          <a:p>
-            <a:r>
-              <a:rPr lang="sk-SK" dirty="0"/>
-              <a:t>Môžu bežať na inej inštancii </a:t>
+            <a:pPr algn="just"/>
+            <a:r>
+              <a:rPr lang="sk-SK" b="1" dirty="0" err="1"/>
+              <a:t>Activity</a:t>
+            </a:r>
+            <a:r>
+              <a:rPr lang="sk-SK" b="1" dirty="0"/>
+              <a:t> </a:t>
+            </a:r>
+            <a:r>
+              <a:rPr lang="sk-SK" b="1" dirty="0" err="1"/>
+              <a:t>function</a:t>
+            </a:r>
+            <a:endParaRPr lang="sk-SK" b="1" dirty="0"/>
+          </a:p>
+          <a:p>
+            <a:pPr algn="just"/>
+            <a:r>
+              <a:rPr lang="sk-SK" b="1" dirty="0" err="1"/>
+              <a:t>Sub-orchestration</a:t>
+            </a:r>
+            <a:r>
+              <a:rPr lang="sk-SK" b="1" dirty="0"/>
+              <a:t> </a:t>
+            </a:r>
+            <a:r>
+              <a:rPr lang="sk-SK" dirty="0"/>
+              <a:t>– umožňuje zavolať OF z inej OF, prípadne spustiť paralelne viac inštancií jednej OF. Z pohľadu volajúceho sa správa ako </a:t>
             </a:r>
             <a:r>
               <a:rPr lang="sk-SK" dirty="0" err="1"/>
-              <a:t>Function</a:t>
+              <a:t>activity</a:t>
             </a:r>
             <a:r>
               <a:rPr lang="sk-SK" dirty="0"/>
@@ -7771,19 +7780,113 @@
             </a:r>
             <a:r>
               <a:rPr lang="sk-SK" dirty="0" err="1"/>
-              <a:t>App</a:t>
-            </a:r>
-            <a:r>
-              <a:rPr lang="sk-SK" dirty="0"/>
-              <a:t>/inej VM</a:t>
-            </a:r>
+              <a:t>function</a:t>
+            </a:r>
+            <a:r>
+              <a:rPr lang="sk-SK" dirty="0"/>
+              <a:t>.</a:t>
+            </a:r>
+          </a:p>
+          <a:p>
+            <a:pPr algn="just"/>
+            <a:r>
+              <a:rPr lang="sk-SK" b="1" dirty="0" err="1"/>
+              <a:t>Durable</a:t>
+            </a:r>
+            <a:r>
+              <a:rPr lang="sk-SK" b="1" dirty="0"/>
+              <a:t> </a:t>
+            </a:r>
+            <a:r>
+              <a:rPr lang="sk-SK" b="1" dirty="0" err="1"/>
+              <a:t>timer</a:t>
+            </a:r>
+            <a:r>
+              <a:rPr lang="sk-SK" b="1" dirty="0"/>
+              <a:t> </a:t>
+            </a:r>
+            <a:r>
+              <a:rPr lang="sk-SK" dirty="0"/>
+              <a:t>– slúži na zapracovanie oneskorenia alebo vytvorenie </a:t>
+            </a:r>
+            <a:r>
+              <a:rPr lang="sk-SK" dirty="0" err="1"/>
+              <a:t>timeoutov</a:t>
+            </a:r>
+            <a:r>
+              <a:rPr lang="sk-SK" dirty="0"/>
+              <a:t>. Nahrádza </a:t>
+            </a:r>
+            <a:r>
+              <a:rPr lang="sk-SK" i="1" dirty="0" err="1"/>
+              <a:t>Thread.Sleep</a:t>
+            </a:r>
+            <a:r>
+              <a:rPr lang="sk-SK" dirty="0"/>
+              <a:t> a </a:t>
+            </a:r>
+            <a:r>
+              <a:rPr lang="sk-SK" i="1" dirty="0" err="1"/>
+              <a:t>Task.Delay</a:t>
+            </a:r>
+            <a:r>
+              <a:rPr lang="sk-SK" dirty="0"/>
+              <a:t>.</a:t>
+            </a:r>
+          </a:p>
+          <a:p>
+            <a:pPr algn="just"/>
+            <a:r>
+              <a:rPr lang="sk-SK" b="1" dirty="0"/>
+              <a:t>Externé udalosti </a:t>
+            </a:r>
+            <a:r>
+              <a:rPr lang="sk-SK" dirty="0"/>
+              <a:t>– DF môžu čakať a zachytávať externé udalosti</a:t>
+            </a:r>
+          </a:p>
+          <a:p>
+            <a:pPr algn="just"/>
+            <a:r>
+              <a:rPr lang="sk-SK" b="1" dirty="0"/>
+              <a:t>HTTP</a:t>
+            </a:r>
+            <a:r>
+              <a:rPr lang="sk-SK" dirty="0"/>
+              <a:t> – DF môžu volať externé HTTP </a:t>
+            </a:r>
+            <a:r>
+              <a:rPr lang="sk-SK" dirty="0" err="1"/>
+              <a:t>endpointy</a:t>
+            </a:r>
+            <a:r>
+              <a:rPr lang="sk-SK" dirty="0"/>
+              <a:t>. Podpora pre HTTP 202 </a:t>
+            </a:r>
+            <a:r>
+              <a:rPr lang="sk-SK" dirty="0" err="1"/>
+              <a:t>polling</a:t>
+            </a:r>
+            <a:r>
+              <a:rPr lang="sk-SK" dirty="0"/>
+              <a:t> </a:t>
+            </a:r>
+            <a:r>
+              <a:rPr lang="sk-SK" dirty="0" err="1"/>
+              <a:t>pattern</a:t>
+            </a:r>
+            <a:r>
+              <a:rPr lang="sk-SK" dirty="0"/>
+              <a:t> aj autentifikáciu s externými službami.</a:t>
+            </a:r>
+            <a:endParaRPr lang="sk-SK" b="1" dirty="0"/>
           </a:p>
         </p:txBody>
       </p:sp>
     </p:spTree>
     <p:extLst>
       <p:ext uri="{BB962C8B-B14F-4D97-AF65-F5344CB8AC3E}">
-        <p14:creationId xmlns:p14="http://schemas.microsoft.com/office/powerpoint/2010/main" val="1564021561"/>
+        <p14:creationId xmlns:p14="http://schemas.microsoft.com/office/powerpoint/2010/main" val="3427095521"/>
       </p:ext>
     </p:extLst>
   </p:cSld>
@@ -7815,7 +7918,7 @@
           <p:cNvPr id="2" name="Nadpis 1">
             <a:extLst>
               <a:ext uri="{FF2B5EF4-FFF2-40B4-BE49-F238E27FC236}">
-                <a16:creationId xmlns:a16="http://schemas.microsoft.com/office/drawing/2014/main" id="{467A4BE7-C868-44A8-BC54-A3101B577779}"/>
+                <a16:creationId xmlns:a16="http://schemas.microsoft.com/office/drawing/2014/main" id="{D9E15FAE-D201-4FC6-AFFD-7126FDFE1566}"/>
               </a:ext>
             </a:extLst>
           </p:cNvPr>
@@ -7833,8 +7936,12 @@
           <a:p>
             <a:pPr algn="l"/>
             <a:r>
-              <a:rPr lang="sk-SK" dirty="0"/>
-              <a:t>Entity </a:t>
+              <a:rPr lang="sk-SK" dirty="0" err="1"/>
+              <a:t>Activity</a:t>
+            </a:r>
+            <a:r>
+              <a:rPr lang="sk-SK" dirty="0"/>
+              <a:t> </a:t>
             </a:r>
             <a:r>
               <a:rPr lang="sk-SK" dirty="0" err="1"/>
@@ -7842,15 +7949,7 @@
             </a:r>
             <a:r>
               <a:rPr lang="sk-SK" dirty="0"/>
-              <a:t> (</a:t>
-            </a:r>
-            <a:r>
-              <a:rPr lang="sk-SK" dirty="0" err="1"/>
-              <a:t>durable</a:t>
-            </a:r>
-            <a:r>
-              <a:rPr lang="sk-SK" dirty="0"/>
-              <a:t> entity)</a:t>
+              <a:t> (AF)</a:t>
             </a:r>
           </a:p>
         </p:txBody>
@@ -7860,7 +7959,7 @@
           <p:cNvPr id="3" name="Zástupný objekt pre obsah 2">
             <a:extLst>
               <a:ext uri="{FF2B5EF4-FFF2-40B4-BE49-F238E27FC236}">
-                <a16:creationId xmlns:a16="http://schemas.microsoft.com/office/drawing/2014/main" id="{16140D17-465A-4E3A-BF0B-B8D5D80804D5}"/>
+                <a16:creationId xmlns:a16="http://schemas.microsoft.com/office/drawing/2014/main" id="{9F1CDBDF-C7F2-4E41-82FB-49839D8DE517}"/>
               </a:ext>
             </a:extLst>
           </p:cNvPr>
@@ -7878,69 +7977,41 @@
           <a:p>
             <a:r>
               <a:rPr lang="sk-SK" dirty="0"/>
-              <a:t>Obsahujú operácie na čítanie a aktualizáciu časti stavu</a:t>
-            </a:r>
-          </a:p>
-          <a:p>
-            <a:r>
-              <a:rPr lang="sk-SK" dirty="0"/>
-              <a:t>Spúšťajú sa cez </a:t>
-            </a:r>
-            <a:r>
-              <a:rPr lang="sk-SK" i="1" dirty="0"/>
-              <a:t>entity </a:t>
-            </a:r>
-            <a:r>
-              <a:rPr lang="sk-SK" i="1" dirty="0" err="1"/>
-              <a:t>trigger</a:t>
-            </a:r>
-            <a:r>
-              <a:rPr lang="sk-SK" i="1" dirty="0"/>
+              <a:t>Základná jednotka práce v DF („jeden krok v pracovnom postupe“)</a:t>
+            </a:r>
+          </a:p>
+          <a:p>
+            <a:r>
+              <a:rPr lang="sk-SK" dirty="0"/>
+              <a:t>Všetky náročné operácie by mali byť v nich a nie v OF</a:t>
+            </a:r>
+          </a:p>
+          <a:p>
+            <a:r>
+              <a:rPr lang="sk-SK" dirty="0"/>
+              <a:t>Iba jeden vstupný parameter</a:t>
+            </a:r>
+          </a:p>
+          <a:p>
+            <a:r>
+              <a:rPr lang="sk-SK" dirty="0"/>
+              <a:t>Môžu bežať na inej inštancii </a:t>
+            </a:r>
+            <a:r>
+              <a:rPr lang="sk-SK" dirty="0" err="1"/>
+              <a:t>Function</a:t>
+            </a:r>
+            <a:r>
+              <a:rPr lang="sk-SK" dirty="0"/>
               <a:t> </a:t>
             </a:r>
             <a:r>
-              <a:rPr lang="sk-SK" dirty="0"/>
-              <a:t>z OF, </a:t>
-            </a:r>
-            <a:r>
               <a:rPr lang="sk-SK" dirty="0" err="1"/>
-              <a:t>client</a:t>
-            </a:r>
-            <a:r>
-              <a:rPr lang="sk-SK" dirty="0"/>
-              <a:t> </a:t>
-            </a:r>
-            <a:r>
-              <a:rPr lang="sk-SK" dirty="0" err="1"/>
-              <a:t>function</a:t>
-            </a:r>
-            <a:r>
-              <a:rPr lang="sk-SK" dirty="0"/>
-              <a:t> alebo inej entity</a:t>
-            </a:r>
-          </a:p>
-          <a:p>
-            <a:r>
-              <a:rPr lang="sk-SK" dirty="0"/>
-              <a:t>Fungujú ako malé služby, ktoré komunikujú prostredníctvom správ</a:t>
-            </a:r>
-          </a:p>
-          <a:p>
-            <a:r>
-              <a:rPr lang="sk-SK" dirty="0"/>
-              <a:t>Majú unikátne ID (názov funkcie + GUID), interný stav a vykonávajú operácie</a:t>
-            </a:r>
-          </a:p>
-          <a:p>
-            <a:r>
-              <a:rPr lang="sk-SK" dirty="0"/>
-              <a:t>Môžu byť definované ako funkcia alebo ako trieda (len v .NET)</a:t>
-            </a:r>
-          </a:p>
-          <a:p>
-            <a:r>
-              <a:rPr lang="sk-SK" dirty="0"/>
-              <a:t>Všetky operácie jednej entity sa vykonávajú sériovo</a:t>
+              <a:t>App</a:t>
+            </a:r>
+            <a:r>
+              <a:rPr lang="sk-SK" dirty="0"/>
+              <a:t>/inej VM</a:t>
             </a:r>
           </a:p>
         </p:txBody>
@@ -7948,7 +8019,7 @@
     </p:spTree>
     <p:extLst>
       <p:ext uri="{BB962C8B-B14F-4D97-AF65-F5344CB8AC3E}">
-        <p14:creationId xmlns:p14="http://schemas.microsoft.com/office/powerpoint/2010/main" val="553249958"/>
+        <p14:creationId xmlns:p14="http://schemas.microsoft.com/office/powerpoint/2010/main" val="1564021561"/>
       </p:ext>
     </p:extLst>
   </p:cSld>
@@ -7980,7 +8051,7 @@
           <p:cNvPr id="2" name="Nadpis 1">
             <a:extLst>
               <a:ext uri="{FF2B5EF4-FFF2-40B4-BE49-F238E27FC236}">
-                <a16:creationId xmlns:a16="http://schemas.microsoft.com/office/drawing/2014/main" id="{9AF331C0-333F-45D8-B8A4-93CFD5DD821F}"/>
+                <a16:creationId xmlns:a16="http://schemas.microsoft.com/office/drawing/2014/main" id="{467A4BE7-C868-44A8-BC54-A3101B577779}"/>
               </a:ext>
             </a:extLst>
           </p:cNvPr>
@@ -7998,12 +8069,8 @@
           <a:p>
             <a:pPr algn="l"/>
             <a:r>
-              <a:rPr lang="sk-SK" dirty="0" err="1"/>
-              <a:t>Client</a:t>
-            </a:r>
-            <a:r>
-              <a:rPr lang="sk-SK" dirty="0"/>
-              <a:t> </a:t>
+              <a:rPr lang="sk-SK" dirty="0"/>
+              <a:t>Entity </a:t>
             </a:r>
             <a:r>
               <a:rPr lang="sk-SK" dirty="0" err="1"/>
@@ -8011,7 +8078,15 @@
             </a:r>
             <a:r>
               <a:rPr lang="sk-SK" dirty="0"/>
-              <a:t> (CF)</a:t>
+              <a:t> (</a:t>
+            </a:r>
+            <a:r>
+              <a:rPr lang="sk-SK" dirty="0" err="1"/>
+              <a:t>durable</a:t>
+            </a:r>
+            <a:r>
+              <a:rPr lang="sk-SK" dirty="0"/>
+              <a:t> entity)</a:t>
             </a:r>
           </a:p>
         </p:txBody>
@@ -8021,7 +8096,7 @@
           <p:cNvPr id="3" name="Zástupný objekt pre obsah 2">
             <a:extLst>
               <a:ext uri="{FF2B5EF4-FFF2-40B4-BE49-F238E27FC236}">
-                <a16:creationId xmlns:a16="http://schemas.microsoft.com/office/drawing/2014/main" id="{BC3A5E93-0B4E-4743-92FD-1655FB85B67A}"/>
+                <a16:creationId xmlns:a16="http://schemas.microsoft.com/office/drawing/2014/main" id="{16140D17-465A-4E3A-BF0B-B8D5D80804D5}"/>
               </a:ext>
             </a:extLst>
           </p:cNvPr>
@@ -8034,36 +8109,44 @@
         </p:nvSpPr>
         <p:spPr/>
         <p:txBody>
-          <a:bodyPr/>
+          <a:bodyPr>
+            <a:normAutofit fontScale="92500"/>
+          </a:bodyPr>
           <a:lstStyle/>
           <a:p>
-            <a:pPr algn="just"/>
-            <a:r>
-              <a:rPr lang="sk-SK" dirty="0"/>
-              <a:t>Vstupný bod do DF</a:t>
-            </a:r>
-          </a:p>
-          <a:p>
-            <a:pPr algn="just"/>
-            <a:r>
-              <a:rPr lang="sk-SK" dirty="0"/>
-              <a:t>Dokáže spustiť OF (cez </a:t>
+            <a:r>
+              <a:rPr lang="sk-SK" dirty="0"/>
+              <a:t>Obsahujú operácie na čítanie a aktualizáciu časti stavu</a:t>
+            </a:r>
+          </a:p>
+          <a:p>
+            <a:r>
+              <a:rPr lang="sk-SK" dirty="0"/>
+              <a:t>Spúšťajú sa cez </a:t>
+            </a:r>
+            <a:r>
+              <a:rPr lang="sk-SK" i="1" dirty="0"/>
+              <a:t>entity </a:t>
             </a:r>
             <a:r>
               <a:rPr lang="sk-SK" i="1" dirty="0" err="1"/>
-              <a:t>orchestration</a:t>
+              <a:t>trigger</a:t>
             </a:r>
             <a:r>
               <a:rPr lang="sk-SK" i="1" dirty="0"/>
               <a:t> </a:t>
             </a:r>
             <a:r>
-              <a:rPr lang="sk-SK" i="1" dirty="0" err="1"/>
-              <a:t>trigger</a:t>
-            </a:r>
-            <a:r>
-              <a:rPr lang="sk-SK" dirty="0"/>
-              <a:t>) aj entity </a:t>
+              <a:rPr lang="sk-SK" dirty="0"/>
+              <a:t>z OF, </a:t>
+            </a:r>
+            <a:r>
+              <a:rPr lang="sk-SK" dirty="0" err="1"/>
+              <a:t>client</a:t>
+            </a:r>
+            <a:r>
+              <a:rPr lang="sk-SK" dirty="0"/>
+              <a:t> </a:t>
             </a:r>
             <a:r>
               <a:rPr lang="sk-SK" dirty="0" err="1"/>
@@ -8071,58 +8154,39 @@
             </a:r>
             <a:r>
               <a:rPr lang="sk-SK" dirty="0"/>
-              <a:t> (cez </a:t>
-            </a:r>
-            <a:r>
-              <a:rPr lang="sk-SK" i="1" dirty="0"/>
-              <a:t>entity </a:t>
-            </a:r>
-            <a:r>
-              <a:rPr lang="sk-SK" i="1" dirty="0" err="1"/>
-              <a:t>trigger</a:t>
-            </a:r>
-            <a:r>
-              <a:rPr lang="sk-SK" dirty="0"/>
-              <a:t>). Tie nie je možné spustiť priamo cez portál.</a:t>
-            </a:r>
-          </a:p>
-          <a:p>
-            <a:pPr algn="just"/>
-            <a:r>
-              <a:rPr lang="sk-SK" dirty="0"/>
-              <a:t>Ako </a:t>
-            </a:r>
-            <a:r>
-              <a:rPr lang="sk-SK" dirty="0" err="1"/>
-              <a:t>client</a:t>
-            </a:r>
-            <a:r>
-              <a:rPr lang="sk-SK" dirty="0"/>
-              <a:t> </a:t>
-            </a:r>
-            <a:r>
-              <a:rPr lang="sk-SK" dirty="0" err="1"/>
-              <a:t>function</a:t>
-            </a:r>
-            <a:r>
-              <a:rPr lang="sk-SK" dirty="0"/>
-              <a:t> je možné využiť ľubovoľnú </a:t>
-            </a:r>
-            <a:r>
-              <a:rPr lang="sk-SK" dirty="0" err="1"/>
-              <a:t>Azure</a:t>
-            </a:r>
-            <a:r>
-              <a:rPr lang="sk-SK" dirty="0"/>
-              <a:t> </a:t>
-            </a:r>
-            <a:r>
-              <a:rPr lang="sk-SK" dirty="0" err="1"/>
-              <a:t>Function</a:t>
-            </a:r>
-            <a:r>
-              <a:rPr lang="sk-SK" dirty="0"/>
-              <a:t>, ktorá nie je OF.</a:t>
+              <a:t> alebo inej entity</a:t>
+            </a:r>
+          </a:p>
+          <a:p>
+            <a:r>
+              <a:rPr lang="sk-SK" dirty="0"/>
+              <a:t>Fungujú ako malé služby, ktoré komunikujú prostredníctvom správ</a:t>
+            </a:r>
+          </a:p>
+          <a:p>
+            <a:r>
+              <a:rPr lang="sk-SK" dirty="0"/>
+              <a:t>Majú unikátne ID (názov funkcie + </a:t>
+            </a:r>
+            <a:r>
+              <a:rPr lang="en-US" dirty="0"/>
+              <a:t>ID entity</a:t>
+            </a:r>
+            <a:r>
+              <a:rPr lang="sk-SK" dirty="0"/>
+              <a:t>), interný stav a vykonávajú operácie</a:t>
+            </a:r>
+          </a:p>
+          <a:p>
+            <a:r>
+              <a:rPr lang="sk-SK" dirty="0"/>
+              <a:t>Môžu byť definované ako funkcia alebo ako trieda (len v .NET)</a:t>
+            </a:r>
+          </a:p>
+          <a:p>
+            <a:r>
+              <a:rPr lang="sk-SK" dirty="0"/>
+              <a:t>Všetky operácie jednej entity sa vykonávajú sériovo</a:t>
             </a:r>
           </a:p>
         </p:txBody>
@@ -8130,7 +8194,7 @@
     </p:spTree>
     <p:extLst>
       <p:ext uri="{BB962C8B-B14F-4D97-AF65-F5344CB8AC3E}">
-        <p14:creationId xmlns:p14="http://schemas.microsoft.com/office/powerpoint/2010/main" val="2138216935"/>
+        <p14:creationId xmlns:p14="http://schemas.microsoft.com/office/powerpoint/2010/main" val="553249958"/>
       </p:ext>
     </p:extLst>
   </p:cSld>
@@ -8229,16 +8293,6 @@
             <a:r>
               <a:rPr lang="sk-SK" dirty="0"/>
               <a:t>Výstup z jednej funkcie je vstupom pre ďalšiu funkciu v poradí</a:t>
-            </a:r>
-          </a:p>
-          <a:p>
-            <a:r>
-              <a:rPr lang="sk-SK" dirty="0"/>
-              <a:t>V prípade reštartu/pádu procesu alebo VM sa pokračuje od predošlého </a:t>
-            </a:r>
-            <a:r>
-              <a:rPr lang="sk-SK" i="1" dirty="0" err="1"/>
-              <a:t>await</a:t>
             </a:r>
             <a:endParaRPr lang="sk-SK" i="1" dirty="0"/>
           </a:p>
@@ -9234,8 +9288,25 @@
             <a:pPr algn="just"/>
             <a:r>
               <a:rPr lang="sk-SK" dirty="0"/>
-              <a:t>Rovnaké ako pri AF</a:t>
-            </a:r>
+              <a:t>Rovnaké ako pri A</a:t>
+            </a:r>
+            <a:r>
+              <a:rPr lang="en-US" dirty="0" err="1"/>
+              <a:t>zure</a:t>
+            </a:r>
+            <a:r>
+              <a:rPr lang="en-US" dirty="0"/>
+              <a:t> </a:t>
+            </a:r>
+            <a:r>
+              <a:rPr lang="sk-SK" dirty="0"/>
+              <a:t>F</a:t>
+            </a:r>
+            <a:r>
+              <a:rPr lang="en-US" dirty="0" err="1"/>
+              <a:t>unctions</a:t>
+            </a:r>
+            <a:endParaRPr lang="sk-SK" dirty="0"/>
           </a:p>
           <a:p>
             <a:pPr algn="just"/>
@@ -10340,7 +10411,18 @@
               <a:rPr lang="en-US" b="1" dirty="0" err="1"/>
               <a:t>ub</a:t>
             </a:r>
-            <a:endParaRPr lang="sk-SK" dirty="0"/>
+            <a:r>
+              <a:rPr lang="sk-SK" dirty="0"/>
+              <a:t> – názov pre </a:t>
+            </a:r>
+            <a:r>
+              <a:rPr lang="sk-SK" dirty="0" err="1"/>
+              <a:t>task</a:t>
+            </a:r>
+            <a:r>
+              <a:rPr lang="sk-SK" dirty="0"/>
+              <a:t> hub (= logický kontajner pre zdroje DF)</a:t>
+            </a:r>
           </a:p>
           <a:p>
             <a:pPr lvl="1"/>
@@ -10348,7 +10430,31 @@
               <a:rPr lang="sk-SK" b="1" dirty="0" err="1"/>
               <a:t>connection</a:t>
             </a:r>
-            <a:endParaRPr lang="sk-SK" b="1" dirty="0"/>
+            <a:r>
+              <a:rPr lang="sk-SK" dirty="0"/>
+              <a:t> – názov nastavenia s </a:t>
+            </a:r>
+            <a:r>
+              <a:rPr lang="sk-SK" dirty="0" err="1"/>
+              <a:t>connection</a:t>
+            </a:r>
+            <a:r>
+              <a:rPr lang="sk-SK" dirty="0"/>
+              <a:t> </a:t>
+            </a:r>
+            <a:r>
+              <a:rPr lang="sk-SK" dirty="0" err="1"/>
+              <a:t>stringom</a:t>
+            </a:r>
+            <a:r>
+              <a:rPr lang="sk-SK" dirty="0"/>
+              <a:t> pre </a:t>
+            </a:r>
+            <a:r>
+              <a:rPr lang="sk-SK" dirty="0" err="1"/>
+              <a:t>storage</a:t>
+            </a:r>
+            <a:endParaRPr lang="sk-SK" dirty="0"/>
           </a:p>
           <a:p>
             <a:pPr lvl="1"/>
@@ -13258,15 +13364,7 @@
             </a:r>
             <a:r>
               <a:rPr lang="sk-SK" dirty="0"/>
-              <a:t>-uje počas čakania (</a:t>
-            </a:r>
-            <a:r>
-              <a:rPr lang="sk-SK" dirty="0" err="1"/>
-              <a:t>await</a:t>
-            </a:r>
-            <a:r>
-              <a:rPr lang="sk-SK" dirty="0"/>
-              <a:t>), vďaka čomu sa lokálny stav zachová aj pri recyklácii procesu</a:t>
+              <a:t>-uje, vďaka čomu sa lokálny stav zachová aj pri recyklácii procesu</a:t>
             </a:r>
           </a:p>
           <a:p>
@@ -14002,7 +14100,27 @@
           <a:p>
             <a:r>
               <a:rPr lang="sk-SK" dirty="0"/>
-              <a:t>Pri využití klasických AF by sme museli riešiť konkurenciu</a:t>
+              <a:t>Pri využití klasických A</a:t>
+            </a:r>
+            <a:r>
+              <a:rPr lang="en-US" dirty="0" err="1"/>
+              <a:t>zure</a:t>
+            </a:r>
+            <a:r>
+              <a:rPr lang="en-US" dirty="0"/>
+              <a:t> </a:t>
+            </a:r>
+            <a:r>
+              <a:rPr lang="sk-SK" dirty="0"/>
+              <a:t>F</a:t>
+            </a:r>
+            <a:r>
+              <a:rPr lang="en-US" dirty="0" err="1"/>
+              <a:t>unctions</a:t>
+            </a:r>
+            <a:r>
+              <a:rPr lang="sk-SK" dirty="0"/>
+              <a:t> by sme museli riešiť konkurenciu</a:t>
             </a:r>
           </a:p>
         </p:txBody>
@@ -14263,15 +14381,7 @@
             <a:pPr algn="l"/>
             <a:r>
               <a:rPr lang="sk-SK" dirty="0"/>
-              <a:t>Poslanie správy pre entitu (</a:t>
-            </a:r>
-            <a:r>
-              <a:rPr lang="sk-SK" dirty="0" err="1"/>
-              <a:t>durable</a:t>
-            </a:r>
-            <a:r>
-              <a:rPr lang="sk-SK" dirty="0"/>
-              <a:t> entity)</a:t>
+              <a:t>Zistenie stavu entity</a:t>
             </a:r>
           </a:p>
         </p:txBody>
@@ -14295,13 +14405,13 @@
         <p:spPr/>
         <p:txBody>
           <a:bodyPr>
-            <a:normAutofit fontScale="55000" lnSpcReduction="20000"/>
+            <a:normAutofit/>
           </a:bodyPr>
           <a:lstStyle/>
           <a:p>
             <a:r>
               <a:rPr lang="sk-SK" b="1" dirty="0"/>
-              <a:t>POST </a:t>
+              <a:t>GET </a:t>
             </a:r>
             <a:r>
               <a:rPr lang="sk-SK" b="1" i="1" dirty="0"/>
@@ -14372,77 +14482,6 @@
           <a:p>
             <a:r>
               <a:rPr lang="sk-SK" dirty="0"/>
-              <a:t>URL parametre:</a:t>
-            </a:r>
-          </a:p>
-          <a:p>
-            <a:pPr lvl="1"/>
-            <a:r>
-              <a:rPr lang="sk-SK" b="1" i="1" dirty="0" err="1"/>
-              <a:t>entityName</a:t>
-            </a:r>
-            <a:r>
-              <a:rPr lang="en-US" dirty="0"/>
-              <a:t> – n</a:t>
-            </a:r>
-            <a:r>
-              <a:rPr lang="sk-SK" dirty="0" err="1"/>
-              <a:t>ázov</a:t>
-            </a:r>
-            <a:r>
-              <a:rPr lang="sk-SK" dirty="0"/>
-              <a:t> (typ) entity</a:t>
-            </a:r>
-          </a:p>
-          <a:p>
-            <a:pPr lvl="1"/>
-            <a:r>
-              <a:rPr lang="sk-SK" b="1" i="1" dirty="0" err="1"/>
-              <a:t>entityKey</a:t>
-            </a:r>
-            <a:r>
-              <a:rPr lang="sk-SK" dirty="0"/>
-              <a:t> – kľúč (ID) entity</a:t>
-            </a:r>
-          </a:p>
-          <a:p>
-            <a:r>
-              <a:rPr lang="sk-SK" dirty="0" err="1"/>
-              <a:t>Query</a:t>
-            </a:r>
-            <a:r>
-              <a:rPr lang="sk-SK" dirty="0"/>
-              <a:t> parametre:</a:t>
-            </a:r>
-          </a:p>
-          <a:p>
-            <a:pPr lvl="1"/>
-            <a:r>
-              <a:rPr lang="sk-SK" b="1" i="1" dirty="0" err="1"/>
-              <a:t>op</a:t>
-            </a:r>
-            <a:r>
-              <a:rPr lang="sk-SK" dirty="0"/>
-              <a:t> – názov operácie, ktorá sa má vyvolať, voliteľný</a:t>
-            </a:r>
-          </a:p>
-          <a:p>
-            <a:r>
-              <a:rPr lang="sk-SK" dirty="0"/>
-              <a:t>Telo (JSON): </a:t>
-            </a:r>
-            <a:r>
-              <a:rPr lang="sk-SK" dirty="0" err="1"/>
-              <a:t>payload</a:t>
-            </a:r>
-            <a:r>
-              <a:rPr lang="sk-SK" dirty="0"/>
-              <a:t> pre udalosť</a:t>
-            </a:r>
-          </a:p>
-          <a:p>
-            <a:r>
-              <a:rPr lang="sk-SK" dirty="0"/>
               <a:t>Odpovede:</a:t>
             </a:r>
           </a:p>
@@ -14454,36 +14493,8 @@
             </a:r>
             <a:r>
               <a:rPr lang="sk-SK" dirty="0"/>
-              <a:t>– správa úspešne poslaná</a:t>
-            </a:r>
-          </a:p>
-          <a:p>
-            <a:pPr lvl="1"/>
-            <a:r>
-              <a:rPr lang="sk-SK" b="1" i="1" dirty="0"/>
-              <a:t>HTTP 400</a:t>
-            </a:r>
-            <a:r>
-              <a:rPr lang="sk-SK" dirty="0"/>
-              <a:t> – </a:t>
-            </a:r>
-            <a:r>
-              <a:rPr lang="sk-SK" dirty="0" err="1"/>
-              <a:t>payload</a:t>
-            </a:r>
-            <a:r>
-              <a:rPr lang="sk-SK" dirty="0"/>
-              <a:t> nie je </a:t>
-            </a:r>
-            <a:r>
-              <a:rPr lang="sk-SK" dirty="0" err="1"/>
-              <a:t>validný</a:t>
-            </a:r>
-            <a:r>
-              <a:rPr lang="sk-SK" dirty="0"/>
-              <a:t> alebo je kľúč neplatný</a:t>
-            </a:r>
-            <a:endParaRPr lang="sk-SK" b="1" i="1" dirty="0"/>
+              <a:t>– entita existuje</a:t>
+            </a:r>
           </a:p>
           <a:p>
             <a:pPr lvl="1"/>
@@ -14502,7 +14513,7 @@
     </p:spTree>
     <p:extLst>
       <p:ext uri="{BB962C8B-B14F-4D97-AF65-F5344CB8AC3E}">
-        <p14:creationId xmlns:p14="http://schemas.microsoft.com/office/powerpoint/2010/main" val="4145532351"/>
+        <p14:creationId xmlns:p14="http://schemas.microsoft.com/office/powerpoint/2010/main" val="600460309"/>
       </p:ext>
     </p:extLst>
   </p:cSld>
@@ -14553,7 +14564,15 @@
             <a:pPr algn="l"/>
             <a:r>
               <a:rPr lang="sk-SK" dirty="0"/>
-              <a:t>Zistenie stavu entity</a:t>
+              <a:t>Poslanie správy pre entitu (</a:t>
+            </a:r>
+            <a:r>
+              <a:rPr lang="sk-SK" dirty="0" err="1"/>
+              <a:t>durable</a:t>
+            </a:r>
+            <a:r>
+              <a:rPr lang="sk-SK" dirty="0"/>
+              <a:t> entity)</a:t>
             </a:r>
           </a:p>
         </p:txBody>
@@ -14577,13 +14596,13 @@
         <p:spPr/>
         <p:txBody>
           <a:bodyPr>
-            <a:normAutofit/>
+            <a:normAutofit fontScale="55000" lnSpcReduction="20000"/>
           </a:bodyPr>
           <a:lstStyle/>
           <a:p>
             <a:r>
               <a:rPr lang="sk-SK" b="1" dirty="0"/>
-              <a:t>GET </a:t>
+              <a:t>POST </a:t>
             </a:r>
             <a:r>
               <a:rPr lang="sk-SK" b="1" i="1" dirty="0"/>
@@ -14654,6 +14673,77 @@
           <a:p>
             <a:r>
               <a:rPr lang="sk-SK" dirty="0"/>
+              <a:t>URL parametre:</a:t>
+            </a:r>
+          </a:p>
+          <a:p>
+            <a:pPr lvl="1"/>
+            <a:r>
+              <a:rPr lang="sk-SK" b="1" i="1" dirty="0" err="1"/>
+              <a:t>entityName</a:t>
+            </a:r>
+            <a:r>
+              <a:rPr lang="en-US" dirty="0"/>
+              <a:t> – n</a:t>
+            </a:r>
+            <a:r>
+              <a:rPr lang="sk-SK" dirty="0" err="1"/>
+              <a:t>ázov</a:t>
+            </a:r>
+            <a:r>
+              <a:rPr lang="sk-SK" dirty="0"/>
+              <a:t> (typ) entity</a:t>
+            </a:r>
+          </a:p>
+          <a:p>
+            <a:pPr lvl="1"/>
+            <a:r>
+              <a:rPr lang="sk-SK" b="1" i="1" dirty="0" err="1"/>
+              <a:t>entityKey</a:t>
+            </a:r>
+            <a:r>
+              <a:rPr lang="sk-SK" dirty="0"/>
+              <a:t> – kľúč (ID) entity</a:t>
+            </a:r>
+          </a:p>
+          <a:p>
+            <a:r>
+              <a:rPr lang="sk-SK" dirty="0" err="1"/>
+              <a:t>Query</a:t>
+            </a:r>
+            <a:r>
+              <a:rPr lang="sk-SK" dirty="0"/>
+              <a:t> parametre:</a:t>
+            </a:r>
+          </a:p>
+          <a:p>
+            <a:pPr lvl="1"/>
+            <a:r>
+              <a:rPr lang="sk-SK" b="1" i="1" dirty="0" err="1"/>
+              <a:t>op</a:t>
+            </a:r>
+            <a:r>
+              <a:rPr lang="sk-SK" dirty="0"/>
+              <a:t> – názov operácie, ktorá sa má vyvolať, voliteľný</a:t>
+            </a:r>
+          </a:p>
+          <a:p>
+            <a:r>
+              <a:rPr lang="sk-SK" dirty="0"/>
+              <a:t>Telo (JSON): </a:t>
+            </a:r>
+            <a:r>
+              <a:rPr lang="sk-SK" dirty="0" err="1"/>
+              <a:t>payload</a:t>
+            </a:r>
+            <a:r>
+              <a:rPr lang="sk-SK" dirty="0"/>
+              <a:t> pre udalosť</a:t>
+            </a:r>
+          </a:p>
+          <a:p>
+            <a:r>
+              <a:rPr lang="sk-SK" dirty="0"/>
               <a:t>Odpovede:</a:t>
             </a:r>
           </a:p>
@@ -14665,8 +14755,36 @@
             </a:r>
             <a:r>
               <a:rPr lang="sk-SK" dirty="0"/>
-              <a:t>– entita existuje</a:t>
-            </a:r>
+              <a:t>– správa úspešne poslaná</a:t>
+            </a:r>
+          </a:p>
+          <a:p>
+            <a:pPr lvl="1"/>
+            <a:r>
+              <a:rPr lang="sk-SK" b="1" i="1" dirty="0"/>
+              <a:t>HTTP 400</a:t>
+            </a:r>
+            <a:r>
+              <a:rPr lang="sk-SK" dirty="0"/>
+              <a:t> – </a:t>
+            </a:r>
+            <a:r>
+              <a:rPr lang="sk-SK" dirty="0" err="1"/>
+              <a:t>payload</a:t>
+            </a:r>
+            <a:r>
+              <a:rPr lang="sk-SK" dirty="0"/>
+              <a:t> nie je </a:t>
+            </a:r>
+            <a:r>
+              <a:rPr lang="sk-SK" dirty="0" err="1"/>
+              <a:t>validný</a:t>
+            </a:r>
+            <a:r>
+              <a:rPr lang="sk-SK" dirty="0"/>
+              <a:t> alebo je kľúč neplatný</a:t>
+            </a:r>
+            <a:endParaRPr lang="sk-SK" b="1" i="1" dirty="0"/>
           </a:p>
           <a:p>
             <a:pPr lvl="1"/>
@@ -14685,7 +14803,7 @@
     </p:spTree>
     <p:extLst>
       <p:ext uri="{BB962C8B-B14F-4D97-AF65-F5344CB8AC3E}">
-        <p14:creationId xmlns:p14="http://schemas.microsoft.com/office/powerpoint/2010/main" val="600460309"/>
+        <p14:creationId xmlns:p14="http://schemas.microsoft.com/office/powerpoint/2010/main" val="4145532351"/>
       </p:ext>
     </p:extLst>
   </p:cSld>
@@ -15880,7 +15998,7 @@
           <p:cNvPr id="2" name="Nadpis 1">
             <a:extLst>
               <a:ext uri="{FF2B5EF4-FFF2-40B4-BE49-F238E27FC236}">
-                <a16:creationId xmlns:a16="http://schemas.microsoft.com/office/drawing/2014/main" id="{A0AA67DE-8F19-4768-8C0A-129FD6CEEF9B}"/>
+                <a16:creationId xmlns:a16="http://schemas.microsoft.com/office/drawing/2014/main" id="{9AF331C0-333F-45D8-B8A4-93CFD5DD821F}"/>
               </a:ext>
             </a:extLst>
           </p:cNvPr>
@@ -15899,7 +16017,7 @@
             <a:pPr algn="l"/>
             <a:r>
               <a:rPr lang="sk-SK" dirty="0" err="1"/>
-              <a:t>Orchestrator</a:t>
+              <a:t>Client</a:t>
             </a:r>
             <a:r>
               <a:rPr lang="sk-SK" dirty="0"/>
@@ -15911,7 +16029,7 @@
             </a:r>
             <a:r>
               <a:rPr lang="sk-SK" dirty="0"/>
-              <a:t> (OF)</a:t>
+              <a:t> (CF)</a:t>
             </a:r>
           </a:p>
         </p:txBody>
@@ -15921,7 +16039,7 @@
           <p:cNvPr id="3" name="Zástupný objekt pre obsah 2">
             <a:extLst>
               <a:ext uri="{FF2B5EF4-FFF2-40B4-BE49-F238E27FC236}">
-                <a16:creationId xmlns:a16="http://schemas.microsoft.com/office/drawing/2014/main" id="{0A902142-C93E-4B06-8863-BB0802DFFC10}"/>
+                <a16:creationId xmlns:a16="http://schemas.microsoft.com/office/drawing/2014/main" id="{BC3A5E93-0B4E-4743-92FD-1655FB85B67A}"/>
               </a:ext>
             </a:extLst>
           </p:cNvPr>
@@ -15934,46 +16052,87 @@
         </p:nvSpPr>
         <p:spPr/>
         <p:txBody>
-          <a:bodyPr>
-            <a:normAutofit/>
-          </a:bodyPr>
+          <a:bodyPr/>
           <a:lstStyle/>
           <a:p>
-            <a:r>
-              <a:rPr lang="sk-SK" dirty="0"/>
-              <a:t>Popisujú </a:t>
+            <a:pPr algn="just"/>
+            <a:r>
+              <a:rPr lang="sk-SK" dirty="0"/>
+              <a:t>Vstupný bod do DF</a:t>
+            </a:r>
+          </a:p>
+          <a:p>
+            <a:pPr algn="just"/>
+            <a:r>
+              <a:rPr lang="sk-SK" dirty="0"/>
+              <a:t>Dokáže spustiť </a:t>
+            </a:r>
+            <a:r>
+              <a:rPr lang="en-US" dirty="0"/>
+              <a:t>orchestrator function</a:t>
+            </a:r>
+            <a:r>
+              <a:rPr lang="sk-SK" dirty="0"/>
+              <a:t> (cez </a:t>
+            </a:r>
+            <a:r>
+              <a:rPr lang="sk-SK" i="1" dirty="0" err="1"/>
+              <a:t>orchestration</a:t>
+            </a:r>
+            <a:r>
+              <a:rPr lang="sk-SK" i="1" dirty="0"/>
+              <a:t> </a:t>
+            </a:r>
+            <a:r>
+              <a:rPr lang="sk-SK" i="1" dirty="0" err="1"/>
+              <a:t>trigger</a:t>
+            </a:r>
+            <a:r>
+              <a:rPr lang="sk-SK" dirty="0"/>
+              <a:t>) aj entity </a:t>
             </a:r>
             <a:r>
               <a:rPr lang="sk-SK" dirty="0" err="1"/>
-              <a:t>workflow</a:t>
-            </a:r>
-            <a:r>
-              <a:rPr lang="sk-SK" dirty="0"/>
-              <a:t> (ako sa vykonávajú akcie a v akom poradí)</a:t>
-            </a:r>
-          </a:p>
-          <a:p>
-            <a:r>
-              <a:rPr lang="sk-SK" dirty="0"/>
-              <a:t>Môžu bežať ľubovoľný čas (od pár sekúnd až po nekonečné funkcie)</a:t>
-            </a:r>
-          </a:p>
-          <a:p>
-            <a:r>
-              <a:rPr lang="sk-SK" dirty="0"/>
-              <a:t>Pri dlhotrvajúcich OF treba dávať pozor na zmeny v kóde</a:t>
-            </a:r>
-          </a:p>
-          <a:p>
-            <a:r>
-              <a:rPr lang="sk-SK" dirty="0"/>
-              <a:t>Každá inštancia OF má svoje ID (by default automaticky generovaný GUID)</a:t>
-            </a:r>
-          </a:p>
-          <a:p>
-            <a:r>
-              <a:rPr lang="sk-SK" dirty="0"/>
-              <a:t>Výsledky jednotlivých akcií ukladá do </a:t>
+              <a:t>function</a:t>
+            </a:r>
+            <a:r>
+              <a:rPr lang="sk-SK" dirty="0"/>
+              <a:t> (cez </a:t>
+            </a:r>
+            <a:r>
+              <a:rPr lang="sk-SK" i="1" dirty="0"/>
+              <a:t>entity </a:t>
+            </a:r>
+            <a:r>
+              <a:rPr lang="sk-SK" i="1" dirty="0" err="1"/>
+              <a:t>trigger</a:t>
+            </a:r>
+            <a:r>
+              <a:rPr lang="sk-SK" dirty="0"/>
+              <a:t>). Tie nie je možné spustiť priamo cez portál.</a:t>
+            </a:r>
+          </a:p>
+          <a:p>
+            <a:pPr algn="just"/>
+            <a:r>
+              <a:rPr lang="sk-SK" dirty="0"/>
+              <a:t>Ako </a:t>
+            </a:r>
+            <a:r>
+              <a:rPr lang="sk-SK" dirty="0" err="1"/>
+              <a:t>client</a:t>
+            </a:r>
+            <a:r>
+              <a:rPr lang="sk-SK" dirty="0"/>
+              <a:t> </a:t>
+            </a:r>
+            <a:r>
+              <a:rPr lang="sk-SK" dirty="0" err="1"/>
+              <a:t>function</a:t>
+            </a:r>
+            <a:r>
+              <a:rPr lang="sk-SK" dirty="0"/>
+              <a:t> je možné využiť ľubovoľnú </a:t>
             </a:r>
             <a:r>
               <a:rPr lang="sk-SK" dirty="0" err="1"/>
@@ -15985,19 +16144,19 @@
             </a:r>
             <a:r>
               <a:rPr lang="sk-SK" dirty="0" err="1"/>
-              <a:t>Storage</a:t>
-            </a:r>
-            <a:r>
-              <a:rPr lang="sk-SK" dirty="0"/>
-              <a:t> („event </a:t>
-            </a:r>
-            <a:r>
-              <a:rPr lang="sk-SK" dirty="0" err="1"/>
-              <a:t>sourcing</a:t>
-            </a:r>
-            <a:r>
-              <a:rPr lang="sk-SK" dirty="0"/>
-              <a:t>“)</a:t>
+              <a:t>Function</a:t>
+            </a:r>
+            <a:r>
+              <a:rPr lang="sk-SK" dirty="0"/>
+              <a:t>, ktorá nie je </a:t>
+            </a:r>
+            <a:r>
+              <a:rPr lang="en-US" dirty="0"/>
+              <a:t>orchestrator function</a:t>
+            </a:r>
+            <a:r>
+              <a:rPr lang="sk-SK" dirty="0"/>
+              <a:t>.</a:t>
             </a:r>
           </a:p>
         </p:txBody>
@@ -16005,7 +16164,7 @@
     </p:spTree>
     <p:extLst>
       <p:ext uri="{BB962C8B-B14F-4D97-AF65-F5344CB8AC3E}">
-        <p14:creationId xmlns:p14="http://schemas.microsoft.com/office/powerpoint/2010/main" val="4120410758"/>
+        <p14:creationId xmlns:p14="http://schemas.microsoft.com/office/powerpoint/2010/main" val="2138216935"/>
       </p:ext>
     </p:extLst>
   </p:cSld>
@@ -16068,7 +16227,7 @@
             </a:r>
             <a:r>
               <a:rPr lang="sk-SK" dirty="0"/>
-              <a:t> (OF) - akcie</a:t>
+              <a:t> (OF)</a:t>
             </a:r>
           </a:p>
         </p:txBody>
@@ -16092,156 +16251,77 @@
         <p:spPr/>
         <p:txBody>
           <a:bodyPr>
-            <a:normAutofit fontScale="92500" lnSpcReduction="10000"/>
+            <a:normAutofit/>
           </a:bodyPr>
           <a:lstStyle/>
           <a:p>
-            <a:pPr algn="just"/>
-            <a:r>
-              <a:rPr lang="sk-SK" b="1" dirty="0" err="1"/>
-              <a:t>Activity</a:t>
-            </a:r>
-            <a:r>
-              <a:rPr lang="sk-SK" b="1" dirty="0"/>
+            <a:r>
+              <a:rPr lang="sk-SK" dirty="0"/>
+              <a:t>Popisujú </a:t>
+            </a:r>
+            <a:r>
+              <a:rPr lang="sk-SK" dirty="0" err="1"/>
+              <a:t>workflow</a:t>
+            </a:r>
+            <a:r>
+              <a:rPr lang="sk-SK" dirty="0"/>
+              <a:t> (ako sa vykonávajú akcie a v akom poradí)</a:t>
+            </a:r>
+          </a:p>
+          <a:p>
+            <a:r>
+              <a:rPr lang="sk-SK" dirty="0"/>
+              <a:t>Môžu bežať ľubovoľný čas (od pár sekúnd až po nekonečné funkcie)</a:t>
+            </a:r>
+          </a:p>
+          <a:p>
+            <a:r>
+              <a:rPr lang="sk-SK" dirty="0"/>
+              <a:t>Pri dlhotrvajúcich OF treba dávať pozor na zmeny v kóde</a:t>
+            </a:r>
+          </a:p>
+          <a:p>
+            <a:r>
+              <a:rPr lang="sk-SK" dirty="0"/>
+              <a:t>Každá inštancia OF má svoje ID (by default automaticky generovaný GUID)</a:t>
+            </a:r>
+          </a:p>
+          <a:p>
+            <a:r>
+              <a:rPr lang="sk-SK" dirty="0"/>
+              <a:t>Výsledky jednotlivých akcií ukladá do </a:t>
+            </a:r>
+            <a:r>
+              <a:rPr lang="sk-SK" dirty="0" err="1"/>
+              <a:t>Azure</a:t>
+            </a:r>
+            <a:r>
+              <a:rPr lang="sk-SK" dirty="0"/>
               <a:t> </a:t>
             </a:r>
             <a:r>
-              <a:rPr lang="sk-SK" b="1" dirty="0" err="1"/>
-              <a:t>function</a:t>
-            </a:r>
-            <a:endParaRPr lang="sk-SK" b="1" dirty="0"/>
-          </a:p>
-          <a:p>
-            <a:pPr algn="just"/>
-            <a:r>
-              <a:rPr lang="sk-SK" b="1" dirty="0" err="1"/>
-              <a:t>Sub-orchestration</a:t>
-            </a:r>
-            <a:r>
-              <a:rPr lang="sk-SK" b="1" dirty="0"/>
-              <a:t> </a:t>
-            </a:r>
-            <a:r>
-              <a:rPr lang="sk-SK" dirty="0"/>
-              <a:t>– umožňuje zavolať OF z inej OF, prípadne spustiť paralelne viac inštancií jednej OF. Z pohľadu volajúceho sa správa ako </a:t>
-            </a:r>
-            <a:r>
               <a:rPr lang="sk-SK" dirty="0" err="1"/>
-              <a:t>activity</a:t>
-            </a:r>
-            <a:r>
-              <a:rPr lang="sk-SK" dirty="0"/>
-              <a:t> </a:t>
+              <a:t>Storage</a:t>
+            </a:r>
+            <a:r>
+              <a:rPr lang="sk-SK" dirty="0"/>
+              <a:t> („event </a:t>
             </a:r>
             <a:r>
               <a:rPr lang="sk-SK" dirty="0" err="1"/>
-              <a:t>function</a:t>
-            </a:r>
-            <a:r>
-              <a:rPr lang="sk-SK" dirty="0"/>
-              <a:t>.</a:t>
-            </a:r>
-          </a:p>
-          <a:p>
-            <a:pPr algn="just"/>
-            <a:r>
-              <a:rPr lang="sk-SK" b="1" dirty="0" err="1"/>
-              <a:t>Durable</a:t>
-            </a:r>
-            <a:r>
-              <a:rPr lang="sk-SK" b="1" dirty="0"/>
-              <a:t> </a:t>
-            </a:r>
-            <a:r>
-              <a:rPr lang="sk-SK" b="1" dirty="0" err="1"/>
-              <a:t>timer</a:t>
-            </a:r>
-            <a:r>
-              <a:rPr lang="sk-SK" b="1" dirty="0"/>
-              <a:t> </a:t>
-            </a:r>
-            <a:r>
-              <a:rPr lang="sk-SK" dirty="0"/>
-              <a:t>– slúži na zapracovanie oneskorenia alebo vytvorenie </a:t>
-            </a:r>
-            <a:r>
-              <a:rPr lang="sk-SK" dirty="0" err="1"/>
-              <a:t>timeoutov</a:t>
-            </a:r>
-            <a:r>
-              <a:rPr lang="sk-SK" dirty="0"/>
-              <a:t>. Nahrádza </a:t>
-            </a:r>
-            <a:r>
-              <a:rPr lang="sk-SK" i="1" dirty="0" err="1"/>
-              <a:t>Thread.Sleep</a:t>
-            </a:r>
-            <a:r>
-              <a:rPr lang="sk-SK" dirty="0"/>
-              <a:t> a </a:t>
-            </a:r>
-            <a:r>
-              <a:rPr lang="sk-SK" i="1" dirty="0" err="1"/>
-              <a:t>Task.Delay</a:t>
-            </a:r>
-            <a:r>
-              <a:rPr lang="sk-SK" dirty="0"/>
-              <a:t>.</a:t>
-            </a:r>
-          </a:p>
-          <a:p>
-            <a:pPr algn="just"/>
-            <a:r>
-              <a:rPr lang="sk-SK" b="1" dirty="0"/>
-              <a:t>Externé udalosti </a:t>
-            </a:r>
-            <a:r>
-              <a:rPr lang="sk-SK" dirty="0"/>
-              <a:t>– DF môžu čakať a zachytávať externé udalosti</a:t>
-            </a:r>
-          </a:p>
-          <a:p>
-            <a:pPr algn="just"/>
-            <a:r>
-              <a:rPr lang="sk-SK" b="1" dirty="0"/>
-              <a:t>HTTP</a:t>
-            </a:r>
-            <a:r>
-              <a:rPr lang="sk-SK" dirty="0"/>
-              <a:t> – DF môžu volať externé HTTP </a:t>
-            </a:r>
-            <a:r>
-              <a:rPr lang="sk-SK" dirty="0" err="1"/>
-              <a:t>endpointy</a:t>
-            </a:r>
-            <a:r>
-              <a:rPr lang="sk-SK" dirty="0"/>
-              <a:t>. Podpora pre HTTP 202 </a:t>
-            </a:r>
-            <a:r>
-              <a:rPr lang="sk-SK" dirty="0" err="1"/>
-              <a:t>polling</a:t>
-            </a:r>
-            <a:r>
-              <a:rPr lang="sk-SK" dirty="0"/>
-              <a:t> </a:t>
-            </a:r>
-            <a:r>
-              <a:rPr lang="sk-SK" dirty="0" err="1"/>
-              <a:t>pattern</a:t>
-            </a:r>
-            <a:r>
-              <a:rPr lang="sk-SK" dirty="0"/>
-              <a:t> aj autentifikáciu s externými službami.</a:t>
-            </a:r>
-            <a:endParaRPr lang="sk-SK" b="1" dirty="0"/>
+              <a:t>sourcing</a:t>
+            </a:r>
+            <a:r>
+              <a:rPr lang="sk-SK" dirty="0"/>
+              <a:t>“)</a:t>
+            </a:r>
           </a:p>
         </p:txBody>
       </p:sp>
     </p:spTree>
     <p:extLst>
       <p:ext uri="{BB962C8B-B14F-4D97-AF65-F5344CB8AC3E}">
-        <p14:creationId xmlns:p14="http://schemas.microsoft.com/office/powerpoint/2010/main" val="3427095521"/>
+        <p14:creationId xmlns:p14="http://schemas.microsoft.com/office/powerpoint/2010/main" val="4120410758"/>
       </p:ext>
     </p:extLst>
   </p:cSld>
@@ -17064,21 +17144,6 @@
 </file>
 
 <file path=customXml/item1.xml><?xml version="1.0" encoding="utf-8"?>
-<p:properties xmlns:p="http://schemas.microsoft.com/office/2006/metadata/properties" xmlns:xsi="http://www.w3.org/2001/XMLSchema-instance" xmlns:pc="http://schemas.microsoft.com/office/infopath/2007/PartnerControls">
-  <documentManagement/>
-</p:properties>
-</file>
-
-<file path=customXml/item2.xml><?xml version="1.0" encoding="utf-8"?>
-<?mso-contentType ?>
-<FormTemplates xmlns="http://schemas.microsoft.com/sharepoint/v3/contenttype/forms">
-  <Display>DocumentLibraryForm</Display>
-  <Edit>DocumentLibraryForm</Edit>
-  <New>DocumentLibraryForm</New>
-</FormTemplates>
-</file>
-
-<file path=customXml/item3.xml><?xml version="1.0" encoding="utf-8"?>
 <ct:contentTypeSchema xmlns:ct="http://schemas.microsoft.com/office/2006/metadata/contentType" xmlns:ma="http://schemas.microsoft.com/office/2006/metadata/properties/metaAttributes" ct:_="" ma:_="" ma:contentTypeName="Dokument" ma:contentTypeID="0x010100D81D723D8BF7FD46A3A6BCCE71436C13" ma:contentTypeVersion="9" ma:contentTypeDescription="Umožňuje vytvoriť nový dokument." ma:contentTypeScope="" ma:versionID="5027bbb3b2b87f7facb5ec0a1a051276">
   <xsd:schema xmlns:xsd="http://www.w3.org/2001/XMLSchema" xmlns:xs="http://www.w3.org/2001/XMLSchema" xmlns:p="http://schemas.microsoft.com/office/2006/metadata/properties" xmlns:ns3="246628ed-b902-4bde-9cb2-b95f5582a2ce" xmlns:ns4="4e8b0afe-22a4-452b-ae06-8cabd0658848" targetNamespace="http://schemas.microsoft.com/office/2006/metadata/properties" ma:root="true" ma:fieldsID="f5d73a384b069110ab5db9ac98912687" ns3:_="" ns4:_="">
     <xsd:import namespace="246628ed-b902-4bde-9cb2-b95f5582a2ce"/>
@@ -17275,7 +17340,41 @@
 </ct:contentTypeSchema>
 </file>
 
+<file path=customXml/item2.xml><?xml version="1.0" encoding="utf-8"?>
+<p:properties xmlns:p="http://schemas.microsoft.com/office/2006/metadata/properties" xmlns:xsi="http://www.w3.org/2001/XMLSchema-instance" xmlns:pc="http://schemas.microsoft.com/office/infopath/2007/PartnerControls">
+  <documentManagement/>
+</p:properties>
+</file>
+
+<file path=customXml/item3.xml><?xml version="1.0" encoding="utf-8"?>
+<?mso-contentType ?>
+<FormTemplates xmlns="http://schemas.microsoft.com/sharepoint/v3/contenttype/forms">
+  <Display>DocumentLibraryForm</Display>
+  <Edit>DocumentLibraryForm</Edit>
+  <New>DocumentLibraryForm</New>
+</FormTemplates>
+</file>
+
 <file path=customXml/itemProps1.xml><?xml version="1.0" encoding="utf-8"?>
+<ds:datastoreItem xmlns:ds="http://schemas.openxmlformats.org/officeDocument/2006/customXml" ds:itemID="{60E9A80C-22BC-45AC-8E2E-E86FB731BF06}">
+  <ds:schemaRefs>
+    <ds:schemaRef ds:uri="http://schemas.microsoft.com/office/2006/metadata/contentType"/>
+    <ds:schemaRef ds:uri="http://schemas.microsoft.com/office/2006/metadata/properties/metaAttributes"/>
+    <ds:schemaRef ds:uri="http://www.w3.org/2001/XMLSchema"/>
+    <ds:schemaRef ds:uri="http://schemas.microsoft.com/office/2006/metadata/properties"/>
+    <ds:schemaRef ds:uri="246628ed-b902-4bde-9cb2-b95f5582a2ce"/>
+    <ds:schemaRef ds:uri="4e8b0afe-22a4-452b-ae06-8cabd0658848"/>
+    <ds:schemaRef ds:uri="http://schemas.microsoft.com/office/2006/documentManagement/types"/>
+    <ds:schemaRef ds:uri="http://schemas.microsoft.com/office/infopath/2007/PartnerControls"/>
+    <ds:schemaRef ds:uri="http://schemas.openxmlformats.org/package/2006/metadata/core-properties"/>
+    <ds:schemaRef ds:uri="http://purl.org/dc/elements/1.1/"/>
+    <ds:schemaRef ds:uri="http://purl.org/dc/terms/"/>
+    <ds:schemaRef ds:uri="http://schemas.microsoft.com/internal/obd"/>
+  </ds:schemaRefs>
+</ds:datastoreItem>
+</file>
+
+<file path=customXml/itemProps2.xml><?xml version="1.0" encoding="utf-8"?>
 <ds:datastoreItem xmlns:ds="http://schemas.openxmlformats.org/officeDocument/2006/customXml" ds:itemID="{D7023227-530E-4024-91EF-312A851A758C}">
   <ds:schemaRefs>
     <ds:schemaRef ds:uri="http://schemas.microsoft.com/office/2006/documentManagement/types"/>
@@ -17292,29 +17391,10 @@
 </ds:datastoreItem>
 </file>
 
-<file path=customXml/itemProps2.xml><?xml version="1.0" encoding="utf-8"?>
+<file path=customXml/itemProps3.xml><?xml version="1.0" encoding="utf-8"?>
 <ds:datastoreItem xmlns:ds="http://schemas.openxmlformats.org/officeDocument/2006/customXml" ds:itemID="{33315AA3-EAE3-44ED-8368-BAC2FFFB4817}">
   <ds:schemaRefs>
     <ds:schemaRef ds:uri="http://schemas.microsoft.com/sharepoint/v3/contenttype/forms"/>
   </ds:schemaRefs>
 </ds:datastoreItem>
-</file>
-
-<file path=customXml/itemProps3.xml><?xml version="1.0" encoding="utf-8"?>
-<ds:datastoreItem xmlns:ds="http://schemas.openxmlformats.org/officeDocument/2006/customXml" ds:itemID="{60E9A80C-22BC-45AC-8E2E-E86FB731BF06}">
-  <ds:schemaRefs>
-    <ds:schemaRef ds:uri="http://schemas.microsoft.com/office/2006/metadata/contentType"/>
-    <ds:schemaRef ds:uri="http://schemas.microsoft.com/office/2006/metadata/properties/metaAttributes"/>
-    <ds:schemaRef ds:uri="http://www.w3.org/2001/XMLSchema"/>
-    <ds:schemaRef ds:uri="http://schemas.microsoft.com/office/2006/metadata/properties"/>
-    <ds:schemaRef ds:uri="246628ed-b902-4bde-9cb2-b95f5582a2ce"/>
-    <ds:schemaRef ds:uri="4e8b0afe-22a4-452b-ae06-8cabd0658848"/>
-    <ds:schemaRef ds:uri="http://schemas.microsoft.com/office/2006/documentManagement/types"/>
-    <ds:schemaRef ds:uri="http://schemas.microsoft.com/office/infopath/2007/PartnerControls"/>
-    <ds:schemaRef ds:uri="http://schemas.openxmlformats.org/package/2006/metadata/core-properties"/>
-    <ds:schemaRef ds:uri="http://purl.org/dc/elements/1.1/"/>
-    <ds:schemaRef ds:uri="http://purl.org/dc/terms/"/>
-    <ds:schemaRef ds:uri="http://schemas.microsoft.com/internal/obd"/>
-  </ds:schemaRefs>
-</ds:datastoreItem>
 </file>